--- a/授業資料/講義資料：Mapクラス.pptx
+++ b/授業資料/講義資料：Mapクラス.pptx
@@ -3397,7 +3397,7 @@
           <a:p>
             <a:r>
               <a:rPr kumimoji="1" lang="en-US" altLang="ja-JP" dirty="0"/>
-              <a:t>Map</a:t>
+              <a:t>map</a:t>
             </a:r>
             <a:r>
               <a:rPr kumimoji="1" lang="ja-JP" altLang="en-US" dirty="0"/>
@@ -3664,8 +3664,8 @@
         </p:nvSpPr>
         <p:spPr>
           <a:xfrm>
-            <a:off x="1108955" y="5710018"/>
-            <a:ext cx="9119804" cy="646331"/>
+            <a:off x="739304" y="5710018"/>
+            <a:ext cx="10857459" cy="646331"/>
           </a:xfrm>
           <a:prstGeom prst="rect">
             <a:avLst/>
@@ -3722,7 +3722,7 @@
             </a:r>
             <a:r>
               <a:rPr kumimoji="1" lang="ja-JP" altLang="en-US" sz="3600" dirty="0"/>
-              <a:t>変数名</a:t>
+              <a:t>インスタンス名</a:t>
             </a:r>
           </a:p>
         </p:txBody>
@@ -3973,7 +3973,7 @@
             <a:pPr lvl="1"/>
             <a:r>
               <a:rPr lang="ja-JP" altLang="en-US" dirty="0"/>
-              <a:t>リストのように全要素を順番にアクセスすることは不可</a:t>
+              <a:t>イテレータを使ってキーや値を取得可能</a:t>
             </a:r>
             <a:endParaRPr lang="en-US" altLang="ja-JP" dirty="0"/>
           </a:p>

--- a/授業資料/講義資料：Mapクラス.pptx
+++ b/授業資料/講義資料：Mapクラス.pptx
@@ -252,7 +252,7 @@
           <a:p>
             <a:fld id="{5B96D3F8-CD2E-4A0D-AC38-517181EABB18}" type="datetimeFigureOut">
               <a:rPr kumimoji="1" lang="ja-JP" altLang="en-US" smtClean="0"/>
-              <a:t>2024/10/1</a:t>
+              <a:t>2024/10/2</a:t>
             </a:fld>
             <a:endParaRPr kumimoji="1" lang="ja-JP" altLang="en-US"/>
           </a:p>
@@ -454,7 +454,7 @@
           <a:p>
             <a:fld id="{5B96D3F8-CD2E-4A0D-AC38-517181EABB18}" type="datetimeFigureOut">
               <a:rPr kumimoji="1" lang="ja-JP" altLang="en-US" smtClean="0"/>
-              <a:t>2024/10/1</a:t>
+              <a:t>2024/10/2</a:t>
             </a:fld>
             <a:endParaRPr kumimoji="1" lang="ja-JP" altLang="en-US"/>
           </a:p>
@@ -666,7 +666,7 @@
           <a:p>
             <a:fld id="{5B96D3F8-CD2E-4A0D-AC38-517181EABB18}" type="datetimeFigureOut">
               <a:rPr kumimoji="1" lang="ja-JP" altLang="en-US" smtClean="0"/>
-              <a:t>2024/10/1</a:t>
+              <a:t>2024/10/2</a:t>
             </a:fld>
             <a:endParaRPr kumimoji="1" lang="ja-JP" altLang="en-US"/>
           </a:p>
@@ -868,7 +868,7 @@
           <a:p>
             <a:fld id="{5B96D3F8-CD2E-4A0D-AC38-517181EABB18}" type="datetimeFigureOut">
               <a:rPr kumimoji="1" lang="ja-JP" altLang="en-US" smtClean="0"/>
-              <a:t>2024/10/1</a:t>
+              <a:t>2024/10/2</a:t>
             </a:fld>
             <a:endParaRPr kumimoji="1" lang="ja-JP" altLang="en-US"/>
           </a:p>
@@ -1114,7 +1114,7 @@
           <a:p>
             <a:fld id="{5B96D3F8-CD2E-4A0D-AC38-517181EABB18}" type="datetimeFigureOut">
               <a:rPr kumimoji="1" lang="ja-JP" altLang="en-US" smtClean="0"/>
-              <a:t>2024/10/1</a:t>
+              <a:t>2024/10/2</a:t>
             </a:fld>
             <a:endParaRPr kumimoji="1" lang="ja-JP" altLang="en-US"/>
           </a:p>
@@ -1410,7 +1410,7 @@
           <a:p>
             <a:fld id="{5B96D3F8-CD2E-4A0D-AC38-517181EABB18}" type="datetimeFigureOut">
               <a:rPr kumimoji="1" lang="ja-JP" altLang="en-US" smtClean="0"/>
-              <a:t>2024/10/1</a:t>
+              <a:t>2024/10/2</a:t>
             </a:fld>
             <a:endParaRPr kumimoji="1" lang="ja-JP" altLang="en-US"/>
           </a:p>
@@ -1841,7 +1841,7 @@
           <a:p>
             <a:fld id="{5B96D3F8-CD2E-4A0D-AC38-517181EABB18}" type="datetimeFigureOut">
               <a:rPr kumimoji="1" lang="ja-JP" altLang="en-US" smtClean="0"/>
-              <a:t>2024/10/1</a:t>
+              <a:t>2024/10/2</a:t>
             </a:fld>
             <a:endParaRPr kumimoji="1" lang="ja-JP" altLang="en-US"/>
           </a:p>
@@ -1959,7 +1959,7 @@
           <a:p>
             <a:fld id="{5B96D3F8-CD2E-4A0D-AC38-517181EABB18}" type="datetimeFigureOut">
               <a:rPr kumimoji="1" lang="ja-JP" altLang="en-US" smtClean="0"/>
-              <a:t>2024/10/1</a:t>
+              <a:t>2024/10/2</a:t>
             </a:fld>
             <a:endParaRPr kumimoji="1" lang="ja-JP" altLang="en-US"/>
           </a:p>
@@ -2054,7 +2054,7 @@
           <a:p>
             <a:fld id="{5B96D3F8-CD2E-4A0D-AC38-517181EABB18}" type="datetimeFigureOut">
               <a:rPr kumimoji="1" lang="ja-JP" altLang="en-US" smtClean="0"/>
-              <a:t>2024/10/1</a:t>
+              <a:t>2024/10/2</a:t>
             </a:fld>
             <a:endParaRPr kumimoji="1" lang="ja-JP" altLang="en-US"/>
           </a:p>
@@ -2363,7 +2363,7 @@
           <a:p>
             <a:fld id="{5B96D3F8-CD2E-4A0D-AC38-517181EABB18}" type="datetimeFigureOut">
               <a:rPr kumimoji="1" lang="ja-JP" altLang="en-US" smtClean="0"/>
-              <a:t>2024/10/1</a:t>
+              <a:t>2024/10/2</a:t>
             </a:fld>
             <a:endParaRPr kumimoji="1" lang="ja-JP" altLang="en-US"/>
           </a:p>
@@ -2620,7 +2620,7 @@
           <a:p>
             <a:fld id="{5B96D3F8-CD2E-4A0D-AC38-517181EABB18}" type="datetimeFigureOut">
               <a:rPr kumimoji="1" lang="ja-JP" altLang="en-US" smtClean="0"/>
-              <a:t>2024/10/1</a:t>
+              <a:t>2024/10/2</a:t>
             </a:fld>
             <a:endParaRPr kumimoji="1" lang="ja-JP" altLang="en-US"/>
           </a:p>
@@ -2865,7 +2865,7 @@
           <a:p>
             <a:fld id="{5B96D3F8-CD2E-4A0D-AC38-517181EABB18}" type="datetimeFigureOut">
               <a:rPr kumimoji="1" lang="ja-JP" altLang="en-US" smtClean="0"/>
-              <a:t>2024/10/1</a:t>
+              <a:t>2024/10/2</a:t>
             </a:fld>
             <a:endParaRPr kumimoji="1" lang="ja-JP" altLang="en-US"/>
           </a:p>
@@ -4287,7 +4287,7 @@
             </a:r>
             <a:r>
               <a:rPr kumimoji="1" lang="en-US" altLang="ja-JP" dirty="0"/>
-              <a:t>P231~232 </a:t>
+              <a:t>P241~242 </a:t>
             </a:r>
             <a:r>
               <a:rPr lang="en-US" altLang="ja-JP" b="1" dirty="0"/>

--- a/授業資料/講義資料：Mapクラス.pptx
+++ b/授業資料/講義資料：Mapクラス.pptx
@@ -252,7 +252,7 @@
           <a:p>
             <a:fld id="{5B96D3F8-CD2E-4A0D-AC38-517181EABB18}" type="datetimeFigureOut">
               <a:rPr kumimoji="1" lang="ja-JP" altLang="en-US" smtClean="0"/>
-              <a:t>2024/10/2</a:t>
+              <a:t>2024/10/15</a:t>
             </a:fld>
             <a:endParaRPr kumimoji="1" lang="ja-JP" altLang="en-US"/>
           </a:p>
@@ -454,7 +454,7 @@
           <a:p>
             <a:fld id="{5B96D3F8-CD2E-4A0D-AC38-517181EABB18}" type="datetimeFigureOut">
               <a:rPr kumimoji="1" lang="ja-JP" altLang="en-US" smtClean="0"/>
-              <a:t>2024/10/2</a:t>
+              <a:t>2024/10/15</a:t>
             </a:fld>
             <a:endParaRPr kumimoji="1" lang="ja-JP" altLang="en-US"/>
           </a:p>
@@ -666,7 +666,7 @@
           <a:p>
             <a:fld id="{5B96D3F8-CD2E-4A0D-AC38-517181EABB18}" type="datetimeFigureOut">
               <a:rPr kumimoji="1" lang="ja-JP" altLang="en-US" smtClean="0"/>
-              <a:t>2024/10/2</a:t>
+              <a:t>2024/10/15</a:t>
             </a:fld>
             <a:endParaRPr kumimoji="1" lang="ja-JP" altLang="en-US"/>
           </a:p>
@@ -868,7 +868,7 @@
           <a:p>
             <a:fld id="{5B96D3F8-CD2E-4A0D-AC38-517181EABB18}" type="datetimeFigureOut">
               <a:rPr kumimoji="1" lang="ja-JP" altLang="en-US" smtClean="0"/>
-              <a:t>2024/10/2</a:t>
+              <a:t>2024/10/15</a:t>
             </a:fld>
             <a:endParaRPr kumimoji="1" lang="ja-JP" altLang="en-US"/>
           </a:p>
@@ -1114,7 +1114,7 @@
           <a:p>
             <a:fld id="{5B96D3F8-CD2E-4A0D-AC38-517181EABB18}" type="datetimeFigureOut">
               <a:rPr kumimoji="1" lang="ja-JP" altLang="en-US" smtClean="0"/>
-              <a:t>2024/10/2</a:t>
+              <a:t>2024/10/15</a:t>
             </a:fld>
             <a:endParaRPr kumimoji="1" lang="ja-JP" altLang="en-US"/>
           </a:p>
@@ -1410,7 +1410,7 @@
           <a:p>
             <a:fld id="{5B96D3F8-CD2E-4A0D-AC38-517181EABB18}" type="datetimeFigureOut">
               <a:rPr kumimoji="1" lang="ja-JP" altLang="en-US" smtClean="0"/>
-              <a:t>2024/10/2</a:t>
+              <a:t>2024/10/15</a:t>
             </a:fld>
             <a:endParaRPr kumimoji="1" lang="ja-JP" altLang="en-US"/>
           </a:p>
@@ -1841,7 +1841,7 @@
           <a:p>
             <a:fld id="{5B96D3F8-CD2E-4A0D-AC38-517181EABB18}" type="datetimeFigureOut">
               <a:rPr kumimoji="1" lang="ja-JP" altLang="en-US" smtClean="0"/>
-              <a:t>2024/10/2</a:t>
+              <a:t>2024/10/15</a:t>
             </a:fld>
             <a:endParaRPr kumimoji="1" lang="ja-JP" altLang="en-US"/>
           </a:p>
@@ -1959,7 +1959,7 @@
           <a:p>
             <a:fld id="{5B96D3F8-CD2E-4A0D-AC38-517181EABB18}" type="datetimeFigureOut">
               <a:rPr kumimoji="1" lang="ja-JP" altLang="en-US" smtClean="0"/>
-              <a:t>2024/10/2</a:t>
+              <a:t>2024/10/15</a:t>
             </a:fld>
             <a:endParaRPr kumimoji="1" lang="ja-JP" altLang="en-US"/>
           </a:p>
@@ -2054,7 +2054,7 @@
           <a:p>
             <a:fld id="{5B96D3F8-CD2E-4A0D-AC38-517181EABB18}" type="datetimeFigureOut">
               <a:rPr kumimoji="1" lang="ja-JP" altLang="en-US" smtClean="0"/>
-              <a:t>2024/10/2</a:t>
+              <a:t>2024/10/15</a:t>
             </a:fld>
             <a:endParaRPr kumimoji="1" lang="ja-JP" altLang="en-US"/>
           </a:p>
@@ -2363,7 +2363,7 @@
           <a:p>
             <a:fld id="{5B96D3F8-CD2E-4A0D-AC38-517181EABB18}" type="datetimeFigureOut">
               <a:rPr kumimoji="1" lang="ja-JP" altLang="en-US" smtClean="0"/>
-              <a:t>2024/10/2</a:t>
+              <a:t>2024/10/15</a:t>
             </a:fld>
             <a:endParaRPr kumimoji="1" lang="ja-JP" altLang="en-US"/>
           </a:p>
@@ -2620,7 +2620,7 @@
           <a:p>
             <a:fld id="{5B96D3F8-CD2E-4A0D-AC38-517181EABB18}" type="datetimeFigureOut">
               <a:rPr kumimoji="1" lang="ja-JP" altLang="en-US" smtClean="0"/>
-              <a:t>2024/10/2</a:t>
+              <a:t>2024/10/15</a:t>
             </a:fld>
             <a:endParaRPr kumimoji="1" lang="ja-JP" altLang="en-US"/>
           </a:p>
@@ -2865,7 +2865,7 @@
           <a:p>
             <a:fld id="{5B96D3F8-CD2E-4A0D-AC38-517181EABB18}" type="datetimeFigureOut">
               <a:rPr kumimoji="1" lang="ja-JP" altLang="en-US" smtClean="0"/>
-              <a:t>2024/10/2</a:t>
+              <a:t>2024/10/15</a:t>
             </a:fld>
             <a:endParaRPr kumimoji="1" lang="ja-JP" altLang="en-US"/>
           </a:p>
@@ -4549,8 +4549,8 @@
         </p:nvSpPr>
         <p:spPr>
           <a:xfrm>
-            <a:off x="859277" y="1097394"/>
-            <a:ext cx="10688220" cy="4401205"/>
+            <a:off x="859276" y="1097394"/>
+            <a:ext cx="11134927" cy="5262979"/>
           </a:xfrm>
           <a:prstGeom prst="rect">
             <a:avLst/>
@@ -4569,7 +4569,7 @@
           <a:lstStyle/>
           <a:p>
             <a:r>
-              <a:rPr lang="en-US" altLang="ja-JP" sz="2000" dirty="0">
+              <a:rPr lang="en-US" altLang="ja-JP" sz="2400" dirty="0">
                 <a:solidFill>
                   <a:srgbClr val="808080"/>
                 </a:solidFill>
@@ -4578,16 +4578,16 @@
               <a:t>#include</a:t>
             </a:r>
             <a:r>
-              <a:rPr lang="en-US" altLang="ja-JP" sz="2000" dirty="0">
-                <a:solidFill>
-                  <a:srgbClr val="000000"/>
-                </a:solidFill>
-                <a:ea typeface="ＭＳ ゴシック" panose="020B0609070205080204" pitchFamily="49" charset="-128"/>
-              </a:rPr>
-              <a:t> </a:t>
-            </a:r>
-            <a:r>
-              <a:rPr lang="en-US" altLang="ja-JP" sz="2000" dirty="0">
+              <a:rPr lang="en-US" altLang="ja-JP" sz="2400" dirty="0">
+                <a:solidFill>
+                  <a:srgbClr val="000000"/>
+                </a:solidFill>
+                <a:ea typeface="ＭＳ ゴシック" panose="020B0609070205080204" pitchFamily="49" charset="-128"/>
+              </a:rPr>
+              <a:t> </a:t>
+            </a:r>
+            <a:r>
+              <a:rPr lang="en-US" altLang="ja-JP" sz="2400" dirty="0">
                 <a:solidFill>
                   <a:srgbClr val="A31515"/>
                 </a:solidFill>
@@ -4595,7 +4595,7 @@
               </a:rPr>
               <a:t>&lt;iostream&gt;</a:t>
             </a:r>
-            <a:endParaRPr lang="en-US" altLang="ja-JP" sz="2000" dirty="0">
+            <a:endParaRPr lang="en-US" altLang="ja-JP" sz="2400" dirty="0">
               <a:solidFill>
                 <a:srgbClr val="000000"/>
               </a:solidFill>
@@ -4604,7 +4604,7 @@
           </a:p>
           <a:p>
             <a:r>
-              <a:rPr lang="en-US" altLang="ja-JP" sz="2000" dirty="0">
+              <a:rPr lang="en-US" altLang="ja-JP" sz="2400" dirty="0">
                 <a:solidFill>
                   <a:srgbClr val="808080"/>
                 </a:solidFill>
@@ -4613,16 +4613,16 @@
               <a:t>#include</a:t>
             </a:r>
             <a:r>
-              <a:rPr lang="en-US" altLang="ja-JP" sz="2000" dirty="0">
-                <a:solidFill>
-                  <a:srgbClr val="000000"/>
-                </a:solidFill>
-                <a:ea typeface="ＭＳ ゴシック" panose="020B0609070205080204" pitchFamily="49" charset="-128"/>
-              </a:rPr>
-              <a:t> </a:t>
-            </a:r>
-            <a:r>
-              <a:rPr lang="en-US" altLang="ja-JP" sz="2000" dirty="0">
+              <a:rPr lang="en-US" altLang="ja-JP" sz="2400" dirty="0">
+                <a:solidFill>
+                  <a:srgbClr val="000000"/>
+                </a:solidFill>
+                <a:ea typeface="ＭＳ ゴシック" panose="020B0609070205080204" pitchFamily="49" charset="-128"/>
+              </a:rPr>
+              <a:t> </a:t>
+            </a:r>
+            <a:r>
+              <a:rPr lang="en-US" altLang="ja-JP" sz="2400" dirty="0">
                 <a:solidFill>
                   <a:srgbClr val="A31515"/>
                 </a:solidFill>
@@ -4630,7 +4630,7 @@
               </a:rPr>
               <a:t>&lt;string&gt;</a:t>
             </a:r>
-            <a:endParaRPr lang="en-US" altLang="ja-JP" sz="2000" dirty="0">
+            <a:endParaRPr lang="en-US" altLang="ja-JP" sz="2400" dirty="0">
               <a:solidFill>
                 <a:srgbClr val="000000"/>
               </a:solidFill>
@@ -4639,7 +4639,7 @@
           </a:p>
           <a:p>
             <a:r>
-              <a:rPr lang="en-US" altLang="ja-JP" sz="2000" dirty="0">
+              <a:rPr lang="en-US" altLang="ja-JP" sz="2400" dirty="0">
                 <a:solidFill>
                   <a:srgbClr val="808080"/>
                 </a:solidFill>
@@ -4648,16 +4648,16 @@
               <a:t>#include</a:t>
             </a:r>
             <a:r>
-              <a:rPr lang="en-US" altLang="ja-JP" sz="2000" dirty="0">
-                <a:solidFill>
-                  <a:srgbClr val="000000"/>
-                </a:solidFill>
-                <a:ea typeface="ＭＳ ゴシック" panose="020B0609070205080204" pitchFamily="49" charset="-128"/>
-              </a:rPr>
-              <a:t> </a:t>
-            </a:r>
-            <a:r>
-              <a:rPr lang="en-US" altLang="ja-JP" sz="2000" dirty="0">
+              <a:rPr lang="en-US" altLang="ja-JP" sz="2400" dirty="0">
+                <a:solidFill>
+                  <a:srgbClr val="000000"/>
+                </a:solidFill>
+                <a:ea typeface="ＭＳ ゴシック" panose="020B0609070205080204" pitchFamily="49" charset="-128"/>
+              </a:rPr>
+              <a:t> </a:t>
+            </a:r>
+            <a:r>
+              <a:rPr lang="en-US" altLang="ja-JP" sz="2400" dirty="0">
                 <a:solidFill>
                   <a:srgbClr val="A31515"/>
                 </a:solidFill>
@@ -4665,7 +4665,7 @@
               </a:rPr>
               <a:t>&lt;map&gt;</a:t>
             </a:r>
-            <a:endParaRPr lang="en-US" altLang="ja-JP" sz="2000" dirty="0">
+            <a:endParaRPr lang="en-US" altLang="ja-JP" sz="2400" dirty="0">
               <a:solidFill>
                 <a:srgbClr val="000000"/>
               </a:solidFill>
@@ -4674,7 +4674,7 @@
           </a:p>
           <a:p>
             <a:r>
-              <a:rPr lang="en-US" altLang="ja-JP" sz="2000" dirty="0">
+              <a:rPr lang="en-US" altLang="ja-JP" sz="2400" dirty="0">
                 <a:solidFill>
                   <a:srgbClr val="0000FF"/>
                 </a:solidFill>
@@ -4683,16 +4683,16 @@
               <a:t>using</a:t>
             </a:r>
             <a:r>
-              <a:rPr lang="en-US" altLang="ja-JP" sz="2000" dirty="0">
-                <a:solidFill>
-                  <a:srgbClr val="000000"/>
-                </a:solidFill>
-                <a:ea typeface="ＭＳ ゴシック" panose="020B0609070205080204" pitchFamily="49" charset="-128"/>
-              </a:rPr>
-              <a:t> </a:t>
-            </a:r>
-            <a:r>
-              <a:rPr lang="en-US" altLang="ja-JP" sz="2000" dirty="0">
+              <a:rPr lang="en-US" altLang="ja-JP" sz="2400" dirty="0">
+                <a:solidFill>
+                  <a:srgbClr val="000000"/>
+                </a:solidFill>
+                <a:ea typeface="ＭＳ ゴシック" panose="020B0609070205080204" pitchFamily="49" charset="-128"/>
+              </a:rPr>
+              <a:t> </a:t>
+            </a:r>
+            <a:r>
+              <a:rPr lang="en-US" altLang="ja-JP" sz="2400" dirty="0">
                 <a:solidFill>
                   <a:srgbClr val="0000FF"/>
                 </a:solidFill>
@@ -4701,7 +4701,7 @@
               <a:t>namespace</a:t>
             </a:r>
             <a:r>
-              <a:rPr lang="en-US" altLang="ja-JP" sz="2000" dirty="0">
+              <a:rPr lang="en-US" altLang="ja-JP" sz="2400" dirty="0">
                 <a:solidFill>
                   <a:srgbClr val="000000"/>
                 </a:solidFill>
@@ -4712,7 +4712,7 @@
           </a:p>
           <a:p>
             <a:r>
-              <a:rPr lang="en-US" altLang="ja-JP" sz="2000" dirty="0">
+              <a:rPr lang="en-US" altLang="ja-JP" sz="2400" dirty="0">
                 <a:solidFill>
                   <a:srgbClr val="0000FF"/>
                 </a:solidFill>
@@ -4721,7 +4721,7 @@
               <a:t>int</a:t>
             </a:r>
             <a:r>
-              <a:rPr lang="en-US" altLang="ja-JP" sz="2000" dirty="0">
+              <a:rPr lang="en-US" altLang="ja-JP" sz="2400" dirty="0">
                 <a:solidFill>
                   <a:srgbClr val="000000"/>
                 </a:solidFill>
@@ -4732,7 +4732,7 @@
           </a:p>
           <a:p>
             <a:r>
-              <a:rPr lang="en-US" altLang="ja-JP" sz="2000" dirty="0">
+              <a:rPr lang="en-US" altLang="ja-JP" sz="2400" dirty="0">
                 <a:solidFill>
                   <a:srgbClr val="2B91AF"/>
                 </a:solidFill>
@@ -4741,7 +4741,7 @@
               <a:t>	map </a:t>
             </a:r>
             <a:r>
-              <a:rPr lang="en-US" altLang="ja-JP" sz="2000" dirty="0">
+              <a:rPr lang="en-US" altLang="ja-JP" sz="2400" dirty="0">
                 <a:solidFill>
                   <a:srgbClr val="000000"/>
                 </a:solidFill>
@@ -4750,7 +4750,7 @@
               <a:t>&lt;</a:t>
             </a:r>
             <a:r>
-              <a:rPr lang="en-US" altLang="ja-JP" sz="2000" dirty="0">
+              <a:rPr lang="en-US" altLang="ja-JP" sz="2400" dirty="0">
                 <a:solidFill>
                   <a:srgbClr val="2B91AF"/>
                 </a:solidFill>
@@ -4759,7 +4759,7 @@
               <a:t>string</a:t>
             </a:r>
             <a:r>
-              <a:rPr lang="en-US" altLang="ja-JP" sz="2000" dirty="0">
+              <a:rPr lang="en-US" altLang="ja-JP" sz="2400" dirty="0">
                 <a:solidFill>
                   <a:srgbClr val="000000"/>
                 </a:solidFill>
@@ -4768,7 +4768,7 @@
               <a:t>, </a:t>
             </a:r>
             <a:r>
-              <a:rPr lang="en-US" altLang="ja-JP" sz="2000" dirty="0">
+              <a:rPr lang="en-US" altLang="ja-JP" sz="2400" dirty="0">
                 <a:solidFill>
                   <a:srgbClr val="0000FF"/>
                 </a:solidFill>
@@ -4777,7 +4777,7 @@
               <a:t>int</a:t>
             </a:r>
             <a:r>
-              <a:rPr lang="en-US" altLang="ja-JP" sz="2000" dirty="0">
+              <a:rPr lang="en-US" altLang="ja-JP" sz="2400" dirty="0">
                 <a:solidFill>
                   <a:srgbClr val="000000"/>
                 </a:solidFill>
@@ -4786,7 +4786,7 @@
               <a:t>&gt; score;	</a:t>
             </a:r>
             <a:r>
-              <a:rPr lang="en-US" altLang="ja-JP" sz="2000" dirty="0">
+              <a:rPr lang="en-US" altLang="ja-JP" sz="2400" dirty="0">
                 <a:solidFill>
                   <a:srgbClr val="00B050"/>
                 </a:solidFill>
@@ -4795,7 +4795,7 @@
               <a:t>//</a:t>
             </a:r>
             <a:r>
-              <a:rPr lang="ja-JP" altLang="en-US" sz="2000" dirty="0">
+              <a:rPr lang="ja-JP" altLang="en-US" sz="2400" dirty="0">
                 <a:solidFill>
                   <a:srgbClr val="00B050"/>
                 </a:solidFill>
@@ -4804,7 +4804,7 @@
               <a:t>キーが</a:t>
             </a:r>
             <a:r>
-              <a:rPr lang="en-US" altLang="ja-JP" sz="2000" dirty="0">
+              <a:rPr lang="en-US" altLang="ja-JP" sz="2400" dirty="0">
                 <a:solidFill>
                   <a:srgbClr val="00B050"/>
                 </a:solidFill>
@@ -4813,7 +4813,7 @@
               <a:t>string</a:t>
             </a:r>
             <a:r>
-              <a:rPr lang="ja-JP" altLang="en-US" sz="2000" dirty="0">
+              <a:rPr lang="ja-JP" altLang="en-US" sz="2400" dirty="0">
                 <a:solidFill>
                   <a:srgbClr val="00B050"/>
                 </a:solidFill>
@@ -4822,7 +4822,7 @@
               <a:t>、値が</a:t>
             </a:r>
             <a:r>
-              <a:rPr lang="en-US" altLang="ja-JP" sz="2000" dirty="0">
+              <a:rPr lang="en-US" altLang="ja-JP" sz="2400" dirty="0">
                 <a:solidFill>
                   <a:srgbClr val="00B050"/>
                 </a:solidFill>
@@ -4831,7 +4831,7 @@
               <a:t>int</a:t>
             </a:r>
             <a:r>
-              <a:rPr lang="ja-JP" altLang="en-US" sz="2000" dirty="0">
+              <a:rPr lang="ja-JP" altLang="en-US" sz="2400" dirty="0">
                 <a:solidFill>
                   <a:srgbClr val="00B050"/>
                 </a:solidFill>
@@ -4840,7 +4840,7 @@
               <a:t>の</a:t>
             </a:r>
             <a:r>
-              <a:rPr lang="en-US" altLang="ja-JP" sz="2000" dirty="0">
+              <a:rPr lang="en-US" altLang="ja-JP" sz="2400" dirty="0">
                 <a:solidFill>
                   <a:srgbClr val="00B050"/>
                 </a:solidFill>
@@ -4849,7 +4849,7 @@
               <a:t>map</a:t>
             </a:r>
             <a:r>
-              <a:rPr lang="ja-JP" altLang="en-US" sz="2000" dirty="0">
+              <a:rPr lang="ja-JP" altLang="en-US" sz="2400" dirty="0">
                 <a:solidFill>
                   <a:srgbClr val="00B050"/>
                 </a:solidFill>
@@ -4857,7 +4857,7 @@
               </a:rPr>
               <a:t>を宣言</a:t>
             </a:r>
-            <a:endParaRPr lang="en-US" altLang="ja-JP" sz="2000" dirty="0">
+            <a:endParaRPr lang="en-US" altLang="ja-JP" sz="2400" dirty="0">
               <a:solidFill>
                 <a:srgbClr val="000000"/>
               </a:solidFill>
@@ -4866,7 +4866,7 @@
           </a:p>
           <a:p>
             <a:r>
-              <a:rPr lang="en-US" altLang="ja-JP" sz="2000" dirty="0">
+              <a:rPr lang="en-US" altLang="ja-JP" sz="2400" dirty="0">
                 <a:solidFill>
                   <a:srgbClr val="000000"/>
                 </a:solidFill>
@@ -4875,7 +4875,7 @@
               <a:t>	score</a:t>
             </a:r>
             <a:r>
-              <a:rPr lang="en-US" altLang="ja-JP" sz="2000" dirty="0">
+              <a:rPr lang="en-US" altLang="ja-JP" sz="2400" dirty="0">
                 <a:solidFill>
                   <a:srgbClr val="008080"/>
                 </a:solidFill>
@@ -4884,7 +4884,7 @@
               <a:t>[</a:t>
             </a:r>
             <a:r>
-              <a:rPr lang="en-US" altLang="ja-JP" sz="2000" dirty="0">
+              <a:rPr lang="en-US" altLang="ja-JP" sz="2400" dirty="0">
                 <a:solidFill>
                   <a:srgbClr val="A31515"/>
                 </a:solidFill>
@@ -4893,7 +4893,7 @@
               <a:t>“Tom”</a:t>
             </a:r>
             <a:r>
-              <a:rPr lang="en-US" altLang="ja-JP" sz="2000" dirty="0">
+              <a:rPr lang="en-US" altLang="ja-JP" sz="2400" dirty="0">
                 <a:solidFill>
                   <a:srgbClr val="008080"/>
                 </a:solidFill>
@@ -4902,7 +4902,7 @@
               <a:t>]</a:t>
             </a:r>
             <a:r>
-              <a:rPr lang="en-US" altLang="ja-JP" sz="2000" dirty="0">
+              <a:rPr lang="en-US" altLang="ja-JP" sz="2400" dirty="0">
                 <a:solidFill>
                   <a:srgbClr val="000000"/>
                 </a:solidFill>
@@ -4911,7 +4911,7 @@
               <a:t> = 100; 			</a:t>
             </a:r>
             <a:r>
-              <a:rPr lang="en-US" altLang="ja-JP" sz="2000" dirty="0">
+              <a:rPr lang="en-US" altLang="ja-JP" sz="2400" dirty="0">
                 <a:solidFill>
                   <a:srgbClr val="00B050"/>
                 </a:solidFill>
@@ -4920,7 +4920,7 @@
               <a:t>//</a:t>
             </a:r>
             <a:r>
-              <a:rPr lang="ja-JP" altLang="en-US" sz="2000" dirty="0">
+              <a:rPr lang="ja-JP" altLang="en-US" sz="2400" dirty="0">
                 <a:solidFill>
                   <a:srgbClr val="00B050"/>
                 </a:solidFill>
@@ -4929,7 +4929,7 @@
               <a:t>キーが</a:t>
             </a:r>
             <a:r>
-              <a:rPr lang="en-US" altLang="ja-JP" sz="2000" dirty="0">
+              <a:rPr lang="en-US" altLang="ja-JP" sz="2400" dirty="0">
                 <a:solidFill>
                   <a:srgbClr val="00B050"/>
                 </a:solidFill>
@@ -4938,7 +4938,7 @@
               <a:t>Tom</a:t>
             </a:r>
             <a:r>
-              <a:rPr lang="ja-JP" altLang="en-US" sz="2000" dirty="0">
+              <a:rPr lang="ja-JP" altLang="en-US" sz="2400" dirty="0">
                 <a:solidFill>
                   <a:srgbClr val="00B050"/>
                 </a:solidFill>
@@ -4947,7 +4947,7 @@
               <a:t>、値が</a:t>
             </a:r>
             <a:r>
-              <a:rPr lang="en-US" altLang="ja-JP" sz="2000" dirty="0">
+              <a:rPr lang="en-US" altLang="ja-JP" sz="2400" dirty="0">
                 <a:solidFill>
                   <a:srgbClr val="00B050"/>
                 </a:solidFill>
@@ -4958,7 +4958,7 @@
           </a:p>
           <a:p>
             <a:r>
-              <a:rPr lang="en-US" altLang="ja-JP" sz="2000" dirty="0">
+              <a:rPr lang="en-US" altLang="ja-JP" sz="2400" dirty="0">
                 <a:solidFill>
                   <a:srgbClr val="000000"/>
                 </a:solidFill>
@@ -4967,7 +4967,7 @@
               <a:t>	score</a:t>
             </a:r>
             <a:r>
-              <a:rPr lang="en-US" altLang="ja-JP" sz="2000" dirty="0">
+              <a:rPr lang="en-US" altLang="ja-JP" sz="2400" dirty="0">
                 <a:solidFill>
                   <a:srgbClr val="008080"/>
                 </a:solidFill>
@@ -4976,7 +4976,7 @@
               <a:t>[</a:t>
             </a:r>
             <a:r>
-              <a:rPr lang="en-US" altLang="ja-JP" sz="2000" dirty="0">
+              <a:rPr lang="en-US" altLang="ja-JP" sz="2400" dirty="0">
                 <a:solidFill>
                   <a:srgbClr val="A31515"/>
                 </a:solidFill>
@@ -4985,7 +4985,7 @@
               <a:t>"Bob"</a:t>
             </a:r>
             <a:r>
-              <a:rPr lang="en-US" altLang="ja-JP" sz="2000" dirty="0">
+              <a:rPr lang="en-US" altLang="ja-JP" sz="2400" dirty="0">
                 <a:solidFill>
                   <a:srgbClr val="008080"/>
                 </a:solidFill>
@@ -4994,7 +4994,7 @@
               <a:t>]</a:t>
             </a:r>
             <a:r>
-              <a:rPr lang="en-US" altLang="ja-JP" sz="2000" dirty="0">
+              <a:rPr lang="en-US" altLang="ja-JP" sz="2400" dirty="0">
                 <a:solidFill>
                   <a:srgbClr val="000000"/>
                 </a:solidFill>
@@ -5005,7 +5005,7 @@
           </a:p>
           <a:p>
             <a:r>
-              <a:rPr lang="en-US" altLang="ja-JP" sz="2000" dirty="0">
+              <a:rPr lang="en-US" altLang="ja-JP" sz="2400" dirty="0">
                 <a:solidFill>
                   <a:srgbClr val="000000"/>
                 </a:solidFill>
@@ -5014,7 +5014,7 @@
               <a:t>	score</a:t>
             </a:r>
             <a:r>
-              <a:rPr lang="en-US" altLang="ja-JP" sz="2000" dirty="0">
+              <a:rPr lang="en-US" altLang="ja-JP" sz="2400" dirty="0">
                 <a:solidFill>
                   <a:srgbClr val="008080"/>
                 </a:solidFill>
@@ -5023,7 +5023,7 @@
               <a:t>[</a:t>
             </a:r>
             <a:r>
-              <a:rPr lang="en-US" altLang="ja-JP" sz="2000" dirty="0">
+              <a:rPr lang="en-US" altLang="ja-JP" sz="2400" dirty="0">
                 <a:solidFill>
                   <a:srgbClr val="A31515"/>
                 </a:solidFill>
@@ -5032,7 +5032,7 @@
               <a:t>"Mike"</a:t>
             </a:r>
             <a:r>
-              <a:rPr lang="en-US" altLang="ja-JP" sz="2000" dirty="0">
+              <a:rPr lang="en-US" altLang="ja-JP" sz="2400" dirty="0">
                 <a:solidFill>
                   <a:srgbClr val="008080"/>
                 </a:solidFill>
@@ -5041,7 +5041,7 @@
               <a:t>]</a:t>
             </a:r>
             <a:r>
-              <a:rPr lang="en-US" altLang="ja-JP" sz="2000" dirty="0">
+              <a:rPr lang="en-US" altLang="ja-JP" sz="2400" dirty="0">
                 <a:solidFill>
                   <a:srgbClr val="000000"/>
                 </a:solidFill>
@@ -5052,7 +5052,7 @@
           </a:p>
           <a:p>
             <a:r>
-              <a:rPr lang="en-US" altLang="ja-JP" sz="2000" dirty="0">
+              <a:rPr lang="en-US" altLang="ja-JP" sz="2400" dirty="0">
                 <a:solidFill>
                   <a:srgbClr val="000000"/>
                 </a:solidFill>
@@ -5061,7 +5061,7 @@
               <a:t>	</a:t>
             </a:r>
             <a:r>
-              <a:rPr lang="en-US" altLang="ja-JP" sz="2000" dirty="0" err="1">
+              <a:rPr lang="en-US" altLang="ja-JP" sz="2400" dirty="0" err="1">
                 <a:solidFill>
                   <a:srgbClr val="000000"/>
                 </a:solidFill>
@@ -5070,16 +5070,16 @@
               <a:t>cout</a:t>
             </a:r>
             <a:r>
-              <a:rPr lang="en-US" altLang="ja-JP" sz="2000" dirty="0">
-                <a:solidFill>
-                  <a:srgbClr val="000000"/>
-                </a:solidFill>
-                <a:ea typeface="ＭＳ ゴシック" panose="020B0609070205080204" pitchFamily="49" charset="-128"/>
-              </a:rPr>
-              <a:t> </a:t>
-            </a:r>
-            <a:r>
-              <a:rPr lang="en-US" altLang="ja-JP" sz="2000" dirty="0">
+              <a:rPr lang="en-US" altLang="ja-JP" sz="2400" dirty="0">
+                <a:solidFill>
+                  <a:srgbClr val="000000"/>
+                </a:solidFill>
+                <a:ea typeface="ＭＳ ゴシック" panose="020B0609070205080204" pitchFamily="49" charset="-128"/>
+              </a:rPr>
+              <a:t> </a:t>
+            </a:r>
+            <a:r>
+              <a:rPr lang="en-US" altLang="ja-JP" sz="2400" dirty="0">
                 <a:solidFill>
                   <a:srgbClr val="008080"/>
                 </a:solidFill>
@@ -5088,16 +5088,16 @@
               <a:t>&lt;&lt;</a:t>
             </a:r>
             <a:r>
-              <a:rPr lang="en-US" altLang="ja-JP" sz="2000" dirty="0">
-                <a:solidFill>
-                  <a:srgbClr val="000000"/>
-                </a:solidFill>
-                <a:ea typeface="ＭＳ ゴシック" panose="020B0609070205080204" pitchFamily="49" charset="-128"/>
-              </a:rPr>
-              <a:t> </a:t>
-            </a:r>
-            <a:r>
-              <a:rPr lang="en-US" altLang="ja-JP" sz="2000" dirty="0">
+              <a:rPr lang="en-US" altLang="ja-JP" sz="2400" dirty="0">
+                <a:solidFill>
+                  <a:srgbClr val="000000"/>
+                </a:solidFill>
+                <a:ea typeface="ＭＳ ゴシック" panose="020B0609070205080204" pitchFamily="49" charset="-128"/>
+              </a:rPr>
+              <a:t> </a:t>
+            </a:r>
+            <a:r>
+              <a:rPr lang="en-US" altLang="ja-JP" sz="2400" dirty="0">
                 <a:solidFill>
                   <a:srgbClr val="A31515"/>
                 </a:solidFill>
@@ -5106,7 +5106,7 @@
               <a:t>"Tom</a:t>
             </a:r>
             <a:r>
-              <a:rPr lang="ja-JP" altLang="en-US" sz="2000" dirty="0">
+              <a:rPr lang="ja-JP" altLang="en-US" sz="2400" dirty="0">
                 <a:solidFill>
                   <a:srgbClr val="A31515"/>
                 </a:solidFill>
@@ -5115,7 +5115,7 @@
               <a:t>の点数は</a:t>
             </a:r>
             <a:r>
-              <a:rPr lang="en-US" altLang="ja-JP" sz="2000" dirty="0">
+              <a:rPr lang="en-US" altLang="ja-JP" sz="2400" dirty="0">
                 <a:solidFill>
                   <a:srgbClr val="A31515"/>
                 </a:solidFill>
@@ -5124,16 +5124,16 @@
               <a:t>"</a:t>
             </a:r>
             <a:r>
-              <a:rPr lang="ja-JP" altLang="en-US" sz="2000" dirty="0">
-                <a:solidFill>
-                  <a:srgbClr val="000000"/>
-                </a:solidFill>
-                <a:ea typeface="ＭＳ ゴシック" panose="020B0609070205080204" pitchFamily="49" charset="-128"/>
-              </a:rPr>
-              <a:t> </a:t>
-            </a:r>
-            <a:r>
-              <a:rPr lang="en-US" altLang="ja-JP" sz="2000" dirty="0">
+              <a:rPr lang="ja-JP" altLang="en-US" sz="2400" dirty="0">
+                <a:solidFill>
+                  <a:srgbClr val="000000"/>
+                </a:solidFill>
+                <a:ea typeface="ＭＳ ゴシック" panose="020B0609070205080204" pitchFamily="49" charset="-128"/>
+              </a:rPr>
+              <a:t> </a:t>
+            </a:r>
+            <a:r>
+              <a:rPr lang="en-US" altLang="ja-JP" sz="2400" dirty="0">
                 <a:solidFill>
                   <a:srgbClr val="008080"/>
                 </a:solidFill>
@@ -5142,16 +5142,16 @@
               <a:t>&lt;&lt;</a:t>
             </a:r>
             <a:r>
-              <a:rPr lang="ja-JP" altLang="en-US" sz="2000" dirty="0">
-                <a:solidFill>
-                  <a:srgbClr val="000000"/>
-                </a:solidFill>
-                <a:ea typeface="ＭＳ ゴシック" panose="020B0609070205080204" pitchFamily="49" charset="-128"/>
-              </a:rPr>
-              <a:t> </a:t>
-            </a:r>
-            <a:r>
-              <a:rPr lang="en-US" altLang="ja-JP" sz="2000" dirty="0">
+              <a:rPr lang="ja-JP" altLang="en-US" sz="2400" dirty="0">
+                <a:solidFill>
+                  <a:srgbClr val="000000"/>
+                </a:solidFill>
+                <a:ea typeface="ＭＳ ゴシック" panose="020B0609070205080204" pitchFamily="49" charset="-128"/>
+              </a:rPr>
+              <a:t> </a:t>
+            </a:r>
+            <a:r>
+              <a:rPr lang="en-US" altLang="ja-JP" sz="2400" dirty="0">
                 <a:solidFill>
                   <a:srgbClr val="000000"/>
                 </a:solidFill>
@@ -5160,7 +5160,7 @@
               <a:t>score</a:t>
             </a:r>
             <a:r>
-              <a:rPr lang="en-US" altLang="ja-JP" sz="2000" dirty="0">
+              <a:rPr lang="en-US" altLang="ja-JP" sz="2400" dirty="0">
                 <a:solidFill>
                   <a:srgbClr val="008080"/>
                 </a:solidFill>
@@ -5169,7 +5169,7 @@
               <a:t>[</a:t>
             </a:r>
             <a:r>
-              <a:rPr lang="en-US" altLang="ja-JP" sz="2000" dirty="0">
+              <a:rPr lang="en-US" altLang="ja-JP" sz="2400" dirty="0">
                 <a:solidFill>
                   <a:srgbClr val="A31515"/>
                 </a:solidFill>
@@ -5178,7 +5178,7 @@
               <a:t>"Tom"</a:t>
             </a:r>
             <a:r>
-              <a:rPr lang="en-US" altLang="ja-JP" sz="2000" dirty="0">
+              <a:rPr lang="en-US" altLang="ja-JP" sz="2400" dirty="0">
                 <a:solidFill>
                   <a:srgbClr val="008080"/>
                 </a:solidFill>
@@ -5187,16 +5187,16 @@
               <a:t>]</a:t>
             </a:r>
             <a:r>
-              <a:rPr lang="en-US" altLang="ja-JP" sz="2000" dirty="0">
-                <a:solidFill>
-                  <a:srgbClr val="000000"/>
-                </a:solidFill>
-                <a:ea typeface="ＭＳ ゴシック" panose="020B0609070205080204" pitchFamily="49" charset="-128"/>
-              </a:rPr>
-              <a:t> </a:t>
-            </a:r>
-            <a:r>
-              <a:rPr lang="en-US" altLang="ja-JP" sz="2000" dirty="0">
+              <a:rPr lang="en-US" altLang="ja-JP" sz="2400" dirty="0">
+                <a:solidFill>
+                  <a:srgbClr val="000000"/>
+                </a:solidFill>
+                <a:ea typeface="ＭＳ ゴシック" panose="020B0609070205080204" pitchFamily="49" charset="-128"/>
+              </a:rPr>
+              <a:t> </a:t>
+            </a:r>
+            <a:r>
+              <a:rPr lang="en-US" altLang="ja-JP" sz="2400" dirty="0">
                 <a:solidFill>
                   <a:srgbClr val="008080"/>
                 </a:solidFill>
@@ -5205,16 +5205,16 @@
               <a:t>&lt;&lt;</a:t>
             </a:r>
             <a:r>
-              <a:rPr lang="en-US" altLang="ja-JP" sz="2000" dirty="0">
-                <a:solidFill>
-                  <a:srgbClr val="000000"/>
-                </a:solidFill>
-                <a:ea typeface="ＭＳ ゴシック" panose="020B0609070205080204" pitchFamily="49" charset="-128"/>
-              </a:rPr>
-              <a:t> </a:t>
-            </a:r>
-            <a:r>
-              <a:rPr lang="en-US" altLang="ja-JP" sz="2000" dirty="0">
+              <a:rPr lang="en-US" altLang="ja-JP" sz="2400" dirty="0">
+                <a:solidFill>
+                  <a:srgbClr val="000000"/>
+                </a:solidFill>
+                <a:ea typeface="ＭＳ ゴシック" panose="020B0609070205080204" pitchFamily="49" charset="-128"/>
+              </a:rPr>
+              <a:t> </a:t>
+            </a:r>
+            <a:r>
+              <a:rPr lang="en-US" altLang="ja-JP" sz="2400" dirty="0">
                 <a:solidFill>
                   <a:srgbClr val="A31515"/>
                 </a:solidFill>
@@ -5223,7 +5223,7 @@
               <a:t>"</a:t>
             </a:r>
             <a:r>
-              <a:rPr lang="ja-JP" altLang="en-US" sz="2000" dirty="0">
+              <a:rPr lang="ja-JP" altLang="en-US" sz="2400" dirty="0">
                 <a:solidFill>
                   <a:srgbClr val="A31515"/>
                 </a:solidFill>
@@ -5232,7 +5232,7 @@
               <a:t>点</a:t>
             </a:r>
             <a:r>
-              <a:rPr lang="en-US" altLang="ja-JP" sz="2000" dirty="0">
+              <a:rPr lang="en-US" altLang="ja-JP" sz="2400" dirty="0">
                 <a:solidFill>
                   <a:srgbClr val="A31515"/>
                 </a:solidFill>
@@ -5241,16 +5241,16 @@
               <a:t>"</a:t>
             </a:r>
             <a:r>
-              <a:rPr lang="ja-JP" altLang="en-US" sz="2000" dirty="0">
-                <a:solidFill>
-                  <a:srgbClr val="000000"/>
-                </a:solidFill>
-                <a:ea typeface="ＭＳ ゴシック" panose="020B0609070205080204" pitchFamily="49" charset="-128"/>
-              </a:rPr>
-              <a:t> </a:t>
-            </a:r>
-            <a:r>
-              <a:rPr lang="en-US" altLang="ja-JP" sz="2000" dirty="0">
+              <a:rPr lang="ja-JP" altLang="en-US" sz="2400" dirty="0">
+                <a:solidFill>
+                  <a:srgbClr val="000000"/>
+                </a:solidFill>
+                <a:ea typeface="ＭＳ ゴシック" panose="020B0609070205080204" pitchFamily="49" charset="-128"/>
+              </a:rPr>
+              <a:t> </a:t>
+            </a:r>
+            <a:r>
+              <a:rPr lang="en-US" altLang="ja-JP" sz="2400" dirty="0">
                 <a:solidFill>
                   <a:srgbClr val="008080"/>
                 </a:solidFill>
@@ -5259,16 +5259,16 @@
               <a:t>&lt;&lt;</a:t>
             </a:r>
             <a:r>
-              <a:rPr lang="ja-JP" altLang="en-US" sz="2000" dirty="0">
-                <a:solidFill>
-                  <a:srgbClr val="000000"/>
-                </a:solidFill>
-                <a:ea typeface="ＭＳ ゴシック" panose="020B0609070205080204" pitchFamily="49" charset="-128"/>
-              </a:rPr>
-              <a:t> </a:t>
-            </a:r>
-            <a:r>
-              <a:rPr lang="en-US" altLang="ja-JP" sz="2000" dirty="0" err="1">
+              <a:rPr lang="ja-JP" altLang="en-US" sz="2400" dirty="0">
+                <a:solidFill>
+                  <a:srgbClr val="000000"/>
+                </a:solidFill>
+                <a:ea typeface="ＭＳ ゴシック" panose="020B0609070205080204" pitchFamily="49" charset="-128"/>
+              </a:rPr>
+              <a:t> </a:t>
+            </a:r>
+            <a:r>
+              <a:rPr lang="en-US" altLang="ja-JP" sz="2400" dirty="0" err="1">
                 <a:solidFill>
                   <a:srgbClr val="000000"/>
                 </a:solidFill>
@@ -5277,7 +5277,7 @@
               <a:t>endl</a:t>
             </a:r>
             <a:r>
-              <a:rPr lang="en-US" altLang="ja-JP" sz="2000" dirty="0">
+              <a:rPr lang="en-US" altLang="ja-JP" sz="2400" dirty="0">
                 <a:solidFill>
                   <a:srgbClr val="000000"/>
                 </a:solidFill>
@@ -5288,7 +5288,7 @@
           </a:p>
           <a:p>
             <a:r>
-              <a:rPr lang="en-US" altLang="ja-JP" sz="2000" dirty="0">
+              <a:rPr lang="en-US" altLang="ja-JP" sz="2400" dirty="0">
                 <a:solidFill>
                   <a:srgbClr val="000000"/>
                 </a:solidFill>
@@ -5297,7 +5297,7 @@
               <a:t>	</a:t>
             </a:r>
             <a:r>
-              <a:rPr lang="en-US" altLang="ja-JP" sz="2000" dirty="0" err="1">
+              <a:rPr lang="en-US" altLang="ja-JP" sz="2400" dirty="0" err="1">
                 <a:solidFill>
                   <a:srgbClr val="000000"/>
                 </a:solidFill>
@@ -5306,16 +5306,16 @@
               <a:t>cout</a:t>
             </a:r>
             <a:r>
-              <a:rPr lang="en-US" altLang="ja-JP" sz="2000" dirty="0">
-                <a:solidFill>
-                  <a:srgbClr val="000000"/>
-                </a:solidFill>
-                <a:ea typeface="ＭＳ ゴシック" panose="020B0609070205080204" pitchFamily="49" charset="-128"/>
-              </a:rPr>
-              <a:t> </a:t>
-            </a:r>
-            <a:r>
-              <a:rPr lang="en-US" altLang="ja-JP" sz="2000" dirty="0">
+              <a:rPr lang="en-US" altLang="ja-JP" sz="2400" dirty="0">
+                <a:solidFill>
+                  <a:srgbClr val="000000"/>
+                </a:solidFill>
+                <a:ea typeface="ＭＳ ゴシック" panose="020B0609070205080204" pitchFamily="49" charset="-128"/>
+              </a:rPr>
+              <a:t> </a:t>
+            </a:r>
+            <a:r>
+              <a:rPr lang="en-US" altLang="ja-JP" sz="2400" dirty="0">
                 <a:solidFill>
                   <a:srgbClr val="008080"/>
                 </a:solidFill>
@@ -5324,16 +5324,16 @@
               <a:t>&lt;&lt;</a:t>
             </a:r>
             <a:r>
-              <a:rPr lang="en-US" altLang="ja-JP" sz="2000" dirty="0">
-                <a:solidFill>
-                  <a:srgbClr val="000000"/>
-                </a:solidFill>
-                <a:ea typeface="ＭＳ ゴシック" panose="020B0609070205080204" pitchFamily="49" charset="-128"/>
-              </a:rPr>
-              <a:t> </a:t>
-            </a:r>
-            <a:r>
-              <a:rPr lang="en-US" altLang="ja-JP" sz="2000" dirty="0">
+              <a:rPr lang="en-US" altLang="ja-JP" sz="2400" dirty="0">
+                <a:solidFill>
+                  <a:srgbClr val="000000"/>
+                </a:solidFill>
+                <a:ea typeface="ＭＳ ゴシック" panose="020B0609070205080204" pitchFamily="49" charset="-128"/>
+              </a:rPr>
+              <a:t> </a:t>
+            </a:r>
+            <a:r>
+              <a:rPr lang="en-US" altLang="ja-JP" sz="2400" dirty="0">
                 <a:solidFill>
                   <a:srgbClr val="A31515"/>
                 </a:solidFill>
@@ -5342,7 +5342,7 @@
               <a:t>"Bob</a:t>
             </a:r>
             <a:r>
-              <a:rPr lang="ja-JP" altLang="en-US" sz="2000" dirty="0">
+              <a:rPr lang="ja-JP" altLang="en-US" sz="2400" dirty="0">
                 <a:solidFill>
                   <a:srgbClr val="A31515"/>
                 </a:solidFill>
@@ -5351,7 +5351,7 @@
               <a:t>の点数は</a:t>
             </a:r>
             <a:r>
-              <a:rPr lang="en-US" altLang="ja-JP" sz="2000" dirty="0">
+              <a:rPr lang="en-US" altLang="ja-JP" sz="2400" dirty="0">
                 <a:solidFill>
                   <a:srgbClr val="A31515"/>
                 </a:solidFill>
@@ -5360,16 +5360,16 @@
               <a:t>"</a:t>
             </a:r>
             <a:r>
-              <a:rPr lang="ja-JP" altLang="en-US" sz="2000" dirty="0">
-                <a:solidFill>
-                  <a:srgbClr val="000000"/>
-                </a:solidFill>
-                <a:ea typeface="ＭＳ ゴシック" panose="020B0609070205080204" pitchFamily="49" charset="-128"/>
-              </a:rPr>
-              <a:t> </a:t>
-            </a:r>
-            <a:r>
-              <a:rPr lang="en-US" altLang="ja-JP" sz="2000" dirty="0">
+              <a:rPr lang="ja-JP" altLang="en-US" sz="2400" dirty="0">
+                <a:solidFill>
+                  <a:srgbClr val="000000"/>
+                </a:solidFill>
+                <a:ea typeface="ＭＳ ゴシック" panose="020B0609070205080204" pitchFamily="49" charset="-128"/>
+              </a:rPr>
+              <a:t> </a:t>
+            </a:r>
+            <a:r>
+              <a:rPr lang="en-US" altLang="ja-JP" sz="2400" dirty="0">
                 <a:solidFill>
                   <a:srgbClr val="008080"/>
                 </a:solidFill>
@@ -5378,16 +5378,16 @@
               <a:t>&lt;&lt;</a:t>
             </a:r>
             <a:r>
-              <a:rPr lang="ja-JP" altLang="en-US" sz="2000" dirty="0">
-                <a:solidFill>
-                  <a:srgbClr val="000000"/>
-                </a:solidFill>
-                <a:ea typeface="ＭＳ ゴシック" panose="020B0609070205080204" pitchFamily="49" charset="-128"/>
-              </a:rPr>
-              <a:t> </a:t>
-            </a:r>
-            <a:r>
-              <a:rPr lang="en-US" altLang="ja-JP" sz="2000" dirty="0">
+              <a:rPr lang="ja-JP" altLang="en-US" sz="2400" dirty="0">
+                <a:solidFill>
+                  <a:srgbClr val="000000"/>
+                </a:solidFill>
+                <a:ea typeface="ＭＳ ゴシック" panose="020B0609070205080204" pitchFamily="49" charset="-128"/>
+              </a:rPr>
+              <a:t> </a:t>
+            </a:r>
+            <a:r>
+              <a:rPr lang="en-US" altLang="ja-JP" sz="2400" dirty="0">
                 <a:solidFill>
                   <a:srgbClr val="000000"/>
                 </a:solidFill>
@@ -5396,7 +5396,7 @@
               <a:t>score</a:t>
             </a:r>
             <a:r>
-              <a:rPr lang="en-US" altLang="ja-JP" sz="2000" dirty="0">
+              <a:rPr lang="en-US" altLang="ja-JP" sz="2400" dirty="0">
                 <a:solidFill>
                   <a:srgbClr val="008080"/>
                 </a:solidFill>
@@ -5405,7 +5405,7 @@
               <a:t>[</a:t>
             </a:r>
             <a:r>
-              <a:rPr lang="en-US" altLang="ja-JP" sz="2000" dirty="0">
+              <a:rPr lang="en-US" altLang="ja-JP" sz="2400" dirty="0">
                 <a:solidFill>
                   <a:srgbClr val="A31515"/>
                 </a:solidFill>
@@ -5414,7 +5414,7 @@
               <a:t>"Bob"</a:t>
             </a:r>
             <a:r>
-              <a:rPr lang="en-US" altLang="ja-JP" sz="2000" dirty="0">
+              <a:rPr lang="en-US" altLang="ja-JP" sz="2400" dirty="0">
                 <a:solidFill>
                   <a:srgbClr val="008080"/>
                 </a:solidFill>
@@ -5423,16 +5423,16 @@
               <a:t>]</a:t>
             </a:r>
             <a:r>
-              <a:rPr lang="en-US" altLang="ja-JP" sz="2000" dirty="0">
-                <a:solidFill>
-                  <a:srgbClr val="000000"/>
-                </a:solidFill>
-                <a:ea typeface="ＭＳ ゴシック" panose="020B0609070205080204" pitchFamily="49" charset="-128"/>
-              </a:rPr>
-              <a:t> </a:t>
-            </a:r>
-            <a:r>
-              <a:rPr lang="en-US" altLang="ja-JP" sz="2000" dirty="0">
+              <a:rPr lang="en-US" altLang="ja-JP" sz="2400" dirty="0">
+                <a:solidFill>
+                  <a:srgbClr val="000000"/>
+                </a:solidFill>
+                <a:ea typeface="ＭＳ ゴシック" panose="020B0609070205080204" pitchFamily="49" charset="-128"/>
+              </a:rPr>
+              <a:t> </a:t>
+            </a:r>
+            <a:r>
+              <a:rPr lang="en-US" altLang="ja-JP" sz="2400" dirty="0">
                 <a:solidFill>
                   <a:srgbClr val="008080"/>
                 </a:solidFill>
@@ -5441,16 +5441,16 @@
               <a:t>&lt;&lt;</a:t>
             </a:r>
             <a:r>
-              <a:rPr lang="en-US" altLang="ja-JP" sz="2000" dirty="0">
-                <a:solidFill>
-                  <a:srgbClr val="000000"/>
-                </a:solidFill>
-                <a:ea typeface="ＭＳ ゴシック" panose="020B0609070205080204" pitchFamily="49" charset="-128"/>
-              </a:rPr>
-              <a:t> </a:t>
-            </a:r>
-            <a:r>
-              <a:rPr lang="en-US" altLang="ja-JP" sz="2000" dirty="0">
+              <a:rPr lang="en-US" altLang="ja-JP" sz="2400" dirty="0">
+                <a:solidFill>
+                  <a:srgbClr val="000000"/>
+                </a:solidFill>
+                <a:ea typeface="ＭＳ ゴシック" panose="020B0609070205080204" pitchFamily="49" charset="-128"/>
+              </a:rPr>
+              <a:t> </a:t>
+            </a:r>
+            <a:r>
+              <a:rPr lang="en-US" altLang="ja-JP" sz="2400" dirty="0">
                 <a:solidFill>
                   <a:srgbClr val="A31515"/>
                 </a:solidFill>
@@ -5459,7 +5459,7 @@
               <a:t>"</a:t>
             </a:r>
             <a:r>
-              <a:rPr lang="ja-JP" altLang="en-US" sz="2000" dirty="0">
+              <a:rPr lang="ja-JP" altLang="en-US" sz="2400" dirty="0">
                 <a:solidFill>
                   <a:srgbClr val="A31515"/>
                 </a:solidFill>
@@ -5468,7 +5468,7 @@
               <a:t>点</a:t>
             </a:r>
             <a:r>
-              <a:rPr lang="en-US" altLang="ja-JP" sz="2000" dirty="0">
+              <a:rPr lang="en-US" altLang="ja-JP" sz="2400" dirty="0">
                 <a:solidFill>
                   <a:srgbClr val="A31515"/>
                 </a:solidFill>
@@ -5477,16 +5477,16 @@
               <a:t>"</a:t>
             </a:r>
             <a:r>
-              <a:rPr lang="ja-JP" altLang="en-US" sz="2000" dirty="0">
-                <a:solidFill>
-                  <a:srgbClr val="000000"/>
-                </a:solidFill>
-                <a:ea typeface="ＭＳ ゴシック" panose="020B0609070205080204" pitchFamily="49" charset="-128"/>
-              </a:rPr>
-              <a:t> </a:t>
-            </a:r>
-            <a:r>
-              <a:rPr lang="en-US" altLang="ja-JP" sz="2000" dirty="0">
+              <a:rPr lang="ja-JP" altLang="en-US" sz="2400" dirty="0">
+                <a:solidFill>
+                  <a:srgbClr val="000000"/>
+                </a:solidFill>
+                <a:ea typeface="ＭＳ ゴシック" panose="020B0609070205080204" pitchFamily="49" charset="-128"/>
+              </a:rPr>
+              <a:t> </a:t>
+            </a:r>
+            <a:r>
+              <a:rPr lang="en-US" altLang="ja-JP" sz="2400" dirty="0">
                 <a:solidFill>
                   <a:srgbClr val="008080"/>
                 </a:solidFill>
@@ -5495,16 +5495,16 @@
               <a:t>&lt;&lt;</a:t>
             </a:r>
             <a:r>
-              <a:rPr lang="ja-JP" altLang="en-US" sz="2000" dirty="0">
-                <a:solidFill>
-                  <a:srgbClr val="000000"/>
-                </a:solidFill>
-                <a:ea typeface="ＭＳ ゴシック" panose="020B0609070205080204" pitchFamily="49" charset="-128"/>
-              </a:rPr>
-              <a:t> </a:t>
-            </a:r>
-            <a:r>
-              <a:rPr lang="en-US" altLang="ja-JP" sz="2000" dirty="0" err="1">
+              <a:rPr lang="ja-JP" altLang="en-US" sz="2400" dirty="0">
+                <a:solidFill>
+                  <a:srgbClr val="000000"/>
+                </a:solidFill>
+                <a:ea typeface="ＭＳ ゴシック" panose="020B0609070205080204" pitchFamily="49" charset="-128"/>
+              </a:rPr>
+              <a:t> </a:t>
+            </a:r>
+            <a:r>
+              <a:rPr lang="en-US" altLang="ja-JP" sz="2400" dirty="0" err="1">
                 <a:solidFill>
                   <a:srgbClr val="000000"/>
                 </a:solidFill>
@@ -5513,7 +5513,7 @@
               <a:t>endl</a:t>
             </a:r>
             <a:r>
-              <a:rPr lang="en-US" altLang="ja-JP" sz="2000" dirty="0">
+              <a:rPr lang="en-US" altLang="ja-JP" sz="2400" dirty="0">
                 <a:solidFill>
                   <a:srgbClr val="000000"/>
                 </a:solidFill>
@@ -5524,7 +5524,7 @@
           </a:p>
           <a:p>
             <a:r>
-              <a:rPr lang="en-US" altLang="ja-JP" sz="2000" dirty="0">
+              <a:rPr lang="en-US" altLang="ja-JP" sz="2400" dirty="0">
                 <a:solidFill>
                   <a:srgbClr val="000000"/>
                 </a:solidFill>
@@ -5533,7 +5533,7 @@
               <a:t>	</a:t>
             </a:r>
             <a:r>
-              <a:rPr lang="en-US" altLang="ja-JP" sz="2000" dirty="0" err="1">
+              <a:rPr lang="en-US" altLang="ja-JP" sz="2400" dirty="0" err="1">
                 <a:solidFill>
                   <a:srgbClr val="000000"/>
                 </a:solidFill>
@@ -5542,16 +5542,16 @@
               <a:t>cout</a:t>
             </a:r>
             <a:r>
-              <a:rPr lang="en-US" altLang="ja-JP" sz="2000" dirty="0">
-                <a:solidFill>
-                  <a:srgbClr val="000000"/>
-                </a:solidFill>
-                <a:ea typeface="ＭＳ ゴシック" panose="020B0609070205080204" pitchFamily="49" charset="-128"/>
-              </a:rPr>
-              <a:t> </a:t>
-            </a:r>
-            <a:r>
-              <a:rPr lang="en-US" altLang="ja-JP" sz="2000" dirty="0">
+              <a:rPr lang="en-US" altLang="ja-JP" sz="2400" dirty="0">
+                <a:solidFill>
+                  <a:srgbClr val="000000"/>
+                </a:solidFill>
+                <a:ea typeface="ＭＳ ゴシック" panose="020B0609070205080204" pitchFamily="49" charset="-128"/>
+              </a:rPr>
+              <a:t> </a:t>
+            </a:r>
+            <a:r>
+              <a:rPr lang="en-US" altLang="ja-JP" sz="2400" dirty="0">
                 <a:solidFill>
                   <a:srgbClr val="008080"/>
                 </a:solidFill>
@@ -5560,16 +5560,16 @@
               <a:t>&lt;&lt;</a:t>
             </a:r>
             <a:r>
-              <a:rPr lang="en-US" altLang="ja-JP" sz="2000" dirty="0">
-                <a:solidFill>
-                  <a:srgbClr val="000000"/>
-                </a:solidFill>
-                <a:ea typeface="ＭＳ ゴシック" panose="020B0609070205080204" pitchFamily="49" charset="-128"/>
-              </a:rPr>
-              <a:t> </a:t>
-            </a:r>
-            <a:r>
-              <a:rPr lang="en-US" altLang="ja-JP" sz="2000" dirty="0">
+              <a:rPr lang="en-US" altLang="ja-JP" sz="2400" dirty="0">
+                <a:solidFill>
+                  <a:srgbClr val="000000"/>
+                </a:solidFill>
+                <a:ea typeface="ＭＳ ゴシック" panose="020B0609070205080204" pitchFamily="49" charset="-128"/>
+              </a:rPr>
+              <a:t> </a:t>
+            </a:r>
+            <a:r>
+              <a:rPr lang="en-US" altLang="ja-JP" sz="2400" dirty="0">
                 <a:solidFill>
                   <a:srgbClr val="A31515"/>
                 </a:solidFill>
@@ -5578,7 +5578,7 @@
               <a:t>"Mike</a:t>
             </a:r>
             <a:r>
-              <a:rPr lang="ja-JP" altLang="en-US" sz="2000" dirty="0">
+              <a:rPr lang="ja-JP" altLang="en-US" sz="2400" dirty="0">
                 <a:solidFill>
                   <a:srgbClr val="A31515"/>
                 </a:solidFill>
@@ -5587,7 +5587,7 @@
               <a:t>の点数は</a:t>
             </a:r>
             <a:r>
-              <a:rPr lang="en-US" altLang="ja-JP" sz="2000" dirty="0">
+              <a:rPr lang="en-US" altLang="ja-JP" sz="2400" dirty="0">
                 <a:solidFill>
                   <a:srgbClr val="A31515"/>
                 </a:solidFill>
@@ -5596,16 +5596,16 @@
               <a:t>"</a:t>
             </a:r>
             <a:r>
-              <a:rPr lang="ja-JP" altLang="en-US" sz="2000" dirty="0">
-                <a:solidFill>
-                  <a:srgbClr val="000000"/>
-                </a:solidFill>
-                <a:ea typeface="ＭＳ ゴシック" panose="020B0609070205080204" pitchFamily="49" charset="-128"/>
-              </a:rPr>
-              <a:t> </a:t>
-            </a:r>
-            <a:r>
-              <a:rPr lang="en-US" altLang="ja-JP" sz="2000" dirty="0">
+              <a:rPr lang="ja-JP" altLang="en-US" sz="2400" dirty="0">
+                <a:solidFill>
+                  <a:srgbClr val="000000"/>
+                </a:solidFill>
+                <a:ea typeface="ＭＳ ゴシック" panose="020B0609070205080204" pitchFamily="49" charset="-128"/>
+              </a:rPr>
+              <a:t> </a:t>
+            </a:r>
+            <a:r>
+              <a:rPr lang="en-US" altLang="ja-JP" sz="2400" dirty="0">
                 <a:solidFill>
                   <a:srgbClr val="008080"/>
                 </a:solidFill>
@@ -5614,16 +5614,16 @@
               <a:t>&lt;&lt;</a:t>
             </a:r>
             <a:r>
-              <a:rPr lang="ja-JP" altLang="en-US" sz="2000" dirty="0">
-                <a:solidFill>
-                  <a:srgbClr val="000000"/>
-                </a:solidFill>
-                <a:ea typeface="ＭＳ ゴシック" panose="020B0609070205080204" pitchFamily="49" charset="-128"/>
-              </a:rPr>
-              <a:t> </a:t>
-            </a:r>
-            <a:r>
-              <a:rPr lang="en-US" altLang="ja-JP" sz="2000" dirty="0">
+              <a:rPr lang="ja-JP" altLang="en-US" sz="2400" dirty="0">
+                <a:solidFill>
+                  <a:srgbClr val="000000"/>
+                </a:solidFill>
+                <a:ea typeface="ＭＳ ゴシック" panose="020B0609070205080204" pitchFamily="49" charset="-128"/>
+              </a:rPr>
+              <a:t> </a:t>
+            </a:r>
+            <a:r>
+              <a:rPr lang="en-US" altLang="ja-JP" sz="2400" dirty="0">
                 <a:solidFill>
                   <a:srgbClr val="000000"/>
                 </a:solidFill>
@@ -5632,7 +5632,7 @@
               <a:t>score</a:t>
             </a:r>
             <a:r>
-              <a:rPr lang="en-US" altLang="ja-JP" sz="2000" dirty="0">
+              <a:rPr lang="en-US" altLang="ja-JP" sz="2400" dirty="0">
                 <a:solidFill>
                   <a:srgbClr val="008080"/>
                 </a:solidFill>
@@ -5641,7 +5641,7 @@
               <a:t>[</a:t>
             </a:r>
             <a:r>
-              <a:rPr lang="en-US" altLang="ja-JP" sz="2000" dirty="0">
+              <a:rPr lang="en-US" altLang="ja-JP" sz="2400" dirty="0">
                 <a:solidFill>
                   <a:srgbClr val="A31515"/>
                 </a:solidFill>
@@ -5650,7 +5650,7 @@
               <a:t>"Mike"</a:t>
             </a:r>
             <a:r>
-              <a:rPr lang="en-US" altLang="ja-JP" sz="2000" dirty="0">
+              <a:rPr lang="en-US" altLang="ja-JP" sz="2400" dirty="0">
                 <a:solidFill>
                   <a:srgbClr val="008080"/>
                 </a:solidFill>
@@ -5659,16 +5659,16 @@
               <a:t>]</a:t>
             </a:r>
             <a:r>
-              <a:rPr lang="en-US" altLang="ja-JP" sz="2000" dirty="0">
-                <a:solidFill>
-                  <a:srgbClr val="000000"/>
-                </a:solidFill>
-                <a:ea typeface="ＭＳ ゴシック" panose="020B0609070205080204" pitchFamily="49" charset="-128"/>
-              </a:rPr>
-              <a:t> </a:t>
-            </a:r>
-            <a:r>
-              <a:rPr lang="en-US" altLang="ja-JP" sz="2000" dirty="0">
+              <a:rPr lang="en-US" altLang="ja-JP" sz="2400" dirty="0">
+                <a:solidFill>
+                  <a:srgbClr val="000000"/>
+                </a:solidFill>
+                <a:ea typeface="ＭＳ ゴシック" panose="020B0609070205080204" pitchFamily="49" charset="-128"/>
+              </a:rPr>
+              <a:t> </a:t>
+            </a:r>
+            <a:r>
+              <a:rPr lang="en-US" altLang="ja-JP" sz="2400" dirty="0">
                 <a:solidFill>
                   <a:srgbClr val="008080"/>
                 </a:solidFill>
@@ -5677,16 +5677,16 @@
               <a:t>&lt;&lt;</a:t>
             </a:r>
             <a:r>
-              <a:rPr lang="en-US" altLang="ja-JP" sz="2000" dirty="0">
-                <a:solidFill>
-                  <a:srgbClr val="000000"/>
-                </a:solidFill>
-                <a:ea typeface="ＭＳ ゴシック" panose="020B0609070205080204" pitchFamily="49" charset="-128"/>
-              </a:rPr>
-              <a:t> </a:t>
-            </a:r>
-            <a:r>
-              <a:rPr lang="en-US" altLang="ja-JP" sz="2000" dirty="0">
+              <a:rPr lang="en-US" altLang="ja-JP" sz="2400" dirty="0">
+                <a:solidFill>
+                  <a:srgbClr val="000000"/>
+                </a:solidFill>
+                <a:ea typeface="ＭＳ ゴシック" panose="020B0609070205080204" pitchFamily="49" charset="-128"/>
+              </a:rPr>
+              <a:t> </a:t>
+            </a:r>
+            <a:r>
+              <a:rPr lang="en-US" altLang="ja-JP" sz="2400" dirty="0">
                 <a:solidFill>
                   <a:srgbClr val="A31515"/>
                 </a:solidFill>
@@ -5695,7 +5695,7 @@
               <a:t>"</a:t>
             </a:r>
             <a:r>
-              <a:rPr lang="ja-JP" altLang="en-US" sz="2000" dirty="0">
+              <a:rPr lang="ja-JP" altLang="en-US" sz="2400" dirty="0">
                 <a:solidFill>
                   <a:srgbClr val="A31515"/>
                 </a:solidFill>
@@ -5704,7 +5704,7 @@
               <a:t>点</a:t>
             </a:r>
             <a:r>
-              <a:rPr lang="en-US" altLang="ja-JP" sz="2000" dirty="0">
+              <a:rPr lang="en-US" altLang="ja-JP" sz="2400" dirty="0">
                 <a:solidFill>
                   <a:srgbClr val="A31515"/>
                 </a:solidFill>
@@ -5713,16 +5713,16 @@
               <a:t>"</a:t>
             </a:r>
             <a:r>
-              <a:rPr lang="ja-JP" altLang="en-US" sz="2000" dirty="0">
-                <a:solidFill>
-                  <a:srgbClr val="000000"/>
-                </a:solidFill>
-                <a:ea typeface="ＭＳ ゴシック" panose="020B0609070205080204" pitchFamily="49" charset="-128"/>
-              </a:rPr>
-              <a:t> </a:t>
-            </a:r>
-            <a:r>
-              <a:rPr lang="en-US" altLang="ja-JP" sz="2000" dirty="0">
+              <a:rPr lang="ja-JP" altLang="en-US" sz="2400" dirty="0">
+                <a:solidFill>
+                  <a:srgbClr val="000000"/>
+                </a:solidFill>
+                <a:ea typeface="ＭＳ ゴシック" panose="020B0609070205080204" pitchFamily="49" charset="-128"/>
+              </a:rPr>
+              <a:t> </a:t>
+            </a:r>
+            <a:r>
+              <a:rPr lang="en-US" altLang="ja-JP" sz="2400" dirty="0">
                 <a:solidFill>
                   <a:srgbClr val="008080"/>
                 </a:solidFill>
@@ -5731,16 +5731,16 @@
               <a:t>&lt;&lt;</a:t>
             </a:r>
             <a:r>
-              <a:rPr lang="ja-JP" altLang="en-US" sz="2000" dirty="0">
-                <a:solidFill>
-                  <a:srgbClr val="000000"/>
-                </a:solidFill>
-                <a:ea typeface="ＭＳ ゴシック" panose="020B0609070205080204" pitchFamily="49" charset="-128"/>
-              </a:rPr>
-              <a:t> </a:t>
-            </a:r>
-            <a:r>
-              <a:rPr lang="en-US" altLang="ja-JP" sz="2000" dirty="0" err="1">
+              <a:rPr lang="ja-JP" altLang="en-US" sz="2400" dirty="0">
+                <a:solidFill>
+                  <a:srgbClr val="000000"/>
+                </a:solidFill>
+                <a:ea typeface="ＭＳ ゴシック" panose="020B0609070205080204" pitchFamily="49" charset="-128"/>
+              </a:rPr>
+              <a:t> </a:t>
+            </a:r>
+            <a:r>
+              <a:rPr lang="en-US" altLang="ja-JP" sz="2400" dirty="0" err="1">
                 <a:solidFill>
                   <a:srgbClr val="000000"/>
                 </a:solidFill>
@@ -5749,7 +5749,7 @@
               <a:t>endl</a:t>
             </a:r>
             <a:r>
-              <a:rPr lang="en-US" altLang="ja-JP" sz="2000" dirty="0">
+              <a:rPr lang="en-US" altLang="ja-JP" sz="2400" dirty="0">
                 <a:solidFill>
                   <a:srgbClr val="000000"/>
                 </a:solidFill>
@@ -5760,7 +5760,7 @@
           </a:p>
           <a:p>
             <a:r>
-              <a:rPr lang="en-US" altLang="ja-JP" sz="2000" dirty="0">
+              <a:rPr lang="en-US" altLang="ja-JP" sz="2400" dirty="0">
                 <a:solidFill>
                   <a:srgbClr val="0000FF"/>
                 </a:solidFill>
@@ -5769,7 +5769,7 @@
               <a:t>	return</a:t>
             </a:r>
             <a:r>
-              <a:rPr lang="en-US" altLang="ja-JP" sz="2000" dirty="0">
+              <a:rPr lang="en-US" altLang="ja-JP" sz="2400" dirty="0">
                 <a:solidFill>
                   <a:srgbClr val="000000"/>
                 </a:solidFill>
@@ -5780,7 +5780,7 @@
           </a:p>
           <a:p>
             <a:r>
-              <a:rPr lang="en-US" altLang="ja-JP" sz="2000" dirty="0">
+              <a:rPr lang="en-US" altLang="ja-JP" sz="2400" dirty="0">
                 <a:solidFill>
                   <a:srgbClr val="000000"/>
                 </a:solidFill>
@@ -5788,7 +5788,7 @@
               </a:rPr>
               <a:t>}</a:t>
             </a:r>
-            <a:endParaRPr kumimoji="1" lang="ja-JP" altLang="en-US" sz="8800" dirty="0"/>
+            <a:endParaRPr kumimoji="1" lang="ja-JP" altLang="en-US" sz="9600" dirty="0"/>
           </a:p>
         </p:txBody>
       </p:sp>
@@ -13863,7 +13863,7 @@
         <p:spPr>
           <a:xfrm>
             <a:off x="3065306" y="5265197"/>
-            <a:ext cx="4960012" cy="830997"/>
+            <a:ext cx="5737468" cy="830997"/>
           </a:xfrm>
           <a:prstGeom prst="rect">
             <a:avLst/>
@@ -13936,7 +13936,23 @@
                   <a:srgbClr val="00B050"/>
                 </a:solidFill>
               </a:rPr>
-              <a:t>  second</a:t>
+              <a:t>  </a:t>
+            </a:r>
+            <a:r>
+              <a:rPr kumimoji="1" lang="ja-JP" altLang="en-US" sz="2400" dirty="0">
+                <a:solidFill>
+                  <a:srgbClr val="00B050"/>
+                </a:solidFill>
+              </a:rPr>
+              <a:t>　　　　　　　　</a:t>
+            </a:r>
+            <a:r>
+              <a:rPr kumimoji="1" lang="en-US" altLang="ja-JP" sz="2400" dirty="0">
+                <a:solidFill>
+                  <a:srgbClr val="00B050"/>
+                </a:solidFill>
+              </a:rPr>
+              <a:t>second</a:t>
             </a:r>
             <a:r>
               <a:rPr kumimoji="1" lang="ja-JP" altLang="en-US" sz="2400" dirty="0">

--- a/授業資料/講義資料：Mapクラス.pptx
+++ b/授業資料/講義資料：Mapクラス.pptx
@@ -14,7 +14,9 @@
     <p:sldId id="387" r:id="rId8"/>
     <p:sldId id="388" r:id="rId9"/>
     <p:sldId id="389" r:id="rId10"/>
-    <p:sldId id="349" r:id="rId11"/>
+    <p:sldId id="390" r:id="rId11"/>
+    <p:sldId id="391" r:id="rId12"/>
+    <p:sldId id="349" r:id="rId13"/>
   </p:sldIdLst>
   <p:sldSz cx="12192000" cy="6858000"/>
   <p:notesSz cx="6858000" cy="9144000"/>
@@ -252,7 +254,7 @@
           <a:p>
             <a:fld id="{5B96D3F8-CD2E-4A0D-AC38-517181EABB18}" type="datetimeFigureOut">
               <a:rPr kumimoji="1" lang="ja-JP" altLang="en-US" smtClean="0"/>
-              <a:t>2024/10/15</a:t>
+              <a:t>2024/10/18</a:t>
             </a:fld>
             <a:endParaRPr kumimoji="1" lang="ja-JP" altLang="en-US"/>
           </a:p>
@@ -454,7 +456,7 @@
           <a:p>
             <a:fld id="{5B96D3F8-CD2E-4A0D-AC38-517181EABB18}" type="datetimeFigureOut">
               <a:rPr kumimoji="1" lang="ja-JP" altLang="en-US" smtClean="0"/>
-              <a:t>2024/10/15</a:t>
+              <a:t>2024/10/18</a:t>
             </a:fld>
             <a:endParaRPr kumimoji="1" lang="ja-JP" altLang="en-US"/>
           </a:p>
@@ -666,7 +668,7 @@
           <a:p>
             <a:fld id="{5B96D3F8-CD2E-4A0D-AC38-517181EABB18}" type="datetimeFigureOut">
               <a:rPr kumimoji="1" lang="ja-JP" altLang="en-US" smtClean="0"/>
-              <a:t>2024/10/15</a:t>
+              <a:t>2024/10/18</a:t>
             </a:fld>
             <a:endParaRPr kumimoji="1" lang="ja-JP" altLang="en-US"/>
           </a:p>
@@ -868,7 +870,7 @@
           <a:p>
             <a:fld id="{5B96D3F8-CD2E-4A0D-AC38-517181EABB18}" type="datetimeFigureOut">
               <a:rPr kumimoji="1" lang="ja-JP" altLang="en-US" smtClean="0"/>
-              <a:t>2024/10/15</a:t>
+              <a:t>2024/10/18</a:t>
             </a:fld>
             <a:endParaRPr kumimoji="1" lang="ja-JP" altLang="en-US"/>
           </a:p>
@@ -1114,7 +1116,7 @@
           <a:p>
             <a:fld id="{5B96D3F8-CD2E-4A0D-AC38-517181EABB18}" type="datetimeFigureOut">
               <a:rPr kumimoji="1" lang="ja-JP" altLang="en-US" smtClean="0"/>
-              <a:t>2024/10/15</a:t>
+              <a:t>2024/10/18</a:t>
             </a:fld>
             <a:endParaRPr kumimoji="1" lang="ja-JP" altLang="en-US"/>
           </a:p>
@@ -1410,7 +1412,7 @@
           <a:p>
             <a:fld id="{5B96D3F8-CD2E-4A0D-AC38-517181EABB18}" type="datetimeFigureOut">
               <a:rPr kumimoji="1" lang="ja-JP" altLang="en-US" smtClean="0"/>
-              <a:t>2024/10/15</a:t>
+              <a:t>2024/10/18</a:t>
             </a:fld>
             <a:endParaRPr kumimoji="1" lang="ja-JP" altLang="en-US"/>
           </a:p>
@@ -1841,7 +1843,7 @@
           <a:p>
             <a:fld id="{5B96D3F8-CD2E-4A0D-AC38-517181EABB18}" type="datetimeFigureOut">
               <a:rPr kumimoji="1" lang="ja-JP" altLang="en-US" smtClean="0"/>
-              <a:t>2024/10/15</a:t>
+              <a:t>2024/10/18</a:t>
             </a:fld>
             <a:endParaRPr kumimoji="1" lang="ja-JP" altLang="en-US"/>
           </a:p>
@@ -1959,7 +1961,7 @@
           <a:p>
             <a:fld id="{5B96D3F8-CD2E-4A0D-AC38-517181EABB18}" type="datetimeFigureOut">
               <a:rPr kumimoji="1" lang="ja-JP" altLang="en-US" smtClean="0"/>
-              <a:t>2024/10/15</a:t>
+              <a:t>2024/10/18</a:t>
             </a:fld>
             <a:endParaRPr kumimoji="1" lang="ja-JP" altLang="en-US"/>
           </a:p>
@@ -2054,7 +2056,7 @@
           <a:p>
             <a:fld id="{5B96D3F8-CD2E-4A0D-AC38-517181EABB18}" type="datetimeFigureOut">
               <a:rPr kumimoji="1" lang="ja-JP" altLang="en-US" smtClean="0"/>
-              <a:t>2024/10/15</a:t>
+              <a:t>2024/10/18</a:t>
             </a:fld>
             <a:endParaRPr kumimoji="1" lang="ja-JP" altLang="en-US"/>
           </a:p>
@@ -2363,7 +2365,7 @@
           <a:p>
             <a:fld id="{5B96D3F8-CD2E-4A0D-AC38-517181EABB18}" type="datetimeFigureOut">
               <a:rPr kumimoji="1" lang="ja-JP" altLang="en-US" smtClean="0"/>
-              <a:t>2024/10/15</a:t>
+              <a:t>2024/10/18</a:t>
             </a:fld>
             <a:endParaRPr kumimoji="1" lang="ja-JP" altLang="en-US"/>
           </a:p>
@@ -2620,7 +2622,7 @@
           <a:p>
             <a:fld id="{5B96D3F8-CD2E-4A0D-AC38-517181EABB18}" type="datetimeFigureOut">
               <a:rPr kumimoji="1" lang="ja-JP" altLang="en-US" smtClean="0"/>
-              <a:t>2024/10/15</a:t>
+              <a:t>2024/10/18</a:t>
             </a:fld>
             <a:endParaRPr kumimoji="1" lang="ja-JP" altLang="en-US"/>
           </a:p>
@@ -2865,7 +2867,7 @@
           <a:p>
             <a:fld id="{5B96D3F8-CD2E-4A0D-AC38-517181EABB18}" type="datetimeFigureOut">
               <a:rPr kumimoji="1" lang="ja-JP" altLang="en-US" smtClean="0"/>
-              <a:t>2024/10/15</a:t>
+              <a:t>2024/10/18</a:t>
             </a:fld>
             <a:endParaRPr kumimoji="1" lang="ja-JP" altLang="en-US"/>
           </a:p>
@@ -3762,6 +3764,3602 @@
           <p:cNvPr id="2" name="タイトル 1">
             <a:extLst>
               <a:ext uri="{FF2B5EF4-FFF2-40B4-BE49-F238E27FC236}">
+                <a16:creationId xmlns:a16="http://schemas.microsoft.com/office/drawing/2014/main" id="{F11F3668-F205-48C5-AC01-19611EFE561B}"/>
+              </a:ext>
+            </a:extLst>
+          </p:cNvPr>
+          <p:cNvSpPr>
+            <a:spLocks noGrp="1"/>
+          </p:cNvSpPr>
+          <p:nvPr>
+            <p:ph type="title"/>
+          </p:nvPr>
+        </p:nvSpPr>
+        <p:spPr/>
+        <p:txBody>
+          <a:bodyPr/>
+          <a:lstStyle/>
+          <a:p>
+            <a:r>
+              <a:rPr kumimoji="1" lang="en-US" altLang="ja-JP" dirty="0"/>
+              <a:t>map</a:t>
+            </a:r>
+            <a:r>
+              <a:rPr kumimoji="1" lang="ja-JP" altLang="en-US" dirty="0"/>
+              <a:t>クラス</a:t>
+            </a:r>
+          </a:p>
+        </p:txBody>
+      </p:sp>
+      <p:sp>
+        <p:nvSpPr>
+          <p:cNvPr id="3" name="コンテンツ プレースホルダー 2">
+            <a:extLst>
+              <a:ext uri="{FF2B5EF4-FFF2-40B4-BE49-F238E27FC236}">
+                <a16:creationId xmlns:a16="http://schemas.microsoft.com/office/drawing/2014/main" id="{64DBE417-57E9-44A6-BB52-B2F9986BB7B2}"/>
+              </a:ext>
+            </a:extLst>
+          </p:cNvPr>
+          <p:cNvSpPr>
+            <a:spLocks noGrp="1"/>
+          </p:cNvSpPr>
+          <p:nvPr>
+            <p:ph idx="1"/>
+          </p:nvPr>
+        </p:nvSpPr>
+        <p:spPr>
+          <a:xfrm>
+            <a:off x="838200" y="1162976"/>
+            <a:ext cx="10515600" cy="5193373"/>
+          </a:xfrm>
+        </p:spPr>
+        <p:txBody>
+          <a:bodyPr>
+            <a:normAutofit/>
+          </a:bodyPr>
+          <a:lstStyle/>
+          <a:p>
+            <a:pPr marL="0" indent="0">
+              <a:buNone/>
+            </a:pPr>
+            <a:r>
+              <a:rPr kumimoji="1" lang="en-US" altLang="ja-JP" dirty="0"/>
+              <a:t>                main.cpp</a:t>
+            </a:r>
+            <a:r>
+              <a:rPr kumimoji="1" lang="ja-JP" altLang="en-US" dirty="0"/>
+              <a:t>　</a:t>
+            </a:r>
+            <a:r>
+              <a:rPr kumimoji="1" lang="en-US" altLang="ja-JP" dirty="0"/>
+              <a:t>(Sample608)</a:t>
+            </a:r>
+            <a:br>
+              <a:rPr lang="en-US" altLang="ja-JP" dirty="0"/>
+            </a:br>
+            <a:endParaRPr lang="en-US" altLang="ja-JP" dirty="0"/>
+          </a:p>
+          <a:p>
+            <a:pPr marL="0" indent="0">
+              <a:buNone/>
+            </a:pPr>
+            <a:br>
+              <a:rPr lang="en-US" altLang="ja-JP" dirty="0"/>
+            </a:br>
+            <a:br>
+              <a:rPr lang="en-US" altLang="ja-JP" dirty="0"/>
+            </a:br>
+            <a:br>
+              <a:rPr lang="en-US" altLang="ja-JP" dirty="0"/>
+            </a:br>
+            <a:br>
+              <a:rPr lang="en-US" altLang="ja-JP" sz="2400" dirty="0"/>
+            </a:br>
+            <a:br>
+              <a:rPr lang="en-US" altLang="ja-JP" sz="2400" dirty="0"/>
+            </a:br>
+            <a:endParaRPr lang="en-US" altLang="ja-JP" sz="2400" dirty="0"/>
+          </a:p>
+          <a:p>
+            <a:pPr marL="0" indent="0">
+              <a:buNone/>
+            </a:pPr>
+            <a:br>
+              <a:rPr lang="en-US" altLang="ja-JP" sz="2400" dirty="0"/>
+            </a:br>
+            <a:endParaRPr lang="en-US" altLang="ja-JP" dirty="0">
+              <a:solidFill>
+                <a:srgbClr val="FF0000"/>
+              </a:solidFill>
+            </a:endParaRPr>
+          </a:p>
+        </p:txBody>
+      </p:sp>
+      <p:sp>
+        <p:nvSpPr>
+          <p:cNvPr id="5" name="テキスト ボックス 4">
+            <a:extLst>
+              <a:ext uri="{FF2B5EF4-FFF2-40B4-BE49-F238E27FC236}">
+                <a16:creationId xmlns:a16="http://schemas.microsoft.com/office/drawing/2014/main" id="{9E32883C-0E37-4F07-9861-27609819CE8C}"/>
+              </a:ext>
+            </a:extLst>
+          </p:cNvPr>
+          <p:cNvSpPr txBox="1"/>
+          <p:nvPr/>
+        </p:nvSpPr>
+        <p:spPr>
+          <a:xfrm>
+            <a:off x="859277" y="1097394"/>
+            <a:ext cx="10688220" cy="5632311"/>
+          </a:xfrm>
+          <a:prstGeom prst="rect">
+            <a:avLst/>
+          </a:prstGeom>
+          <a:noFill/>
+          <a:ln>
+            <a:solidFill>
+              <a:schemeClr val="tx1"/>
+            </a:solidFill>
+          </a:ln>
+        </p:spPr>
+        <p:txBody>
+          <a:bodyPr wrap="square" rtlCol="0">
+            <a:spAutoFit/>
+          </a:bodyPr>
+          <a:lstStyle/>
+          <a:p>
+            <a:r>
+              <a:rPr lang="en-US" altLang="ja-JP" sz="2000" dirty="0">
+                <a:solidFill>
+                  <a:srgbClr val="808080"/>
+                </a:solidFill>
+                <a:ea typeface="ＭＳ ゴシック" panose="020B0609070205080204" pitchFamily="49" charset="-128"/>
+              </a:rPr>
+              <a:t>#include</a:t>
+            </a:r>
+            <a:r>
+              <a:rPr lang="en-US" altLang="ja-JP" sz="2000" dirty="0">
+                <a:solidFill>
+                  <a:srgbClr val="000000"/>
+                </a:solidFill>
+                <a:ea typeface="ＭＳ ゴシック" panose="020B0609070205080204" pitchFamily="49" charset="-128"/>
+              </a:rPr>
+              <a:t> </a:t>
+            </a:r>
+            <a:r>
+              <a:rPr lang="en-US" altLang="ja-JP" sz="2000" dirty="0">
+                <a:solidFill>
+                  <a:srgbClr val="A31515"/>
+                </a:solidFill>
+                <a:ea typeface="ＭＳ ゴシック" panose="020B0609070205080204" pitchFamily="49" charset="-128"/>
+              </a:rPr>
+              <a:t>&lt;iostream&gt;</a:t>
+            </a:r>
+            <a:endParaRPr lang="en-US" altLang="ja-JP" sz="2000" dirty="0">
+              <a:solidFill>
+                <a:srgbClr val="000000"/>
+              </a:solidFill>
+              <a:ea typeface="ＭＳ ゴシック" panose="020B0609070205080204" pitchFamily="49" charset="-128"/>
+            </a:endParaRPr>
+          </a:p>
+          <a:p>
+            <a:r>
+              <a:rPr lang="en-US" altLang="ja-JP" sz="2000" dirty="0">
+                <a:solidFill>
+                  <a:srgbClr val="808080"/>
+                </a:solidFill>
+                <a:ea typeface="ＭＳ ゴシック" panose="020B0609070205080204" pitchFamily="49" charset="-128"/>
+              </a:rPr>
+              <a:t>#include</a:t>
+            </a:r>
+            <a:r>
+              <a:rPr lang="en-US" altLang="ja-JP" sz="2000" dirty="0">
+                <a:solidFill>
+                  <a:srgbClr val="000000"/>
+                </a:solidFill>
+                <a:ea typeface="ＭＳ ゴシック" panose="020B0609070205080204" pitchFamily="49" charset="-128"/>
+              </a:rPr>
+              <a:t> </a:t>
+            </a:r>
+            <a:r>
+              <a:rPr lang="en-US" altLang="ja-JP" sz="2000" dirty="0">
+                <a:solidFill>
+                  <a:srgbClr val="A31515"/>
+                </a:solidFill>
+                <a:ea typeface="ＭＳ ゴシック" panose="020B0609070205080204" pitchFamily="49" charset="-128"/>
+              </a:rPr>
+              <a:t>&lt;string&gt;</a:t>
+            </a:r>
+            <a:endParaRPr lang="en-US" altLang="ja-JP" sz="2000" dirty="0">
+              <a:solidFill>
+                <a:srgbClr val="000000"/>
+              </a:solidFill>
+              <a:ea typeface="ＭＳ ゴシック" panose="020B0609070205080204" pitchFamily="49" charset="-128"/>
+            </a:endParaRPr>
+          </a:p>
+          <a:p>
+            <a:r>
+              <a:rPr lang="en-US" altLang="ja-JP" sz="2000" dirty="0">
+                <a:solidFill>
+                  <a:srgbClr val="808080"/>
+                </a:solidFill>
+                <a:ea typeface="ＭＳ ゴシック" panose="020B0609070205080204" pitchFamily="49" charset="-128"/>
+              </a:rPr>
+              <a:t>#include</a:t>
+            </a:r>
+            <a:r>
+              <a:rPr lang="en-US" altLang="ja-JP" sz="2000" dirty="0">
+                <a:solidFill>
+                  <a:srgbClr val="000000"/>
+                </a:solidFill>
+                <a:ea typeface="ＭＳ ゴシック" panose="020B0609070205080204" pitchFamily="49" charset="-128"/>
+              </a:rPr>
+              <a:t> </a:t>
+            </a:r>
+            <a:r>
+              <a:rPr lang="en-US" altLang="ja-JP" sz="2000" dirty="0">
+                <a:solidFill>
+                  <a:srgbClr val="A31515"/>
+                </a:solidFill>
+                <a:ea typeface="ＭＳ ゴシック" panose="020B0609070205080204" pitchFamily="49" charset="-128"/>
+              </a:rPr>
+              <a:t>&lt;map&gt;</a:t>
+            </a:r>
+            <a:endParaRPr lang="en-US" altLang="ja-JP" sz="2000" dirty="0">
+              <a:solidFill>
+                <a:srgbClr val="000000"/>
+              </a:solidFill>
+              <a:ea typeface="ＭＳ ゴシック" panose="020B0609070205080204" pitchFamily="49" charset="-128"/>
+            </a:endParaRPr>
+          </a:p>
+          <a:p>
+            <a:r>
+              <a:rPr lang="en-US" altLang="ja-JP" sz="2000" dirty="0">
+                <a:solidFill>
+                  <a:srgbClr val="0000FF"/>
+                </a:solidFill>
+                <a:ea typeface="ＭＳ ゴシック" panose="020B0609070205080204" pitchFamily="49" charset="-128"/>
+              </a:rPr>
+              <a:t>using</a:t>
+            </a:r>
+            <a:r>
+              <a:rPr lang="en-US" altLang="ja-JP" sz="2000" dirty="0">
+                <a:solidFill>
+                  <a:srgbClr val="000000"/>
+                </a:solidFill>
+                <a:ea typeface="ＭＳ ゴシック" panose="020B0609070205080204" pitchFamily="49" charset="-128"/>
+              </a:rPr>
+              <a:t> </a:t>
+            </a:r>
+            <a:r>
+              <a:rPr lang="en-US" altLang="ja-JP" sz="2000" dirty="0">
+                <a:solidFill>
+                  <a:srgbClr val="0000FF"/>
+                </a:solidFill>
+                <a:ea typeface="ＭＳ ゴシック" panose="020B0609070205080204" pitchFamily="49" charset="-128"/>
+              </a:rPr>
+              <a:t>namespace</a:t>
+            </a:r>
+            <a:r>
+              <a:rPr lang="en-US" altLang="ja-JP" sz="2000" dirty="0">
+                <a:solidFill>
+                  <a:srgbClr val="000000"/>
+                </a:solidFill>
+                <a:ea typeface="ＭＳ ゴシック" panose="020B0609070205080204" pitchFamily="49" charset="-128"/>
+              </a:rPr>
+              <a:t> std;</a:t>
+            </a:r>
+          </a:p>
+          <a:p>
+            <a:r>
+              <a:rPr lang="en-US" altLang="ja-JP" sz="2000" dirty="0">
+                <a:solidFill>
+                  <a:srgbClr val="0000FF"/>
+                </a:solidFill>
+                <a:ea typeface="ＭＳ ゴシック" panose="020B0609070205080204" pitchFamily="49" charset="-128"/>
+              </a:rPr>
+              <a:t>int</a:t>
+            </a:r>
+            <a:r>
+              <a:rPr lang="en-US" altLang="ja-JP" sz="2000" dirty="0">
+                <a:solidFill>
+                  <a:srgbClr val="000000"/>
+                </a:solidFill>
+                <a:ea typeface="ＭＳ ゴシック" panose="020B0609070205080204" pitchFamily="49" charset="-128"/>
+              </a:rPr>
+              <a:t> main() {</a:t>
+            </a:r>
+          </a:p>
+          <a:p>
+            <a:r>
+              <a:rPr lang="en-US" altLang="ja-JP" sz="2000" dirty="0">
+                <a:solidFill>
+                  <a:srgbClr val="2B91AF"/>
+                </a:solidFill>
+                <a:ea typeface="ＭＳ ゴシック" panose="020B0609070205080204" pitchFamily="49" charset="-128"/>
+              </a:rPr>
+              <a:t>	map </a:t>
+            </a:r>
+            <a:r>
+              <a:rPr lang="en-US" altLang="ja-JP" sz="2000" dirty="0">
+                <a:solidFill>
+                  <a:srgbClr val="000000"/>
+                </a:solidFill>
+                <a:ea typeface="ＭＳ ゴシック" panose="020B0609070205080204" pitchFamily="49" charset="-128"/>
+              </a:rPr>
+              <a:t>&lt;</a:t>
+            </a:r>
+            <a:r>
+              <a:rPr lang="en-US" altLang="ja-JP" sz="2000" dirty="0">
+                <a:solidFill>
+                  <a:srgbClr val="2B91AF"/>
+                </a:solidFill>
+                <a:ea typeface="ＭＳ ゴシック" panose="020B0609070205080204" pitchFamily="49" charset="-128"/>
+              </a:rPr>
+              <a:t>string</a:t>
+            </a:r>
+            <a:r>
+              <a:rPr lang="en-US" altLang="ja-JP" sz="2000" dirty="0">
+                <a:solidFill>
+                  <a:srgbClr val="000000"/>
+                </a:solidFill>
+                <a:ea typeface="ＭＳ ゴシック" panose="020B0609070205080204" pitchFamily="49" charset="-128"/>
+              </a:rPr>
+              <a:t>, </a:t>
+            </a:r>
+            <a:r>
+              <a:rPr lang="en-US" altLang="ja-JP" sz="2000" dirty="0">
+                <a:solidFill>
+                  <a:srgbClr val="0000FF"/>
+                </a:solidFill>
+                <a:ea typeface="ＭＳ ゴシック" panose="020B0609070205080204" pitchFamily="49" charset="-128"/>
+              </a:rPr>
+              <a:t>int</a:t>
+            </a:r>
+            <a:r>
+              <a:rPr lang="en-US" altLang="ja-JP" sz="2000" dirty="0">
+                <a:solidFill>
+                  <a:srgbClr val="000000"/>
+                </a:solidFill>
+                <a:ea typeface="ＭＳ ゴシック" panose="020B0609070205080204" pitchFamily="49" charset="-128"/>
+              </a:rPr>
+              <a:t>&gt; score;	</a:t>
+            </a:r>
+          </a:p>
+          <a:p>
+            <a:r>
+              <a:rPr lang="en-US" altLang="ja-JP" sz="2000" dirty="0">
+                <a:solidFill>
+                  <a:srgbClr val="000000"/>
+                </a:solidFill>
+                <a:ea typeface="ＭＳ ゴシック" panose="020B0609070205080204" pitchFamily="49" charset="-128"/>
+              </a:rPr>
+              <a:t>	score</a:t>
+            </a:r>
+            <a:r>
+              <a:rPr lang="en-US" altLang="ja-JP" sz="2000" dirty="0">
+                <a:solidFill>
+                  <a:srgbClr val="008080"/>
+                </a:solidFill>
+                <a:ea typeface="ＭＳ ゴシック" panose="020B0609070205080204" pitchFamily="49" charset="-128"/>
+              </a:rPr>
+              <a:t>[</a:t>
+            </a:r>
+            <a:r>
+              <a:rPr lang="en-US" altLang="ja-JP" sz="2000" dirty="0">
+                <a:solidFill>
+                  <a:srgbClr val="A31515"/>
+                </a:solidFill>
+                <a:ea typeface="ＭＳ ゴシック" panose="020B0609070205080204" pitchFamily="49" charset="-128"/>
+              </a:rPr>
+              <a:t>“Tom”</a:t>
+            </a:r>
+            <a:r>
+              <a:rPr lang="en-US" altLang="ja-JP" sz="2000" dirty="0">
+                <a:solidFill>
+                  <a:srgbClr val="008080"/>
+                </a:solidFill>
+                <a:ea typeface="ＭＳ ゴシック" panose="020B0609070205080204" pitchFamily="49" charset="-128"/>
+              </a:rPr>
+              <a:t>]</a:t>
+            </a:r>
+            <a:r>
+              <a:rPr lang="en-US" altLang="ja-JP" sz="2000" dirty="0">
+                <a:solidFill>
+                  <a:srgbClr val="000000"/>
+                </a:solidFill>
+                <a:ea typeface="ＭＳ ゴシック" panose="020B0609070205080204" pitchFamily="49" charset="-128"/>
+              </a:rPr>
+              <a:t> = 100; </a:t>
+            </a:r>
+            <a:endParaRPr lang="en-US" altLang="ja-JP" sz="2000" dirty="0">
+              <a:solidFill>
+                <a:srgbClr val="00B050"/>
+              </a:solidFill>
+              <a:latin typeface="+mn-ea"/>
+            </a:endParaRPr>
+          </a:p>
+          <a:p>
+            <a:r>
+              <a:rPr lang="en-US" altLang="ja-JP" sz="2000" dirty="0">
+                <a:solidFill>
+                  <a:srgbClr val="000000"/>
+                </a:solidFill>
+                <a:ea typeface="ＭＳ ゴシック" panose="020B0609070205080204" pitchFamily="49" charset="-128"/>
+              </a:rPr>
+              <a:t>	score</a:t>
+            </a:r>
+            <a:r>
+              <a:rPr lang="en-US" altLang="ja-JP" sz="2000" dirty="0">
+                <a:solidFill>
+                  <a:srgbClr val="008080"/>
+                </a:solidFill>
+                <a:ea typeface="ＭＳ ゴシック" panose="020B0609070205080204" pitchFamily="49" charset="-128"/>
+              </a:rPr>
+              <a:t>[</a:t>
+            </a:r>
+            <a:r>
+              <a:rPr lang="en-US" altLang="ja-JP" sz="2000" dirty="0">
+                <a:solidFill>
+                  <a:srgbClr val="A31515"/>
+                </a:solidFill>
+                <a:ea typeface="ＭＳ ゴシック" panose="020B0609070205080204" pitchFamily="49" charset="-128"/>
+              </a:rPr>
+              <a:t>"Bob"</a:t>
+            </a:r>
+            <a:r>
+              <a:rPr lang="en-US" altLang="ja-JP" sz="2000" dirty="0">
+                <a:solidFill>
+                  <a:srgbClr val="008080"/>
+                </a:solidFill>
+                <a:ea typeface="ＭＳ ゴシック" panose="020B0609070205080204" pitchFamily="49" charset="-128"/>
+              </a:rPr>
+              <a:t>]</a:t>
+            </a:r>
+            <a:r>
+              <a:rPr lang="en-US" altLang="ja-JP" sz="2000" dirty="0">
+                <a:solidFill>
+                  <a:srgbClr val="000000"/>
+                </a:solidFill>
+                <a:ea typeface="ＭＳ ゴシック" panose="020B0609070205080204" pitchFamily="49" charset="-128"/>
+              </a:rPr>
+              <a:t> = 80;</a:t>
+            </a:r>
+          </a:p>
+          <a:p>
+            <a:r>
+              <a:rPr lang="en-US" altLang="ja-JP" sz="2000" dirty="0">
+                <a:solidFill>
+                  <a:srgbClr val="000000"/>
+                </a:solidFill>
+                <a:ea typeface="ＭＳ ゴシック" panose="020B0609070205080204" pitchFamily="49" charset="-128"/>
+              </a:rPr>
+              <a:t>	score</a:t>
+            </a:r>
+            <a:r>
+              <a:rPr lang="en-US" altLang="ja-JP" sz="2000" dirty="0">
+                <a:solidFill>
+                  <a:srgbClr val="008080"/>
+                </a:solidFill>
+                <a:ea typeface="ＭＳ ゴシック" panose="020B0609070205080204" pitchFamily="49" charset="-128"/>
+              </a:rPr>
+              <a:t>[</a:t>
+            </a:r>
+            <a:r>
+              <a:rPr lang="en-US" altLang="ja-JP" sz="2000" dirty="0">
+                <a:solidFill>
+                  <a:srgbClr val="A31515"/>
+                </a:solidFill>
+                <a:ea typeface="ＭＳ ゴシック" panose="020B0609070205080204" pitchFamily="49" charset="-128"/>
+              </a:rPr>
+              <a:t>“Mike”</a:t>
+            </a:r>
+            <a:r>
+              <a:rPr lang="en-US" altLang="ja-JP" sz="2000" dirty="0">
+                <a:solidFill>
+                  <a:srgbClr val="008080"/>
+                </a:solidFill>
+                <a:ea typeface="ＭＳ ゴシック" panose="020B0609070205080204" pitchFamily="49" charset="-128"/>
+              </a:rPr>
+              <a:t>]</a:t>
+            </a:r>
+            <a:r>
+              <a:rPr lang="en-US" altLang="ja-JP" sz="2000" dirty="0">
+                <a:solidFill>
+                  <a:srgbClr val="000000"/>
+                </a:solidFill>
+                <a:ea typeface="ＭＳ ゴシック" panose="020B0609070205080204" pitchFamily="49" charset="-128"/>
+              </a:rPr>
+              <a:t> = 76;</a:t>
+            </a:r>
+            <a:br>
+              <a:rPr lang="en-US" altLang="ja-JP" sz="2000" dirty="0">
+                <a:solidFill>
+                  <a:srgbClr val="000000"/>
+                </a:solidFill>
+                <a:ea typeface="ＭＳ ゴシック" panose="020B0609070205080204" pitchFamily="49" charset="-128"/>
+              </a:rPr>
+            </a:br>
+            <a:r>
+              <a:rPr lang="en-US" altLang="ja-JP" sz="2000" dirty="0">
+                <a:solidFill>
+                  <a:srgbClr val="000000"/>
+                </a:solidFill>
+                <a:ea typeface="ＭＳ ゴシック" panose="020B0609070205080204" pitchFamily="49" charset="-128"/>
+              </a:rPr>
+              <a:t>	</a:t>
+            </a:r>
+            <a:r>
+              <a:rPr lang="en-US" altLang="ja-JP" sz="2000" dirty="0" err="1">
+                <a:solidFill>
+                  <a:srgbClr val="000000"/>
+                </a:solidFill>
+                <a:ea typeface="ＭＳ ゴシック" panose="020B0609070205080204" pitchFamily="49" charset="-128"/>
+              </a:rPr>
+              <a:t>score.erase</a:t>
+            </a:r>
+            <a:r>
+              <a:rPr lang="en-US" altLang="ja-JP" sz="2000" dirty="0">
+                <a:solidFill>
+                  <a:srgbClr val="000000"/>
+                </a:solidFill>
+                <a:ea typeface="ＭＳ ゴシック" panose="020B0609070205080204" pitchFamily="49" charset="-128"/>
+              </a:rPr>
+              <a:t>(</a:t>
+            </a:r>
+            <a:r>
+              <a:rPr lang="en-US" altLang="ja-JP" sz="2000" dirty="0">
+                <a:solidFill>
+                  <a:srgbClr val="A31515"/>
+                </a:solidFill>
+                <a:ea typeface="ＭＳ ゴシック" panose="020B0609070205080204" pitchFamily="49" charset="-128"/>
+              </a:rPr>
+              <a:t>“Mike”</a:t>
+            </a:r>
+            <a:r>
+              <a:rPr lang="en-US" altLang="ja-JP" sz="2000" dirty="0">
+                <a:solidFill>
+                  <a:srgbClr val="000000"/>
+                </a:solidFill>
+                <a:ea typeface="ＭＳ ゴシック" panose="020B0609070205080204" pitchFamily="49" charset="-128"/>
+              </a:rPr>
+              <a:t>);</a:t>
+            </a:r>
+            <a:br>
+              <a:rPr lang="en-US" altLang="ja-JP" sz="2000" dirty="0">
+                <a:solidFill>
+                  <a:srgbClr val="000000"/>
+                </a:solidFill>
+                <a:ea typeface="ＭＳ ゴシック" panose="020B0609070205080204" pitchFamily="49" charset="-128"/>
+              </a:rPr>
+            </a:br>
+            <a:r>
+              <a:rPr lang="en-US" altLang="ja-JP" sz="2000" dirty="0">
+                <a:solidFill>
+                  <a:srgbClr val="000000"/>
+                </a:solidFill>
+                <a:ea typeface="ＭＳ ゴシック" panose="020B0609070205080204" pitchFamily="49" charset="-128"/>
+              </a:rPr>
+              <a:t>	</a:t>
+            </a:r>
+            <a:r>
+              <a:rPr lang="en-US" altLang="ja-JP" sz="2000" dirty="0" err="1">
+                <a:solidFill>
+                  <a:srgbClr val="000000"/>
+                </a:solidFill>
+                <a:ea typeface="ＭＳ ゴシック" panose="020B0609070205080204" pitchFamily="49" charset="-128"/>
+              </a:rPr>
+              <a:t>score.insert</a:t>
+            </a:r>
+            <a:r>
+              <a:rPr lang="en-US" altLang="ja-JP" sz="2000" dirty="0">
+                <a:solidFill>
+                  <a:srgbClr val="000000"/>
+                </a:solidFill>
+                <a:ea typeface="ＭＳ ゴシック" panose="020B0609070205080204" pitchFamily="49" charset="-128"/>
+              </a:rPr>
+              <a:t>(</a:t>
+            </a:r>
+            <a:r>
+              <a:rPr lang="en-US" altLang="ja-JP" sz="2000" dirty="0" err="1">
+                <a:solidFill>
+                  <a:srgbClr val="000000"/>
+                </a:solidFill>
+                <a:ea typeface="ＭＳ ゴシック" panose="020B0609070205080204" pitchFamily="49" charset="-128"/>
+              </a:rPr>
+              <a:t>make_pair</a:t>
+            </a:r>
+            <a:r>
+              <a:rPr lang="en-US" altLang="ja-JP" sz="2000" dirty="0">
+                <a:solidFill>
+                  <a:srgbClr val="000000"/>
+                </a:solidFill>
+                <a:ea typeface="ＭＳ ゴシック" panose="020B0609070205080204" pitchFamily="49" charset="-128"/>
+              </a:rPr>
+              <a:t>(</a:t>
+            </a:r>
+            <a:r>
+              <a:rPr lang="en-US" altLang="ja-JP" sz="2000" dirty="0">
+                <a:solidFill>
+                  <a:srgbClr val="A31515"/>
+                </a:solidFill>
+                <a:ea typeface="ＭＳ ゴシック" panose="020B0609070205080204" pitchFamily="49" charset="-128"/>
+              </a:rPr>
+              <a:t>“John”</a:t>
+            </a:r>
+            <a:r>
+              <a:rPr lang="en-US" altLang="ja-JP" sz="2000" dirty="0">
+                <a:ea typeface="ＭＳ ゴシック" panose="020B0609070205080204" pitchFamily="49" charset="-128"/>
+              </a:rPr>
+              <a:t>,88));</a:t>
+            </a:r>
+            <a:r>
+              <a:rPr lang="en-US" altLang="ja-JP" sz="2000" dirty="0">
+                <a:solidFill>
+                  <a:srgbClr val="000000"/>
+                </a:solidFill>
+                <a:ea typeface="ＭＳ ゴシック" panose="020B0609070205080204" pitchFamily="49" charset="-128"/>
+              </a:rPr>
+              <a:t> </a:t>
+            </a:r>
+          </a:p>
+          <a:p>
+            <a:r>
+              <a:rPr lang="en-US" altLang="ja-JP" sz="2000" dirty="0">
+                <a:solidFill>
+                  <a:srgbClr val="000000"/>
+                </a:solidFill>
+                <a:ea typeface="ＭＳ ゴシック" panose="020B0609070205080204" pitchFamily="49" charset="-128"/>
+              </a:rPr>
+              <a:t>	</a:t>
+            </a:r>
+            <a:r>
+              <a:rPr lang="en-US" altLang="ja-JP" sz="2000" dirty="0" err="1">
+                <a:solidFill>
+                  <a:srgbClr val="000000"/>
+                </a:solidFill>
+                <a:ea typeface="ＭＳ ゴシック" panose="020B0609070205080204" pitchFamily="49" charset="-128"/>
+              </a:rPr>
+              <a:t>score.emplace</a:t>
+            </a:r>
+            <a:r>
+              <a:rPr lang="en-US" altLang="ja-JP" sz="2000" dirty="0">
+                <a:solidFill>
+                  <a:srgbClr val="000000"/>
+                </a:solidFill>
+                <a:ea typeface="ＭＳ ゴシック" panose="020B0609070205080204" pitchFamily="49" charset="-128"/>
+              </a:rPr>
+              <a:t>(</a:t>
+            </a:r>
+            <a:r>
+              <a:rPr lang="en-US" altLang="ja-JP" sz="2000" dirty="0">
+                <a:solidFill>
+                  <a:srgbClr val="C00000"/>
+                </a:solidFill>
+                <a:ea typeface="ＭＳ ゴシック" panose="020B0609070205080204" pitchFamily="49" charset="-128"/>
+              </a:rPr>
+              <a:t>“David”</a:t>
+            </a:r>
+            <a:r>
+              <a:rPr lang="en-US" altLang="ja-JP" sz="2000" dirty="0">
+                <a:solidFill>
+                  <a:srgbClr val="000000"/>
+                </a:solidFill>
+                <a:ea typeface="ＭＳ ゴシック" panose="020B0609070205080204" pitchFamily="49" charset="-128"/>
+              </a:rPr>
+              <a:t>, 70);</a:t>
+            </a:r>
+          </a:p>
+          <a:p>
+            <a:r>
+              <a:rPr lang="en-US" altLang="ja-JP" sz="2000" dirty="0">
+                <a:solidFill>
+                  <a:srgbClr val="000000"/>
+                </a:solidFill>
+                <a:ea typeface="ＭＳ ゴシック" panose="020B0609070205080204" pitchFamily="49" charset="-128"/>
+              </a:rPr>
+              <a:t>	</a:t>
+            </a:r>
+            <a:r>
+              <a:rPr lang="en-US" altLang="ja-JP" sz="2000" dirty="0">
+                <a:solidFill>
+                  <a:srgbClr val="0000FF"/>
+                </a:solidFill>
+                <a:ea typeface="ＭＳ ゴシック" panose="020B0609070205080204" pitchFamily="49" charset="-128"/>
+              </a:rPr>
+              <a:t>auto</a:t>
+            </a:r>
+            <a:r>
+              <a:rPr lang="en-US" altLang="ja-JP" sz="2000" dirty="0">
+                <a:solidFill>
+                  <a:srgbClr val="000000"/>
+                </a:solidFill>
+                <a:ea typeface="ＭＳ ゴシック" panose="020B0609070205080204" pitchFamily="49" charset="-128"/>
+              </a:rPr>
+              <a:t> </a:t>
+            </a:r>
+            <a:r>
+              <a:rPr lang="en-US" altLang="ja-JP" sz="2000" dirty="0" err="1">
+                <a:solidFill>
+                  <a:srgbClr val="000000"/>
+                </a:solidFill>
+                <a:ea typeface="ＭＳ ゴシック" panose="020B0609070205080204" pitchFamily="49" charset="-128"/>
+              </a:rPr>
+              <a:t>itr</a:t>
+            </a:r>
+            <a:r>
+              <a:rPr lang="en-US" altLang="ja-JP" sz="2000" dirty="0">
+                <a:solidFill>
+                  <a:srgbClr val="000000"/>
+                </a:solidFill>
+                <a:ea typeface="ＭＳ ゴシック" panose="020B0609070205080204" pitchFamily="49" charset="-128"/>
+              </a:rPr>
+              <a:t> = </a:t>
+            </a:r>
+            <a:r>
+              <a:rPr lang="en-US" altLang="ja-JP" sz="2000" dirty="0" err="1">
+                <a:solidFill>
+                  <a:srgbClr val="000000"/>
+                </a:solidFill>
+                <a:ea typeface="ＭＳ ゴシック" panose="020B0609070205080204" pitchFamily="49" charset="-128"/>
+              </a:rPr>
+              <a:t>score.find</a:t>
+            </a:r>
+            <a:r>
+              <a:rPr lang="en-US" altLang="ja-JP" sz="2000" dirty="0">
+                <a:solidFill>
+                  <a:srgbClr val="000000"/>
+                </a:solidFill>
+                <a:ea typeface="ＭＳ ゴシック" panose="020B0609070205080204" pitchFamily="49" charset="-128"/>
+              </a:rPr>
+              <a:t>(</a:t>
+            </a:r>
+            <a:r>
+              <a:rPr lang="en-US" altLang="ja-JP" sz="2000" dirty="0">
+                <a:solidFill>
+                  <a:srgbClr val="A31515"/>
+                </a:solidFill>
+                <a:ea typeface="ＭＳ ゴシック" panose="020B0609070205080204" pitchFamily="49" charset="-128"/>
+              </a:rPr>
+              <a:t>“John”</a:t>
+            </a:r>
+            <a:r>
+              <a:rPr lang="en-US" altLang="ja-JP" sz="2000" dirty="0">
+                <a:solidFill>
+                  <a:srgbClr val="000000"/>
+                </a:solidFill>
+                <a:ea typeface="ＭＳ ゴシック" panose="020B0609070205080204" pitchFamily="49" charset="-128"/>
+              </a:rPr>
+              <a:t>);</a:t>
+            </a:r>
+            <a:r>
+              <a:rPr lang="en-US" altLang="ja-JP" sz="2000" dirty="0">
+                <a:solidFill>
+                  <a:srgbClr val="00B050"/>
+                </a:solidFill>
+                <a:latin typeface="+mn-ea"/>
+              </a:rPr>
+              <a:t> </a:t>
+            </a:r>
+            <a:endParaRPr lang="en-US" altLang="ja-JP" sz="2000" dirty="0">
+              <a:solidFill>
+                <a:srgbClr val="000000"/>
+              </a:solidFill>
+              <a:ea typeface="ＭＳ ゴシック" panose="020B0609070205080204" pitchFamily="49" charset="-128"/>
+            </a:endParaRPr>
+          </a:p>
+          <a:p>
+            <a:r>
+              <a:rPr lang="en-US" altLang="ja-JP" sz="2000" dirty="0">
+                <a:solidFill>
+                  <a:srgbClr val="000000"/>
+                </a:solidFill>
+                <a:ea typeface="ＭＳ ゴシック" panose="020B0609070205080204" pitchFamily="49" charset="-128"/>
+              </a:rPr>
+              <a:t>	</a:t>
+            </a:r>
+            <a:r>
+              <a:rPr lang="en-US" altLang="ja-JP" sz="2000" dirty="0" err="1">
+                <a:solidFill>
+                  <a:srgbClr val="000000"/>
+                </a:solidFill>
+                <a:ea typeface="ＭＳ ゴシック" panose="020B0609070205080204" pitchFamily="49" charset="-128"/>
+              </a:rPr>
+              <a:t>cout</a:t>
+            </a:r>
+            <a:r>
+              <a:rPr lang="en-US" altLang="ja-JP" sz="2000" dirty="0">
+                <a:solidFill>
+                  <a:srgbClr val="000000"/>
+                </a:solidFill>
+                <a:ea typeface="ＭＳ ゴシック" panose="020B0609070205080204" pitchFamily="49" charset="-128"/>
+              </a:rPr>
+              <a:t> </a:t>
+            </a:r>
+            <a:r>
+              <a:rPr lang="en-US" altLang="ja-JP" sz="2000" dirty="0">
+                <a:solidFill>
+                  <a:srgbClr val="008080"/>
+                </a:solidFill>
+                <a:ea typeface="ＭＳ ゴシック" panose="020B0609070205080204" pitchFamily="49" charset="-128"/>
+              </a:rPr>
+              <a:t>&lt;&lt; </a:t>
+            </a:r>
+            <a:r>
+              <a:rPr lang="en-US" altLang="ja-JP" sz="2000" b="1" dirty="0" err="1">
+                <a:solidFill>
+                  <a:srgbClr val="FF0000"/>
+                </a:solidFill>
+                <a:ea typeface="ＭＳ ゴシック" panose="020B0609070205080204" pitchFamily="49" charset="-128"/>
+              </a:rPr>
+              <a:t>itr</a:t>
+            </a:r>
+            <a:r>
+              <a:rPr lang="en-US" altLang="ja-JP" sz="2000" b="1" dirty="0">
+                <a:solidFill>
+                  <a:srgbClr val="FF0000"/>
+                </a:solidFill>
+                <a:ea typeface="ＭＳ ゴシック" panose="020B0609070205080204" pitchFamily="49" charset="-128"/>
+              </a:rPr>
+              <a:t>-&gt;first </a:t>
+            </a:r>
+            <a:r>
+              <a:rPr lang="en-US" altLang="ja-JP" sz="2000" dirty="0">
+                <a:solidFill>
+                  <a:srgbClr val="008080"/>
+                </a:solidFill>
+                <a:ea typeface="ＭＳ ゴシック" panose="020B0609070205080204" pitchFamily="49" charset="-128"/>
+              </a:rPr>
+              <a:t>&lt;&lt;</a:t>
+            </a:r>
+            <a:r>
+              <a:rPr lang="en-US" altLang="ja-JP" sz="2000" dirty="0">
+                <a:solidFill>
+                  <a:srgbClr val="A31515"/>
+                </a:solidFill>
+                <a:ea typeface="ＭＳ ゴシック" panose="020B0609070205080204" pitchFamily="49" charset="-128"/>
+              </a:rPr>
+              <a:t> "</a:t>
+            </a:r>
+            <a:r>
+              <a:rPr lang="ja-JP" altLang="en-US" sz="2000" dirty="0">
+                <a:solidFill>
+                  <a:srgbClr val="A31515"/>
+                </a:solidFill>
+                <a:latin typeface="+mn-ea"/>
+              </a:rPr>
+              <a:t>の点数は</a:t>
+            </a:r>
+            <a:r>
+              <a:rPr lang="en-US" altLang="ja-JP" sz="2000" dirty="0">
+                <a:solidFill>
+                  <a:srgbClr val="A31515"/>
+                </a:solidFill>
+                <a:ea typeface="ＭＳ ゴシック" panose="020B0609070205080204" pitchFamily="49" charset="-128"/>
+              </a:rPr>
+              <a:t>"</a:t>
+            </a:r>
+            <a:r>
+              <a:rPr lang="ja-JP" altLang="en-US" sz="2000" dirty="0">
+                <a:solidFill>
+                  <a:srgbClr val="000000"/>
+                </a:solidFill>
+                <a:ea typeface="ＭＳ ゴシック" panose="020B0609070205080204" pitchFamily="49" charset="-128"/>
+              </a:rPr>
+              <a:t> </a:t>
+            </a:r>
+            <a:r>
+              <a:rPr lang="en-US" altLang="ja-JP" sz="2000" dirty="0">
+                <a:solidFill>
+                  <a:srgbClr val="008080"/>
+                </a:solidFill>
+                <a:ea typeface="ＭＳ ゴシック" panose="020B0609070205080204" pitchFamily="49" charset="-128"/>
+              </a:rPr>
+              <a:t>&lt;&lt; </a:t>
+            </a:r>
+            <a:r>
+              <a:rPr lang="en-US" altLang="ja-JP" sz="2000" b="1" dirty="0" err="1">
+                <a:solidFill>
+                  <a:srgbClr val="FF0000"/>
+                </a:solidFill>
+                <a:ea typeface="ＭＳ ゴシック" panose="020B0609070205080204" pitchFamily="49" charset="-128"/>
+              </a:rPr>
+              <a:t>itr</a:t>
+            </a:r>
+            <a:r>
+              <a:rPr lang="en-US" altLang="ja-JP" sz="2000" b="1" dirty="0">
+                <a:solidFill>
+                  <a:srgbClr val="FF0000"/>
+                </a:solidFill>
+                <a:ea typeface="ＭＳ ゴシック" panose="020B0609070205080204" pitchFamily="49" charset="-128"/>
+              </a:rPr>
+              <a:t>-&gt;second </a:t>
+            </a:r>
+            <a:r>
+              <a:rPr lang="en-US" altLang="ja-JP" sz="2000" dirty="0">
+                <a:solidFill>
+                  <a:srgbClr val="008080"/>
+                </a:solidFill>
+                <a:ea typeface="ＭＳ ゴシック" panose="020B0609070205080204" pitchFamily="49" charset="-128"/>
+              </a:rPr>
+              <a:t>&lt;&lt; </a:t>
+            </a:r>
+            <a:r>
+              <a:rPr lang="en-US" altLang="ja-JP" sz="2000" dirty="0">
+                <a:solidFill>
+                  <a:srgbClr val="A31515"/>
+                </a:solidFill>
+                <a:ea typeface="ＭＳ ゴシック" panose="020B0609070205080204" pitchFamily="49" charset="-128"/>
+              </a:rPr>
+              <a:t>"</a:t>
+            </a:r>
+            <a:r>
+              <a:rPr lang="ja-JP" altLang="en-US" sz="2000" dirty="0">
+                <a:solidFill>
+                  <a:srgbClr val="A31515"/>
+                </a:solidFill>
+                <a:latin typeface="+mn-ea"/>
+              </a:rPr>
+              <a:t>点</a:t>
+            </a:r>
+            <a:r>
+              <a:rPr lang="en-US" altLang="ja-JP" sz="2000" dirty="0">
+                <a:solidFill>
+                  <a:srgbClr val="A31515"/>
+                </a:solidFill>
+                <a:ea typeface="ＭＳ ゴシック" panose="020B0609070205080204" pitchFamily="49" charset="-128"/>
+              </a:rPr>
+              <a:t>" </a:t>
+            </a:r>
+            <a:r>
+              <a:rPr lang="en-US" altLang="ja-JP" sz="2000" dirty="0">
+                <a:solidFill>
+                  <a:srgbClr val="008080"/>
+                </a:solidFill>
+                <a:ea typeface="ＭＳ ゴシック" panose="020B0609070205080204" pitchFamily="49" charset="-128"/>
+              </a:rPr>
+              <a:t>&lt;&lt;</a:t>
+            </a:r>
+            <a:r>
+              <a:rPr lang="ja-JP" altLang="en-US" sz="2000" dirty="0">
+                <a:solidFill>
+                  <a:srgbClr val="000000"/>
+                </a:solidFill>
+                <a:ea typeface="ＭＳ ゴシック" panose="020B0609070205080204" pitchFamily="49" charset="-128"/>
+              </a:rPr>
+              <a:t> </a:t>
+            </a:r>
+            <a:r>
+              <a:rPr lang="en-US" altLang="ja-JP" sz="2000" dirty="0" err="1">
+                <a:solidFill>
+                  <a:srgbClr val="000000"/>
+                </a:solidFill>
+                <a:ea typeface="ＭＳ ゴシック" panose="020B0609070205080204" pitchFamily="49" charset="-128"/>
+              </a:rPr>
+              <a:t>endl</a:t>
+            </a:r>
+            <a:r>
+              <a:rPr lang="en-US" altLang="ja-JP" sz="2000" dirty="0">
+                <a:solidFill>
+                  <a:srgbClr val="000000"/>
+                </a:solidFill>
+                <a:ea typeface="ＭＳ ゴシック" panose="020B0609070205080204" pitchFamily="49" charset="-128"/>
+              </a:rPr>
+              <a:t>;</a:t>
+            </a:r>
+            <a:r>
+              <a:rPr lang="en-US" altLang="ja-JP" sz="2000" dirty="0">
+                <a:solidFill>
+                  <a:srgbClr val="008080"/>
+                </a:solidFill>
+                <a:ea typeface="ＭＳ ゴシック" panose="020B0609070205080204" pitchFamily="49" charset="-128"/>
+              </a:rPr>
+              <a:t> </a:t>
+            </a:r>
+            <a:br>
+              <a:rPr lang="en-US" altLang="ja-JP" sz="2000" dirty="0">
+                <a:solidFill>
+                  <a:srgbClr val="000000"/>
+                </a:solidFill>
+                <a:ea typeface="ＭＳ ゴシック" panose="020B0609070205080204" pitchFamily="49" charset="-128"/>
+              </a:rPr>
+            </a:br>
+            <a:r>
+              <a:rPr lang="en-US" altLang="ja-JP" sz="2000" dirty="0">
+                <a:solidFill>
+                  <a:srgbClr val="000000"/>
+                </a:solidFill>
+                <a:ea typeface="ＭＳ ゴシック" panose="020B0609070205080204" pitchFamily="49" charset="-128"/>
+              </a:rPr>
+              <a:t>	</a:t>
+            </a:r>
+            <a:r>
+              <a:rPr lang="en-US" altLang="ja-JP" sz="2000" dirty="0" err="1">
+                <a:solidFill>
+                  <a:srgbClr val="000000"/>
+                </a:solidFill>
+                <a:ea typeface="ＭＳ ゴシック" panose="020B0609070205080204" pitchFamily="49" charset="-128"/>
+              </a:rPr>
+              <a:t>cout</a:t>
+            </a:r>
+            <a:r>
+              <a:rPr lang="en-US" altLang="ja-JP" sz="2000" dirty="0">
+                <a:solidFill>
+                  <a:srgbClr val="000000"/>
+                </a:solidFill>
+                <a:ea typeface="ＭＳ ゴシック" panose="020B0609070205080204" pitchFamily="49" charset="-128"/>
+              </a:rPr>
+              <a:t> </a:t>
+            </a:r>
+            <a:r>
+              <a:rPr lang="en-US" altLang="ja-JP" sz="2000" dirty="0">
+                <a:solidFill>
+                  <a:srgbClr val="008080"/>
+                </a:solidFill>
+                <a:ea typeface="ＭＳ ゴシック" panose="020B0609070205080204" pitchFamily="49" charset="-128"/>
+              </a:rPr>
+              <a:t>&lt;&lt;</a:t>
+            </a:r>
+            <a:r>
+              <a:rPr lang="en-US" altLang="ja-JP" sz="2000" dirty="0">
+                <a:solidFill>
+                  <a:srgbClr val="000000"/>
+                </a:solidFill>
+                <a:ea typeface="ＭＳ ゴシック" panose="020B0609070205080204" pitchFamily="49" charset="-128"/>
+              </a:rPr>
+              <a:t> </a:t>
+            </a:r>
+            <a:r>
+              <a:rPr lang="en-US" altLang="ja-JP" sz="2000" dirty="0">
+                <a:solidFill>
+                  <a:srgbClr val="A31515"/>
+                </a:solidFill>
+                <a:ea typeface="ＭＳ ゴシック" panose="020B0609070205080204" pitchFamily="49" charset="-128"/>
+              </a:rPr>
+              <a:t>"Tom</a:t>
+            </a:r>
+            <a:r>
+              <a:rPr lang="ja-JP" altLang="en-US" sz="2000" dirty="0">
+                <a:solidFill>
+                  <a:srgbClr val="A31515"/>
+                </a:solidFill>
+                <a:latin typeface="+mn-ea"/>
+              </a:rPr>
+              <a:t>の点数は</a:t>
+            </a:r>
+            <a:r>
+              <a:rPr lang="en-US" altLang="ja-JP" sz="2000" dirty="0">
+                <a:solidFill>
+                  <a:srgbClr val="A31515"/>
+                </a:solidFill>
+                <a:ea typeface="ＭＳ ゴシック" panose="020B0609070205080204" pitchFamily="49" charset="-128"/>
+              </a:rPr>
+              <a:t>"</a:t>
+            </a:r>
+            <a:r>
+              <a:rPr lang="ja-JP" altLang="en-US" sz="2000" dirty="0">
+                <a:solidFill>
+                  <a:srgbClr val="000000"/>
+                </a:solidFill>
+                <a:ea typeface="ＭＳ ゴシック" panose="020B0609070205080204" pitchFamily="49" charset="-128"/>
+              </a:rPr>
+              <a:t> </a:t>
+            </a:r>
+            <a:r>
+              <a:rPr lang="en-US" altLang="ja-JP" sz="2000" dirty="0">
+                <a:solidFill>
+                  <a:srgbClr val="008080"/>
+                </a:solidFill>
+                <a:ea typeface="ＭＳ ゴシック" panose="020B0609070205080204" pitchFamily="49" charset="-128"/>
+              </a:rPr>
+              <a:t>&lt;&lt;</a:t>
+            </a:r>
+            <a:r>
+              <a:rPr lang="ja-JP" altLang="en-US" sz="2000" dirty="0">
+                <a:solidFill>
+                  <a:srgbClr val="000000"/>
+                </a:solidFill>
+                <a:ea typeface="ＭＳ ゴシック" panose="020B0609070205080204" pitchFamily="49" charset="-128"/>
+              </a:rPr>
+              <a:t> </a:t>
+            </a:r>
+            <a:r>
+              <a:rPr lang="en-US" altLang="ja-JP" sz="2000" dirty="0">
+                <a:solidFill>
+                  <a:srgbClr val="000000"/>
+                </a:solidFill>
+                <a:ea typeface="ＭＳ ゴシック" panose="020B0609070205080204" pitchFamily="49" charset="-128"/>
+              </a:rPr>
+              <a:t>score</a:t>
+            </a:r>
+            <a:r>
+              <a:rPr lang="en-US" altLang="ja-JP" sz="2000" dirty="0">
+                <a:solidFill>
+                  <a:srgbClr val="008080"/>
+                </a:solidFill>
+                <a:ea typeface="ＭＳ ゴシック" panose="020B0609070205080204" pitchFamily="49" charset="-128"/>
+              </a:rPr>
+              <a:t>[</a:t>
+            </a:r>
+            <a:r>
+              <a:rPr lang="en-US" altLang="ja-JP" sz="2000" dirty="0">
+                <a:solidFill>
+                  <a:srgbClr val="A31515"/>
+                </a:solidFill>
+                <a:ea typeface="ＭＳ ゴシック" panose="020B0609070205080204" pitchFamily="49" charset="-128"/>
+              </a:rPr>
+              <a:t>"Tom"</a:t>
+            </a:r>
+            <a:r>
+              <a:rPr lang="en-US" altLang="ja-JP" sz="2000" dirty="0">
+                <a:solidFill>
+                  <a:srgbClr val="008080"/>
+                </a:solidFill>
+                <a:ea typeface="ＭＳ ゴシック" panose="020B0609070205080204" pitchFamily="49" charset="-128"/>
+              </a:rPr>
+              <a:t>]</a:t>
+            </a:r>
+            <a:r>
+              <a:rPr lang="en-US" altLang="ja-JP" sz="2000" dirty="0">
+                <a:solidFill>
+                  <a:srgbClr val="000000"/>
+                </a:solidFill>
+                <a:ea typeface="ＭＳ ゴシック" panose="020B0609070205080204" pitchFamily="49" charset="-128"/>
+              </a:rPr>
+              <a:t> </a:t>
+            </a:r>
+            <a:r>
+              <a:rPr lang="en-US" altLang="ja-JP" sz="2000" dirty="0">
+                <a:solidFill>
+                  <a:srgbClr val="008080"/>
+                </a:solidFill>
+                <a:ea typeface="ＭＳ ゴシック" panose="020B0609070205080204" pitchFamily="49" charset="-128"/>
+              </a:rPr>
+              <a:t>&lt;&lt;</a:t>
+            </a:r>
+            <a:r>
+              <a:rPr lang="en-US" altLang="ja-JP" sz="2000" dirty="0">
+                <a:solidFill>
+                  <a:srgbClr val="000000"/>
+                </a:solidFill>
+                <a:ea typeface="ＭＳ ゴシック" panose="020B0609070205080204" pitchFamily="49" charset="-128"/>
+              </a:rPr>
+              <a:t> </a:t>
+            </a:r>
+            <a:r>
+              <a:rPr lang="en-US" altLang="ja-JP" sz="2000" dirty="0">
+                <a:solidFill>
+                  <a:srgbClr val="A31515"/>
+                </a:solidFill>
+                <a:ea typeface="ＭＳ ゴシック" panose="020B0609070205080204" pitchFamily="49" charset="-128"/>
+              </a:rPr>
+              <a:t>"</a:t>
+            </a:r>
+            <a:r>
+              <a:rPr lang="ja-JP" altLang="en-US" sz="2000" dirty="0">
+                <a:solidFill>
+                  <a:srgbClr val="A31515"/>
+                </a:solidFill>
+                <a:latin typeface="+mn-ea"/>
+              </a:rPr>
+              <a:t>点</a:t>
+            </a:r>
+            <a:r>
+              <a:rPr lang="en-US" altLang="ja-JP" sz="2000" dirty="0">
+                <a:solidFill>
+                  <a:srgbClr val="A31515"/>
+                </a:solidFill>
+                <a:ea typeface="ＭＳ ゴシック" panose="020B0609070205080204" pitchFamily="49" charset="-128"/>
+              </a:rPr>
+              <a:t>"</a:t>
+            </a:r>
+            <a:r>
+              <a:rPr lang="ja-JP" altLang="en-US" sz="2000" dirty="0">
+                <a:solidFill>
+                  <a:srgbClr val="000000"/>
+                </a:solidFill>
+                <a:ea typeface="ＭＳ ゴシック" panose="020B0609070205080204" pitchFamily="49" charset="-128"/>
+              </a:rPr>
+              <a:t> </a:t>
+            </a:r>
+            <a:r>
+              <a:rPr lang="en-US" altLang="ja-JP" sz="2000" dirty="0">
+                <a:solidFill>
+                  <a:srgbClr val="008080"/>
+                </a:solidFill>
+                <a:ea typeface="ＭＳ ゴシック" panose="020B0609070205080204" pitchFamily="49" charset="-128"/>
+              </a:rPr>
+              <a:t>&lt;&lt;</a:t>
+            </a:r>
+            <a:r>
+              <a:rPr lang="ja-JP" altLang="en-US" sz="2000" dirty="0">
+                <a:solidFill>
+                  <a:srgbClr val="000000"/>
+                </a:solidFill>
+                <a:ea typeface="ＭＳ ゴシック" panose="020B0609070205080204" pitchFamily="49" charset="-128"/>
+              </a:rPr>
+              <a:t> </a:t>
+            </a:r>
+            <a:r>
+              <a:rPr lang="en-US" altLang="ja-JP" sz="2000" dirty="0" err="1">
+                <a:solidFill>
+                  <a:srgbClr val="000000"/>
+                </a:solidFill>
+                <a:ea typeface="ＭＳ ゴシック" panose="020B0609070205080204" pitchFamily="49" charset="-128"/>
+              </a:rPr>
+              <a:t>endl</a:t>
+            </a:r>
+            <a:r>
+              <a:rPr lang="en-US" altLang="ja-JP" sz="2000" dirty="0">
+                <a:solidFill>
+                  <a:srgbClr val="000000"/>
+                </a:solidFill>
+                <a:ea typeface="ＭＳ ゴシック" panose="020B0609070205080204" pitchFamily="49" charset="-128"/>
+              </a:rPr>
+              <a:t>;</a:t>
+            </a:r>
+          </a:p>
+          <a:p>
+            <a:r>
+              <a:rPr lang="en-US" altLang="ja-JP" sz="2000" dirty="0">
+                <a:solidFill>
+                  <a:srgbClr val="000000"/>
+                </a:solidFill>
+                <a:ea typeface="ＭＳ ゴシック" panose="020B0609070205080204" pitchFamily="49" charset="-128"/>
+              </a:rPr>
+              <a:t>	</a:t>
+            </a:r>
+            <a:r>
+              <a:rPr lang="en-US" altLang="ja-JP" sz="2000" dirty="0" err="1">
+                <a:solidFill>
+                  <a:srgbClr val="000000"/>
+                </a:solidFill>
+                <a:ea typeface="ＭＳ ゴシック" panose="020B0609070205080204" pitchFamily="49" charset="-128"/>
+              </a:rPr>
+              <a:t>cout</a:t>
+            </a:r>
+            <a:r>
+              <a:rPr lang="en-US" altLang="ja-JP" sz="2000" dirty="0">
+                <a:solidFill>
+                  <a:srgbClr val="000000"/>
+                </a:solidFill>
+                <a:ea typeface="ＭＳ ゴシック" panose="020B0609070205080204" pitchFamily="49" charset="-128"/>
+              </a:rPr>
+              <a:t> </a:t>
+            </a:r>
+            <a:r>
+              <a:rPr lang="en-US" altLang="ja-JP" sz="2000" dirty="0">
+                <a:solidFill>
+                  <a:srgbClr val="008080"/>
+                </a:solidFill>
+                <a:ea typeface="ＭＳ ゴシック" panose="020B0609070205080204" pitchFamily="49" charset="-128"/>
+              </a:rPr>
+              <a:t>&lt;&lt;</a:t>
+            </a:r>
+            <a:r>
+              <a:rPr lang="en-US" altLang="ja-JP" sz="2000" dirty="0">
+                <a:solidFill>
+                  <a:srgbClr val="000000"/>
+                </a:solidFill>
+                <a:ea typeface="ＭＳ ゴシック" panose="020B0609070205080204" pitchFamily="49" charset="-128"/>
+              </a:rPr>
+              <a:t> </a:t>
+            </a:r>
+            <a:r>
+              <a:rPr lang="en-US" altLang="ja-JP" sz="2000" dirty="0">
+                <a:solidFill>
+                  <a:srgbClr val="A31515"/>
+                </a:solidFill>
+                <a:ea typeface="ＭＳ ゴシック" panose="020B0609070205080204" pitchFamily="49" charset="-128"/>
+              </a:rPr>
+              <a:t>“Bob</a:t>
+            </a:r>
+            <a:r>
+              <a:rPr lang="ja-JP" altLang="en-US" sz="2000" dirty="0">
+                <a:solidFill>
+                  <a:srgbClr val="A31515"/>
+                </a:solidFill>
+                <a:latin typeface="+mn-ea"/>
+              </a:rPr>
+              <a:t>の点数は</a:t>
+            </a:r>
+            <a:r>
+              <a:rPr lang="en-US" altLang="ja-JP" sz="2000" dirty="0">
+                <a:solidFill>
+                  <a:srgbClr val="A31515"/>
+                </a:solidFill>
+                <a:ea typeface="ＭＳ ゴシック" panose="020B0609070205080204" pitchFamily="49" charset="-128"/>
+              </a:rPr>
+              <a:t>”</a:t>
+            </a:r>
+            <a:r>
+              <a:rPr lang="ja-JP" altLang="en-US" sz="2000" dirty="0">
+                <a:solidFill>
+                  <a:srgbClr val="000000"/>
+                </a:solidFill>
+                <a:ea typeface="ＭＳ ゴシック" panose="020B0609070205080204" pitchFamily="49" charset="-128"/>
+              </a:rPr>
+              <a:t> </a:t>
+            </a:r>
+            <a:r>
+              <a:rPr lang="en-US" altLang="ja-JP" sz="2000" dirty="0">
+                <a:solidFill>
+                  <a:srgbClr val="008080"/>
+                </a:solidFill>
+                <a:ea typeface="ＭＳ ゴシック" panose="020B0609070205080204" pitchFamily="49" charset="-128"/>
+              </a:rPr>
+              <a:t>&lt;&lt;</a:t>
+            </a:r>
+            <a:r>
+              <a:rPr lang="ja-JP" altLang="en-US" sz="2000" dirty="0">
+                <a:solidFill>
+                  <a:srgbClr val="000000"/>
+                </a:solidFill>
+                <a:ea typeface="ＭＳ ゴシック" panose="020B0609070205080204" pitchFamily="49" charset="-128"/>
+              </a:rPr>
+              <a:t> </a:t>
+            </a:r>
+            <a:r>
+              <a:rPr lang="en-US" altLang="ja-JP" sz="2000" dirty="0">
+                <a:solidFill>
+                  <a:srgbClr val="000000"/>
+                </a:solidFill>
+                <a:ea typeface="ＭＳ ゴシック" panose="020B0609070205080204" pitchFamily="49" charset="-128"/>
+              </a:rPr>
+              <a:t>score</a:t>
+            </a:r>
+            <a:r>
+              <a:rPr lang="en-US" altLang="ja-JP" sz="2000" dirty="0">
+                <a:solidFill>
+                  <a:srgbClr val="008080"/>
+                </a:solidFill>
+                <a:ea typeface="ＭＳ ゴシック" panose="020B0609070205080204" pitchFamily="49" charset="-128"/>
+              </a:rPr>
+              <a:t>[</a:t>
+            </a:r>
+            <a:r>
+              <a:rPr lang="en-US" altLang="ja-JP" sz="2000" dirty="0">
+                <a:solidFill>
+                  <a:srgbClr val="A31515"/>
+                </a:solidFill>
+                <a:ea typeface="ＭＳ ゴシック" panose="020B0609070205080204" pitchFamily="49" charset="-128"/>
+              </a:rPr>
+              <a:t>“Bob”</a:t>
+            </a:r>
+            <a:r>
+              <a:rPr lang="en-US" altLang="ja-JP" sz="2000" dirty="0">
+                <a:solidFill>
+                  <a:srgbClr val="008080"/>
+                </a:solidFill>
+                <a:ea typeface="ＭＳ ゴシック" panose="020B0609070205080204" pitchFamily="49" charset="-128"/>
+              </a:rPr>
+              <a:t>]</a:t>
+            </a:r>
+            <a:r>
+              <a:rPr lang="en-US" altLang="ja-JP" sz="2000" dirty="0">
+                <a:solidFill>
+                  <a:srgbClr val="000000"/>
+                </a:solidFill>
+                <a:ea typeface="ＭＳ ゴシック" panose="020B0609070205080204" pitchFamily="49" charset="-128"/>
+              </a:rPr>
+              <a:t> </a:t>
+            </a:r>
+            <a:r>
+              <a:rPr lang="en-US" altLang="ja-JP" sz="2000" dirty="0">
+                <a:solidFill>
+                  <a:srgbClr val="008080"/>
+                </a:solidFill>
+                <a:ea typeface="ＭＳ ゴシック" panose="020B0609070205080204" pitchFamily="49" charset="-128"/>
+              </a:rPr>
+              <a:t>&lt;&lt;</a:t>
+            </a:r>
+            <a:r>
+              <a:rPr lang="en-US" altLang="ja-JP" sz="2000" dirty="0">
+                <a:solidFill>
+                  <a:srgbClr val="000000"/>
+                </a:solidFill>
+                <a:ea typeface="ＭＳ ゴシック" panose="020B0609070205080204" pitchFamily="49" charset="-128"/>
+              </a:rPr>
+              <a:t> </a:t>
+            </a:r>
+            <a:r>
+              <a:rPr lang="en-US" altLang="ja-JP" sz="2000" dirty="0">
+                <a:solidFill>
+                  <a:srgbClr val="A31515"/>
+                </a:solidFill>
+                <a:ea typeface="ＭＳ ゴシック" panose="020B0609070205080204" pitchFamily="49" charset="-128"/>
+              </a:rPr>
+              <a:t>“</a:t>
+            </a:r>
+            <a:r>
+              <a:rPr lang="ja-JP" altLang="en-US" sz="2000" dirty="0">
+                <a:solidFill>
+                  <a:srgbClr val="A31515"/>
+                </a:solidFill>
+                <a:latin typeface="+mn-ea"/>
+              </a:rPr>
+              <a:t>点</a:t>
+            </a:r>
+            <a:r>
+              <a:rPr lang="en-US" altLang="ja-JP" sz="2000" dirty="0">
+                <a:solidFill>
+                  <a:srgbClr val="A31515"/>
+                </a:solidFill>
+                <a:ea typeface="ＭＳ ゴシック" panose="020B0609070205080204" pitchFamily="49" charset="-128"/>
+              </a:rPr>
+              <a:t>”</a:t>
+            </a:r>
+            <a:r>
+              <a:rPr lang="ja-JP" altLang="en-US" sz="2000" dirty="0">
+                <a:solidFill>
+                  <a:srgbClr val="000000"/>
+                </a:solidFill>
+                <a:ea typeface="ＭＳ ゴシック" panose="020B0609070205080204" pitchFamily="49" charset="-128"/>
+              </a:rPr>
+              <a:t> </a:t>
+            </a:r>
+            <a:r>
+              <a:rPr lang="en-US" altLang="ja-JP" sz="2000" dirty="0">
+                <a:solidFill>
+                  <a:srgbClr val="008080"/>
+                </a:solidFill>
+                <a:ea typeface="ＭＳ ゴシック" panose="020B0609070205080204" pitchFamily="49" charset="-128"/>
+              </a:rPr>
+              <a:t>&lt;&lt;</a:t>
+            </a:r>
+            <a:r>
+              <a:rPr lang="ja-JP" altLang="en-US" sz="2000" dirty="0">
+                <a:solidFill>
+                  <a:srgbClr val="000000"/>
+                </a:solidFill>
+                <a:ea typeface="ＭＳ ゴシック" panose="020B0609070205080204" pitchFamily="49" charset="-128"/>
+              </a:rPr>
+              <a:t> </a:t>
+            </a:r>
+            <a:r>
+              <a:rPr lang="en-US" altLang="ja-JP" sz="2000" dirty="0" err="1">
+                <a:solidFill>
+                  <a:srgbClr val="000000"/>
+                </a:solidFill>
+                <a:ea typeface="ＭＳ ゴシック" panose="020B0609070205080204" pitchFamily="49" charset="-128"/>
+              </a:rPr>
+              <a:t>endl</a:t>
+            </a:r>
+            <a:r>
+              <a:rPr lang="en-US" altLang="ja-JP" sz="2000" dirty="0">
+                <a:solidFill>
+                  <a:srgbClr val="000000"/>
+                </a:solidFill>
+                <a:ea typeface="ＭＳ ゴシック" panose="020B0609070205080204" pitchFamily="49" charset="-128"/>
+              </a:rPr>
+              <a:t>;</a:t>
+            </a:r>
+            <a:br>
+              <a:rPr lang="en-US" altLang="ja-JP" sz="2000" dirty="0">
+                <a:solidFill>
+                  <a:srgbClr val="000000"/>
+                </a:solidFill>
+                <a:ea typeface="ＭＳ ゴシック" panose="020B0609070205080204" pitchFamily="49" charset="-128"/>
+              </a:rPr>
+            </a:br>
+            <a:r>
+              <a:rPr lang="en-US" altLang="ja-JP" sz="2000" dirty="0">
+                <a:solidFill>
+                  <a:srgbClr val="000000"/>
+                </a:solidFill>
+                <a:ea typeface="ＭＳ ゴシック" panose="020B0609070205080204" pitchFamily="49" charset="-128"/>
+              </a:rPr>
+              <a:t>	if(</a:t>
+            </a:r>
+            <a:r>
+              <a:rPr lang="en-US" altLang="ja-JP" sz="2000" dirty="0" err="1">
+                <a:solidFill>
+                  <a:srgbClr val="000000"/>
+                </a:solidFill>
+                <a:ea typeface="ＭＳ ゴシック" panose="020B0609070205080204" pitchFamily="49" charset="-128"/>
+              </a:rPr>
+              <a:t>score.count</a:t>
+            </a:r>
+            <a:r>
+              <a:rPr lang="en-US" altLang="ja-JP" sz="2000" dirty="0">
+                <a:solidFill>
+                  <a:srgbClr val="000000"/>
+                </a:solidFill>
+                <a:ea typeface="ＭＳ ゴシック" panose="020B0609070205080204" pitchFamily="49" charset="-128"/>
+              </a:rPr>
+              <a:t>(</a:t>
+            </a:r>
+            <a:r>
+              <a:rPr lang="en-US" altLang="ja-JP" sz="2000" dirty="0">
+                <a:solidFill>
+                  <a:srgbClr val="A31515"/>
+                </a:solidFill>
+                <a:ea typeface="ＭＳ ゴシック" panose="020B0609070205080204" pitchFamily="49" charset="-128"/>
+              </a:rPr>
+              <a:t>“Mike”</a:t>
+            </a:r>
+            <a:r>
+              <a:rPr lang="en-US" altLang="ja-JP" sz="2000" dirty="0">
+                <a:solidFill>
+                  <a:srgbClr val="000000"/>
+                </a:solidFill>
+                <a:ea typeface="ＭＳ ゴシック" panose="020B0609070205080204" pitchFamily="49" charset="-128"/>
+              </a:rPr>
+              <a:t>)) {	</a:t>
+            </a:r>
+            <a:r>
+              <a:rPr lang="ja-JP" altLang="en-US" sz="2000" dirty="0">
+                <a:solidFill>
+                  <a:srgbClr val="000000"/>
+                </a:solidFill>
+                <a:ea typeface="ＭＳ ゴシック" panose="020B0609070205080204" pitchFamily="49" charset="-128"/>
+              </a:rPr>
+              <a:t>　</a:t>
+            </a:r>
+            <a:endParaRPr lang="en-US" altLang="ja-JP" sz="2000" dirty="0">
+              <a:solidFill>
+                <a:srgbClr val="000000"/>
+              </a:solidFill>
+              <a:ea typeface="ＭＳ ゴシック" panose="020B0609070205080204" pitchFamily="49" charset="-128"/>
+            </a:endParaRPr>
+          </a:p>
+          <a:p>
+            <a:r>
+              <a:rPr lang="en-US" altLang="ja-JP" sz="2000" dirty="0">
+                <a:solidFill>
+                  <a:srgbClr val="000000"/>
+                </a:solidFill>
+                <a:ea typeface="ＭＳ ゴシック" panose="020B0609070205080204" pitchFamily="49" charset="-128"/>
+              </a:rPr>
+              <a:t>		</a:t>
+            </a:r>
+            <a:r>
+              <a:rPr lang="en-US" altLang="ja-JP" sz="2000" dirty="0" err="1">
+                <a:solidFill>
+                  <a:srgbClr val="000000"/>
+                </a:solidFill>
+                <a:ea typeface="ＭＳ ゴシック" panose="020B0609070205080204" pitchFamily="49" charset="-128"/>
+              </a:rPr>
+              <a:t>cout</a:t>
+            </a:r>
+            <a:r>
+              <a:rPr lang="en-US" altLang="ja-JP" sz="2000" dirty="0">
+                <a:solidFill>
+                  <a:srgbClr val="000000"/>
+                </a:solidFill>
+                <a:ea typeface="ＭＳ ゴシック" panose="020B0609070205080204" pitchFamily="49" charset="-128"/>
+              </a:rPr>
+              <a:t> </a:t>
+            </a:r>
+            <a:r>
+              <a:rPr lang="en-US" altLang="ja-JP" sz="2000" dirty="0">
+                <a:solidFill>
+                  <a:srgbClr val="008080"/>
+                </a:solidFill>
+                <a:ea typeface="ＭＳ ゴシック" panose="020B0609070205080204" pitchFamily="49" charset="-128"/>
+              </a:rPr>
+              <a:t>&lt;&lt;</a:t>
+            </a:r>
+            <a:r>
+              <a:rPr lang="en-US" altLang="ja-JP" sz="2000" dirty="0">
+                <a:solidFill>
+                  <a:srgbClr val="000000"/>
+                </a:solidFill>
+                <a:ea typeface="ＭＳ ゴシック" panose="020B0609070205080204" pitchFamily="49" charset="-128"/>
+              </a:rPr>
+              <a:t> </a:t>
+            </a:r>
+            <a:r>
+              <a:rPr lang="en-US" altLang="ja-JP" sz="2000" dirty="0">
+                <a:solidFill>
+                  <a:srgbClr val="A31515"/>
+                </a:solidFill>
+                <a:ea typeface="ＭＳ ゴシック" panose="020B0609070205080204" pitchFamily="49" charset="-128"/>
+              </a:rPr>
+              <a:t>"Mike</a:t>
+            </a:r>
+            <a:r>
+              <a:rPr lang="ja-JP" altLang="en-US" sz="2000" dirty="0">
+                <a:solidFill>
+                  <a:srgbClr val="A31515"/>
+                </a:solidFill>
+                <a:latin typeface="+mn-ea"/>
+              </a:rPr>
+              <a:t>の点数は</a:t>
+            </a:r>
+            <a:r>
+              <a:rPr lang="en-US" altLang="ja-JP" sz="2000" dirty="0">
+                <a:solidFill>
+                  <a:srgbClr val="A31515"/>
+                </a:solidFill>
+                <a:ea typeface="ＭＳ ゴシック" panose="020B0609070205080204" pitchFamily="49" charset="-128"/>
+              </a:rPr>
+              <a:t>"</a:t>
+            </a:r>
+            <a:r>
+              <a:rPr lang="ja-JP" altLang="en-US" sz="2000" dirty="0">
+                <a:solidFill>
+                  <a:srgbClr val="000000"/>
+                </a:solidFill>
+                <a:ea typeface="ＭＳ ゴシック" panose="020B0609070205080204" pitchFamily="49" charset="-128"/>
+              </a:rPr>
+              <a:t> </a:t>
+            </a:r>
+            <a:r>
+              <a:rPr lang="en-US" altLang="ja-JP" sz="2000" dirty="0">
+                <a:solidFill>
+                  <a:srgbClr val="008080"/>
+                </a:solidFill>
+                <a:ea typeface="ＭＳ ゴシック" panose="020B0609070205080204" pitchFamily="49" charset="-128"/>
+              </a:rPr>
+              <a:t>&lt;&lt;</a:t>
+            </a:r>
+            <a:r>
+              <a:rPr lang="ja-JP" altLang="en-US" sz="2000" dirty="0">
+                <a:solidFill>
+                  <a:srgbClr val="000000"/>
+                </a:solidFill>
+                <a:ea typeface="ＭＳ ゴシック" panose="020B0609070205080204" pitchFamily="49" charset="-128"/>
+              </a:rPr>
+              <a:t> </a:t>
+            </a:r>
+            <a:r>
+              <a:rPr lang="en-US" altLang="ja-JP" sz="2000" dirty="0">
+                <a:solidFill>
+                  <a:srgbClr val="000000"/>
+                </a:solidFill>
+                <a:ea typeface="ＭＳ ゴシック" panose="020B0609070205080204" pitchFamily="49" charset="-128"/>
+              </a:rPr>
+              <a:t>score</a:t>
+            </a:r>
+            <a:r>
+              <a:rPr lang="en-US" altLang="ja-JP" sz="2000" dirty="0">
+                <a:solidFill>
+                  <a:srgbClr val="008080"/>
+                </a:solidFill>
+                <a:ea typeface="ＭＳ ゴシック" panose="020B0609070205080204" pitchFamily="49" charset="-128"/>
+              </a:rPr>
+              <a:t>[</a:t>
+            </a:r>
+            <a:r>
+              <a:rPr lang="en-US" altLang="ja-JP" sz="2000" dirty="0">
+                <a:solidFill>
+                  <a:srgbClr val="A31515"/>
+                </a:solidFill>
+                <a:ea typeface="ＭＳ ゴシック" panose="020B0609070205080204" pitchFamily="49" charset="-128"/>
+              </a:rPr>
+              <a:t>"Mike"</a:t>
+            </a:r>
+            <a:r>
+              <a:rPr lang="en-US" altLang="ja-JP" sz="2000" dirty="0">
+                <a:solidFill>
+                  <a:srgbClr val="008080"/>
+                </a:solidFill>
+                <a:ea typeface="ＭＳ ゴシック" panose="020B0609070205080204" pitchFamily="49" charset="-128"/>
+              </a:rPr>
+              <a:t>]</a:t>
+            </a:r>
+            <a:r>
+              <a:rPr lang="en-US" altLang="ja-JP" sz="2000" dirty="0">
+                <a:solidFill>
+                  <a:srgbClr val="000000"/>
+                </a:solidFill>
+                <a:ea typeface="ＭＳ ゴシック" panose="020B0609070205080204" pitchFamily="49" charset="-128"/>
+              </a:rPr>
+              <a:t> </a:t>
+            </a:r>
+            <a:r>
+              <a:rPr lang="en-US" altLang="ja-JP" sz="2000" dirty="0">
+                <a:solidFill>
+                  <a:srgbClr val="008080"/>
+                </a:solidFill>
+                <a:ea typeface="ＭＳ ゴシック" panose="020B0609070205080204" pitchFamily="49" charset="-128"/>
+              </a:rPr>
+              <a:t>&lt;&lt;</a:t>
+            </a:r>
+            <a:r>
+              <a:rPr lang="en-US" altLang="ja-JP" sz="2000" dirty="0">
+                <a:solidFill>
+                  <a:srgbClr val="000000"/>
+                </a:solidFill>
+                <a:ea typeface="ＭＳ ゴシック" panose="020B0609070205080204" pitchFamily="49" charset="-128"/>
+              </a:rPr>
+              <a:t> </a:t>
+            </a:r>
+            <a:r>
+              <a:rPr lang="en-US" altLang="ja-JP" sz="2000" dirty="0">
+                <a:solidFill>
+                  <a:srgbClr val="A31515"/>
+                </a:solidFill>
+                <a:ea typeface="ＭＳ ゴシック" panose="020B0609070205080204" pitchFamily="49" charset="-128"/>
+              </a:rPr>
+              <a:t>"</a:t>
+            </a:r>
+            <a:r>
+              <a:rPr lang="ja-JP" altLang="en-US" sz="2000" dirty="0">
+                <a:solidFill>
+                  <a:srgbClr val="A31515"/>
+                </a:solidFill>
+                <a:latin typeface="+mn-ea"/>
+              </a:rPr>
+              <a:t>点</a:t>
+            </a:r>
+            <a:r>
+              <a:rPr lang="en-US" altLang="ja-JP" sz="2000" dirty="0">
+                <a:solidFill>
+                  <a:srgbClr val="A31515"/>
+                </a:solidFill>
+                <a:ea typeface="ＭＳ ゴシック" panose="020B0609070205080204" pitchFamily="49" charset="-128"/>
+              </a:rPr>
+              <a:t>"</a:t>
+            </a:r>
+            <a:r>
+              <a:rPr lang="ja-JP" altLang="en-US" sz="2000" dirty="0">
+                <a:solidFill>
+                  <a:srgbClr val="000000"/>
+                </a:solidFill>
+                <a:ea typeface="ＭＳ ゴシック" panose="020B0609070205080204" pitchFamily="49" charset="-128"/>
+              </a:rPr>
+              <a:t> </a:t>
+            </a:r>
+            <a:r>
+              <a:rPr lang="en-US" altLang="ja-JP" sz="2000" dirty="0">
+                <a:solidFill>
+                  <a:srgbClr val="008080"/>
+                </a:solidFill>
+                <a:ea typeface="ＭＳ ゴシック" panose="020B0609070205080204" pitchFamily="49" charset="-128"/>
+              </a:rPr>
+              <a:t>&lt;&lt;</a:t>
+            </a:r>
+            <a:r>
+              <a:rPr lang="ja-JP" altLang="en-US" sz="2000" dirty="0">
+                <a:solidFill>
+                  <a:srgbClr val="000000"/>
+                </a:solidFill>
+                <a:ea typeface="ＭＳ ゴシック" panose="020B0609070205080204" pitchFamily="49" charset="-128"/>
+              </a:rPr>
+              <a:t> </a:t>
+            </a:r>
+            <a:r>
+              <a:rPr lang="en-US" altLang="ja-JP" sz="2000" dirty="0" err="1">
+                <a:solidFill>
+                  <a:srgbClr val="000000"/>
+                </a:solidFill>
+                <a:ea typeface="ＭＳ ゴシック" panose="020B0609070205080204" pitchFamily="49" charset="-128"/>
+              </a:rPr>
+              <a:t>endl</a:t>
+            </a:r>
+            <a:r>
+              <a:rPr lang="en-US" altLang="ja-JP" sz="2000" dirty="0">
+                <a:solidFill>
+                  <a:srgbClr val="000000"/>
+                </a:solidFill>
+                <a:ea typeface="ＭＳ ゴシック" panose="020B0609070205080204" pitchFamily="49" charset="-128"/>
+              </a:rPr>
+              <a:t>;</a:t>
+            </a:r>
+          </a:p>
+        </p:txBody>
+      </p:sp>
+      <p:sp>
+        <p:nvSpPr>
+          <p:cNvPr id="4" name="矢印: 右 3">
+            <a:extLst>
+              <a:ext uri="{FF2B5EF4-FFF2-40B4-BE49-F238E27FC236}">
+                <a16:creationId xmlns:a16="http://schemas.microsoft.com/office/drawing/2014/main" id="{AD2EA0A1-88A0-8DB3-DAB4-EA7F57FB95DB}"/>
+              </a:ext>
+            </a:extLst>
+          </p:cNvPr>
+          <p:cNvSpPr/>
+          <p:nvPr/>
+        </p:nvSpPr>
+        <p:spPr>
+          <a:xfrm>
+            <a:off x="614464" y="4542827"/>
+            <a:ext cx="426396" cy="282102"/>
+          </a:xfrm>
+          <a:prstGeom prst="rightArrow">
+            <a:avLst/>
+          </a:prstGeom>
+          <a:solidFill>
+            <a:srgbClr val="FF0000"/>
+          </a:solidFill>
+        </p:spPr>
+        <p:style>
+          <a:lnRef idx="2">
+            <a:schemeClr val="accent1">
+              <a:shade val="15000"/>
+            </a:schemeClr>
+          </a:lnRef>
+          <a:fillRef idx="1">
+            <a:schemeClr val="accent1"/>
+          </a:fillRef>
+          <a:effectRef idx="0">
+            <a:schemeClr val="accent1"/>
+          </a:effectRef>
+          <a:fontRef idx="minor">
+            <a:schemeClr val="lt1"/>
+          </a:fontRef>
+        </p:style>
+        <p:txBody>
+          <a:bodyPr rtlCol="0" anchor="ctr"/>
+          <a:lstStyle/>
+          <a:p>
+            <a:pPr algn="ctr"/>
+            <a:endParaRPr kumimoji="1" lang="ja-JP" altLang="en-US"/>
+          </a:p>
+        </p:txBody>
+      </p:sp>
+      <p:sp>
+        <p:nvSpPr>
+          <p:cNvPr id="6" name="テキスト ボックス 5">
+            <a:extLst>
+              <a:ext uri="{FF2B5EF4-FFF2-40B4-BE49-F238E27FC236}">
+                <a16:creationId xmlns:a16="http://schemas.microsoft.com/office/drawing/2014/main" id="{B3E4DF59-D6A8-7B8F-A732-09B27B0CBEB3}"/>
+              </a:ext>
+            </a:extLst>
+          </p:cNvPr>
+          <p:cNvSpPr txBox="1"/>
+          <p:nvPr/>
+        </p:nvSpPr>
+        <p:spPr>
+          <a:xfrm>
+            <a:off x="1635340" y="4929609"/>
+            <a:ext cx="4509568" cy="830997"/>
+          </a:xfrm>
+          <a:prstGeom prst="rect">
+            <a:avLst/>
+          </a:prstGeom>
+          <a:solidFill>
+            <a:schemeClr val="bg1"/>
+          </a:solidFill>
+          <a:ln>
+            <a:solidFill>
+              <a:schemeClr val="tx1"/>
+            </a:solidFill>
+          </a:ln>
+        </p:spPr>
+        <p:txBody>
+          <a:bodyPr wrap="none" rtlCol="0">
+            <a:spAutoFit/>
+          </a:bodyPr>
+          <a:lstStyle/>
+          <a:p>
+            <a:r>
+              <a:rPr kumimoji="1" lang="en-US" altLang="ja-JP" sz="2400" dirty="0">
+                <a:solidFill>
+                  <a:srgbClr val="00B050"/>
+                </a:solidFill>
+              </a:rPr>
+              <a:t>//emplace</a:t>
+            </a:r>
+            <a:r>
+              <a:rPr kumimoji="1" lang="ja-JP" altLang="en-US" sz="2400" dirty="0">
+                <a:solidFill>
+                  <a:srgbClr val="00B050"/>
+                </a:solidFill>
+              </a:rPr>
+              <a:t>で追加</a:t>
+            </a:r>
+            <a:br>
+              <a:rPr kumimoji="1" lang="en-US" altLang="ja-JP" sz="2400" dirty="0">
+                <a:solidFill>
+                  <a:srgbClr val="00B050"/>
+                </a:solidFill>
+              </a:rPr>
+            </a:br>
+            <a:r>
+              <a:rPr kumimoji="1" lang="ja-JP" altLang="en-US" sz="2400" dirty="0">
+                <a:solidFill>
+                  <a:srgbClr val="00B050"/>
+                </a:solidFill>
+              </a:rPr>
+              <a:t>　　この場合はペアの定義は不要</a:t>
+            </a:r>
+          </a:p>
+        </p:txBody>
+      </p:sp>
+    </p:spTree>
+    <p:extLst>
+      <p:ext uri="{BB962C8B-B14F-4D97-AF65-F5344CB8AC3E}">
+        <p14:creationId xmlns:p14="http://schemas.microsoft.com/office/powerpoint/2010/main" val="4261722942"/>
+      </p:ext>
+    </p:extLst>
+  </p:cSld>
+  <p:clrMapOvr>
+    <a:masterClrMapping/>
+  </p:clrMapOvr>
+</p:sld>
+</file>
+
+<file path=ppt/slides/slide11.xml><?xml version="1.0" encoding="utf-8"?>
+<p:sld xmlns:a="http://schemas.openxmlformats.org/drawingml/2006/main" xmlns:r="http://schemas.openxmlformats.org/officeDocument/2006/relationships" xmlns:p="http://schemas.openxmlformats.org/presentationml/2006/main">
+  <p:cSld>
+    <p:spTree>
+      <p:nvGrpSpPr>
+        <p:cNvPr id="1" name=""/>
+        <p:cNvGrpSpPr/>
+        <p:nvPr/>
+      </p:nvGrpSpPr>
+      <p:grpSpPr>
+        <a:xfrm>
+          <a:off x="0" y="0"/>
+          <a:ext cx="0" cy="0"/>
+          <a:chOff x="0" y="0"/>
+          <a:chExt cx="0" cy="0"/>
+        </a:xfrm>
+      </p:grpSpPr>
+      <p:sp>
+        <p:nvSpPr>
+          <p:cNvPr id="2" name="タイトル 1">
+            <a:extLst>
+              <a:ext uri="{FF2B5EF4-FFF2-40B4-BE49-F238E27FC236}">
+                <a16:creationId xmlns:a16="http://schemas.microsoft.com/office/drawing/2014/main" id="{F11F3668-F205-48C5-AC01-19611EFE561B}"/>
+              </a:ext>
+            </a:extLst>
+          </p:cNvPr>
+          <p:cNvSpPr>
+            <a:spLocks noGrp="1"/>
+          </p:cNvSpPr>
+          <p:nvPr>
+            <p:ph type="title"/>
+          </p:nvPr>
+        </p:nvSpPr>
+        <p:spPr/>
+        <p:txBody>
+          <a:bodyPr/>
+          <a:lstStyle/>
+          <a:p>
+            <a:r>
+              <a:rPr kumimoji="1" lang="en-US" altLang="ja-JP" dirty="0"/>
+              <a:t>map</a:t>
+            </a:r>
+            <a:r>
+              <a:rPr kumimoji="1" lang="ja-JP" altLang="en-US" dirty="0"/>
+              <a:t>クラス</a:t>
+            </a:r>
+          </a:p>
+        </p:txBody>
+      </p:sp>
+      <p:sp>
+        <p:nvSpPr>
+          <p:cNvPr id="3" name="コンテンツ プレースホルダー 2">
+            <a:extLst>
+              <a:ext uri="{FF2B5EF4-FFF2-40B4-BE49-F238E27FC236}">
+                <a16:creationId xmlns:a16="http://schemas.microsoft.com/office/drawing/2014/main" id="{64DBE417-57E9-44A6-BB52-B2F9986BB7B2}"/>
+              </a:ext>
+            </a:extLst>
+          </p:cNvPr>
+          <p:cNvSpPr>
+            <a:spLocks noGrp="1"/>
+          </p:cNvSpPr>
+          <p:nvPr>
+            <p:ph idx="1"/>
+          </p:nvPr>
+        </p:nvSpPr>
+        <p:spPr>
+          <a:xfrm>
+            <a:off x="838200" y="1162976"/>
+            <a:ext cx="10515600" cy="5193373"/>
+          </a:xfrm>
+        </p:spPr>
+        <p:txBody>
+          <a:bodyPr>
+            <a:normAutofit/>
+          </a:bodyPr>
+          <a:lstStyle/>
+          <a:p>
+            <a:pPr marL="0" indent="0">
+              <a:buNone/>
+            </a:pPr>
+            <a:r>
+              <a:rPr kumimoji="1" lang="en-US" altLang="ja-JP" dirty="0"/>
+              <a:t>                main.cpp</a:t>
+            </a:r>
+            <a:r>
+              <a:rPr kumimoji="1" lang="ja-JP" altLang="en-US" dirty="0"/>
+              <a:t>　</a:t>
+            </a:r>
+            <a:r>
+              <a:rPr kumimoji="1" lang="en-US" altLang="ja-JP" dirty="0"/>
+              <a:t>(Sample608)</a:t>
+            </a:r>
+            <a:br>
+              <a:rPr lang="en-US" altLang="ja-JP" dirty="0"/>
+            </a:br>
+            <a:endParaRPr lang="en-US" altLang="ja-JP" dirty="0"/>
+          </a:p>
+          <a:p>
+            <a:pPr marL="0" indent="0">
+              <a:buNone/>
+            </a:pPr>
+            <a:br>
+              <a:rPr lang="en-US" altLang="ja-JP" dirty="0"/>
+            </a:br>
+            <a:br>
+              <a:rPr lang="en-US" altLang="ja-JP" dirty="0"/>
+            </a:br>
+            <a:br>
+              <a:rPr lang="en-US" altLang="ja-JP" dirty="0"/>
+            </a:br>
+            <a:br>
+              <a:rPr lang="en-US" altLang="ja-JP" sz="2400" dirty="0"/>
+            </a:br>
+            <a:br>
+              <a:rPr lang="en-US" altLang="ja-JP" sz="2400" dirty="0"/>
+            </a:br>
+            <a:endParaRPr lang="en-US" altLang="ja-JP" sz="2400" dirty="0"/>
+          </a:p>
+          <a:p>
+            <a:pPr marL="0" indent="0">
+              <a:buNone/>
+            </a:pPr>
+            <a:br>
+              <a:rPr lang="en-US" altLang="ja-JP" sz="2400" dirty="0"/>
+            </a:br>
+            <a:endParaRPr lang="en-US" altLang="ja-JP" dirty="0">
+              <a:solidFill>
+                <a:srgbClr val="FF0000"/>
+              </a:solidFill>
+            </a:endParaRPr>
+          </a:p>
+        </p:txBody>
+      </p:sp>
+      <p:sp>
+        <p:nvSpPr>
+          <p:cNvPr id="5" name="テキスト ボックス 4">
+            <a:extLst>
+              <a:ext uri="{FF2B5EF4-FFF2-40B4-BE49-F238E27FC236}">
+                <a16:creationId xmlns:a16="http://schemas.microsoft.com/office/drawing/2014/main" id="{9E32883C-0E37-4F07-9861-27609819CE8C}"/>
+              </a:ext>
+            </a:extLst>
+          </p:cNvPr>
+          <p:cNvSpPr txBox="1"/>
+          <p:nvPr/>
+        </p:nvSpPr>
+        <p:spPr>
+          <a:xfrm>
+            <a:off x="859277" y="1097394"/>
+            <a:ext cx="10688220" cy="5632311"/>
+          </a:xfrm>
+          <a:prstGeom prst="rect">
+            <a:avLst/>
+          </a:prstGeom>
+          <a:noFill/>
+          <a:ln>
+            <a:solidFill>
+              <a:schemeClr val="tx1"/>
+            </a:solidFill>
+          </a:ln>
+        </p:spPr>
+        <p:txBody>
+          <a:bodyPr wrap="square" rtlCol="0">
+            <a:spAutoFit/>
+          </a:bodyPr>
+          <a:lstStyle/>
+          <a:p>
+            <a:r>
+              <a:rPr lang="en-US" altLang="ja-JP" sz="2000" dirty="0">
+                <a:solidFill>
+                  <a:srgbClr val="808080"/>
+                </a:solidFill>
+                <a:ea typeface="ＭＳ ゴシック" panose="020B0609070205080204" pitchFamily="49" charset="-128"/>
+              </a:rPr>
+              <a:t>#include</a:t>
+            </a:r>
+            <a:r>
+              <a:rPr lang="en-US" altLang="ja-JP" sz="2000" dirty="0">
+                <a:solidFill>
+                  <a:srgbClr val="000000"/>
+                </a:solidFill>
+                <a:ea typeface="ＭＳ ゴシック" panose="020B0609070205080204" pitchFamily="49" charset="-128"/>
+              </a:rPr>
+              <a:t> </a:t>
+            </a:r>
+            <a:r>
+              <a:rPr lang="en-US" altLang="ja-JP" sz="2000" dirty="0">
+                <a:solidFill>
+                  <a:srgbClr val="A31515"/>
+                </a:solidFill>
+                <a:ea typeface="ＭＳ ゴシック" panose="020B0609070205080204" pitchFamily="49" charset="-128"/>
+              </a:rPr>
+              <a:t>&lt;iostream&gt;</a:t>
+            </a:r>
+            <a:endParaRPr lang="en-US" altLang="ja-JP" sz="2000" dirty="0">
+              <a:solidFill>
+                <a:srgbClr val="000000"/>
+              </a:solidFill>
+              <a:ea typeface="ＭＳ ゴシック" panose="020B0609070205080204" pitchFamily="49" charset="-128"/>
+            </a:endParaRPr>
+          </a:p>
+          <a:p>
+            <a:r>
+              <a:rPr lang="en-US" altLang="ja-JP" sz="2000" dirty="0">
+                <a:solidFill>
+                  <a:srgbClr val="808080"/>
+                </a:solidFill>
+                <a:ea typeface="ＭＳ ゴシック" panose="020B0609070205080204" pitchFamily="49" charset="-128"/>
+              </a:rPr>
+              <a:t>#include</a:t>
+            </a:r>
+            <a:r>
+              <a:rPr lang="en-US" altLang="ja-JP" sz="2000" dirty="0">
+                <a:solidFill>
+                  <a:srgbClr val="000000"/>
+                </a:solidFill>
+                <a:ea typeface="ＭＳ ゴシック" panose="020B0609070205080204" pitchFamily="49" charset="-128"/>
+              </a:rPr>
+              <a:t> </a:t>
+            </a:r>
+            <a:r>
+              <a:rPr lang="en-US" altLang="ja-JP" sz="2000" dirty="0">
+                <a:solidFill>
+                  <a:srgbClr val="A31515"/>
+                </a:solidFill>
+                <a:ea typeface="ＭＳ ゴシック" panose="020B0609070205080204" pitchFamily="49" charset="-128"/>
+              </a:rPr>
+              <a:t>&lt;string&gt;</a:t>
+            </a:r>
+            <a:endParaRPr lang="en-US" altLang="ja-JP" sz="2000" dirty="0">
+              <a:solidFill>
+                <a:srgbClr val="000000"/>
+              </a:solidFill>
+              <a:ea typeface="ＭＳ ゴシック" panose="020B0609070205080204" pitchFamily="49" charset="-128"/>
+            </a:endParaRPr>
+          </a:p>
+          <a:p>
+            <a:r>
+              <a:rPr lang="en-US" altLang="ja-JP" sz="2000" dirty="0">
+                <a:solidFill>
+                  <a:srgbClr val="808080"/>
+                </a:solidFill>
+                <a:ea typeface="ＭＳ ゴシック" panose="020B0609070205080204" pitchFamily="49" charset="-128"/>
+              </a:rPr>
+              <a:t>#include</a:t>
+            </a:r>
+            <a:r>
+              <a:rPr lang="en-US" altLang="ja-JP" sz="2000" dirty="0">
+                <a:solidFill>
+                  <a:srgbClr val="000000"/>
+                </a:solidFill>
+                <a:ea typeface="ＭＳ ゴシック" panose="020B0609070205080204" pitchFamily="49" charset="-128"/>
+              </a:rPr>
+              <a:t> </a:t>
+            </a:r>
+            <a:r>
+              <a:rPr lang="en-US" altLang="ja-JP" sz="2000" dirty="0">
+                <a:solidFill>
+                  <a:srgbClr val="A31515"/>
+                </a:solidFill>
+                <a:ea typeface="ＭＳ ゴシック" panose="020B0609070205080204" pitchFamily="49" charset="-128"/>
+              </a:rPr>
+              <a:t>&lt;map&gt;</a:t>
+            </a:r>
+            <a:endParaRPr lang="en-US" altLang="ja-JP" sz="2000" dirty="0">
+              <a:solidFill>
+                <a:srgbClr val="000000"/>
+              </a:solidFill>
+              <a:ea typeface="ＭＳ ゴシック" panose="020B0609070205080204" pitchFamily="49" charset="-128"/>
+            </a:endParaRPr>
+          </a:p>
+          <a:p>
+            <a:r>
+              <a:rPr lang="en-US" altLang="ja-JP" sz="2000" dirty="0">
+                <a:solidFill>
+                  <a:srgbClr val="0000FF"/>
+                </a:solidFill>
+                <a:ea typeface="ＭＳ ゴシック" panose="020B0609070205080204" pitchFamily="49" charset="-128"/>
+              </a:rPr>
+              <a:t>using</a:t>
+            </a:r>
+            <a:r>
+              <a:rPr lang="en-US" altLang="ja-JP" sz="2000" dirty="0">
+                <a:solidFill>
+                  <a:srgbClr val="000000"/>
+                </a:solidFill>
+                <a:ea typeface="ＭＳ ゴシック" panose="020B0609070205080204" pitchFamily="49" charset="-128"/>
+              </a:rPr>
+              <a:t> </a:t>
+            </a:r>
+            <a:r>
+              <a:rPr lang="en-US" altLang="ja-JP" sz="2000" dirty="0">
+                <a:solidFill>
+                  <a:srgbClr val="0000FF"/>
+                </a:solidFill>
+                <a:ea typeface="ＭＳ ゴシック" panose="020B0609070205080204" pitchFamily="49" charset="-128"/>
+              </a:rPr>
+              <a:t>namespace</a:t>
+            </a:r>
+            <a:r>
+              <a:rPr lang="en-US" altLang="ja-JP" sz="2000" dirty="0">
+                <a:solidFill>
+                  <a:srgbClr val="000000"/>
+                </a:solidFill>
+                <a:ea typeface="ＭＳ ゴシック" panose="020B0609070205080204" pitchFamily="49" charset="-128"/>
+              </a:rPr>
+              <a:t> std;</a:t>
+            </a:r>
+          </a:p>
+          <a:p>
+            <a:r>
+              <a:rPr lang="en-US" altLang="ja-JP" sz="2000" dirty="0">
+                <a:solidFill>
+                  <a:srgbClr val="0000FF"/>
+                </a:solidFill>
+                <a:ea typeface="ＭＳ ゴシック" panose="020B0609070205080204" pitchFamily="49" charset="-128"/>
+              </a:rPr>
+              <a:t>int</a:t>
+            </a:r>
+            <a:r>
+              <a:rPr lang="en-US" altLang="ja-JP" sz="2000" dirty="0">
+                <a:solidFill>
+                  <a:srgbClr val="000000"/>
+                </a:solidFill>
+                <a:ea typeface="ＭＳ ゴシック" panose="020B0609070205080204" pitchFamily="49" charset="-128"/>
+              </a:rPr>
+              <a:t> main() {</a:t>
+            </a:r>
+          </a:p>
+          <a:p>
+            <a:r>
+              <a:rPr lang="en-US" altLang="ja-JP" sz="2000" dirty="0">
+                <a:solidFill>
+                  <a:srgbClr val="2B91AF"/>
+                </a:solidFill>
+                <a:ea typeface="ＭＳ ゴシック" panose="020B0609070205080204" pitchFamily="49" charset="-128"/>
+              </a:rPr>
+              <a:t>	map </a:t>
+            </a:r>
+            <a:r>
+              <a:rPr lang="en-US" altLang="ja-JP" sz="2000" dirty="0">
+                <a:solidFill>
+                  <a:srgbClr val="000000"/>
+                </a:solidFill>
+                <a:ea typeface="ＭＳ ゴシック" panose="020B0609070205080204" pitchFamily="49" charset="-128"/>
+              </a:rPr>
+              <a:t>&lt;</a:t>
+            </a:r>
+            <a:r>
+              <a:rPr lang="en-US" altLang="ja-JP" sz="2000" dirty="0">
+                <a:solidFill>
+                  <a:srgbClr val="2B91AF"/>
+                </a:solidFill>
+                <a:ea typeface="ＭＳ ゴシック" panose="020B0609070205080204" pitchFamily="49" charset="-128"/>
+              </a:rPr>
+              <a:t>string</a:t>
+            </a:r>
+            <a:r>
+              <a:rPr lang="en-US" altLang="ja-JP" sz="2000" dirty="0">
+                <a:solidFill>
+                  <a:srgbClr val="000000"/>
+                </a:solidFill>
+                <a:ea typeface="ＭＳ ゴシック" panose="020B0609070205080204" pitchFamily="49" charset="-128"/>
+              </a:rPr>
+              <a:t>, </a:t>
+            </a:r>
+            <a:r>
+              <a:rPr lang="en-US" altLang="ja-JP" sz="2000" dirty="0">
+                <a:solidFill>
+                  <a:srgbClr val="0000FF"/>
+                </a:solidFill>
+                <a:ea typeface="ＭＳ ゴシック" panose="020B0609070205080204" pitchFamily="49" charset="-128"/>
+              </a:rPr>
+              <a:t>int</a:t>
+            </a:r>
+            <a:r>
+              <a:rPr lang="en-US" altLang="ja-JP" sz="2000" dirty="0">
+                <a:solidFill>
+                  <a:srgbClr val="000000"/>
+                </a:solidFill>
+                <a:ea typeface="ＭＳ ゴシック" panose="020B0609070205080204" pitchFamily="49" charset="-128"/>
+              </a:rPr>
+              <a:t>&gt; score;	</a:t>
+            </a:r>
+          </a:p>
+          <a:p>
+            <a:r>
+              <a:rPr lang="en-US" altLang="ja-JP" sz="2000" dirty="0">
+                <a:solidFill>
+                  <a:srgbClr val="000000"/>
+                </a:solidFill>
+                <a:ea typeface="ＭＳ ゴシック" panose="020B0609070205080204" pitchFamily="49" charset="-128"/>
+              </a:rPr>
+              <a:t>	score</a:t>
+            </a:r>
+            <a:r>
+              <a:rPr lang="en-US" altLang="ja-JP" sz="2000" dirty="0">
+                <a:solidFill>
+                  <a:srgbClr val="008080"/>
+                </a:solidFill>
+                <a:ea typeface="ＭＳ ゴシック" panose="020B0609070205080204" pitchFamily="49" charset="-128"/>
+              </a:rPr>
+              <a:t>[</a:t>
+            </a:r>
+            <a:r>
+              <a:rPr lang="en-US" altLang="ja-JP" sz="2000" dirty="0">
+                <a:solidFill>
+                  <a:srgbClr val="A31515"/>
+                </a:solidFill>
+                <a:ea typeface="ＭＳ ゴシック" panose="020B0609070205080204" pitchFamily="49" charset="-128"/>
+              </a:rPr>
+              <a:t>“Tom”</a:t>
+            </a:r>
+            <a:r>
+              <a:rPr lang="en-US" altLang="ja-JP" sz="2000" dirty="0">
+                <a:solidFill>
+                  <a:srgbClr val="008080"/>
+                </a:solidFill>
+                <a:ea typeface="ＭＳ ゴシック" panose="020B0609070205080204" pitchFamily="49" charset="-128"/>
+              </a:rPr>
+              <a:t>]</a:t>
+            </a:r>
+            <a:r>
+              <a:rPr lang="en-US" altLang="ja-JP" sz="2000" dirty="0">
+                <a:solidFill>
+                  <a:srgbClr val="000000"/>
+                </a:solidFill>
+                <a:ea typeface="ＭＳ ゴシック" panose="020B0609070205080204" pitchFamily="49" charset="-128"/>
+              </a:rPr>
+              <a:t> = 100; </a:t>
+            </a:r>
+            <a:endParaRPr lang="en-US" altLang="ja-JP" sz="2000" dirty="0">
+              <a:solidFill>
+                <a:srgbClr val="00B050"/>
+              </a:solidFill>
+              <a:latin typeface="+mn-ea"/>
+            </a:endParaRPr>
+          </a:p>
+          <a:p>
+            <a:r>
+              <a:rPr lang="en-US" altLang="ja-JP" sz="2000" dirty="0">
+                <a:solidFill>
+                  <a:srgbClr val="000000"/>
+                </a:solidFill>
+                <a:ea typeface="ＭＳ ゴシック" panose="020B0609070205080204" pitchFamily="49" charset="-128"/>
+              </a:rPr>
+              <a:t>	score</a:t>
+            </a:r>
+            <a:r>
+              <a:rPr lang="en-US" altLang="ja-JP" sz="2000" dirty="0">
+                <a:solidFill>
+                  <a:srgbClr val="008080"/>
+                </a:solidFill>
+                <a:ea typeface="ＭＳ ゴシック" panose="020B0609070205080204" pitchFamily="49" charset="-128"/>
+              </a:rPr>
+              <a:t>[</a:t>
+            </a:r>
+            <a:r>
+              <a:rPr lang="en-US" altLang="ja-JP" sz="2000" dirty="0">
+                <a:solidFill>
+                  <a:srgbClr val="A31515"/>
+                </a:solidFill>
+                <a:ea typeface="ＭＳ ゴシック" panose="020B0609070205080204" pitchFamily="49" charset="-128"/>
+              </a:rPr>
+              <a:t>"Bob"</a:t>
+            </a:r>
+            <a:r>
+              <a:rPr lang="en-US" altLang="ja-JP" sz="2000" dirty="0">
+                <a:solidFill>
+                  <a:srgbClr val="008080"/>
+                </a:solidFill>
+                <a:ea typeface="ＭＳ ゴシック" panose="020B0609070205080204" pitchFamily="49" charset="-128"/>
+              </a:rPr>
+              <a:t>]</a:t>
+            </a:r>
+            <a:r>
+              <a:rPr lang="en-US" altLang="ja-JP" sz="2000" dirty="0">
+                <a:solidFill>
+                  <a:srgbClr val="000000"/>
+                </a:solidFill>
+                <a:ea typeface="ＭＳ ゴシック" panose="020B0609070205080204" pitchFamily="49" charset="-128"/>
+              </a:rPr>
+              <a:t> = 80;</a:t>
+            </a:r>
+          </a:p>
+          <a:p>
+            <a:r>
+              <a:rPr lang="en-US" altLang="ja-JP" sz="2000" dirty="0">
+                <a:solidFill>
+                  <a:srgbClr val="000000"/>
+                </a:solidFill>
+                <a:ea typeface="ＭＳ ゴシック" panose="020B0609070205080204" pitchFamily="49" charset="-128"/>
+              </a:rPr>
+              <a:t>	score</a:t>
+            </a:r>
+            <a:r>
+              <a:rPr lang="en-US" altLang="ja-JP" sz="2000" dirty="0">
+                <a:solidFill>
+                  <a:srgbClr val="008080"/>
+                </a:solidFill>
+                <a:ea typeface="ＭＳ ゴシック" panose="020B0609070205080204" pitchFamily="49" charset="-128"/>
+              </a:rPr>
+              <a:t>[</a:t>
+            </a:r>
+            <a:r>
+              <a:rPr lang="en-US" altLang="ja-JP" sz="2000" dirty="0">
+                <a:solidFill>
+                  <a:srgbClr val="A31515"/>
+                </a:solidFill>
+                <a:ea typeface="ＭＳ ゴシック" panose="020B0609070205080204" pitchFamily="49" charset="-128"/>
+              </a:rPr>
+              <a:t>“Mike”</a:t>
+            </a:r>
+            <a:r>
+              <a:rPr lang="en-US" altLang="ja-JP" sz="2000" dirty="0">
+                <a:solidFill>
+                  <a:srgbClr val="008080"/>
+                </a:solidFill>
+                <a:ea typeface="ＭＳ ゴシック" panose="020B0609070205080204" pitchFamily="49" charset="-128"/>
+              </a:rPr>
+              <a:t>]</a:t>
+            </a:r>
+            <a:r>
+              <a:rPr lang="en-US" altLang="ja-JP" sz="2000" dirty="0">
+                <a:solidFill>
+                  <a:srgbClr val="000000"/>
+                </a:solidFill>
+                <a:ea typeface="ＭＳ ゴシック" panose="020B0609070205080204" pitchFamily="49" charset="-128"/>
+              </a:rPr>
+              <a:t> = 76;</a:t>
+            </a:r>
+            <a:br>
+              <a:rPr lang="en-US" altLang="ja-JP" sz="2000" dirty="0">
+                <a:solidFill>
+                  <a:srgbClr val="000000"/>
+                </a:solidFill>
+                <a:ea typeface="ＭＳ ゴシック" panose="020B0609070205080204" pitchFamily="49" charset="-128"/>
+              </a:rPr>
+            </a:br>
+            <a:r>
+              <a:rPr lang="en-US" altLang="ja-JP" sz="2000" dirty="0">
+                <a:solidFill>
+                  <a:srgbClr val="000000"/>
+                </a:solidFill>
+                <a:ea typeface="ＭＳ ゴシック" panose="020B0609070205080204" pitchFamily="49" charset="-128"/>
+              </a:rPr>
+              <a:t>	</a:t>
+            </a:r>
+            <a:r>
+              <a:rPr lang="en-US" altLang="ja-JP" sz="2000" dirty="0" err="1">
+                <a:solidFill>
+                  <a:srgbClr val="000000"/>
+                </a:solidFill>
+                <a:ea typeface="ＭＳ ゴシック" panose="020B0609070205080204" pitchFamily="49" charset="-128"/>
+              </a:rPr>
+              <a:t>score.erase</a:t>
+            </a:r>
+            <a:r>
+              <a:rPr lang="en-US" altLang="ja-JP" sz="2000" dirty="0">
+                <a:solidFill>
+                  <a:srgbClr val="000000"/>
+                </a:solidFill>
+                <a:ea typeface="ＭＳ ゴシック" panose="020B0609070205080204" pitchFamily="49" charset="-128"/>
+              </a:rPr>
+              <a:t>(</a:t>
+            </a:r>
+            <a:r>
+              <a:rPr lang="en-US" altLang="ja-JP" sz="2000" dirty="0">
+                <a:solidFill>
+                  <a:srgbClr val="A31515"/>
+                </a:solidFill>
+                <a:ea typeface="ＭＳ ゴシック" panose="020B0609070205080204" pitchFamily="49" charset="-128"/>
+              </a:rPr>
+              <a:t>“Mike”</a:t>
+            </a:r>
+            <a:r>
+              <a:rPr lang="en-US" altLang="ja-JP" sz="2000" dirty="0">
+                <a:solidFill>
+                  <a:srgbClr val="000000"/>
+                </a:solidFill>
+                <a:ea typeface="ＭＳ ゴシック" panose="020B0609070205080204" pitchFamily="49" charset="-128"/>
+              </a:rPr>
+              <a:t>);</a:t>
+            </a:r>
+            <a:br>
+              <a:rPr lang="en-US" altLang="ja-JP" sz="2000" dirty="0">
+                <a:solidFill>
+                  <a:srgbClr val="000000"/>
+                </a:solidFill>
+                <a:ea typeface="ＭＳ ゴシック" panose="020B0609070205080204" pitchFamily="49" charset="-128"/>
+              </a:rPr>
+            </a:br>
+            <a:r>
+              <a:rPr lang="en-US" altLang="ja-JP" sz="2000" dirty="0">
+                <a:solidFill>
+                  <a:srgbClr val="000000"/>
+                </a:solidFill>
+                <a:ea typeface="ＭＳ ゴシック" panose="020B0609070205080204" pitchFamily="49" charset="-128"/>
+              </a:rPr>
+              <a:t>	</a:t>
+            </a:r>
+            <a:r>
+              <a:rPr lang="en-US" altLang="ja-JP" sz="2000" dirty="0" err="1">
+                <a:solidFill>
+                  <a:srgbClr val="000000"/>
+                </a:solidFill>
+                <a:ea typeface="ＭＳ ゴシック" panose="020B0609070205080204" pitchFamily="49" charset="-128"/>
+              </a:rPr>
+              <a:t>score.insert</a:t>
+            </a:r>
+            <a:r>
+              <a:rPr lang="en-US" altLang="ja-JP" sz="2000" dirty="0">
+                <a:solidFill>
+                  <a:srgbClr val="000000"/>
+                </a:solidFill>
+                <a:ea typeface="ＭＳ ゴシック" panose="020B0609070205080204" pitchFamily="49" charset="-128"/>
+              </a:rPr>
+              <a:t>(</a:t>
+            </a:r>
+            <a:r>
+              <a:rPr lang="en-US" altLang="ja-JP" sz="2000" dirty="0" err="1">
+                <a:solidFill>
+                  <a:srgbClr val="000000"/>
+                </a:solidFill>
+                <a:ea typeface="ＭＳ ゴシック" panose="020B0609070205080204" pitchFamily="49" charset="-128"/>
+              </a:rPr>
+              <a:t>make_pair</a:t>
+            </a:r>
+            <a:r>
+              <a:rPr lang="en-US" altLang="ja-JP" sz="2000" dirty="0">
+                <a:solidFill>
+                  <a:srgbClr val="000000"/>
+                </a:solidFill>
+                <a:ea typeface="ＭＳ ゴシック" panose="020B0609070205080204" pitchFamily="49" charset="-128"/>
+              </a:rPr>
+              <a:t>(</a:t>
+            </a:r>
+            <a:r>
+              <a:rPr lang="en-US" altLang="ja-JP" sz="2000" dirty="0">
+                <a:solidFill>
+                  <a:srgbClr val="A31515"/>
+                </a:solidFill>
+                <a:ea typeface="ＭＳ ゴシック" panose="020B0609070205080204" pitchFamily="49" charset="-128"/>
+              </a:rPr>
+              <a:t>“John”</a:t>
+            </a:r>
+            <a:r>
+              <a:rPr lang="en-US" altLang="ja-JP" sz="2000" dirty="0">
+                <a:ea typeface="ＭＳ ゴシック" panose="020B0609070205080204" pitchFamily="49" charset="-128"/>
+              </a:rPr>
+              <a:t>,88));</a:t>
+            </a:r>
+            <a:r>
+              <a:rPr lang="en-US" altLang="ja-JP" sz="2000" dirty="0">
+                <a:solidFill>
+                  <a:srgbClr val="000000"/>
+                </a:solidFill>
+                <a:ea typeface="ＭＳ ゴシック" panose="020B0609070205080204" pitchFamily="49" charset="-128"/>
+              </a:rPr>
+              <a:t> </a:t>
+            </a:r>
+          </a:p>
+          <a:p>
+            <a:r>
+              <a:rPr lang="en-US" altLang="ja-JP" sz="2000" dirty="0">
+                <a:solidFill>
+                  <a:srgbClr val="000000"/>
+                </a:solidFill>
+                <a:ea typeface="ＭＳ ゴシック" panose="020B0609070205080204" pitchFamily="49" charset="-128"/>
+              </a:rPr>
+              <a:t>	</a:t>
+            </a:r>
+            <a:r>
+              <a:rPr lang="en-US" altLang="ja-JP" sz="2000" dirty="0" err="1">
+                <a:solidFill>
+                  <a:srgbClr val="000000"/>
+                </a:solidFill>
+                <a:ea typeface="ＭＳ ゴシック" panose="020B0609070205080204" pitchFamily="49" charset="-128"/>
+              </a:rPr>
+              <a:t>score.emplace</a:t>
+            </a:r>
+            <a:r>
+              <a:rPr lang="en-US" altLang="ja-JP" sz="2000" dirty="0">
+                <a:solidFill>
+                  <a:srgbClr val="000000"/>
+                </a:solidFill>
+                <a:ea typeface="ＭＳ ゴシック" panose="020B0609070205080204" pitchFamily="49" charset="-128"/>
+              </a:rPr>
+              <a:t>(“David”, 70);</a:t>
+            </a:r>
+          </a:p>
+          <a:p>
+            <a:r>
+              <a:rPr lang="en-US" altLang="ja-JP" sz="2000" dirty="0">
+                <a:solidFill>
+                  <a:srgbClr val="000000"/>
+                </a:solidFill>
+                <a:ea typeface="ＭＳ ゴシック" panose="020B0609070205080204" pitchFamily="49" charset="-128"/>
+              </a:rPr>
+              <a:t>	if(</a:t>
+            </a:r>
+            <a:r>
+              <a:rPr lang="en-US" altLang="ja-JP" sz="2000" dirty="0" err="1">
+                <a:solidFill>
+                  <a:srgbClr val="000000"/>
+                </a:solidFill>
+                <a:ea typeface="ＭＳ ゴシック" panose="020B0609070205080204" pitchFamily="49" charset="-128"/>
+              </a:rPr>
+              <a:t>score.count</a:t>
+            </a:r>
+            <a:r>
+              <a:rPr lang="en-US" altLang="ja-JP" sz="2000" dirty="0">
+                <a:solidFill>
+                  <a:srgbClr val="000000"/>
+                </a:solidFill>
+                <a:ea typeface="ＭＳ ゴシック" panose="020B0609070205080204" pitchFamily="49" charset="-128"/>
+              </a:rPr>
+              <a:t>(</a:t>
+            </a:r>
+            <a:r>
+              <a:rPr lang="en-US" altLang="ja-JP" sz="2000" dirty="0">
+                <a:solidFill>
+                  <a:srgbClr val="A31515"/>
+                </a:solidFill>
+                <a:ea typeface="ＭＳ ゴシック" panose="020B0609070205080204" pitchFamily="49" charset="-128"/>
+              </a:rPr>
+              <a:t>“John”</a:t>
+            </a:r>
+            <a:r>
+              <a:rPr lang="en-US" altLang="ja-JP" sz="2000" dirty="0">
+                <a:solidFill>
+                  <a:srgbClr val="000000"/>
+                </a:solidFill>
+                <a:ea typeface="ＭＳ ゴシック" panose="020B0609070205080204" pitchFamily="49" charset="-128"/>
+              </a:rPr>
+              <a:t>)){</a:t>
+            </a:r>
+          </a:p>
+          <a:p>
+            <a:r>
+              <a:rPr lang="en-US" altLang="ja-JP" sz="2000" dirty="0">
+                <a:solidFill>
+                  <a:srgbClr val="000000"/>
+                </a:solidFill>
+                <a:ea typeface="ＭＳ ゴシック" panose="020B0609070205080204" pitchFamily="49" charset="-128"/>
+              </a:rPr>
+              <a:t>	</a:t>
+            </a:r>
+            <a:r>
+              <a:rPr lang="en-US" altLang="ja-JP" sz="2000" dirty="0">
+                <a:solidFill>
+                  <a:srgbClr val="0000FF"/>
+                </a:solidFill>
+                <a:ea typeface="ＭＳ ゴシック" panose="020B0609070205080204" pitchFamily="49" charset="-128"/>
+              </a:rPr>
+              <a:t>auto</a:t>
+            </a:r>
+            <a:r>
+              <a:rPr lang="en-US" altLang="ja-JP" sz="2000" dirty="0">
+                <a:solidFill>
+                  <a:srgbClr val="000000"/>
+                </a:solidFill>
+                <a:ea typeface="ＭＳ ゴシック" panose="020B0609070205080204" pitchFamily="49" charset="-128"/>
+              </a:rPr>
+              <a:t> </a:t>
+            </a:r>
+            <a:r>
+              <a:rPr lang="en-US" altLang="ja-JP" sz="2000" dirty="0" err="1">
+                <a:solidFill>
+                  <a:srgbClr val="000000"/>
+                </a:solidFill>
+                <a:ea typeface="ＭＳ ゴシック" panose="020B0609070205080204" pitchFamily="49" charset="-128"/>
+              </a:rPr>
+              <a:t>itr</a:t>
+            </a:r>
+            <a:r>
+              <a:rPr lang="en-US" altLang="ja-JP" sz="2000" dirty="0">
+                <a:solidFill>
+                  <a:srgbClr val="000000"/>
+                </a:solidFill>
+                <a:ea typeface="ＭＳ ゴシック" panose="020B0609070205080204" pitchFamily="49" charset="-128"/>
+              </a:rPr>
+              <a:t> = </a:t>
+            </a:r>
+            <a:r>
+              <a:rPr lang="en-US" altLang="ja-JP" sz="2000" dirty="0" err="1">
+                <a:solidFill>
+                  <a:srgbClr val="000000"/>
+                </a:solidFill>
+                <a:ea typeface="ＭＳ ゴシック" panose="020B0609070205080204" pitchFamily="49" charset="-128"/>
+              </a:rPr>
+              <a:t>score.find</a:t>
+            </a:r>
+            <a:r>
+              <a:rPr lang="en-US" altLang="ja-JP" sz="2000" dirty="0">
+                <a:solidFill>
+                  <a:srgbClr val="000000"/>
+                </a:solidFill>
+                <a:ea typeface="ＭＳ ゴシック" panose="020B0609070205080204" pitchFamily="49" charset="-128"/>
+              </a:rPr>
+              <a:t>(</a:t>
+            </a:r>
+            <a:r>
+              <a:rPr lang="en-US" altLang="ja-JP" sz="2000" dirty="0">
+                <a:solidFill>
+                  <a:srgbClr val="A31515"/>
+                </a:solidFill>
+                <a:ea typeface="ＭＳ ゴシック" panose="020B0609070205080204" pitchFamily="49" charset="-128"/>
+              </a:rPr>
+              <a:t>“John”</a:t>
+            </a:r>
+            <a:r>
+              <a:rPr lang="en-US" altLang="ja-JP" sz="2000" dirty="0">
+                <a:solidFill>
+                  <a:srgbClr val="000000"/>
+                </a:solidFill>
+                <a:ea typeface="ＭＳ ゴシック" panose="020B0609070205080204" pitchFamily="49" charset="-128"/>
+              </a:rPr>
+              <a:t>);</a:t>
+            </a:r>
+            <a:r>
+              <a:rPr lang="en-US" altLang="ja-JP" sz="2000" dirty="0">
+                <a:solidFill>
+                  <a:srgbClr val="00B050"/>
+                </a:solidFill>
+                <a:latin typeface="+mn-ea"/>
+              </a:rPr>
+              <a:t> </a:t>
+            </a:r>
+            <a:endParaRPr lang="en-US" altLang="ja-JP" sz="2000" dirty="0">
+              <a:solidFill>
+                <a:srgbClr val="000000"/>
+              </a:solidFill>
+              <a:ea typeface="ＭＳ ゴシック" panose="020B0609070205080204" pitchFamily="49" charset="-128"/>
+            </a:endParaRPr>
+          </a:p>
+          <a:p>
+            <a:r>
+              <a:rPr lang="en-US" altLang="ja-JP" sz="2000" dirty="0">
+                <a:solidFill>
+                  <a:srgbClr val="000000"/>
+                </a:solidFill>
+                <a:ea typeface="ＭＳ ゴシック" panose="020B0609070205080204" pitchFamily="49" charset="-128"/>
+              </a:rPr>
+              <a:t>	 </a:t>
+            </a:r>
+            <a:r>
+              <a:rPr lang="en-US" altLang="ja-JP" sz="2000" dirty="0" err="1">
+                <a:solidFill>
+                  <a:srgbClr val="000000"/>
+                </a:solidFill>
+                <a:ea typeface="ＭＳ ゴシック" panose="020B0609070205080204" pitchFamily="49" charset="-128"/>
+              </a:rPr>
+              <a:t>cout</a:t>
+            </a:r>
+            <a:r>
+              <a:rPr lang="en-US" altLang="ja-JP" sz="2000" dirty="0">
+                <a:solidFill>
+                  <a:srgbClr val="000000"/>
+                </a:solidFill>
+                <a:ea typeface="ＭＳ ゴシック" panose="020B0609070205080204" pitchFamily="49" charset="-128"/>
+              </a:rPr>
+              <a:t> </a:t>
+            </a:r>
+            <a:r>
+              <a:rPr lang="en-US" altLang="ja-JP" sz="2000" dirty="0">
+                <a:solidFill>
+                  <a:srgbClr val="008080"/>
+                </a:solidFill>
+                <a:ea typeface="ＭＳ ゴシック" panose="020B0609070205080204" pitchFamily="49" charset="-128"/>
+              </a:rPr>
+              <a:t>&lt;&lt; </a:t>
+            </a:r>
+            <a:r>
+              <a:rPr lang="en-US" altLang="ja-JP" sz="2000" b="1" dirty="0" err="1">
+                <a:solidFill>
+                  <a:srgbClr val="FF0000"/>
+                </a:solidFill>
+                <a:ea typeface="ＭＳ ゴシック" panose="020B0609070205080204" pitchFamily="49" charset="-128"/>
+              </a:rPr>
+              <a:t>itr</a:t>
+            </a:r>
+            <a:r>
+              <a:rPr lang="en-US" altLang="ja-JP" sz="2000" b="1" dirty="0">
+                <a:solidFill>
+                  <a:srgbClr val="FF0000"/>
+                </a:solidFill>
+                <a:ea typeface="ＭＳ ゴシック" panose="020B0609070205080204" pitchFamily="49" charset="-128"/>
+              </a:rPr>
+              <a:t>-&gt;first </a:t>
+            </a:r>
+            <a:r>
+              <a:rPr lang="en-US" altLang="ja-JP" sz="2000" dirty="0">
+                <a:solidFill>
+                  <a:srgbClr val="008080"/>
+                </a:solidFill>
+                <a:ea typeface="ＭＳ ゴシック" panose="020B0609070205080204" pitchFamily="49" charset="-128"/>
+              </a:rPr>
+              <a:t>&lt;&lt;</a:t>
+            </a:r>
+            <a:r>
+              <a:rPr lang="en-US" altLang="ja-JP" sz="2000" dirty="0">
+                <a:solidFill>
+                  <a:srgbClr val="A31515"/>
+                </a:solidFill>
+                <a:ea typeface="ＭＳ ゴシック" panose="020B0609070205080204" pitchFamily="49" charset="-128"/>
+              </a:rPr>
+              <a:t> "</a:t>
+            </a:r>
+            <a:r>
+              <a:rPr lang="ja-JP" altLang="en-US" sz="2000" dirty="0">
+                <a:solidFill>
+                  <a:srgbClr val="A31515"/>
+                </a:solidFill>
+                <a:latin typeface="+mn-ea"/>
+              </a:rPr>
+              <a:t>の点数は</a:t>
+            </a:r>
+            <a:r>
+              <a:rPr lang="en-US" altLang="ja-JP" sz="2000" dirty="0">
+                <a:solidFill>
+                  <a:srgbClr val="A31515"/>
+                </a:solidFill>
+                <a:ea typeface="ＭＳ ゴシック" panose="020B0609070205080204" pitchFamily="49" charset="-128"/>
+              </a:rPr>
+              <a:t>"</a:t>
+            </a:r>
+            <a:r>
+              <a:rPr lang="ja-JP" altLang="en-US" sz="2000" dirty="0">
+                <a:solidFill>
+                  <a:srgbClr val="000000"/>
+                </a:solidFill>
+                <a:ea typeface="ＭＳ ゴシック" panose="020B0609070205080204" pitchFamily="49" charset="-128"/>
+              </a:rPr>
+              <a:t> </a:t>
+            </a:r>
+            <a:r>
+              <a:rPr lang="en-US" altLang="ja-JP" sz="2000" dirty="0">
+                <a:solidFill>
+                  <a:srgbClr val="008080"/>
+                </a:solidFill>
+                <a:ea typeface="ＭＳ ゴシック" panose="020B0609070205080204" pitchFamily="49" charset="-128"/>
+              </a:rPr>
+              <a:t>&lt;&lt; </a:t>
+            </a:r>
+            <a:r>
+              <a:rPr lang="en-US" altLang="ja-JP" sz="2000" b="1" dirty="0" err="1">
+                <a:solidFill>
+                  <a:srgbClr val="FF0000"/>
+                </a:solidFill>
+                <a:ea typeface="ＭＳ ゴシック" panose="020B0609070205080204" pitchFamily="49" charset="-128"/>
+              </a:rPr>
+              <a:t>itr</a:t>
+            </a:r>
+            <a:r>
+              <a:rPr lang="en-US" altLang="ja-JP" sz="2000" b="1" dirty="0">
+                <a:solidFill>
+                  <a:srgbClr val="FF0000"/>
+                </a:solidFill>
+                <a:ea typeface="ＭＳ ゴシック" panose="020B0609070205080204" pitchFamily="49" charset="-128"/>
+              </a:rPr>
+              <a:t>-&gt;second </a:t>
+            </a:r>
+            <a:r>
+              <a:rPr lang="en-US" altLang="ja-JP" sz="2000" dirty="0">
+                <a:solidFill>
+                  <a:srgbClr val="008080"/>
+                </a:solidFill>
+                <a:ea typeface="ＭＳ ゴシック" panose="020B0609070205080204" pitchFamily="49" charset="-128"/>
+              </a:rPr>
+              <a:t>&lt;&lt; </a:t>
+            </a:r>
+            <a:r>
+              <a:rPr lang="en-US" altLang="ja-JP" sz="2000" dirty="0">
+                <a:solidFill>
+                  <a:srgbClr val="A31515"/>
+                </a:solidFill>
+                <a:ea typeface="ＭＳ ゴシック" panose="020B0609070205080204" pitchFamily="49" charset="-128"/>
+              </a:rPr>
+              <a:t>"</a:t>
+            </a:r>
+            <a:r>
+              <a:rPr lang="ja-JP" altLang="en-US" sz="2000" dirty="0">
+                <a:solidFill>
+                  <a:srgbClr val="A31515"/>
+                </a:solidFill>
+                <a:latin typeface="+mn-ea"/>
+              </a:rPr>
+              <a:t>点</a:t>
+            </a:r>
+            <a:r>
+              <a:rPr lang="en-US" altLang="ja-JP" sz="2000" dirty="0">
+                <a:solidFill>
+                  <a:srgbClr val="A31515"/>
+                </a:solidFill>
+                <a:ea typeface="ＭＳ ゴシック" panose="020B0609070205080204" pitchFamily="49" charset="-128"/>
+              </a:rPr>
+              <a:t>" </a:t>
+            </a:r>
+            <a:r>
+              <a:rPr lang="en-US" altLang="ja-JP" sz="2000" dirty="0">
+                <a:solidFill>
+                  <a:srgbClr val="008080"/>
+                </a:solidFill>
+                <a:ea typeface="ＭＳ ゴシック" panose="020B0609070205080204" pitchFamily="49" charset="-128"/>
+              </a:rPr>
+              <a:t>&lt;&lt;</a:t>
+            </a:r>
+            <a:r>
+              <a:rPr lang="ja-JP" altLang="en-US" sz="2000" dirty="0">
+                <a:solidFill>
+                  <a:srgbClr val="000000"/>
+                </a:solidFill>
+                <a:ea typeface="ＭＳ ゴシック" panose="020B0609070205080204" pitchFamily="49" charset="-128"/>
+              </a:rPr>
+              <a:t> </a:t>
+            </a:r>
+            <a:r>
+              <a:rPr lang="en-US" altLang="ja-JP" sz="2000" dirty="0" err="1">
+                <a:solidFill>
+                  <a:srgbClr val="000000"/>
+                </a:solidFill>
+                <a:ea typeface="ＭＳ ゴシック" panose="020B0609070205080204" pitchFamily="49" charset="-128"/>
+              </a:rPr>
+              <a:t>endl</a:t>
+            </a:r>
+            <a:r>
+              <a:rPr lang="en-US" altLang="ja-JP" sz="2000" dirty="0">
+                <a:solidFill>
+                  <a:srgbClr val="000000"/>
+                </a:solidFill>
+                <a:ea typeface="ＭＳ ゴシック" panose="020B0609070205080204" pitchFamily="49" charset="-128"/>
+              </a:rPr>
+              <a:t>;</a:t>
+            </a:r>
+          </a:p>
+          <a:p>
+            <a:r>
+              <a:rPr lang="en-US" altLang="ja-JP" sz="2000" dirty="0">
+                <a:solidFill>
+                  <a:srgbClr val="000000"/>
+                </a:solidFill>
+                <a:ea typeface="ＭＳ ゴシック" panose="020B0609070205080204" pitchFamily="49" charset="-128"/>
+              </a:rPr>
+              <a:t>	}</a:t>
+            </a:r>
+            <a:r>
+              <a:rPr lang="en-US" altLang="ja-JP" sz="2000" dirty="0">
+                <a:solidFill>
+                  <a:srgbClr val="008080"/>
+                </a:solidFill>
+                <a:ea typeface="ＭＳ ゴシック" panose="020B0609070205080204" pitchFamily="49" charset="-128"/>
+              </a:rPr>
+              <a:t> </a:t>
+            </a:r>
+            <a:br>
+              <a:rPr lang="en-US" altLang="ja-JP" sz="2000" dirty="0">
+                <a:solidFill>
+                  <a:srgbClr val="000000"/>
+                </a:solidFill>
+                <a:ea typeface="ＭＳ ゴシック" panose="020B0609070205080204" pitchFamily="49" charset="-128"/>
+              </a:rPr>
+            </a:br>
+            <a:r>
+              <a:rPr lang="en-US" altLang="ja-JP" sz="2000" dirty="0">
+                <a:solidFill>
+                  <a:srgbClr val="000000"/>
+                </a:solidFill>
+                <a:ea typeface="ＭＳ ゴシック" panose="020B0609070205080204" pitchFamily="49" charset="-128"/>
+              </a:rPr>
+              <a:t>	</a:t>
+            </a:r>
+            <a:r>
+              <a:rPr lang="en-US" altLang="ja-JP" sz="2000" dirty="0" err="1">
+                <a:solidFill>
+                  <a:srgbClr val="000000"/>
+                </a:solidFill>
+                <a:ea typeface="ＭＳ ゴシック" panose="020B0609070205080204" pitchFamily="49" charset="-128"/>
+              </a:rPr>
+              <a:t>cout</a:t>
+            </a:r>
+            <a:r>
+              <a:rPr lang="en-US" altLang="ja-JP" sz="2000" dirty="0">
+                <a:solidFill>
+                  <a:srgbClr val="000000"/>
+                </a:solidFill>
+                <a:ea typeface="ＭＳ ゴシック" panose="020B0609070205080204" pitchFamily="49" charset="-128"/>
+              </a:rPr>
+              <a:t> </a:t>
+            </a:r>
+            <a:r>
+              <a:rPr lang="en-US" altLang="ja-JP" sz="2000" dirty="0">
+                <a:solidFill>
+                  <a:srgbClr val="008080"/>
+                </a:solidFill>
+                <a:ea typeface="ＭＳ ゴシック" panose="020B0609070205080204" pitchFamily="49" charset="-128"/>
+              </a:rPr>
+              <a:t>&lt;&lt;</a:t>
+            </a:r>
+            <a:r>
+              <a:rPr lang="en-US" altLang="ja-JP" sz="2000" dirty="0">
+                <a:solidFill>
+                  <a:srgbClr val="000000"/>
+                </a:solidFill>
+                <a:ea typeface="ＭＳ ゴシック" panose="020B0609070205080204" pitchFamily="49" charset="-128"/>
+              </a:rPr>
+              <a:t> </a:t>
+            </a:r>
+            <a:r>
+              <a:rPr lang="en-US" altLang="ja-JP" sz="2000" dirty="0">
+                <a:solidFill>
+                  <a:srgbClr val="A31515"/>
+                </a:solidFill>
+                <a:ea typeface="ＭＳ ゴシック" panose="020B0609070205080204" pitchFamily="49" charset="-128"/>
+              </a:rPr>
+              <a:t>"Tom</a:t>
+            </a:r>
+            <a:r>
+              <a:rPr lang="ja-JP" altLang="en-US" sz="2000" dirty="0">
+                <a:solidFill>
+                  <a:srgbClr val="A31515"/>
+                </a:solidFill>
+                <a:latin typeface="+mn-ea"/>
+              </a:rPr>
+              <a:t>の点数は</a:t>
+            </a:r>
+            <a:r>
+              <a:rPr lang="en-US" altLang="ja-JP" sz="2000" dirty="0">
+                <a:solidFill>
+                  <a:srgbClr val="A31515"/>
+                </a:solidFill>
+                <a:ea typeface="ＭＳ ゴシック" panose="020B0609070205080204" pitchFamily="49" charset="-128"/>
+              </a:rPr>
+              <a:t>"</a:t>
+            </a:r>
+            <a:r>
+              <a:rPr lang="ja-JP" altLang="en-US" sz="2000" dirty="0">
+                <a:solidFill>
+                  <a:srgbClr val="000000"/>
+                </a:solidFill>
+                <a:ea typeface="ＭＳ ゴシック" panose="020B0609070205080204" pitchFamily="49" charset="-128"/>
+              </a:rPr>
+              <a:t> </a:t>
+            </a:r>
+            <a:r>
+              <a:rPr lang="en-US" altLang="ja-JP" sz="2000" dirty="0">
+                <a:solidFill>
+                  <a:srgbClr val="008080"/>
+                </a:solidFill>
+                <a:ea typeface="ＭＳ ゴシック" panose="020B0609070205080204" pitchFamily="49" charset="-128"/>
+              </a:rPr>
+              <a:t>&lt;&lt;</a:t>
+            </a:r>
+            <a:r>
+              <a:rPr lang="ja-JP" altLang="en-US" sz="2000" dirty="0">
+                <a:solidFill>
+                  <a:srgbClr val="000000"/>
+                </a:solidFill>
+                <a:ea typeface="ＭＳ ゴシック" panose="020B0609070205080204" pitchFamily="49" charset="-128"/>
+              </a:rPr>
+              <a:t> </a:t>
+            </a:r>
+            <a:r>
+              <a:rPr lang="en-US" altLang="ja-JP" sz="2000" dirty="0">
+                <a:solidFill>
+                  <a:srgbClr val="000000"/>
+                </a:solidFill>
+                <a:ea typeface="ＭＳ ゴシック" panose="020B0609070205080204" pitchFamily="49" charset="-128"/>
+              </a:rPr>
+              <a:t>score</a:t>
+            </a:r>
+            <a:r>
+              <a:rPr lang="en-US" altLang="ja-JP" sz="2000" dirty="0">
+                <a:solidFill>
+                  <a:srgbClr val="008080"/>
+                </a:solidFill>
+                <a:ea typeface="ＭＳ ゴシック" panose="020B0609070205080204" pitchFamily="49" charset="-128"/>
+              </a:rPr>
+              <a:t>[</a:t>
+            </a:r>
+            <a:r>
+              <a:rPr lang="en-US" altLang="ja-JP" sz="2000" dirty="0">
+                <a:solidFill>
+                  <a:srgbClr val="A31515"/>
+                </a:solidFill>
+                <a:ea typeface="ＭＳ ゴシック" panose="020B0609070205080204" pitchFamily="49" charset="-128"/>
+              </a:rPr>
+              <a:t>"Tom"</a:t>
+            </a:r>
+            <a:r>
+              <a:rPr lang="en-US" altLang="ja-JP" sz="2000" dirty="0">
+                <a:solidFill>
+                  <a:srgbClr val="008080"/>
+                </a:solidFill>
+                <a:ea typeface="ＭＳ ゴシック" panose="020B0609070205080204" pitchFamily="49" charset="-128"/>
+              </a:rPr>
+              <a:t>]</a:t>
+            </a:r>
+            <a:r>
+              <a:rPr lang="en-US" altLang="ja-JP" sz="2000" dirty="0">
+                <a:solidFill>
+                  <a:srgbClr val="000000"/>
+                </a:solidFill>
+                <a:ea typeface="ＭＳ ゴシック" panose="020B0609070205080204" pitchFamily="49" charset="-128"/>
+              </a:rPr>
+              <a:t> </a:t>
+            </a:r>
+            <a:r>
+              <a:rPr lang="en-US" altLang="ja-JP" sz="2000" dirty="0">
+                <a:solidFill>
+                  <a:srgbClr val="008080"/>
+                </a:solidFill>
+                <a:ea typeface="ＭＳ ゴシック" panose="020B0609070205080204" pitchFamily="49" charset="-128"/>
+              </a:rPr>
+              <a:t>&lt;&lt;</a:t>
+            </a:r>
+            <a:r>
+              <a:rPr lang="en-US" altLang="ja-JP" sz="2000" dirty="0">
+                <a:solidFill>
+                  <a:srgbClr val="000000"/>
+                </a:solidFill>
+                <a:ea typeface="ＭＳ ゴシック" panose="020B0609070205080204" pitchFamily="49" charset="-128"/>
+              </a:rPr>
+              <a:t> </a:t>
+            </a:r>
+            <a:r>
+              <a:rPr lang="en-US" altLang="ja-JP" sz="2000" dirty="0">
+                <a:solidFill>
+                  <a:srgbClr val="A31515"/>
+                </a:solidFill>
+                <a:ea typeface="ＭＳ ゴシック" panose="020B0609070205080204" pitchFamily="49" charset="-128"/>
+              </a:rPr>
+              <a:t>"</a:t>
+            </a:r>
+            <a:r>
+              <a:rPr lang="ja-JP" altLang="en-US" sz="2000" dirty="0">
+                <a:solidFill>
+                  <a:srgbClr val="A31515"/>
+                </a:solidFill>
+                <a:latin typeface="+mn-ea"/>
+              </a:rPr>
+              <a:t>点</a:t>
+            </a:r>
+            <a:r>
+              <a:rPr lang="en-US" altLang="ja-JP" sz="2000" dirty="0">
+                <a:solidFill>
+                  <a:srgbClr val="A31515"/>
+                </a:solidFill>
+                <a:ea typeface="ＭＳ ゴシック" panose="020B0609070205080204" pitchFamily="49" charset="-128"/>
+              </a:rPr>
+              <a:t>"</a:t>
+            </a:r>
+            <a:r>
+              <a:rPr lang="ja-JP" altLang="en-US" sz="2000" dirty="0">
+                <a:solidFill>
+                  <a:srgbClr val="000000"/>
+                </a:solidFill>
+                <a:ea typeface="ＭＳ ゴシック" panose="020B0609070205080204" pitchFamily="49" charset="-128"/>
+              </a:rPr>
+              <a:t> </a:t>
+            </a:r>
+            <a:r>
+              <a:rPr lang="en-US" altLang="ja-JP" sz="2000" dirty="0">
+                <a:solidFill>
+                  <a:srgbClr val="008080"/>
+                </a:solidFill>
+                <a:ea typeface="ＭＳ ゴシック" panose="020B0609070205080204" pitchFamily="49" charset="-128"/>
+              </a:rPr>
+              <a:t>&lt;&lt;</a:t>
+            </a:r>
+            <a:r>
+              <a:rPr lang="ja-JP" altLang="en-US" sz="2000" dirty="0">
+                <a:solidFill>
+                  <a:srgbClr val="000000"/>
+                </a:solidFill>
+                <a:ea typeface="ＭＳ ゴシック" panose="020B0609070205080204" pitchFamily="49" charset="-128"/>
+              </a:rPr>
+              <a:t> </a:t>
+            </a:r>
+            <a:r>
+              <a:rPr lang="en-US" altLang="ja-JP" sz="2000" dirty="0" err="1">
+                <a:solidFill>
+                  <a:srgbClr val="000000"/>
+                </a:solidFill>
+                <a:ea typeface="ＭＳ ゴシック" panose="020B0609070205080204" pitchFamily="49" charset="-128"/>
+              </a:rPr>
+              <a:t>endl</a:t>
+            </a:r>
+            <a:r>
+              <a:rPr lang="en-US" altLang="ja-JP" sz="2000" dirty="0">
+                <a:solidFill>
+                  <a:srgbClr val="000000"/>
+                </a:solidFill>
+                <a:ea typeface="ＭＳ ゴシック" panose="020B0609070205080204" pitchFamily="49" charset="-128"/>
+              </a:rPr>
+              <a:t>;</a:t>
+            </a:r>
+          </a:p>
+          <a:p>
+            <a:r>
+              <a:rPr lang="en-US" altLang="ja-JP" sz="2000" dirty="0">
+                <a:solidFill>
+                  <a:srgbClr val="000000"/>
+                </a:solidFill>
+                <a:ea typeface="ＭＳ ゴシック" panose="020B0609070205080204" pitchFamily="49" charset="-128"/>
+              </a:rPr>
+              <a:t>	</a:t>
+            </a:r>
+            <a:r>
+              <a:rPr lang="en-US" altLang="ja-JP" sz="2000" dirty="0" err="1">
+                <a:solidFill>
+                  <a:srgbClr val="000000"/>
+                </a:solidFill>
+                <a:ea typeface="ＭＳ ゴシック" panose="020B0609070205080204" pitchFamily="49" charset="-128"/>
+              </a:rPr>
+              <a:t>cout</a:t>
+            </a:r>
+            <a:r>
+              <a:rPr lang="en-US" altLang="ja-JP" sz="2000" dirty="0">
+                <a:solidFill>
+                  <a:srgbClr val="000000"/>
+                </a:solidFill>
+                <a:ea typeface="ＭＳ ゴシック" panose="020B0609070205080204" pitchFamily="49" charset="-128"/>
+              </a:rPr>
+              <a:t> </a:t>
+            </a:r>
+            <a:r>
+              <a:rPr lang="en-US" altLang="ja-JP" sz="2000" dirty="0">
+                <a:solidFill>
+                  <a:srgbClr val="008080"/>
+                </a:solidFill>
+                <a:ea typeface="ＭＳ ゴシック" panose="020B0609070205080204" pitchFamily="49" charset="-128"/>
+              </a:rPr>
+              <a:t>&lt;&lt;</a:t>
+            </a:r>
+            <a:r>
+              <a:rPr lang="en-US" altLang="ja-JP" sz="2000" dirty="0">
+                <a:solidFill>
+                  <a:srgbClr val="000000"/>
+                </a:solidFill>
+                <a:ea typeface="ＭＳ ゴシック" panose="020B0609070205080204" pitchFamily="49" charset="-128"/>
+              </a:rPr>
+              <a:t> </a:t>
+            </a:r>
+            <a:r>
+              <a:rPr lang="en-US" altLang="ja-JP" sz="2000" dirty="0">
+                <a:solidFill>
+                  <a:srgbClr val="A31515"/>
+                </a:solidFill>
+                <a:ea typeface="ＭＳ ゴシック" panose="020B0609070205080204" pitchFamily="49" charset="-128"/>
+              </a:rPr>
+              <a:t>“Bob</a:t>
+            </a:r>
+            <a:r>
+              <a:rPr lang="ja-JP" altLang="en-US" sz="2000" dirty="0">
+                <a:solidFill>
+                  <a:srgbClr val="A31515"/>
+                </a:solidFill>
+                <a:latin typeface="+mn-ea"/>
+              </a:rPr>
+              <a:t>の点数は</a:t>
+            </a:r>
+            <a:r>
+              <a:rPr lang="en-US" altLang="ja-JP" sz="2000" dirty="0">
+                <a:solidFill>
+                  <a:srgbClr val="A31515"/>
+                </a:solidFill>
+                <a:ea typeface="ＭＳ ゴシック" panose="020B0609070205080204" pitchFamily="49" charset="-128"/>
+              </a:rPr>
+              <a:t>”</a:t>
+            </a:r>
+            <a:r>
+              <a:rPr lang="ja-JP" altLang="en-US" sz="2000" dirty="0">
+                <a:solidFill>
+                  <a:srgbClr val="000000"/>
+                </a:solidFill>
+                <a:ea typeface="ＭＳ ゴシック" panose="020B0609070205080204" pitchFamily="49" charset="-128"/>
+              </a:rPr>
+              <a:t> </a:t>
+            </a:r>
+            <a:r>
+              <a:rPr lang="en-US" altLang="ja-JP" sz="2000" dirty="0">
+                <a:solidFill>
+                  <a:srgbClr val="008080"/>
+                </a:solidFill>
+                <a:ea typeface="ＭＳ ゴシック" panose="020B0609070205080204" pitchFamily="49" charset="-128"/>
+              </a:rPr>
+              <a:t>&lt;&lt;</a:t>
+            </a:r>
+            <a:r>
+              <a:rPr lang="ja-JP" altLang="en-US" sz="2000" dirty="0">
+                <a:solidFill>
+                  <a:srgbClr val="000000"/>
+                </a:solidFill>
+                <a:ea typeface="ＭＳ ゴシック" panose="020B0609070205080204" pitchFamily="49" charset="-128"/>
+              </a:rPr>
+              <a:t> </a:t>
+            </a:r>
+            <a:r>
+              <a:rPr lang="en-US" altLang="ja-JP" sz="2000" dirty="0">
+                <a:solidFill>
+                  <a:srgbClr val="000000"/>
+                </a:solidFill>
+                <a:ea typeface="ＭＳ ゴシック" panose="020B0609070205080204" pitchFamily="49" charset="-128"/>
+              </a:rPr>
+              <a:t>score</a:t>
+            </a:r>
+            <a:r>
+              <a:rPr lang="en-US" altLang="ja-JP" sz="2000" dirty="0">
+                <a:solidFill>
+                  <a:srgbClr val="008080"/>
+                </a:solidFill>
+                <a:ea typeface="ＭＳ ゴシック" panose="020B0609070205080204" pitchFamily="49" charset="-128"/>
+              </a:rPr>
+              <a:t>[</a:t>
+            </a:r>
+            <a:r>
+              <a:rPr lang="en-US" altLang="ja-JP" sz="2000" dirty="0">
+                <a:solidFill>
+                  <a:srgbClr val="A31515"/>
+                </a:solidFill>
+                <a:ea typeface="ＭＳ ゴシック" panose="020B0609070205080204" pitchFamily="49" charset="-128"/>
+              </a:rPr>
+              <a:t>“Bob”</a:t>
+            </a:r>
+            <a:r>
+              <a:rPr lang="en-US" altLang="ja-JP" sz="2000" dirty="0">
+                <a:solidFill>
+                  <a:srgbClr val="008080"/>
+                </a:solidFill>
+                <a:ea typeface="ＭＳ ゴシック" panose="020B0609070205080204" pitchFamily="49" charset="-128"/>
+              </a:rPr>
+              <a:t>]</a:t>
+            </a:r>
+            <a:r>
+              <a:rPr lang="en-US" altLang="ja-JP" sz="2000" dirty="0">
+                <a:solidFill>
+                  <a:srgbClr val="000000"/>
+                </a:solidFill>
+                <a:ea typeface="ＭＳ ゴシック" panose="020B0609070205080204" pitchFamily="49" charset="-128"/>
+              </a:rPr>
+              <a:t> </a:t>
+            </a:r>
+            <a:r>
+              <a:rPr lang="en-US" altLang="ja-JP" sz="2000" dirty="0">
+                <a:solidFill>
+                  <a:srgbClr val="008080"/>
+                </a:solidFill>
+                <a:ea typeface="ＭＳ ゴシック" panose="020B0609070205080204" pitchFamily="49" charset="-128"/>
+              </a:rPr>
+              <a:t>&lt;&lt;</a:t>
+            </a:r>
+            <a:r>
+              <a:rPr lang="en-US" altLang="ja-JP" sz="2000" dirty="0">
+                <a:solidFill>
+                  <a:srgbClr val="000000"/>
+                </a:solidFill>
+                <a:ea typeface="ＭＳ ゴシック" panose="020B0609070205080204" pitchFamily="49" charset="-128"/>
+              </a:rPr>
+              <a:t> </a:t>
+            </a:r>
+            <a:r>
+              <a:rPr lang="en-US" altLang="ja-JP" sz="2000" dirty="0">
+                <a:solidFill>
+                  <a:srgbClr val="A31515"/>
+                </a:solidFill>
+                <a:ea typeface="ＭＳ ゴシック" panose="020B0609070205080204" pitchFamily="49" charset="-128"/>
+              </a:rPr>
+              <a:t>“</a:t>
+            </a:r>
+            <a:r>
+              <a:rPr lang="ja-JP" altLang="en-US" sz="2000" dirty="0">
+                <a:solidFill>
+                  <a:srgbClr val="A31515"/>
+                </a:solidFill>
+                <a:latin typeface="+mn-ea"/>
+              </a:rPr>
+              <a:t>点</a:t>
+            </a:r>
+            <a:r>
+              <a:rPr lang="en-US" altLang="ja-JP" sz="2000" dirty="0">
+                <a:solidFill>
+                  <a:srgbClr val="A31515"/>
+                </a:solidFill>
+                <a:ea typeface="ＭＳ ゴシック" panose="020B0609070205080204" pitchFamily="49" charset="-128"/>
+              </a:rPr>
+              <a:t>”</a:t>
+            </a:r>
+            <a:r>
+              <a:rPr lang="ja-JP" altLang="en-US" sz="2000" dirty="0">
+                <a:solidFill>
+                  <a:srgbClr val="000000"/>
+                </a:solidFill>
+                <a:ea typeface="ＭＳ ゴシック" panose="020B0609070205080204" pitchFamily="49" charset="-128"/>
+              </a:rPr>
+              <a:t> </a:t>
+            </a:r>
+            <a:r>
+              <a:rPr lang="en-US" altLang="ja-JP" sz="2000" dirty="0">
+                <a:solidFill>
+                  <a:srgbClr val="008080"/>
+                </a:solidFill>
+                <a:ea typeface="ＭＳ ゴシック" panose="020B0609070205080204" pitchFamily="49" charset="-128"/>
+              </a:rPr>
+              <a:t>&lt;&lt;</a:t>
+            </a:r>
+            <a:r>
+              <a:rPr lang="ja-JP" altLang="en-US" sz="2000" dirty="0">
+                <a:solidFill>
+                  <a:srgbClr val="000000"/>
+                </a:solidFill>
+                <a:ea typeface="ＭＳ ゴシック" panose="020B0609070205080204" pitchFamily="49" charset="-128"/>
+              </a:rPr>
+              <a:t> </a:t>
+            </a:r>
+            <a:r>
+              <a:rPr lang="en-US" altLang="ja-JP" sz="2000" dirty="0" err="1">
+                <a:solidFill>
+                  <a:srgbClr val="000000"/>
+                </a:solidFill>
+                <a:ea typeface="ＭＳ ゴシック" panose="020B0609070205080204" pitchFamily="49" charset="-128"/>
+              </a:rPr>
+              <a:t>endl</a:t>
+            </a:r>
+            <a:r>
+              <a:rPr lang="en-US" altLang="ja-JP" sz="2000" dirty="0">
+                <a:solidFill>
+                  <a:srgbClr val="000000"/>
+                </a:solidFill>
+                <a:ea typeface="ＭＳ ゴシック" panose="020B0609070205080204" pitchFamily="49" charset="-128"/>
+              </a:rPr>
+              <a:t>;</a:t>
+            </a:r>
+          </a:p>
+        </p:txBody>
+      </p:sp>
+      <p:sp>
+        <p:nvSpPr>
+          <p:cNvPr id="4" name="矢印: 右 3">
+            <a:extLst>
+              <a:ext uri="{FF2B5EF4-FFF2-40B4-BE49-F238E27FC236}">
+                <a16:creationId xmlns:a16="http://schemas.microsoft.com/office/drawing/2014/main" id="{AD2EA0A1-88A0-8DB3-DAB4-EA7F57FB95DB}"/>
+              </a:ext>
+            </a:extLst>
+          </p:cNvPr>
+          <p:cNvSpPr/>
+          <p:nvPr/>
+        </p:nvSpPr>
+        <p:spPr>
+          <a:xfrm>
+            <a:off x="614464" y="4786023"/>
+            <a:ext cx="426396" cy="282102"/>
+          </a:xfrm>
+          <a:prstGeom prst="rightArrow">
+            <a:avLst/>
+          </a:prstGeom>
+          <a:solidFill>
+            <a:srgbClr val="FF0000"/>
+          </a:solidFill>
+        </p:spPr>
+        <p:style>
+          <a:lnRef idx="2">
+            <a:schemeClr val="accent1">
+              <a:shade val="15000"/>
+            </a:schemeClr>
+          </a:lnRef>
+          <a:fillRef idx="1">
+            <a:schemeClr val="accent1"/>
+          </a:fillRef>
+          <a:effectRef idx="0">
+            <a:schemeClr val="accent1"/>
+          </a:effectRef>
+          <a:fontRef idx="minor">
+            <a:schemeClr val="lt1"/>
+          </a:fontRef>
+        </p:style>
+        <p:txBody>
+          <a:bodyPr rtlCol="0" anchor="ctr"/>
+          <a:lstStyle/>
+          <a:p>
+            <a:pPr algn="ctr"/>
+            <a:endParaRPr kumimoji="1" lang="ja-JP" altLang="en-US"/>
+          </a:p>
+        </p:txBody>
+      </p:sp>
+      <p:sp>
+        <p:nvSpPr>
+          <p:cNvPr id="6" name="テキスト ボックス 5">
+            <a:extLst>
+              <a:ext uri="{FF2B5EF4-FFF2-40B4-BE49-F238E27FC236}">
+                <a16:creationId xmlns:a16="http://schemas.microsoft.com/office/drawing/2014/main" id="{B3E4DF59-D6A8-7B8F-A732-09B27B0CBEB3}"/>
+              </a:ext>
+            </a:extLst>
+          </p:cNvPr>
+          <p:cNvSpPr txBox="1"/>
+          <p:nvPr/>
+        </p:nvSpPr>
+        <p:spPr>
+          <a:xfrm>
+            <a:off x="5662591" y="4127328"/>
+            <a:ext cx="5432898" cy="830997"/>
+          </a:xfrm>
+          <a:prstGeom prst="rect">
+            <a:avLst/>
+          </a:prstGeom>
+          <a:solidFill>
+            <a:schemeClr val="bg1"/>
+          </a:solidFill>
+          <a:ln>
+            <a:solidFill>
+              <a:schemeClr val="tx1"/>
+            </a:solidFill>
+          </a:ln>
+        </p:spPr>
+        <p:txBody>
+          <a:bodyPr wrap="none" rtlCol="0">
+            <a:spAutoFit/>
+          </a:bodyPr>
+          <a:lstStyle/>
+          <a:p>
+            <a:r>
+              <a:rPr kumimoji="1" lang="en-US" altLang="ja-JP" sz="2400" dirty="0">
+                <a:solidFill>
+                  <a:srgbClr val="00B050"/>
+                </a:solidFill>
+              </a:rPr>
+              <a:t>//John</a:t>
+            </a:r>
+            <a:r>
+              <a:rPr kumimoji="1" lang="ja-JP" altLang="en-US" sz="2400" dirty="0">
+                <a:solidFill>
+                  <a:srgbClr val="00B050"/>
+                </a:solidFill>
+              </a:rPr>
+              <a:t>のキーがない場合誤動作する</a:t>
+            </a:r>
+            <a:endParaRPr kumimoji="1" lang="en-US" altLang="ja-JP" sz="2400" dirty="0">
+              <a:solidFill>
+                <a:srgbClr val="00B050"/>
+              </a:solidFill>
+            </a:endParaRPr>
+          </a:p>
+          <a:p>
+            <a:r>
+              <a:rPr kumimoji="1" lang="ja-JP" altLang="en-US" sz="2400" dirty="0">
+                <a:solidFill>
+                  <a:srgbClr val="00B050"/>
+                </a:solidFill>
+              </a:rPr>
+              <a:t>　　ため、キーの存在チェックを行う</a:t>
+            </a:r>
+          </a:p>
+        </p:txBody>
+      </p:sp>
+    </p:spTree>
+    <p:extLst>
+      <p:ext uri="{BB962C8B-B14F-4D97-AF65-F5344CB8AC3E}">
+        <p14:creationId xmlns:p14="http://schemas.microsoft.com/office/powerpoint/2010/main" val="2400047496"/>
+      </p:ext>
+    </p:extLst>
+  </p:cSld>
+  <p:clrMapOvr>
+    <a:masterClrMapping/>
+  </p:clrMapOvr>
+</p:sld>
+</file>
+
+<file path=ppt/slides/slide12.xml><?xml version="1.0" encoding="utf-8"?>
+<p:sld xmlns:a="http://schemas.openxmlformats.org/drawingml/2006/main" xmlns:r="http://schemas.openxmlformats.org/officeDocument/2006/relationships" xmlns:p="http://schemas.openxmlformats.org/presentationml/2006/main">
+  <p:cSld>
+    <p:spTree>
+      <p:nvGrpSpPr>
+        <p:cNvPr id="1" name=""/>
+        <p:cNvGrpSpPr/>
+        <p:nvPr/>
+      </p:nvGrpSpPr>
+      <p:grpSpPr>
+        <a:xfrm>
+          <a:off x="0" y="0"/>
+          <a:ext cx="0" cy="0"/>
+          <a:chOff x="0" y="0"/>
+          <a:chExt cx="0" cy="0"/>
+        </a:xfrm>
+      </p:grpSpPr>
+      <p:sp>
+        <p:nvSpPr>
+          <p:cNvPr id="2" name="タイトル 1">
+            <a:extLst>
+              <a:ext uri="{FF2B5EF4-FFF2-40B4-BE49-F238E27FC236}">
                 <a16:creationId xmlns:a16="http://schemas.microsoft.com/office/drawing/2014/main" id="{9F789731-37C4-49DD-AEE8-78E5514E279E}"/>
               </a:ext>
             </a:extLst>
@@ -8323,7 +11921,7 @@
                 </a:solidFill>
                 <a:ea typeface="ＭＳ ゴシック" panose="020B0609070205080204" pitchFamily="49" charset="-128"/>
               </a:rPr>
-              <a:t>) &gt; 0) {	</a:t>
+              <a:t>)) {	</a:t>
             </a:r>
             <a:r>
               <a:rPr lang="ja-JP" altLang="en-US" sz="2000" dirty="0">
@@ -10000,7 +13598,7 @@
                 </a:solidFill>
                 <a:ea typeface="ＭＳ ゴシック" panose="020B0609070205080204" pitchFamily="49" charset="-128"/>
               </a:rPr>
-              <a:t>) &gt; 0) {	</a:t>
+              <a:t>)) {	</a:t>
             </a:r>
             <a:r>
               <a:rPr lang="ja-JP" altLang="en-US" sz="2000" dirty="0">
@@ -10351,6 +13949,75 @@
           <a:p>
             <a:pPr algn="ctr"/>
             <a:endParaRPr kumimoji="1" lang="ja-JP" altLang="en-US"/>
+          </a:p>
+        </p:txBody>
+      </p:sp>
+      <p:sp>
+        <p:nvSpPr>
+          <p:cNvPr id="6" name="テキスト ボックス 5">
+            <a:extLst>
+              <a:ext uri="{FF2B5EF4-FFF2-40B4-BE49-F238E27FC236}">
+                <a16:creationId xmlns:a16="http://schemas.microsoft.com/office/drawing/2014/main" id="{627D4857-807D-C35E-B46E-B89C611FF17C}"/>
+              </a:ext>
+            </a:extLst>
+          </p:cNvPr>
+          <p:cNvSpPr txBox="1"/>
+          <p:nvPr/>
+        </p:nvSpPr>
+        <p:spPr>
+          <a:xfrm>
+            <a:off x="2433008" y="3256451"/>
+            <a:ext cx="6104556" cy="830997"/>
+          </a:xfrm>
+          <a:prstGeom prst="rect">
+            <a:avLst/>
+          </a:prstGeom>
+          <a:solidFill>
+            <a:schemeClr val="bg1"/>
+          </a:solidFill>
+          <a:ln>
+            <a:solidFill>
+              <a:schemeClr val="tx1"/>
+            </a:solidFill>
+          </a:ln>
+        </p:spPr>
+        <p:txBody>
+          <a:bodyPr wrap="none" rtlCol="0">
+            <a:spAutoFit/>
+          </a:bodyPr>
+          <a:lstStyle/>
+          <a:p>
+            <a:r>
+              <a:rPr kumimoji="1" lang="en-US" altLang="ja-JP" sz="2400" dirty="0">
+                <a:solidFill>
+                  <a:srgbClr val="00B050"/>
+                </a:solidFill>
+              </a:rPr>
+              <a:t>//</a:t>
+            </a:r>
+            <a:r>
+              <a:rPr kumimoji="1" lang="ja-JP" altLang="en-US" sz="2400" dirty="0">
+                <a:solidFill>
+                  <a:srgbClr val="00B050"/>
+                </a:solidFill>
+              </a:rPr>
+              <a:t>ペアを定義して挿入</a:t>
+            </a:r>
+            <a:br>
+              <a:rPr kumimoji="1" lang="en-US" altLang="ja-JP" sz="2400" dirty="0">
+                <a:solidFill>
+                  <a:srgbClr val="00B050"/>
+                </a:solidFill>
+              </a:rPr>
+            </a:br>
+            <a:r>
+              <a:rPr kumimoji="1" lang="ja-JP" altLang="en-US" sz="2400" dirty="0">
+                <a:solidFill>
+                  <a:srgbClr val="00B050"/>
+                </a:solidFill>
+              </a:rPr>
+              <a:t>　　イテレータ不要（内部でソートされるため）</a:t>
+            </a:r>
           </a:p>
         </p:txBody>
       </p:sp>
@@ -11675,7 +15342,7 @@
                 </a:solidFill>
                 <a:ea typeface="ＭＳ ゴシック" panose="020B0609070205080204" pitchFamily="49" charset="-128"/>
               </a:rPr>
-              <a:t>) &gt; 0) {	</a:t>
+              <a:t>)) {	</a:t>
             </a:r>
             <a:r>
               <a:rPr lang="ja-JP" altLang="en-US" sz="2000" dirty="0">
@@ -13900,9 +17567,9 @@
               <a:t>イテレータの</a:t>
             </a:r>
             <a:r>
-              <a:rPr kumimoji="1" lang="en-US" altLang="ja-JP" sz="2400" dirty="0">
-                <a:solidFill>
-                  <a:srgbClr val="00B050"/>
+              <a:rPr kumimoji="1" lang="en-US" altLang="ja-JP" sz="2400" b="1" dirty="0">
+                <a:solidFill>
+                  <a:srgbClr val="FF0000"/>
                 </a:solidFill>
               </a:rPr>
               <a:t>first</a:t>
@@ -13947,9 +17614,9 @@
               <a:t>　　　　　　　　</a:t>
             </a:r>
             <a:r>
-              <a:rPr kumimoji="1" lang="en-US" altLang="ja-JP" sz="2400" dirty="0">
-                <a:solidFill>
-                  <a:srgbClr val="00B050"/>
+              <a:rPr kumimoji="1" lang="en-US" altLang="ja-JP" sz="2400" b="1" dirty="0">
+                <a:solidFill>
+                  <a:srgbClr val="FF0000"/>
                 </a:solidFill>
               </a:rPr>
               <a:t>second</a:t>

--- a/授業資料/講義資料：Mapクラス.pptx
+++ b/授業資料/講義資料：Mapクラス.pptx
@@ -254,7 +254,7 @@
           <a:p>
             <a:fld id="{5B96D3F8-CD2E-4A0D-AC38-517181EABB18}" type="datetimeFigureOut">
               <a:rPr kumimoji="1" lang="ja-JP" altLang="en-US" smtClean="0"/>
-              <a:t>2024/10/18</a:t>
+              <a:t>2024/10/22</a:t>
             </a:fld>
             <a:endParaRPr kumimoji="1" lang="ja-JP" altLang="en-US"/>
           </a:p>
@@ -456,7 +456,7 @@
           <a:p>
             <a:fld id="{5B96D3F8-CD2E-4A0D-AC38-517181EABB18}" type="datetimeFigureOut">
               <a:rPr kumimoji="1" lang="ja-JP" altLang="en-US" smtClean="0"/>
-              <a:t>2024/10/18</a:t>
+              <a:t>2024/10/22</a:t>
             </a:fld>
             <a:endParaRPr kumimoji="1" lang="ja-JP" altLang="en-US"/>
           </a:p>
@@ -668,7 +668,7 @@
           <a:p>
             <a:fld id="{5B96D3F8-CD2E-4A0D-AC38-517181EABB18}" type="datetimeFigureOut">
               <a:rPr kumimoji="1" lang="ja-JP" altLang="en-US" smtClean="0"/>
-              <a:t>2024/10/18</a:t>
+              <a:t>2024/10/22</a:t>
             </a:fld>
             <a:endParaRPr kumimoji="1" lang="ja-JP" altLang="en-US"/>
           </a:p>
@@ -870,7 +870,7 @@
           <a:p>
             <a:fld id="{5B96D3F8-CD2E-4A0D-AC38-517181EABB18}" type="datetimeFigureOut">
               <a:rPr kumimoji="1" lang="ja-JP" altLang="en-US" smtClean="0"/>
-              <a:t>2024/10/18</a:t>
+              <a:t>2024/10/22</a:t>
             </a:fld>
             <a:endParaRPr kumimoji="1" lang="ja-JP" altLang="en-US"/>
           </a:p>
@@ -1116,7 +1116,7 @@
           <a:p>
             <a:fld id="{5B96D3F8-CD2E-4A0D-AC38-517181EABB18}" type="datetimeFigureOut">
               <a:rPr kumimoji="1" lang="ja-JP" altLang="en-US" smtClean="0"/>
-              <a:t>2024/10/18</a:t>
+              <a:t>2024/10/22</a:t>
             </a:fld>
             <a:endParaRPr kumimoji="1" lang="ja-JP" altLang="en-US"/>
           </a:p>
@@ -1412,7 +1412,7 @@
           <a:p>
             <a:fld id="{5B96D3F8-CD2E-4A0D-AC38-517181EABB18}" type="datetimeFigureOut">
               <a:rPr kumimoji="1" lang="ja-JP" altLang="en-US" smtClean="0"/>
-              <a:t>2024/10/18</a:t>
+              <a:t>2024/10/22</a:t>
             </a:fld>
             <a:endParaRPr kumimoji="1" lang="ja-JP" altLang="en-US"/>
           </a:p>
@@ -1843,7 +1843,7 @@
           <a:p>
             <a:fld id="{5B96D3F8-CD2E-4A0D-AC38-517181EABB18}" type="datetimeFigureOut">
               <a:rPr kumimoji="1" lang="ja-JP" altLang="en-US" smtClean="0"/>
-              <a:t>2024/10/18</a:t>
+              <a:t>2024/10/22</a:t>
             </a:fld>
             <a:endParaRPr kumimoji="1" lang="ja-JP" altLang="en-US"/>
           </a:p>
@@ -1961,7 +1961,7 @@
           <a:p>
             <a:fld id="{5B96D3F8-CD2E-4A0D-AC38-517181EABB18}" type="datetimeFigureOut">
               <a:rPr kumimoji="1" lang="ja-JP" altLang="en-US" smtClean="0"/>
-              <a:t>2024/10/18</a:t>
+              <a:t>2024/10/22</a:t>
             </a:fld>
             <a:endParaRPr kumimoji="1" lang="ja-JP" altLang="en-US"/>
           </a:p>
@@ -2056,7 +2056,7 @@
           <a:p>
             <a:fld id="{5B96D3F8-CD2E-4A0D-AC38-517181EABB18}" type="datetimeFigureOut">
               <a:rPr kumimoji="1" lang="ja-JP" altLang="en-US" smtClean="0"/>
-              <a:t>2024/10/18</a:t>
+              <a:t>2024/10/22</a:t>
             </a:fld>
             <a:endParaRPr kumimoji="1" lang="ja-JP" altLang="en-US"/>
           </a:p>
@@ -2365,7 +2365,7 @@
           <a:p>
             <a:fld id="{5B96D3F8-CD2E-4A0D-AC38-517181EABB18}" type="datetimeFigureOut">
               <a:rPr kumimoji="1" lang="ja-JP" altLang="en-US" smtClean="0"/>
-              <a:t>2024/10/18</a:t>
+              <a:t>2024/10/22</a:t>
             </a:fld>
             <a:endParaRPr kumimoji="1" lang="ja-JP" altLang="en-US"/>
           </a:p>
@@ -2622,7 +2622,7 @@
           <a:p>
             <a:fld id="{5B96D3F8-CD2E-4A0D-AC38-517181EABB18}" type="datetimeFigureOut">
               <a:rPr kumimoji="1" lang="ja-JP" altLang="en-US" smtClean="0"/>
-              <a:t>2024/10/18</a:t>
+              <a:t>2024/10/22</a:t>
             </a:fld>
             <a:endParaRPr kumimoji="1" lang="ja-JP" altLang="en-US"/>
           </a:p>
@@ -2867,7 +2867,7 @@
           <a:p>
             <a:fld id="{5B96D3F8-CD2E-4A0D-AC38-517181EABB18}" type="datetimeFigureOut">
               <a:rPr kumimoji="1" lang="ja-JP" altLang="en-US" smtClean="0"/>
-              <a:t>2024/10/18</a:t>
+              <a:t>2024/10/22</a:t>
             </a:fld>
             <a:endParaRPr kumimoji="1" lang="ja-JP" altLang="en-US"/>
           </a:p>
@@ -6420,6 +6420,15 @@
               <a:t>	</a:t>
             </a:r>
             <a:r>
+              <a:rPr lang="ja-JP" altLang="en-US" sz="2000" dirty="0">
+                <a:solidFill>
+                  <a:srgbClr val="000000"/>
+                </a:solidFill>
+                <a:ea typeface="ＭＳ ゴシック" panose="020B0609070205080204" pitchFamily="49" charset="-128"/>
+              </a:rPr>
+              <a:t> </a:t>
+            </a:r>
+            <a:r>
               <a:rPr lang="en-US" altLang="ja-JP" sz="2000" dirty="0">
                 <a:solidFill>
                   <a:srgbClr val="0000FF"/>
@@ -6545,7 +6554,7 @@
               <a:t>&lt;&lt; </a:t>
             </a:r>
             <a:r>
-              <a:rPr lang="en-US" altLang="ja-JP" sz="2000" b="1" dirty="0" err="1">
+              <a:rPr lang="en-US" altLang="ja-JP" sz="2000" dirty="0" err="1">
                 <a:solidFill>
                   <a:srgbClr val="FF0000"/>
                 </a:solidFill>
@@ -6554,13 +6563,22 @@
               <a:t>itr</a:t>
             </a:r>
             <a:r>
+              <a:rPr lang="en-US" altLang="ja-JP" sz="2000" dirty="0">
+                <a:solidFill>
+                  <a:srgbClr val="FF0000"/>
+                </a:solidFill>
+                <a:ea typeface="ＭＳ ゴシック" panose="020B0609070205080204" pitchFamily="49" charset="-128"/>
+              </a:rPr>
+              <a:t>-&gt;first</a:t>
+            </a:r>
+            <a:r>
               <a:rPr lang="en-US" altLang="ja-JP" sz="2000" b="1" dirty="0">
                 <a:solidFill>
                   <a:srgbClr val="FF0000"/>
                 </a:solidFill>
                 <a:ea typeface="ＭＳ ゴシック" panose="020B0609070205080204" pitchFamily="49" charset="-128"/>
               </a:rPr>
-              <a:t>-&gt;first </a:t>
+              <a:t> </a:t>
             </a:r>
             <a:r>
               <a:rPr lang="en-US" altLang="ja-JP" sz="2000" dirty="0">
@@ -6617,7 +6635,7 @@
               <a:t>&lt;&lt; </a:t>
             </a:r>
             <a:r>
-              <a:rPr lang="en-US" altLang="ja-JP" sz="2000" b="1" dirty="0" err="1">
+              <a:rPr lang="en-US" altLang="ja-JP" sz="2000" dirty="0" err="1">
                 <a:solidFill>
                   <a:srgbClr val="FF0000"/>
                 </a:solidFill>
@@ -6626,7 +6644,7 @@
               <a:t>itr</a:t>
             </a:r>
             <a:r>
-              <a:rPr lang="en-US" altLang="ja-JP" sz="2000" b="1" dirty="0">
+              <a:rPr lang="en-US" altLang="ja-JP" sz="2000" dirty="0">
                 <a:solidFill>
                   <a:srgbClr val="FF0000"/>
                 </a:solidFill>
@@ -7955,7 +7973,15 @@
             </a:r>
             <a:r>
               <a:rPr lang="ja-JP" altLang="en-US" dirty="0"/>
-              <a:t>を作成</a:t>
+              <a:t>を作成して</a:t>
+            </a:r>
+            <a:r>
+              <a:rPr lang="en-US" altLang="ja-JP" dirty="0" err="1"/>
+              <a:t>VisualStudio</a:t>
+            </a:r>
+            <a:r>
+              <a:rPr lang="ja-JP" altLang="en-US" dirty="0"/>
+              <a:t>で編集</a:t>
             </a:r>
             <a:br>
               <a:rPr lang="en-US" altLang="ja-JP" dirty="0"/>
@@ -13967,7 +13993,7 @@
         <p:spPr>
           <a:xfrm>
             <a:off x="2433008" y="3256451"/>
-            <a:ext cx="6104556" cy="830997"/>
+            <a:ext cx="6064481" cy="830997"/>
           </a:xfrm>
           <a:prstGeom prst="rect">
             <a:avLst/>
@@ -14016,7 +14042,7 @@
                   <a:srgbClr val="00B050"/>
                 </a:solidFill>
               </a:rPr>
-              <a:t>　　イテレータ不要（内部でソートされるため）</a:t>
+              <a:t>　　イテレータ不要（キー値により自動ソート）</a:t>
             </a:r>
           </a:p>
         </p:txBody>

--- a/授業資料/講義資料：Mapクラス.pptx
+++ b/授業資料/講義資料：Mapクラス.pptx
@@ -254,7 +254,7 @@
           <a:p>
             <a:fld id="{5B96D3F8-CD2E-4A0D-AC38-517181EABB18}" type="datetimeFigureOut">
               <a:rPr kumimoji="1" lang="ja-JP" altLang="en-US" smtClean="0"/>
-              <a:t>2024/10/18</a:t>
+              <a:t>2024/10/23</a:t>
             </a:fld>
             <a:endParaRPr kumimoji="1" lang="ja-JP" altLang="en-US"/>
           </a:p>
@@ -456,7 +456,7 @@
           <a:p>
             <a:fld id="{5B96D3F8-CD2E-4A0D-AC38-517181EABB18}" type="datetimeFigureOut">
               <a:rPr kumimoji="1" lang="ja-JP" altLang="en-US" smtClean="0"/>
-              <a:t>2024/10/18</a:t>
+              <a:t>2024/10/23</a:t>
             </a:fld>
             <a:endParaRPr kumimoji="1" lang="ja-JP" altLang="en-US"/>
           </a:p>
@@ -668,7 +668,7 @@
           <a:p>
             <a:fld id="{5B96D3F8-CD2E-4A0D-AC38-517181EABB18}" type="datetimeFigureOut">
               <a:rPr kumimoji="1" lang="ja-JP" altLang="en-US" smtClean="0"/>
-              <a:t>2024/10/18</a:t>
+              <a:t>2024/10/23</a:t>
             </a:fld>
             <a:endParaRPr kumimoji="1" lang="ja-JP" altLang="en-US"/>
           </a:p>
@@ -870,7 +870,7 @@
           <a:p>
             <a:fld id="{5B96D3F8-CD2E-4A0D-AC38-517181EABB18}" type="datetimeFigureOut">
               <a:rPr kumimoji="1" lang="ja-JP" altLang="en-US" smtClean="0"/>
-              <a:t>2024/10/18</a:t>
+              <a:t>2024/10/23</a:t>
             </a:fld>
             <a:endParaRPr kumimoji="1" lang="ja-JP" altLang="en-US"/>
           </a:p>
@@ -1116,7 +1116,7 @@
           <a:p>
             <a:fld id="{5B96D3F8-CD2E-4A0D-AC38-517181EABB18}" type="datetimeFigureOut">
               <a:rPr kumimoji="1" lang="ja-JP" altLang="en-US" smtClean="0"/>
-              <a:t>2024/10/18</a:t>
+              <a:t>2024/10/23</a:t>
             </a:fld>
             <a:endParaRPr kumimoji="1" lang="ja-JP" altLang="en-US"/>
           </a:p>
@@ -1412,7 +1412,7 @@
           <a:p>
             <a:fld id="{5B96D3F8-CD2E-4A0D-AC38-517181EABB18}" type="datetimeFigureOut">
               <a:rPr kumimoji="1" lang="ja-JP" altLang="en-US" smtClean="0"/>
-              <a:t>2024/10/18</a:t>
+              <a:t>2024/10/23</a:t>
             </a:fld>
             <a:endParaRPr kumimoji="1" lang="ja-JP" altLang="en-US"/>
           </a:p>
@@ -1843,7 +1843,7 @@
           <a:p>
             <a:fld id="{5B96D3F8-CD2E-4A0D-AC38-517181EABB18}" type="datetimeFigureOut">
               <a:rPr kumimoji="1" lang="ja-JP" altLang="en-US" smtClean="0"/>
-              <a:t>2024/10/18</a:t>
+              <a:t>2024/10/23</a:t>
             </a:fld>
             <a:endParaRPr kumimoji="1" lang="ja-JP" altLang="en-US"/>
           </a:p>
@@ -1961,7 +1961,7 @@
           <a:p>
             <a:fld id="{5B96D3F8-CD2E-4A0D-AC38-517181EABB18}" type="datetimeFigureOut">
               <a:rPr kumimoji="1" lang="ja-JP" altLang="en-US" smtClean="0"/>
-              <a:t>2024/10/18</a:t>
+              <a:t>2024/10/23</a:t>
             </a:fld>
             <a:endParaRPr kumimoji="1" lang="ja-JP" altLang="en-US"/>
           </a:p>
@@ -2056,7 +2056,7 @@
           <a:p>
             <a:fld id="{5B96D3F8-CD2E-4A0D-AC38-517181EABB18}" type="datetimeFigureOut">
               <a:rPr kumimoji="1" lang="ja-JP" altLang="en-US" smtClean="0"/>
-              <a:t>2024/10/18</a:t>
+              <a:t>2024/10/23</a:t>
             </a:fld>
             <a:endParaRPr kumimoji="1" lang="ja-JP" altLang="en-US"/>
           </a:p>
@@ -2365,7 +2365,7 @@
           <a:p>
             <a:fld id="{5B96D3F8-CD2E-4A0D-AC38-517181EABB18}" type="datetimeFigureOut">
               <a:rPr kumimoji="1" lang="ja-JP" altLang="en-US" smtClean="0"/>
-              <a:t>2024/10/18</a:t>
+              <a:t>2024/10/23</a:t>
             </a:fld>
             <a:endParaRPr kumimoji="1" lang="ja-JP" altLang="en-US"/>
           </a:p>
@@ -2622,7 +2622,7 @@
           <a:p>
             <a:fld id="{5B96D3F8-CD2E-4A0D-AC38-517181EABB18}" type="datetimeFigureOut">
               <a:rPr kumimoji="1" lang="ja-JP" altLang="en-US" smtClean="0"/>
-              <a:t>2024/10/18</a:t>
+              <a:t>2024/10/23</a:t>
             </a:fld>
             <a:endParaRPr kumimoji="1" lang="ja-JP" altLang="en-US"/>
           </a:p>
@@ -2867,7 +2867,7 @@
           <a:p>
             <a:fld id="{5B96D3F8-CD2E-4A0D-AC38-517181EABB18}" type="datetimeFigureOut">
               <a:rPr kumimoji="1" lang="ja-JP" altLang="en-US" smtClean="0"/>
-              <a:t>2024/10/18</a:t>
+              <a:t>2024/10/23</a:t>
             </a:fld>
             <a:endParaRPr kumimoji="1" lang="ja-JP" altLang="en-US"/>
           </a:p>

--- a/授業資料/講義資料：Mapクラス.pptx
+++ b/授業資料/講義資料：Mapクラス.pptx
@@ -254,7 +254,7 @@
           <a:p>
             <a:fld id="{5B96D3F8-CD2E-4A0D-AC38-517181EABB18}" type="datetimeFigureOut">
               <a:rPr kumimoji="1" lang="ja-JP" altLang="en-US" smtClean="0"/>
-              <a:t>2024/10/22</a:t>
+              <a:t>2024/10/23</a:t>
             </a:fld>
             <a:endParaRPr kumimoji="1" lang="ja-JP" altLang="en-US"/>
           </a:p>
@@ -456,7 +456,7 @@
           <a:p>
             <a:fld id="{5B96D3F8-CD2E-4A0D-AC38-517181EABB18}" type="datetimeFigureOut">
               <a:rPr kumimoji="1" lang="ja-JP" altLang="en-US" smtClean="0"/>
-              <a:t>2024/10/22</a:t>
+              <a:t>2024/10/23</a:t>
             </a:fld>
             <a:endParaRPr kumimoji="1" lang="ja-JP" altLang="en-US"/>
           </a:p>
@@ -668,7 +668,7 @@
           <a:p>
             <a:fld id="{5B96D3F8-CD2E-4A0D-AC38-517181EABB18}" type="datetimeFigureOut">
               <a:rPr kumimoji="1" lang="ja-JP" altLang="en-US" smtClean="0"/>
-              <a:t>2024/10/22</a:t>
+              <a:t>2024/10/23</a:t>
             </a:fld>
             <a:endParaRPr kumimoji="1" lang="ja-JP" altLang="en-US"/>
           </a:p>
@@ -870,7 +870,7 @@
           <a:p>
             <a:fld id="{5B96D3F8-CD2E-4A0D-AC38-517181EABB18}" type="datetimeFigureOut">
               <a:rPr kumimoji="1" lang="ja-JP" altLang="en-US" smtClean="0"/>
-              <a:t>2024/10/22</a:t>
+              <a:t>2024/10/23</a:t>
             </a:fld>
             <a:endParaRPr kumimoji="1" lang="ja-JP" altLang="en-US"/>
           </a:p>
@@ -1116,7 +1116,7 @@
           <a:p>
             <a:fld id="{5B96D3F8-CD2E-4A0D-AC38-517181EABB18}" type="datetimeFigureOut">
               <a:rPr kumimoji="1" lang="ja-JP" altLang="en-US" smtClean="0"/>
-              <a:t>2024/10/22</a:t>
+              <a:t>2024/10/23</a:t>
             </a:fld>
             <a:endParaRPr kumimoji="1" lang="ja-JP" altLang="en-US"/>
           </a:p>
@@ -1412,7 +1412,7 @@
           <a:p>
             <a:fld id="{5B96D3F8-CD2E-4A0D-AC38-517181EABB18}" type="datetimeFigureOut">
               <a:rPr kumimoji="1" lang="ja-JP" altLang="en-US" smtClean="0"/>
-              <a:t>2024/10/22</a:t>
+              <a:t>2024/10/23</a:t>
             </a:fld>
             <a:endParaRPr kumimoji="1" lang="ja-JP" altLang="en-US"/>
           </a:p>
@@ -1843,7 +1843,7 @@
           <a:p>
             <a:fld id="{5B96D3F8-CD2E-4A0D-AC38-517181EABB18}" type="datetimeFigureOut">
               <a:rPr kumimoji="1" lang="ja-JP" altLang="en-US" smtClean="0"/>
-              <a:t>2024/10/22</a:t>
+              <a:t>2024/10/23</a:t>
             </a:fld>
             <a:endParaRPr kumimoji="1" lang="ja-JP" altLang="en-US"/>
           </a:p>
@@ -1961,7 +1961,7 @@
           <a:p>
             <a:fld id="{5B96D3F8-CD2E-4A0D-AC38-517181EABB18}" type="datetimeFigureOut">
               <a:rPr kumimoji="1" lang="ja-JP" altLang="en-US" smtClean="0"/>
-              <a:t>2024/10/22</a:t>
+              <a:t>2024/10/23</a:t>
             </a:fld>
             <a:endParaRPr kumimoji="1" lang="ja-JP" altLang="en-US"/>
           </a:p>
@@ -2056,7 +2056,7 @@
           <a:p>
             <a:fld id="{5B96D3F8-CD2E-4A0D-AC38-517181EABB18}" type="datetimeFigureOut">
               <a:rPr kumimoji="1" lang="ja-JP" altLang="en-US" smtClean="0"/>
-              <a:t>2024/10/22</a:t>
+              <a:t>2024/10/23</a:t>
             </a:fld>
             <a:endParaRPr kumimoji="1" lang="ja-JP" altLang="en-US"/>
           </a:p>
@@ -2365,7 +2365,7 @@
           <a:p>
             <a:fld id="{5B96D3F8-CD2E-4A0D-AC38-517181EABB18}" type="datetimeFigureOut">
               <a:rPr kumimoji="1" lang="ja-JP" altLang="en-US" smtClean="0"/>
-              <a:t>2024/10/22</a:t>
+              <a:t>2024/10/23</a:t>
             </a:fld>
             <a:endParaRPr kumimoji="1" lang="ja-JP" altLang="en-US"/>
           </a:p>
@@ -2622,7 +2622,7 @@
           <a:p>
             <a:fld id="{5B96D3F8-CD2E-4A0D-AC38-517181EABB18}" type="datetimeFigureOut">
               <a:rPr kumimoji="1" lang="ja-JP" altLang="en-US" smtClean="0"/>
-              <a:t>2024/10/22</a:t>
+              <a:t>2024/10/23</a:t>
             </a:fld>
             <a:endParaRPr kumimoji="1" lang="ja-JP" altLang="en-US"/>
           </a:p>
@@ -2867,7 +2867,7 @@
           <a:p>
             <a:fld id="{5B96D3F8-CD2E-4A0D-AC38-517181EABB18}" type="datetimeFigureOut">
               <a:rPr kumimoji="1" lang="ja-JP" altLang="en-US" smtClean="0"/>
-              <a:t>2024/10/22</a:t>
+              <a:t>2024/10/23</a:t>
             </a:fld>
             <a:endParaRPr kumimoji="1" lang="ja-JP" altLang="en-US"/>
           </a:p>
@@ -7676,7 +7676,7 @@
         <p:spPr/>
         <p:txBody>
           <a:bodyPr>
-            <a:normAutofit/>
+            <a:normAutofit lnSpcReduction="10000"/>
           </a:bodyPr>
           <a:lstStyle/>
           <a:p>
@@ -7746,9 +7746,37 @@
             </a:r>
             <a:r>
               <a:rPr lang="ja-JP" altLang="en-US" dirty="0"/>
+              <a:t>キーと値のペア</a:t>
+            </a:r>
+            <a:r>
+              <a:rPr lang="ja-JP" altLang="en-US"/>
+              <a:t>を追加</a:t>
+            </a:r>
+            <a:endParaRPr lang="en-US" altLang="ja-JP" dirty="0"/>
+          </a:p>
+          <a:p>
+            <a:pPr lvl="1"/>
+            <a:r>
+              <a:rPr lang="en-US" altLang="ja-JP" dirty="0">
+                <a:solidFill>
+                  <a:srgbClr val="FF0000"/>
+                </a:solidFill>
+              </a:rPr>
+              <a:t>emplace()</a:t>
+            </a:r>
+            <a:r>
+              <a:rPr lang="en-US" altLang="ja-JP" dirty="0"/>
+              <a:t>:</a:t>
+            </a:r>
+            <a:r>
+              <a:rPr lang="ja-JP" altLang="en-US" dirty="0"/>
               <a:t>キーと値のペアを追加</a:t>
             </a:r>
-            <a:endParaRPr lang="en-US" altLang="ja-JP" dirty="0"/>
+            <a:endParaRPr lang="en-US" altLang="ja-JP" dirty="0">
+              <a:solidFill>
+                <a:srgbClr val="FF0000"/>
+              </a:solidFill>
+            </a:endParaRPr>
           </a:p>
           <a:p>
             <a:pPr lvl="1"/>

--- a/授業資料/講義資料：Mapクラス.pptx
+++ b/授業資料/講義資料：Mapクラス.pptx
@@ -16,7 +16,10 @@
     <p:sldId id="389" r:id="rId10"/>
     <p:sldId id="390" r:id="rId11"/>
     <p:sldId id="391" r:id="rId12"/>
-    <p:sldId id="349" r:id="rId13"/>
+    <p:sldId id="392" r:id="rId13"/>
+    <p:sldId id="393" r:id="rId14"/>
+    <p:sldId id="394" r:id="rId15"/>
+    <p:sldId id="349" r:id="rId16"/>
   </p:sldIdLst>
   <p:sldSz cx="12192000" cy="6858000"/>
   <p:notesSz cx="6858000" cy="9144000"/>
@@ -5820,7 +5823,7 @@
         <p:spPr>
           <a:xfrm>
             <a:off x="859277" y="1097394"/>
-            <a:ext cx="10688220" cy="5632311"/>
+            <a:ext cx="10688220" cy="2554545"/>
           </a:xfrm>
           <a:prstGeom prst="rect">
             <a:avLst/>
@@ -5838,370 +5841,6 @@
           </a:bodyPr>
           <a:lstStyle/>
           <a:p>
-            <a:r>
-              <a:rPr lang="en-US" altLang="ja-JP" sz="2000" dirty="0">
-                <a:solidFill>
-                  <a:srgbClr val="808080"/>
-                </a:solidFill>
-                <a:ea typeface="ＭＳ ゴシック" panose="020B0609070205080204" pitchFamily="49" charset="-128"/>
-              </a:rPr>
-              <a:t>#include</a:t>
-            </a:r>
-            <a:r>
-              <a:rPr lang="en-US" altLang="ja-JP" sz="2000" dirty="0">
-                <a:solidFill>
-                  <a:srgbClr val="000000"/>
-                </a:solidFill>
-                <a:ea typeface="ＭＳ ゴシック" panose="020B0609070205080204" pitchFamily="49" charset="-128"/>
-              </a:rPr>
-              <a:t> </a:t>
-            </a:r>
-            <a:r>
-              <a:rPr lang="en-US" altLang="ja-JP" sz="2000" dirty="0">
-                <a:solidFill>
-                  <a:srgbClr val="A31515"/>
-                </a:solidFill>
-                <a:ea typeface="ＭＳ ゴシック" panose="020B0609070205080204" pitchFamily="49" charset="-128"/>
-              </a:rPr>
-              <a:t>&lt;iostream&gt;</a:t>
-            </a:r>
-            <a:endParaRPr lang="en-US" altLang="ja-JP" sz="2000" dirty="0">
-              <a:solidFill>
-                <a:srgbClr val="000000"/>
-              </a:solidFill>
-              <a:ea typeface="ＭＳ ゴシック" panose="020B0609070205080204" pitchFamily="49" charset="-128"/>
-            </a:endParaRPr>
-          </a:p>
-          <a:p>
-            <a:r>
-              <a:rPr lang="en-US" altLang="ja-JP" sz="2000" dirty="0">
-                <a:solidFill>
-                  <a:srgbClr val="808080"/>
-                </a:solidFill>
-                <a:ea typeface="ＭＳ ゴシック" panose="020B0609070205080204" pitchFamily="49" charset="-128"/>
-              </a:rPr>
-              <a:t>#include</a:t>
-            </a:r>
-            <a:r>
-              <a:rPr lang="en-US" altLang="ja-JP" sz="2000" dirty="0">
-                <a:solidFill>
-                  <a:srgbClr val="000000"/>
-                </a:solidFill>
-                <a:ea typeface="ＭＳ ゴシック" panose="020B0609070205080204" pitchFamily="49" charset="-128"/>
-              </a:rPr>
-              <a:t> </a:t>
-            </a:r>
-            <a:r>
-              <a:rPr lang="en-US" altLang="ja-JP" sz="2000" dirty="0">
-                <a:solidFill>
-                  <a:srgbClr val="A31515"/>
-                </a:solidFill>
-                <a:ea typeface="ＭＳ ゴシック" panose="020B0609070205080204" pitchFamily="49" charset="-128"/>
-              </a:rPr>
-              <a:t>&lt;string&gt;</a:t>
-            </a:r>
-            <a:endParaRPr lang="en-US" altLang="ja-JP" sz="2000" dirty="0">
-              <a:solidFill>
-                <a:srgbClr val="000000"/>
-              </a:solidFill>
-              <a:ea typeface="ＭＳ ゴシック" panose="020B0609070205080204" pitchFamily="49" charset="-128"/>
-            </a:endParaRPr>
-          </a:p>
-          <a:p>
-            <a:r>
-              <a:rPr lang="en-US" altLang="ja-JP" sz="2000" dirty="0">
-                <a:solidFill>
-                  <a:srgbClr val="808080"/>
-                </a:solidFill>
-                <a:ea typeface="ＭＳ ゴシック" panose="020B0609070205080204" pitchFamily="49" charset="-128"/>
-              </a:rPr>
-              <a:t>#include</a:t>
-            </a:r>
-            <a:r>
-              <a:rPr lang="en-US" altLang="ja-JP" sz="2000" dirty="0">
-                <a:solidFill>
-                  <a:srgbClr val="000000"/>
-                </a:solidFill>
-                <a:ea typeface="ＭＳ ゴシック" panose="020B0609070205080204" pitchFamily="49" charset="-128"/>
-              </a:rPr>
-              <a:t> </a:t>
-            </a:r>
-            <a:r>
-              <a:rPr lang="en-US" altLang="ja-JP" sz="2000" dirty="0">
-                <a:solidFill>
-                  <a:srgbClr val="A31515"/>
-                </a:solidFill>
-                <a:ea typeface="ＭＳ ゴシック" panose="020B0609070205080204" pitchFamily="49" charset="-128"/>
-              </a:rPr>
-              <a:t>&lt;map&gt;</a:t>
-            </a:r>
-            <a:endParaRPr lang="en-US" altLang="ja-JP" sz="2000" dirty="0">
-              <a:solidFill>
-                <a:srgbClr val="000000"/>
-              </a:solidFill>
-              <a:ea typeface="ＭＳ ゴシック" panose="020B0609070205080204" pitchFamily="49" charset="-128"/>
-            </a:endParaRPr>
-          </a:p>
-          <a:p>
-            <a:r>
-              <a:rPr lang="en-US" altLang="ja-JP" sz="2000" dirty="0">
-                <a:solidFill>
-                  <a:srgbClr val="0000FF"/>
-                </a:solidFill>
-                <a:ea typeface="ＭＳ ゴシック" panose="020B0609070205080204" pitchFamily="49" charset="-128"/>
-              </a:rPr>
-              <a:t>using</a:t>
-            </a:r>
-            <a:r>
-              <a:rPr lang="en-US" altLang="ja-JP" sz="2000" dirty="0">
-                <a:solidFill>
-                  <a:srgbClr val="000000"/>
-                </a:solidFill>
-                <a:ea typeface="ＭＳ ゴシック" panose="020B0609070205080204" pitchFamily="49" charset="-128"/>
-              </a:rPr>
-              <a:t> </a:t>
-            </a:r>
-            <a:r>
-              <a:rPr lang="en-US" altLang="ja-JP" sz="2000" dirty="0">
-                <a:solidFill>
-                  <a:srgbClr val="0000FF"/>
-                </a:solidFill>
-                <a:ea typeface="ＭＳ ゴシック" panose="020B0609070205080204" pitchFamily="49" charset="-128"/>
-              </a:rPr>
-              <a:t>namespace</a:t>
-            </a:r>
-            <a:r>
-              <a:rPr lang="en-US" altLang="ja-JP" sz="2000" dirty="0">
-                <a:solidFill>
-                  <a:srgbClr val="000000"/>
-                </a:solidFill>
-                <a:ea typeface="ＭＳ ゴシック" panose="020B0609070205080204" pitchFamily="49" charset="-128"/>
-              </a:rPr>
-              <a:t> std;</a:t>
-            </a:r>
-          </a:p>
-          <a:p>
-            <a:r>
-              <a:rPr lang="en-US" altLang="ja-JP" sz="2000" dirty="0">
-                <a:solidFill>
-                  <a:srgbClr val="0000FF"/>
-                </a:solidFill>
-                <a:ea typeface="ＭＳ ゴシック" panose="020B0609070205080204" pitchFamily="49" charset="-128"/>
-              </a:rPr>
-              <a:t>int</a:t>
-            </a:r>
-            <a:r>
-              <a:rPr lang="en-US" altLang="ja-JP" sz="2000" dirty="0">
-                <a:solidFill>
-                  <a:srgbClr val="000000"/>
-                </a:solidFill>
-                <a:ea typeface="ＭＳ ゴシック" panose="020B0609070205080204" pitchFamily="49" charset="-128"/>
-              </a:rPr>
-              <a:t> main() {</a:t>
-            </a:r>
-          </a:p>
-          <a:p>
-            <a:r>
-              <a:rPr lang="en-US" altLang="ja-JP" sz="2000" dirty="0">
-                <a:solidFill>
-                  <a:srgbClr val="2B91AF"/>
-                </a:solidFill>
-                <a:ea typeface="ＭＳ ゴシック" panose="020B0609070205080204" pitchFamily="49" charset="-128"/>
-              </a:rPr>
-              <a:t>	map </a:t>
-            </a:r>
-            <a:r>
-              <a:rPr lang="en-US" altLang="ja-JP" sz="2000" dirty="0">
-                <a:solidFill>
-                  <a:srgbClr val="000000"/>
-                </a:solidFill>
-                <a:ea typeface="ＭＳ ゴシック" panose="020B0609070205080204" pitchFamily="49" charset="-128"/>
-              </a:rPr>
-              <a:t>&lt;</a:t>
-            </a:r>
-            <a:r>
-              <a:rPr lang="en-US" altLang="ja-JP" sz="2000" dirty="0">
-                <a:solidFill>
-                  <a:srgbClr val="2B91AF"/>
-                </a:solidFill>
-                <a:ea typeface="ＭＳ ゴシック" panose="020B0609070205080204" pitchFamily="49" charset="-128"/>
-              </a:rPr>
-              <a:t>string</a:t>
-            </a:r>
-            <a:r>
-              <a:rPr lang="en-US" altLang="ja-JP" sz="2000" dirty="0">
-                <a:solidFill>
-                  <a:srgbClr val="000000"/>
-                </a:solidFill>
-                <a:ea typeface="ＭＳ ゴシック" panose="020B0609070205080204" pitchFamily="49" charset="-128"/>
-              </a:rPr>
-              <a:t>, </a:t>
-            </a:r>
-            <a:r>
-              <a:rPr lang="en-US" altLang="ja-JP" sz="2000" dirty="0">
-                <a:solidFill>
-                  <a:srgbClr val="0000FF"/>
-                </a:solidFill>
-                <a:ea typeface="ＭＳ ゴシック" panose="020B0609070205080204" pitchFamily="49" charset="-128"/>
-              </a:rPr>
-              <a:t>int</a:t>
-            </a:r>
-            <a:r>
-              <a:rPr lang="en-US" altLang="ja-JP" sz="2000" dirty="0">
-                <a:solidFill>
-                  <a:srgbClr val="000000"/>
-                </a:solidFill>
-                <a:ea typeface="ＭＳ ゴシック" panose="020B0609070205080204" pitchFamily="49" charset="-128"/>
-              </a:rPr>
-              <a:t>&gt; score;	</a:t>
-            </a:r>
-          </a:p>
-          <a:p>
-            <a:r>
-              <a:rPr lang="en-US" altLang="ja-JP" sz="2000" dirty="0">
-                <a:solidFill>
-                  <a:srgbClr val="000000"/>
-                </a:solidFill>
-                <a:ea typeface="ＭＳ ゴシック" panose="020B0609070205080204" pitchFamily="49" charset="-128"/>
-              </a:rPr>
-              <a:t>	score</a:t>
-            </a:r>
-            <a:r>
-              <a:rPr lang="en-US" altLang="ja-JP" sz="2000" dirty="0">
-                <a:solidFill>
-                  <a:srgbClr val="008080"/>
-                </a:solidFill>
-                <a:ea typeface="ＭＳ ゴシック" panose="020B0609070205080204" pitchFamily="49" charset="-128"/>
-              </a:rPr>
-              <a:t>[</a:t>
-            </a:r>
-            <a:r>
-              <a:rPr lang="en-US" altLang="ja-JP" sz="2000" dirty="0">
-                <a:solidFill>
-                  <a:srgbClr val="A31515"/>
-                </a:solidFill>
-                <a:ea typeface="ＭＳ ゴシック" panose="020B0609070205080204" pitchFamily="49" charset="-128"/>
-              </a:rPr>
-              <a:t>“Tom”</a:t>
-            </a:r>
-            <a:r>
-              <a:rPr lang="en-US" altLang="ja-JP" sz="2000" dirty="0">
-                <a:solidFill>
-                  <a:srgbClr val="008080"/>
-                </a:solidFill>
-                <a:ea typeface="ＭＳ ゴシック" panose="020B0609070205080204" pitchFamily="49" charset="-128"/>
-              </a:rPr>
-              <a:t>]</a:t>
-            </a:r>
-            <a:r>
-              <a:rPr lang="en-US" altLang="ja-JP" sz="2000" dirty="0">
-                <a:solidFill>
-                  <a:srgbClr val="000000"/>
-                </a:solidFill>
-                <a:ea typeface="ＭＳ ゴシック" panose="020B0609070205080204" pitchFamily="49" charset="-128"/>
-              </a:rPr>
-              <a:t> = 100; </a:t>
-            </a:r>
-            <a:endParaRPr lang="en-US" altLang="ja-JP" sz="2000" dirty="0">
-              <a:solidFill>
-                <a:srgbClr val="00B050"/>
-              </a:solidFill>
-              <a:latin typeface="+mn-ea"/>
-            </a:endParaRPr>
-          </a:p>
-          <a:p>
-            <a:r>
-              <a:rPr lang="en-US" altLang="ja-JP" sz="2000" dirty="0">
-                <a:solidFill>
-                  <a:srgbClr val="000000"/>
-                </a:solidFill>
-                <a:ea typeface="ＭＳ ゴシック" panose="020B0609070205080204" pitchFamily="49" charset="-128"/>
-              </a:rPr>
-              <a:t>	score</a:t>
-            </a:r>
-            <a:r>
-              <a:rPr lang="en-US" altLang="ja-JP" sz="2000" dirty="0">
-                <a:solidFill>
-                  <a:srgbClr val="008080"/>
-                </a:solidFill>
-                <a:ea typeface="ＭＳ ゴシック" panose="020B0609070205080204" pitchFamily="49" charset="-128"/>
-              </a:rPr>
-              <a:t>[</a:t>
-            </a:r>
-            <a:r>
-              <a:rPr lang="en-US" altLang="ja-JP" sz="2000" dirty="0">
-                <a:solidFill>
-                  <a:srgbClr val="A31515"/>
-                </a:solidFill>
-                <a:ea typeface="ＭＳ ゴシック" panose="020B0609070205080204" pitchFamily="49" charset="-128"/>
-              </a:rPr>
-              <a:t>"Bob"</a:t>
-            </a:r>
-            <a:r>
-              <a:rPr lang="en-US" altLang="ja-JP" sz="2000" dirty="0">
-                <a:solidFill>
-                  <a:srgbClr val="008080"/>
-                </a:solidFill>
-                <a:ea typeface="ＭＳ ゴシック" panose="020B0609070205080204" pitchFamily="49" charset="-128"/>
-              </a:rPr>
-              <a:t>]</a:t>
-            </a:r>
-            <a:r>
-              <a:rPr lang="en-US" altLang="ja-JP" sz="2000" dirty="0">
-                <a:solidFill>
-                  <a:srgbClr val="000000"/>
-                </a:solidFill>
-                <a:ea typeface="ＭＳ ゴシック" panose="020B0609070205080204" pitchFamily="49" charset="-128"/>
-              </a:rPr>
-              <a:t> = 80;</a:t>
-            </a:r>
-          </a:p>
-          <a:p>
-            <a:r>
-              <a:rPr lang="en-US" altLang="ja-JP" sz="2000" dirty="0">
-                <a:solidFill>
-                  <a:srgbClr val="000000"/>
-                </a:solidFill>
-                <a:ea typeface="ＭＳ ゴシック" panose="020B0609070205080204" pitchFamily="49" charset="-128"/>
-              </a:rPr>
-              <a:t>	score</a:t>
-            </a:r>
-            <a:r>
-              <a:rPr lang="en-US" altLang="ja-JP" sz="2000" dirty="0">
-                <a:solidFill>
-                  <a:srgbClr val="008080"/>
-                </a:solidFill>
-                <a:ea typeface="ＭＳ ゴシック" panose="020B0609070205080204" pitchFamily="49" charset="-128"/>
-              </a:rPr>
-              <a:t>[</a:t>
-            </a:r>
-            <a:r>
-              <a:rPr lang="en-US" altLang="ja-JP" sz="2000" dirty="0">
-                <a:solidFill>
-                  <a:srgbClr val="A31515"/>
-                </a:solidFill>
-                <a:ea typeface="ＭＳ ゴシック" panose="020B0609070205080204" pitchFamily="49" charset="-128"/>
-              </a:rPr>
-              <a:t>“Mike”</a:t>
-            </a:r>
-            <a:r>
-              <a:rPr lang="en-US" altLang="ja-JP" sz="2000" dirty="0">
-                <a:solidFill>
-                  <a:srgbClr val="008080"/>
-                </a:solidFill>
-                <a:ea typeface="ＭＳ ゴシック" panose="020B0609070205080204" pitchFamily="49" charset="-128"/>
-              </a:rPr>
-              <a:t>]</a:t>
-            </a:r>
-            <a:r>
-              <a:rPr lang="en-US" altLang="ja-JP" sz="2000" dirty="0">
-                <a:solidFill>
-                  <a:srgbClr val="000000"/>
-                </a:solidFill>
-                <a:ea typeface="ＭＳ ゴシック" panose="020B0609070205080204" pitchFamily="49" charset="-128"/>
-              </a:rPr>
-              <a:t> = 76;</a:t>
-            </a:r>
             <a:br>
               <a:rPr lang="en-US" altLang="ja-JP" sz="2000" dirty="0">
                 <a:solidFill>
@@ -6210,6 +5849,14 @@
                 <a:ea typeface="ＭＳ ゴシック" panose="020B0609070205080204" pitchFamily="49" charset="-128"/>
               </a:rPr>
             </a:br>
+            <a:br>
+              <a:rPr lang="en-US" altLang="ja-JP" sz="2000" dirty="0">
+                <a:solidFill>
+                  <a:srgbClr val="000000"/>
+                </a:solidFill>
+                <a:ea typeface="ＭＳ ゴシック" panose="020B0609070205080204" pitchFamily="49" charset="-128"/>
+              </a:rPr>
+            </a:br>
             <a:r>
               <a:rPr lang="en-US" altLang="ja-JP" sz="2000" dirty="0">
                 <a:solidFill>
@@ -6221,56 +5868,277 @@
             </a:r>
             <a:r>
               <a:rPr lang="en-US" altLang="ja-JP" sz="2000" dirty="0" err="1">
-                <a:solidFill>
-                  <a:srgbClr val="000000"/>
-                </a:solidFill>
-                <a:ea typeface="ＭＳ ゴシック" panose="020B0609070205080204" pitchFamily="49" charset="-128"/>
-              </a:rPr>
-              <a:t>score.erase</a:t>
-            </a:r>
-            <a:r>
-              <a:rPr lang="en-US" altLang="ja-JP" sz="2000" dirty="0">
-                <a:solidFill>
-                  <a:srgbClr val="000000"/>
-                </a:solidFill>
-                <a:ea typeface="ＭＳ ゴシック" panose="020B0609070205080204" pitchFamily="49" charset="-128"/>
-              </a:rPr>
-              <a:t>(</a:t>
-            </a:r>
-            <a:r>
-              <a:rPr lang="en-US" altLang="ja-JP" sz="2000" dirty="0">
-                <a:solidFill>
-                  <a:srgbClr val="A31515"/>
-                </a:solidFill>
-                <a:ea typeface="ＭＳ ゴシック" panose="020B0609070205080204" pitchFamily="49" charset="-128"/>
-              </a:rPr>
-              <a:t>“Mike”</a:t>
-            </a:r>
-            <a:r>
-              <a:rPr lang="en-US" altLang="ja-JP" sz="2000" dirty="0">
-                <a:solidFill>
-                  <a:srgbClr val="000000"/>
-                </a:solidFill>
-                <a:ea typeface="ＭＳ ゴシック" panose="020B0609070205080204" pitchFamily="49" charset="-128"/>
-              </a:rPr>
-              <a:t>);</a:t>
+                <a:ea typeface="ＭＳ ゴシック" panose="020B0609070205080204" pitchFamily="49" charset="-128"/>
+              </a:rPr>
+              <a:t>cout</a:t>
+            </a:r>
+            <a:r>
+              <a:rPr lang="en-US" altLang="ja-JP" sz="2000" dirty="0">
+                <a:ea typeface="ＭＳ ゴシック" panose="020B0609070205080204" pitchFamily="49" charset="-128"/>
+              </a:rPr>
+              <a:t> &lt;&lt; "Tom</a:t>
+            </a:r>
+            <a:r>
+              <a:rPr lang="ja-JP" altLang="en-US" sz="2000" dirty="0">
+                <a:latin typeface="+mn-ea"/>
+              </a:rPr>
+              <a:t>の点数は</a:t>
+            </a:r>
+            <a:r>
+              <a:rPr lang="en-US" altLang="ja-JP" sz="2000" dirty="0">
+                <a:ea typeface="ＭＳ ゴシック" panose="020B0609070205080204" pitchFamily="49" charset="-128"/>
+              </a:rPr>
+              <a:t>"</a:t>
+            </a:r>
+            <a:r>
+              <a:rPr lang="ja-JP" altLang="en-US" sz="2000" dirty="0">
+                <a:ea typeface="ＭＳ ゴシック" panose="020B0609070205080204" pitchFamily="49" charset="-128"/>
+              </a:rPr>
+              <a:t> </a:t>
+            </a:r>
+            <a:r>
+              <a:rPr lang="en-US" altLang="ja-JP" sz="2000" dirty="0">
+                <a:ea typeface="ＭＳ ゴシック" panose="020B0609070205080204" pitchFamily="49" charset="-128"/>
+              </a:rPr>
+              <a:t>&lt;&lt;</a:t>
+            </a:r>
+            <a:r>
+              <a:rPr lang="ja-JP" altLang="en-US" sz="2000" dirty="0">
+                <a:ea typeface="ＭＳ ゴシック" panose="020B0609070205080204" pitchFamily="49" charset="-128"/>
+              </a:rPr>
+              <a:t> </a:t>
+            </a:r>
+            <a:r>
+              <a:rPr lang="en-US" altLang="ja-JP" sz="2000" dirty="0">
+                <a:ea typeface="ＭＳ ゴシック" panose="020B0609070205080204" pitchFamily="49" charset="-128"/>
+              </a:rPr>
+              <a:t>score["Tom"] &lt;&lt; "</a:t>
+            </a:r>
+            <a:r>
+              <a:rPr lang="ja-JP" altLang="en-US" sz="2000" dirty="0">
+                <a:latin typeface="+mn-ea"/>
+              </a:rPr>
+              <a:t>点</a:t>
+            </a:r>
+            <a:r>
+              <a:rPr lang="en-US" altLang="ja-JP" sz="2000" dirty="0">
+                <a:ea typeface="ＭＳ ゴシック" panose="020B0609070205080204" pitchFamily="49" charset="-128"/>
+              </a:rPr>
+              <a:t>"</a:t>
+            </a:r>
+            <a:r>
+              <a:rPr lang="ja-JP" altLang="en-US" sz="2000" dirty="0">
+                <a:ea typeface="ＭＳ ゴシック" panose="020B0609070205080204" pitchFamily="49" charset="-128"/>
+              </a:rPr>
+              <a:t> </a:t>
+            </a:r>
+            <a:r>
+              <a:rPr lang="en-US" altLang="ja-JP" sz="2000" dirty="0">
+                <a:ea typeface="ＭＳ ゴシック" panose="020B0609070205080204" pitchFamily="49" charset="-128"/>
+              </a:rPr>
+              <a:t>&lt;&lt;</a:t>
+            </a:r>
+            <a:r>
+              <a:rPr lang="ja-JP" altLang="en-US" sz="2000" dirty="0">
+                <a:ea typeface="ＭＳ ゴシック" panose="020B0609070205080204" pitchFamily="49" charset="-128"/>
+              </a:rPr>
+              <a:t> </a:t>
+            </a:r>
+            <a:r>
+              <a:rPr lang="en-US" altLang="ja-JP" sz="2000" dirty="0" err="1">
+                <a:ea typeface="ＭＳ ゴシック" panose="020B0609070205080204" pitchFamily="49" charset="-128"/>
+              </a:rPr>
+              <a:t>endl</a:t>
+            </a:r>
+            <a:r>
+              <a:rPr lang="en-US" altLang="ja-JP" sz="2000" dirty="0">
+                <a:ea typeface="ＭＳ ゴシック" panose="020B0609070205080204" pitchFamily="49" charset="-128"/>
+              </a:rPr>
+              <a:t>;</a:t>
+            </a:r>
+          </a:p>
+          <a:p>
+            <a:r>
+              <a:rPr lang="en-US" altLang="ja-JP" sz="2000" dirty="0">
+                <a:ea typeface="ＭＳ ゴシック" panose="020B0609070205080204" pitchFamily="49" charset="-128"/>
+              </a:rPr>
+              <a:t>	</a:t>
+            </a:r>
+            <a:r>
+              <a:rPr lang="en-US" altLang="ja-JP" sz="2000" dirty="0" err="1">
+                <a:ea typeface="ＭＳ ゴシック" panose="020B0609070205080204" pitchFamily="49" charset="-128"/>
+              </a:rPr>
+              <a:t>cout</a:t>
+            </a:r>
+            <a:r>
+              <a:rPr lang="en-US" altLang="ja-JP" sz="2000" dirty="0">
+                <a:ea typeface="ＭＳ ゴシック" panose="020B0609070205080204" pitchFamily="49" charset="-128"/>
+              </a:rPr>
+              <a:t> &lt;&lt; “Bob</a:t>
+            </a:r>
+            <a:r>
+              <a:rPr lang="ja-JP" altLang="en-US" sz="2000" dirty="0">
+                <a:latin typeface="+mn-ea"/>
+              </a:rPr>
+              <a:t>の点数は</a:t>
+            </a:r>
+            <a:r>
+              <a:rPr lang="en-US" altLang="ja-JP" sz="2000" dirty="0">
+                <a:ea typeface="ＭＳ ゴシック" panose="020B0609070205080204" pitchFamily="49" charset="-128"/>
+              </a:rPr>
+              <a:t>”</a:t>
+            </a:r>
+            <a:r>
+              <a:rPr lang="ja-JP" altLang="en-US" sz="2000" dirty="0">
+                <a:ea typeface="ＭＳ ゴシック" panose="020B0609070205080204" pitchFamily="49" charset="-128"/>
+              </a:rPr>
+              <a:t> </a:t>
+            </a:r>
+            <a:r>
+              <a:rPr lang="en-US" altLang="ja-JP" sz="2000" dirty="0">
+                <a:ea typeface="ＭＳ ゴシック" panose="020B0609070205080204" pitchFamily="49" charset="-128"/>
+              </a:rPr>
+              <a:t>&lt;&lt;</a:t>
+            </a:r>
+            <a:r>
+              <a:rPr lang="ja-JP" altLang="en-US" sz="2000" dirty="0">
+                <a:ea typeface="ＭＳ ゴシック" panose="020B0609070205080204" pitchFamily="49" charset="-128"/>
+              </a:rPr>
+              <a:t> </a:t>
+            </a:r>
+            <a:r>
+              <a:rPr lang="en-US" altLang="ja-JP" sz="2000" dirty="0">
+                <a:ea typeface="ＭＳ ゴシック" panose="020B0609070205080204" pitchFamily="49" charset="-128"/>
+              </a:rPr>
+              <a:t>score[“Bob”] &lt;&lt; “</a:t>
+            </a:r>
+            <a:r>
+              <a:rPr lang="ja-JP" altLang="en-US" sz="2000" dirty="0">
+                <a:latin typeface="+mn-ea"/>
+              </a:rPr>
+              <a:t>点</a:t>
+            </a:r>
+            <a:r>
+              <a:rPr lang="en-US" altLang="ja-JP" sz="2000" dirty="0">
+                <a:ea typeface="ＭＳ ゴシック" panose="020B0609070205080204" pitchFamily="49" charset="-128"/>
+              </a:rPr>
+              <a:t>”</a:t>
+            </a:r>
+            <a:r>
+              <a:rPr lang="ja-JP" altLang="en-US" sz="2000" dirty="0">
+                <a:ea typeface="ＭＳ ゴシック" panose="020B0609070205080204" pitchFamily="49" charset="-128"/>
+              </a:rPr>
+              <a:t> </a:t>
+            </a:r>
+            <a:r>
+              <a:rPr lang="en-US" altLang="ja-JP" sz="2000" dirty="0">
+                <a:ea typeface="ＭＳ ゴシック" panose="020B0609070205080204" pitchFamily="49" charset="-128"/>
+              </a:rPr>
+              <a:t>&lt;&lt;</a:t>
+            </a:r>
+            <a:r>
+              <a:rPr lang="ja-JP" altLang="en-US" sz="2000" dirty="0">
+                <a:ea typeface="ＭＳ ゴシック" panose="020B0609070205080204" pitchFamily="49" charset="-128"/>
+              </a:rPr>
+              <a:t> </a:t>
+            </a:r>
+            <a:r>
+              <a:rPr lang="en-US" altLang="ja-JP" sz="2000" dirty="0" err="1">
+                <a:ea typeface="ＭＳ ゴシック" panose="020B0609070205080204" pitchFamily="49" charset="-128"/>
+              </a:rPr>
+              <a:t>endl</a:t>
+            </a:r>
+            <a:r>
+              <a:rPr lang="en-US" altLang="ja-JP" sz="2000" dirty="0">
+                <a:ea typeface="ＭＳ ゴシック" panose="020B0609070205080204" pitchFamily="49" charset="-128"/>
+              </a:rPr>
+              <a:t>;</a:t>
             </a:r>
             <a:br>
               <a:rPr lang="en-US" altLang="ja-JP" sz="2000" dirty="0">
-                <a:solidFill>
-                  <a:srgbClr val="000000"/>
-                </a:solidFill>
                 <a:ea typeface="ＭＳ ゴシック" panose="020B0609070205080204" pitchFamily="49" charset="-128"/>
               </a:rPr>
             </a:br>
             <a:r>
-              <a:rPr lang="en-US" altLang="ja-JP" sz="2000" dirty="0">
-                <a:solidFill>
-                  <a:srgbClr val="000000"/>
-                </a:solidFill>
-                <a:ea typeface="ＭＳ ゴシック" panose="020B0609070205080204" pitchFamily="49" charset="-128"/>
-              </a:rPr>
-              <a:t>	</a:t>
+              <a:rPr lang="ja-JP" altLang="en-US" sz="2000" dirty="0">
+                <a:solidFill>
+                  <a:srgbClr val="000000"/>
+                </a:solidFill>
+                <a:ea typeface="ＭＳ ゴシック" panose="020B0609070205080204" pitchFamily="49" charset="-128"/>
+              </a:rPr>
+              <a:t>   </a:t>
+            </a:r>
+            <a:r>
+              <a:rPr lang="en-US" altLang="ja-JP" sz="2000" dirty="0">
+                <a:solidFill>
+                  <a:srgbClr val="000000"/>
+                </a:solidFill>
+                <a:ea typeface="ＭＳ ゴシック" panose="020B0609070205080204" pitchFamily="49" charset="-128"/>
+              </a:rPr>
+              <a:t>for</a:t>
+            </a:r>
+            <a:r>
+              <a:rPr lang="ja-JP" altLang="en-US" sz="2000" dirty="0">
+                <a:solidFill>
+                  <a:srgbClr val="000000"/>
+                </a:solidFill>
+                <a:ea typeface="ＭＳ ゴシック" panose="020B0609070205080204" pitchFamily="49" charset="-128"/>
+              </a:rPr>
+              <a:t> </a:t>
+            </a:r>
+            <a:r>
+              <a:rPr lang="en-US" altLang="ja-JP" sz="2000" dirty="0">
+                <a:solidFill>
+                  <a:srgbClr val="000000"/>
+                </a:solidFill>
+                <a:ea typeface="ＭＳ ゴシック" panose="020B0609070205080204" pitchFamily="49" charset="-128"/>
+              </a:rPr>
+              <a:t>(auto</a:t>
+            </a:r>
+            <a:r>
+              <a:rPr lang="ja-JP" altLang="en-US" sz="2000" dirty="0">
+                <a:solidFill>
+                  <a:srgbClr val="000000"/>
+                </a:solidFill>
+                <a:ea typeface="ＭＳ ゴシック" panose="020B0609070205080204" pitchFamily="49" charset="-128"/>
+              </a:rPr>
+              <a:t> </a:t>
+            </a:r>
+            <a:r>
+              <a:rPr lang="en-US" altLang="ja-JP" sz="2000" dirty="0">
+                <a:solidFill>
+                  <a:srgbClr val="000000"/>
+                </a:solidFill>
+                <a:ea typeface="ＭＳ ゴシック" panose="020B0609070205080204" pitchFamily="49" charset="-128"/>
+              </a:rPr>
+              <a:t>it</a:t>
+            </a:r>
+            <a:r>
+              <a:rPr lang="ja-JP" altLang="en-US" sz="2000" dirty="0">
+                <a:solidFill>
+                  <a:srgbClr val="000000"/>
+                </a:solidFill>
+                <a:ea typeface="ＭＳ ゴシック" panose="020B0609070205080204" pitchFamily="49" charset="-128"/>
+              </a:rPr>
+              <a:t> </a:t>
+            </a:r>
+            <a:r>
+              <a:rPr lang="en-US" altLang="ja-JP" sz="2000" dirty="0">
+                <a:solidFill>
+                  <a:srgbClr val="000000"/>
+                </a:solidFill>
+                <a:ea typeface="ＭＳ ゴシック" panose="020B0609070205080204" pitchFamily="49" charset="-128"/>
+              </a:rPr>
+              <a:t>=</a:t>
+            </a:r>
+            <a:r>
+              <a:rPr lang="ja-JP" altLang="en-US" sz="2000" dirty="0">
+                <a:solidFill>
+                  <a:srgbClr val="000000"/>
+                </a:solidFill>
+                <a:ea typeface="ＭＳ ゴシック" panose="020B0609070205080204" pitchFamily="49" charset="-128"/>
+              </a:rPr>
+              <a:t> </a:t>
             </a:r>
             <a:r>
               <a:rPr lang="en-US" altLang="ja-JP" sz="2000" dirty="0" err="1">
@@ -6279,16 +6147,61 @@
                 </a:solidFill>
                 <a:ea typeface="ＭＳ ゴシック" panose="020B0609070205080204" pitchFamily="49" charset="-128"/>
               </a:rPr>
-              <a:t>score.insert</a:t>
-            </a:r>
-            <a:r>
-              <a:rPr lang="en-US" altLang="ja-JP" sz="2000" dirty="0">
-                <a:solidFill>
-                  <a:srgbClr val="000000"/>
-                </a:solidFill>
-                <a:ea typeface="ＭＳ ゴシック" panose="020B0609070205080204" pitchFamily="49" charset="-128"/>
-              </a:rPr>
-              <a:t>(</a:t>
+              <a:t>score.begin</a:t>
+            </a:r>
+            <a:r>
+              <a:rPr lang="en-US" altLang="ja-JP" sz="2000" dirty="0">
+                <a:solidFill>
+                  <a:srgbClr val="000000"/>
+                </a:solidFill>
+                <a:ea typeface="ＭＳ ゴシック" panose="020B0609070205080204" pitchFamily="49" charset="-128"/>
+              </a:rPr>
+              <a:t>();</a:t>
+            </a:r>
+            <a:r>
+              <a:rPr lang="ja-JP" altLang="en-US" sz="2000" dirty="0">
+                <a:solidFill>
+                  <a:srgbClr val="000000"/>
+                </a:solidFill>
+                <a:ea typeface="ＭＳ ゴシック" panose="020B0609070205080204" pitchFamily="49" charset="-128"/>
+              </a:rPr>
+              <a:t> </a:t>
+            </a:r>
+            <a:r>
+              <a:rPr lang="en-US" altLang="ja-JP" sz="2000" dirty="0">
+                <a:solidFill>
+                  <a:srgbClr val="000000"/>
+                </a:solidFill>
+                <a:ea typeface="ＭＳ ゴシック" panose="020B0609070205080204" pitchFamily="49" charset="-128"/>
+              </a:rPr>
+              <a:t>it</a:t>
+            </a:r>
+            <a:r>
+              <a:rPr lang="ja-JP" altLang="en-US" sz="2000" dirty="0">
+                <a:solidFill>
+                  <a:srgbClr val="000000"/>
+                </a:solidFill>
+                <a:ea typeface="ＭＳ ゴシック" panose="020B0609070205080204" pitchFamily="49" charset="-128"/>
+              </a:rPr>
+              <a:t> </a:t>
+            </a:r>
+            <a:r>
+              <a:rPr lang="en-US" altLang="ja-JP" sz="2000" dirty="0">
+                <a:solidFill>
+                  <a:srgbClr val="000000"/>
+                </a:solidFill>
+                <a:ea typeface="ＭＳ ゴシック" panose="020B0609070205080204" pitchFamily="49" charset="-128"/>
+              </a:rPr>
+              <a:t>!=</a:t>
+            </a:r>
+            <a:r>
+              <a:rPr lang="ja-JP" altLang="en-US" sz="2000" dirty="0">
+                <a:solidFill>
+                  <a:srgbClr val="000000"/>
+                </a:solidFill>
+                <a:ea typeface="ＭＳ ゴシック" panose="020B0609070205080204" pitchFamily="49" charset="-128"/>
+              </a:rPr>
+              <a:t> </a:t>
             </a:r>
             <a:r>
               <a:rPr lang="en-US" altLang="ja-JP" sz="2000" dirty="0" err="1">
@@ -6297,51 +6210,27 @@
                 </a:solidFill>
                 <a:ea typeface="ＭＳ ゴシック" panose="020B0609070205080204" pitchFamily="49" charset="-128"/>
               </a:rPr>
-              <a:t>make_pair</a:t>
-            </a:r>
-            <a:r>
-              <a:rPr lang="en-US" altLang="ja-JP" sz="2000" dirty="0">
-                <a:solidFill>
-                  <a:srgbClr val="000000"/>
-                </a:solidFill>
-                <a:ea typeface="ＭＳ ゴシック" panose="020B0609070205080204" pitchFamily="49" charset="-128"/>
-              </a:rPr>
-              <a:t>(</a:t>
-            </a:r>
-            <a:r>
-              <a:rPr lang="en-US" altLang="ja-JP" sz="2000" dirty="0">
-                <a:solidFill>
-                  <a:srgbClr val="A31515"/>
-                </a:solidFill>
-                <a:ea typeface="ＭＳ ゴシック" panose="020B0609070205080204" pitchFamily="49" charset="-128"/>
-              </a:rPr>
-              <a:t>“John”</a:t>
-            </a:r>
-            <a:r>
-              <a:rPr lang="en-US" altLang="ja-JP" sz="2000" dirty="0">
-                <a:ea typeface="ＭＳ ゴシック" panose="020B0609070205080204" pitchFamily="49" charset="-128"/>
-              </a:rPr>
-              <a:t>,88));</a:t>
-            </a:r>
-            <a:r>
-              <a:rPr lang="en-US" altLang="ja-JP" sz="2000" dirty="0">
-                <a:solidFill>
-                  <a:srgbClr val="000000"/>
-                </a:solidFill>
-                <a:ea typeface="ＭＳ ゴシック" panose="020B0609070205080204" pitchFamily="49" charset="-128"/>
-              </a:rPr>
-              <a:t> </a:t>
-            </a:r>
-          </a:p>
-          <a:p>
-            <a:r>
-              <a:rPr lang="en-US" altLang="ja-JP" sz="2000" dirty="0">
-                <a:solidFill>
-                  <a:srgbClr val="000000"/>
-                </a:solidFill>
-                <a:ea typeface="ＭＳ ゴシック" panose="020B0609070205080204" pitchFamily="49" charset="-128"/>
-              </a:rPr>
-              <a:t>	</a:t>
+              <a:t>score.end</a:t>
+            </a:r>
+            <a:r>
+              <a:rPr lang="en-US" altLang="ja-JP" sz="2000" dirty="0">
+                <a:solidFill>
+                  <a:srgbClr val="000000"/>
+                </a:solidFill>
+                <a:ea typeface="ＭＳ ゴシック" panose="020B0609070205080204" pitchFamily="49" charset="-128"/>
+              </a:rPr>
+              <a:t>(); it++){</a:t>
+            </a:r>
+          </a:p>
+          <a:p>
+            <a:r>
+              <a:rPr lang="en-US" altLang="ja-JP" sz="2000" dirty="0">
+                <a:solidFill>
+                  <a:srgbClr val="000000"/>
+                </a:solidFill>
+                <a:ea typeface="ＭＳ ゴシック" panose="020B0609070205080204" pitchFamily="49" charset="-128"/>
+              </a:rPr>
+              <a:t>       </a:t>
             </a:r>
             <a:r>
               <a:rPr lang="en-US" altLang="ja-JP" sz="2000" dirty="0" err="1">
@@ -6350,27 +6239,60 @@
                 </a:solidFill>
                 <a:ea typeface="ＭＳ ゴシック" panose="020B0609070205080204" pitchFamily="49" charset="-128"/>
               </a:rPr>
-              <a:t>score.emplace</a:t>
-            </a:r>
-            <a:r>
-              <a:rPr lang="en-US" altLang="ja-JP" sz="2000" dirty="0">
-                <a:solidFill>
-                  <a:srgbClr val="000000"/>
-                </a:solidFill>
-                <a:ea typeface="ＭＳ ゴシック" panose="020B0609070205080204" pitchFamily="49" charset="-128"/>
-              </a:rPr>
-              <a:t>(“David”, 70);</a:t>
-            </a:r>
-          </a:p>
-          <a:p>
-            <a:r>
-              <a:rPr lang="en-US" altLang="ja-JP" sz="2000" dirty="0">
-                <a:solidFill>
-                  <a:srgbClr val="000000"/>
-                </a:solidFill>
-                <a:ea typeface="ＭＳ ゴシック" panose="020B0609070205080204" pitchFamily="49" charset="-128"/>
-              </a:rPr>
-              <a:t>	if(</a:t>
+              <a:t>cout</a:t>
+            </a:r>
+            <a:r>
+              <a:rPr lang="en-US" altLang="ja-JP" sz="2000" dirty="0">
+                <a:solidFill>
+                  <a:srgbClr val="000000"/>
+                </a:solidFill>
+                <a:ea typeface="ＭＳ ゴシック" panose="020B0609070205080204" pitchFamily="49" charset="-128"/>
+              </a:rPr>
+              <a:t> &lt;&lt; “Key:” &lt;&lt; </a:t>
+            </a:r>
+            <a:r>
+              <a:rPr lang="en-US" altLang="ja-JP" sz="2000" dirty="0">
+                <a:solidFill>
+                  <a:srgbClr val="FF0000"/>
+                </a:solidFill>
+                <a:ea typeface="ＭＳ ゴシック" panose="020B0609070205080204" pitchFamily="49" charset="-128"/>
+              </a:rPr>
+              <a:t>it-&gt;first </a:t>
+            </a:r>
+            <a:br>
+              <a:rPr lang="en-US" altLang="ja-JP" sz="2000" dirty="0">
+                <a:solidFill>
+                  <a:srgbClr val="000000"/>
+                </a:solidFill>
+                <a:ea typeface="ＭＳ ゴシック" panose="020B0609070205080204" pitchFamily="49" charset="-128"/>
+              </a:rPr>
+            </a:br>
+            <a:r>
+              <a:rPr lang="en-US" altLang="ja-JP" sz="2000" dirty="0">
+                <a:solidFill>
+                  <a:srgbClr val="000000"/>
+                </a:solidFill>
+                <a:ea typeface="ＭＳ ゴシック" panose="020B0609070205080204" pitchFamily="49" charset="-128"/>
+              </a:rPr>
+              <a:t>            &lt;&lt; “ Value:” &lt;&lt; </a:t>
+            </a:r>
+            <a:r>
+              <a:rPr lang="en-US" altLang="ja-JP" sz="2000" dirty="0">
+                <a:solidFill>
+                  <a:srgbClr val="FF0000"/>
+                </a:solidFill>
+                <a:ea typeface="ＭＳ ゴシック" panose="020B0609070205080204" pitchFamily="49" charset="-128"/>
+              </a:rPr>
+              <a:t>it-&gt;second </a:t>
+            </a:r>
+            <a:r>
+              <a:rPr lang="en-US" altLang="ja-JP" sz="2000" dirty="0">
+                <a:solidFill>
+                  <a:srgbClr val="000000"/>
+                </a:solidFill>
+                <a:ea typeface="ＭＳ ゴシック" panose="020B0609070205080204" pitchFamily="49" charset="-128"/>
+              </a:rPr>
+              <a:t>&lt;&lt; </a:t>
             </a:r>
             <a:r>
               <a:rPr lang="en-US" altLang="ja-JP" sz="2000" dirty="0" err="1">
@@ -6379,340 +6301,6 @@
                 </a:solidFill>
                 <a:ea typeface="ＭＳ ゴシック" panose="020B0609070205080204" pitchFamily="49" charset="-128"/>
               </a:rPr>
-              <a:t>score.count</a:t>
-            </a:r>
-            <a:r>
-              <a:rPr lang="en-US" altLang="ja-JP" sz="2000" dirty="0">
-                <a:solidFill>
-                  <a:srgbClr val="000000"/>
-                </a:solidFill>
-                <a:ea typeface="ＭＳ ゴシック" panose="020B0609070205080204" pitchFamily="49" charset="-128"/>
-              </a:rPr>
-              <a:t>(</a:t>
-            </a:r>
-            <a:r>
-              <a:rPr lang="en-US" altLang="ja-JP" sz="2000" dirty="0">
-                <a:solidFill>
-                  <a:srgbClr val="A31515"/>
-                </a:solidFill>
-                <a:ea typeface="ＭＳ ゴシック" panose="020B0609070205080204" pitchFamily="49" charset="-128"/>
-              </a:rPr>
-              <a:t>“John”</a:t>
-            </a:r>
-            <a:r>
-              <a:rPr lang="en-US" altLang="ja-JP" sz="2000" dirty="0">
-                <a:solidFill>
-                  <a:srgbClr val="000000"/>
-                </a:solidFill>
-                <a:ea typeface="ＭＳ ゴシック" panose="020B0609070205080204" pitchFamily="49" charset="-128"/>
-              </a:rPr>
-              <a:t>)){</a:t>
-            </a:r>
-          </a:p>
-          <a:p>
-            <a:r>
-              <a:rPr lang="en-US" altLang="ja-JP" sz="2000" dirty="0">
-                <a:solidFill>
-                  <a:srgbClr val="000000"/>
-                </a:solidFill>
-                <a:ea typeface="ＭＳ ゴシック" panose="020B0609070205080204" pitchFamily="49" charset="-128"/>
-              </a:rPr>
-              <a:t>	</a:t>
-            </a:r>
-            <a:r>
-              <a:rPr lang="ja-JP" altLang="en-US" sz="2000" dirty="0">
-                <a:solidFill>
-                  <a:srgbClr val="000000"/>
-                </a:solidFill>
-                <a:ea typeface="ＭＳ ゴシック" panose="020B0609070205080204" pitchFamily="49" charset="-128"/>
-              </a:rPr>
-              <a:t> </a:t>
-            </a:r>
-            <a:r>
-              <a:rPr lang="en-US" altLang="ja-JP" sz="2000" dirty="0">
-                <a:solidFill>
-                  <a:srgbClr val="0000FF"/>
-                </a:solidFill>
-                <a:ea typeface="ＭＳ ゴシック" panose="020B0609070205080204" pitchFamily="49" charset="-128"/>
-              </a:rPr>
-              <a:t>auto</a:t>
-            </a:r>
-            <a:r>
-              <a:rPr lang="en-US" altLang="ja-JP" sz="2000" dirty="0">
-                <a:solidFill>
-                  <a:srgbClr val="000000"/>
-                </a:solidFill>
-                <a:ea typeface="ＭＳ ゴシック" panose="020B0609070205080204" pitchFamily="49" charset="-128"/>
-              </a:rPr>
-              <a:t> </a:t>
-            </a:r>
-            <a:r>
-              <a:rPr lang="en-US" altLang="ja-JP" sz="2000" dirty="0" err="1">
-                <a:solidFill>
-                  <a:srgbClr val="000000"/>
-                </a:solidFill>
-                <a:ea typeface="ＭＳ ゴシック" panose="020B0609070205080204" pitchFamily="49" charset="-128"/>
-              </a:rPr>
-              <a:t>itr</a:t>
-            </a:r>
-            <a:r>
-              <a:rPr lang="en-US" altLang="ja-JP" sz="2000" dirty="0">
-                <a:solidFill>
-                  <a:srgbClr val="000000"/>
-                </a:solidFill>
-                <a:ea typeface="ＭＳ ゴシック" panose="020B0609070205080204" pitchFamily="49" charset="-128"/>
-              </a:rPr>
-              <a:t> = </a:t>
-            </a:r>
-            <a:r>
-              <a:rPr lang="en-US" altLang="ja-JP" sz="2000" dirty="0" err="1">
-                <a:solidFill>
-                  <a:srgbClr val="000000"/>
-                </a:solidFill>
-                <a:ea typeface="ＭＳ ゴシック" panose="020B0609070205080204" pitchFamily="49" charset="-128"/>
-              </a:rPr>
-              <a:t>score.find</a:t>
-            </a:r>
-            <a:r>
-              <a:rPr lang="en-US" altLang="ja-JP" sz="2000" dirty="0">
-                <a:solidFill>
-                  <a:srgbClr val="000000"/>
-                </a:solidFill>
-                <a:ea typeface="ＭＳ ゴシック" panose="020B0609070205080204" pitchFamily="49" charset="-128"/>
-              </a:rPr>
-              <a:t>(</a:t>
-            </a:r>
-            <a:r>
-              <a:rPr lang="en-US" altLang="ja-JP" sz="2000" dirty="0">
-                <a:solidFill>
-                  <a:srgbClr val="A31515"/>
-                </a:solidFill>
-                <a:ea typeface="ＭＳ ゴシック" panose="020B0609070205080204" pitchFamily="49" charset="-128"/>
-              </a:rPr>
-              <a:t>“John”</a:t>
-            </a:r>
-            <a:r>
-              <a:rPr lang="en-US" altLang="ja-JP" sz="2000" dirty="0">
-                <a:solidFill>
-                  <a:srgbClr val="000000"/>
-                </a:solidFill>
-                <a:ea typeface="ＭＳ ゴシック" panose="020B0609070205080204" pitchFamily="49" charset="-128"/>
-              </a:rPr>
-              <a:t>);</a:t>
-            </a:r>
-            <a:r>
-              <a:rPr lang="en-US" altLang="ja-JP" sz="2000" dirty="0">
-                <a:solidFill>
-                  <a:srgbClr val="00B050"/>
-                </a:solidFill>
-                <a:latin typeface="+mn-ea"/>
-              </a:rPr>
-              <a:t> </a:t>
-            </a:r>
-            <a:endParaRPr lang="en-US" altLang="ja-JP" sz="2000" dirty="0">
-              <a:solidFill>
-                <a:srgbClr val="000000"/>
-              </a:solidFill>
-              <a:ea typeface="ＭＳ ゴシック" panose="020B0609070205080204" pitchFamily="49" charset="-128"/>
-            </a:endParaRPr>
-          </a:p>
-          <a:p>
-            <a:r>
-              <a:rPr lang="en-US" altLang="ja-JP" sz="2000" dirty="0">
-                <a:solidFill>
-                  <a:srgbClr val="000000"/>
-                </a:solidFill>
-                <a:ea typeface="ＭＳ ゴシック" panose="020B0609070205080204" pitchFamily="49" charset="-128"/>
-              </a:rPr>
-              <a:t>	 </a:t>
-            </a:r>
-            <a:r>
-              <a:rPr lang="en-US" altLang="ja-JP" sz="2000" dirty="0" err="1">
-                <a:solidFill>
-                  <a:srgbClr val="000000"/>
-                </a:solidFill>
-                <a:ea typeface="ＭＳ ゴシック" panose="020B0609070205080204" pitchFamily="49" charset="-128"/>
-              </a:rPr>
-              <a:t>cout</a:t>
-            </a:r>
-            <a:r>
-              <a:rPr lang="en-US" altLang="ja-JP" sz="2000" dirty="0">
-                <a:solidFill>
-                  <a:srgbClr val="000000"/>
-                </a:solidFill>
-                <a:ea typeface="ＭＳ ゴシック" panose="020B0609070205080204" pitchFamily="49" charset="-128"/>
-              </a:rPr>
-              <a:t> </a:t>
-            </a:r>
-            <a:r>
-              <a:rPr lang="en-US" altLang="ja-JP" sz="2000" dirty="0">
-                <a:solidFill>
-                  <a:srgbClr val="008080"/>
-                </a:solidFill>
-                <a:ea typeface="ＭＳ ゴシック" panose="020B0609070205080204" pitchFamily="49" charset="-128"/>
-              </a:rPr>
-              <a:t>&lt;&lt; </a:t>
-            </a:r>
-            <a:r>
-              <a:rPr lang="en-US" altLang="ja-JP" sz="2000" dirty="0" err="1">
-                <a:solidFill>
-                  <a:srgbClr val="FF0000"/>
-                </a:solidFill>
-                <a:ea typeface="ＭＳ ゴシック" panose="020B0609070205080204" pitchFamily="49" charset="-128"/>
-              </a:rPr>
-              <a:t>itr</a:t>
-            </a:r>
-            <a:r>
-              <a:rPr lang="en-US" altLang="ja-JP" sz="2000" dirty="0">
-                <a:solidFill>
-                  <a:srgbClr val="FF0000"/>
-                </a:solidFill>
-                <a:ea typeface="ＭＳ ゴシック" panose="020B0609070205080204" pitchFamily="49" charset="-128"/>
-              </a:rPr>
-              <a:t>-&gt;first</a:t>
-            </a:r>
-            <a:r>
-              <a:rPr lang="en-US" altLang="ja-JP" sz="2000" b="1" dirty="0">
-                <a:solidFill>
-                  <a:srgbClr val="FF0000"/>
-                </a:solidFill>
-                <a:ea typeface="ＭＳ ゴシック" panose="020B0609070205080204" pitchFamily="49" charset="-128"/>
-              </a:rPr>
-              <a:t> </a:t>
-            </a:r>
-            <a:r>
-              <a:rPr lang="en-US" altLang="ja-JP" sz="2000" dirty="0">
-                <a:solidFill>
-                  <a:srgbClr val="008080"/>
-                </a:solidFill>
-                <a:ea typeface="ＭＳ ゴシック" panose="020B0609070205080204" pitchFamily="49" charset="-128"/>
-              </a:rPr>
-              <a:t>&lt;&lt;</a:t>
-            </a:r>
-            <a:r>
-              <a:rPr lang="en-US" altLang="ja-JP" sz="2000" dirty="0">
-                <a:solidFill>
-                  <a:srgbClr val="A31515"/>
-                </a:solidFill>
-                <a:ea typeface="ＭＳ ゴシック" panose="020B0609070205080204" pitchFamily="49" charset="-128"/>
-              </a:rPr>
-              <a:t> "</a:t>
-            </a:r>
-            <a:r>
-              <a:rPr lang="ja-JP" altLang="en-US" sz="2000" dirty="0">
-                <a:solidFill>
-                  <a:srgbClr val="A31515"/>
-                </a:solidFill>
-                <a:latin typeface="+mn-ea"/>
-              </a:rPr>
-              <a:t>の点数は</a:t>
-            </a:r>
-            <a:r>
-              <a:rPr lang="en-US" altLang="ja-JP" sz="2000" dirty="0">
-                <a:solidFill>
-                  <a:srgbClr val="A31515"/>
-                </a:solidFill>
-                <a:ea typeface="ＭＳ ゴシック" panose="020B0609070205080204" pitchFamily="49" charset="-128"/>
-              </a:rPr>
-              <a:t>"</a:t>
-            </a:r>
-            <a:r>
-              <a:rPr lang="ja-JP" altLang="en-US" sz="2000" dirty="0">
-                <a:solidFill>
-                  <a:srgbClr val="000000"/>
-                </a:solidFill>
-                <a:ea typeface="ＭＳ ゴシック" panose="020B0609070205080204" pitchFamily="49" charset="-128"/>
-              </a:rPr>
-              <a:t> </a:t>
-            </a:r>
-            <a:r>
-              <a:rPr lang="en-US" altLang="ja-JP" sz="2000" dirty="0">
-                <a:solidFill>
-                  <a:srgbClr val="008080"/>
-                </a:solidFill>
-                <a:ea typeface="ＭＳ ゴシック" panose="020B0609070205080204" pitchFamily="49" charset="-128"/>
-              </a:rPr>
-              <a:t>&lt;&lt; </a:t>
-            </a:r>
-            <a:r>
-              <a:rPr lang="en-US" altLang="ja-JP" sz="2000" dirty="0" err="1">
-                <a:solidFill>
-                  <a:srgbClr val="FF0000"/>
-                </a:solidFill>
-                <a:ea typeface="ＭＳ ゴシック" panose="020B0609070205080204" pitchFamily="49" charset="-128"/>
-              </a:rPr>
-              <a:t>itr</a:t>
-            </a:r>
-            <a:r>
-              <a:rPr lang="en-US" altLang="ja-JP" sz="2000" dirty="0">
-                <a:solidFill>
-                  <a:srgbClr val="FF0000"/>
-                </a:solidFill>
-                <a:ea typeface="ＭＳ ゴシック" panose="020B0609070205080204" pitchFamily="49" charset="-128"/>
-              </a:rPr>
-              <a:t>-&gt;second </a:t>
-            </a:r>
-            <a:r>
-              <a:rPr lang="en-US" altLang="ja-JP" sz="2000" dirty="0">
-                <a:solidFill>
-                  <a:srgbClr val="008080"/>
-                </a:solidFill>
-                <a:ea typeface="ＭＳ ゴシック" panose="020B0609070205080204" pitchFamily="49" charset="-128"/>
-              </a:rPr>
-              <a:t>&lt;&lt; </a:t>
-            </a:r>
-            <a:r>
-              <a:rPr lang="en-US" altLang="ja-JP" sz="2000" dirty="0">
-                <a:solidFill>
-                  <a:srgbClr val="A31515"/>
-                </a:solidFill>
-                <a:ea typeface="ＭＳ ゴシック" panose="020B0609070205080204" pitchFamily="49" charset="-128"/>
-              </a:rPr>
-              <a:t>"</a:t>
-            </a:r>
-            <a:r>
-              <a:rPr lang="ja-JP" altLang="en-US" sz="2000" dirty="0">
-                <a:solidFill>
-                  <a:srgbClr val="A31515"/>
-                </a:solidFill>
-                <a:latin typeface="+mn-ea"/>
-              </a:rPr>
-              <a:t>点</a:t>
-            </a:r>
-            <a:r>
-              <a:rPr lang="en-US" altLang="ja-JP" sz="2000" dirty="0">
-                <a:solidFill>
-                  <a:srgbClr val="A31515"/>
-                </a:solidFill>
-                <a:ea typeface="ＭＳ ゴシック" panose="020B0609070205080204" pitchFamily="49" charset="-128"/>
-              </a:rPr>
-              <a:t>" </a:t>
-            </a:r>
-            <a:r>
-              <a:rPr lang="en-US" altLang="ja-JP" sz="2000" dirty="0">
-                <a:solidFill>
-                  <a:srgbClr val="008080"/>
-                </a:solidFill>
-                <a:ea typeface="ＭＳ ゴシック" panose="020B0609070205080204" pitchFamily="49" charset="-128"/>
-              </a:rPr>
-              <a:t>&lt;&lt;</a:t>
-            </a:r>
-            <a:r>
-              <a:rPr lang="ja-JP" altLang="en-US" sz="2000" dirty="0">
-                <a:solidFill>
-                  <a:srgbClr val="000000"/>
-                </a:solidFill>
-                <a:ea typeface="ＭＳ ゴシック" panose="020B0609070205080204" pitchFamily="49" charset="-128"/>
-              </a:rPr>
-              <a:t> </a:t>
-            </a:r>
-            <a:r>
-              <a:rPr lang="en-US" altLang="ja-JP" sz="2000" dirty="0" err="1">
-                <a:solidFill>
-                  <a:srgbClr val="000000"/>
-                </a:solidFill>
-                <a:ea typeface="ＭＳ ゴシック" panose="020B0609070205080204" pitchFamily="49" charset="-128"/>
-              </a:rPr>
               <a:t>endl</a:t>
             </a:r>
             <a:r>
@@ -6724,26 +6312,6 @@
               </a:rPr>
               <a:t>;</a:t>
             </a:r>
-          </a:p>
-          <a:p>
-            <a:r>
-              <a:rPr lang="en-US" altLang="ja-JP" sz="2000" dirty="0">
-                <a:solidFill>
-                  <a:srgbClr val="000000"/>
-                </a:solidFill>
-                <a:ea typeface="ＭＳ ゴシック" panose="020B0609070205080204" pitchFamily="49" charset="-128"/>
-              </a:rPr>
-              <a:t>	}</a:t>
-            </a:r>
-            <a:r>
-              <a:rPr lang="en-US" altLang="ja-JP" sz="2000" dirty="0">
-                <a:solidFill>
-                  <a:srgbClr val="008080"/>
-                </a:solidFill>
-                <a:ea typeface="ＭＳ ゴシック" panose="020B0609070205080204" pitchFamily="49" charset="-128"/>
-              </a:rPr>
-              <a:t> </a:t>
-            </a:r>
             <a:br>
               <a:rPr lang="en-US" altLang="ja-JP" sz="2000" dirty="0">
                 <a:solidFill>
@@ -6759,468 +6327,7 @@
                 </a:solidFill>
                 <a:ea typeface="ＭＳ ゴシック" panose="020B0609070205080204" pitchFamily="49" charset="-128"/>
               </a:rPr>
-              <a:t>	</a:t>
-            </a:r>
-            <a:r>
-              <a:rPr lang="en-US" altLang="ja-JP" sz="2000" dirty="0" err="1">
-                <a:solidFill>
-                  <a:srgbClr val="000000"/>
-                </a:solidFill>
-                <a:ea typeface="ＭＳ ゴシック" panose="020B0609070205080204" pitchFamily="49" charset="-128"/>
-              </a:rPr>
-              <a:t>cout</a:t>
-            </a:r>
-            <a:r>
-              <a:rPr lang="en-US" altLang="ja-JP" sz="2000" dirty="0">
-                <a:solidFill>
-                  <a:srgbClr val="000000"/>
-                </a:solidFill>
-                <a:ea typeface="ＭＳ ゴシック" panose="020B0609070205080204" pitchFamily="49" charset="-128"/>
-              </a:rPr>
-              <a:t> </a:t>
-            </a:r>
-            <a:r>
-              <a:rPr lang="en-US" altLang="ja-JP" sz="2000" dirty="0">
-                <a:solidFill>
-                  <a:srgbClr val="008080"/>
-                </a:solidFill>
-                <a:ea typeface="ＭＳ ゴシック" panose="020B0609070205080204" pitchFamily="49" charset="-128"/>
-              </a:rPr>
-              <a:t>&lt;&lt;</a:t>
-            </a:r>
-            <a:r>
-              <a:rPr lang="en-US" altLang="ja-JP" sz="2000" dirty="0">
-                <a:solidFill>
-                  <a:srgbClr val="000000"/>
-                </a:solidFill>
-                <a:ea typeface="ＭＳ ゴシック" panose="020B0609070205080204" pitchFamily="49" charset="-128"/>
-              </a:rPr>
-              <a:t> </a:t>
-            </a:r>
-            <a:r>
-              <a:rPr lang="en-US" altLang="ja-JP" sz="2000" dirty="0">
-                <a:solidFill>
-                  <a:srgbClr val="A31515"/>
-                </a:solidFill>
-                <a:ea typeface="ＭＳ ゴシック" panose="020B0609070205080204" pitchFamily="49" charset="-128"/>
-              </a:rPr>
-              <a:t>"Tom</a:t>
-            </a:r>
-            <a:r>
-              <a:rPr lang="ja-JP" altLang="en-US" sz="2000" dirty="0">
-                <a:solidFill>
-                  <a:srgbClr val="A31515"/>
-                </a:solidFill>
-                <a:latin typeface="+mn-ea"/>
-              </a:rPr>
-              <a:t>の点数は</a:t>
-            </a:r>
-            <a:r>
-              <a:rPr lang="en-US" altLang="ja-JP" sz="2000" dirty="0">
-                <a:solidFill>
-                  <a:srgbClr val="A31515"/>
-                </a:solidFill>
-                <a:ea typeface="ＭＳ ゴシック" panose="020B0609070205080204" pitchFamily="49" charset="-128"/>
-              </a:rPr>
-              <a:t>"</a:t>
-            </a:r>
-            <a:r>
-              <a:rPr lang="ja-JP" altLang="en-US" sz="2000" dirty="0">
-                <a:solidFill>
-                  <a:srgbClr val="000000"/>
-                </a:solidFill>
-                <a:ea typeface="ＭＳ ゴシック" panose="020B0609070205080204" pitchFamily="49" charset="-128"/>
-              </a:rPr>
-              <a:t> </a:t>
-            </a:r>
-            <a:r>
-              <a:rPr lang="en-US" altLang="ja-JP" sz="2000" dirty="0">
-                <a:solidFill>
-                  <a:srgbClr val="008080"/>
-                </a:solidFill>
-                <a:ea typeface="ＭＳ ゴシック" panose="020B0609070205080204" pitchFamily="49" charset="-128"/>
-              </a:rPr>
-              <a:t>&lt;&lt;</a:t>
-            </a:r>
-            <a:r>
-              <a:rPr lang="ja-JP" altLang="en-US" sz="2000" dirty="0">
-                <a:solidFill>
-                  <a:srgbClr val="000000"/>
-                </a:solidFill>
-                <a:ea typeface="ＭＳ ゴシック" panose="020B0609070205080204" pitchFamily="49" charset="-128"/>
-              </a:rPr>
-              <a:t> </a:t>
-            </a:r>
-            <a:r>
-              <a:rPr lang="en-US" altLang="ja-JP" sz="2000" dirty="0">
-                <a:solidFill>
-                  <a:srgbClr val="000000"/>
-                </a:solidFill>
-                <a:ea typeface="ＭＳ ゴシック" panose="020B0609070205080204" pitchFamily="49" charset="-128"/>
-              </a:rPr>
-              <a:t>score</a:t>
-            </a:r>
-            <a:r>
-              <a:rPr lang="en-US" altLang="ja-JP" sz="2000" dirty="0">
-                <a:solidFill>
-                  <a:srgbClr val="008080"/>
-                </a:solidFill>
-                <a:ea typeface="ＭＳ ゴシック" panose="020B0609070205080204" pitchFamily="49" charset="-128"/>
-              </a:rPr>
-              <a:t>[</a:t>
-            </a:r>
-            <a:r>
-              <a:rPr lang="en-US" altLang="ja-JP" sz="2000" dirty="0">
-                <a:solidFill>
-                  <a:srgbClr val="A31515"/>
-                </a:solidFill>
-                <a:ea typeface="ＭＳ ゴシック" panose="020B0609070205080204" pitchFamily="49" charset="-128"/>
-              </a:rPr>
-              <a:t>"Tom"</a:t>
-            </a:r>
-            <a:r>
-              <a:rPr lang="en-US" altLang="ja-JP" sz="2000" dirty="0">
-                <a:solidFill>
-                  <a:srgbClr val="008080"/>
-                </a:solidFill>
-                <a:ea typeface="ＭＳ ゴシック" panose="020B0609070205080204" pitchFamily="49" charset="-128"/>
-              </a:rPr>
-              <a:t>]</a:t>
-            </a:r>
-            <a:r>
-              <a:rPr lang="en-US" altLang="ja-JP" sz="2000" dirty="0">
-                <a:solidFill>
-                  <a:srgbClr val="000000"/>
-                </a:solidFill>
-                <a:ea typeface="ＭＳ ゴシック" panose="020B0609070205080204" pitchFamily="49" charset="-128"/>
-              </a:rPr>
-              <a:t> </a:t>
-            </a:r>
-            <a:r>
-              <a:rPr lang="en-US" altLang="ja-JP" sz="2000" dirty="0">
-                <a:solidFill>
-                  <a:srgbClr val="008080"/>
-                </a:solidFill>
-                <a:ea typeface="ＭＳ ゴシック" panose="020B0609070205080204" pitchFamily="49" charset="-128"/>
-              </a:rPr>
-              <a:t>&lt;&lt;</a:t>
-            </a:r>
-            <a:r>
-              <a:rPr lang="en-US" altLang="ja-JP" sz="2000" dirty="0">
-                <a:solidFill>
-                  <a:srgbClr val="000000"/>
-                </a:solidFill>
-                <a:ea typeface="ＭＳ ゴシック" panose="020B0609070205080204" pitchFamily="49" charset="-128"/>
-              </a:rPr>
-              <a:t> </a:t>
-            </a:r>
-            <a:r>
-              <a:rPr lang="en-US" altLang="ja-JP" sz="2000" dirty="0">
-                <a:solidFill>
-                  <a:srgbClr val="A31515"/>
-                </a:solidFill>
-                <a:ea typeface="ＭＳ ゴシック" panose="020B0609070205080204" pitchFamily="49" charset="-128"/>
-              </a:rPr>
-              <a:t>"</a:t>
-            </a:r>
-            <a:r>
-              <a:rPr lang="ja-JP" altLang="en-US" sz="2000" dirty="0">
-                <a:solidFill>
-                  <a:srgbClr val="A31515"/>
-                </a:solidFill>
-                <a:latin typeface="+mn-ea"/>
-              </a:rPr>
-              <a:t>点</a:t>
-            </a:r>
-            <a:r>
-              <a:rPr lang="en-US" altLang="ja-JP" sz="2000" dirty="0">
-                <a:solidFill>
-                  <a:srgbClr val="A31515"/>
-                </a:solidFill>
-                <a:ea typeface="ＭＳ ゴシック" panose="020B0609070205080204" pitchFamily="49" charset="-128"/>
-              </a:rPr>
-              <a:t>"</a:t>
-            </a:r>
-            <a:r>
-              <a:rPr lang="ja-JP" altLang="en-US" sz="2000" dirty="0">
-                <a:solidFill>
-                  <a:srgbClr val="000000"/>
-                </a:solidFill>
-                <a:ea typeface="ＭＳ ゴシック" panose="020B0609070205080204" pitchFamily="49" charset="-128"/>
-              </a:rPr>
-              <a:t> </a:t>
-            </a:r>
-            <a:r>
-              <a:rPr lang="en-US" altLang="ja-JP" sz="2000" dirty="0">
-                <a:solidFill>
-                  <a:srgbClr val="008080"/>
-                </a:solidFill>
-                <a:ea typeface="ＭＳ ゴシック" panose="020B0609070205080204" pitchFamily="49" charset="-128"/>
-              </a:rPr>
-              <a:t>&lt;&lt;</a:t>
-            </a:r>
-            <a:r>
-              <a:rPr lang="ja-JP" altLang="en-US" sz="2000" dirty="0">
-                <a:solidFill>
-                  <a:srgbClr val="000000"/>
-                </a:solidFill>
-                <a:ea typeface="ＭＳ ゴシック" panose="020B0609070205080204" pitchFamily="49" charset="-128"/>
-              </a:rPr>
-              <a:t> </a:t>
-            </a:r>
-            <a:r>
-              <a:rPr lang="en-US" altLang="ja-JP" sz="2000" dirty="0" err="1">
-                <a:solidFill>
-                  <a:srgbClr val="000000"/>
-                </a:solidFill>
-                <a:ea typeface="ＭＳ ゴシック" panose="020B0609070205080204" pitchFamily="49" charset="-128"/>
-              </a:rPr>
-              <a:t>endl</a:t>
-            </a:r>
-            <a:r>
-              <a:rPr lang="en-US" altLang="ja-JP" sz="2000" dirty="0">
-                <a:solidFill>
-                  <a:srgbClr val="000000"/>
-                </a:solidFill>
-                <a:ea typeface="ＭＳ ゴシック" panose="020B0609070205080204" pitchFamily="49" charset="-128"/>
-              </a:rPr>
-              <a:t>;</a:t>
-            </a:r>
-          </a:p>
-          <a:p>
-            <a:r>
-              <a:rPr lang="en-US" altLang="ja-JP" sz="2000" dirty="0">
-                <a:solidFill>
-                  <a:srgbClr val="000000"/>
-                </a:solidFill>
-                <a:ea typeface="ＭＳ ゴシック" panose="020B0609070205080204" pitchFamily="49" charset="-128"/>
-              </a:rPr>
-              <a:t>	</a:t>
-            </a:r>
-            <a:r>
-              <a:rPr lang="en-US" altLang="ja-JP" sz="2000" dirty="0" err="1">
-                <a:solidFill>
-                  <a:srgbClr val="000000"/>
-                </a:solidFill>
-                <a:ea typeface="ＭＳ ゴシック" panose="020B0609070205080204" pitchFamily="49" charset="-128"/>
-              </a:rPr>
-              <a:t>cout</a:t>
-            </a:r>
-            <a:r>
-              <a:rPr lang="en-US" altLang="ja-JP" sz="2000" dirty="0">
-                <a:solidFill>
-                  <a:srgbClr val="000000"/>
-                </a:solidFill>
-                <a:ea typeface="ＭＳ ゴシック" panose="020B0609070205080204" pitchFamily="49" charset="-128"/>
-              </a:rPr>
-              <a:t> </a:t>
-            </a:r>
-            <a:r>
-              <a:rPr lang="en-US" altLang="ja-JP" sz="2000" dirty="0">
-                <a:solidFill>
-                  <a:srgbClr val="008080"/>
-                </a:solidFill>
-                <a:ea typeface="ＭＳ ゴシック" panose="020B0609070205080204" pitchFamily="49" charset="-128"/>
-              </a:rPr>
-              <a:t>&lt;&lt;</a:t>
-            </a:r>
-            <a:r>
-              <a:rPr lang="en-US" altLang="ja-JP" sz="2000" dirty="0">
-                <a:solidFill>
-                  <a:srgbClr val="000000"/>
-                </a:solidFill>
-                <a:ea typeface="ＭＳ ゴシック" panose="020B0609070205080204" pitchFamily="49" charset="-128"/>
-              </a:rPr>
-              <a:t> </a:t>
-            </a:r>
-            <a:r>
-              <a:rPr lang="en-US" altLang="ja-JP" sz="2000" dirty="0">
-                <a:solidFill>
-                  <a:srgbClr val="A31515"/>
-                </a:solidFill>
-                <a:ea typeface="ＭＳ ゴシック" panose="020B0609070205080204" pitchFamily="49" charset="-128"/>
-              </a:rPr>
-              <a:t>“Bob</a:t>
-            </a:r>
-            <a:r>
-              <a:rPr lang="ja-JP" altLang="en-US" sz="2000" dirty="0">
-                <a:solidFill>
-                  <a:srgbClr val="A31515"/>
-                </a:solidFill>
-                <a:latin typeface="+mn-ea"/>
-              </a:rPr>
-              <a:t>の点数は</a:t>
-            </a:r>
-            <a:r>
-              <a:rPr lang="en-US" altLang="ja-JP" sz="2000" dirty="0">
-                <a:solidFill>
-                  <a:srgbClr val="A31515"/>
-                </a:solidFill>
-                <a:ea typeface="ＭＳ ゴシック" panose="020B0609070205080204" pitchFamily="49" charset="-128"/>
-              </a:rPr>
-              <a:t>”</a:t>
-            </a:r>
-            <a:r>
-              <a:rPr lang="ja-JP" altLang="en-US" sz="2000" dirty="0">
-                <a:solidFill>
-                  <a:srgbClr val="000000"/>
-                </a:solidFill>
-                <a:ea typeface="ＭＳ ゴシック" panose="020B0609070205080204" pitchFamily="49" charset="-128"/>
-              </a:rPr>
-              <a:t> </a:t>
-            </a:r>
-            <a:r>
-              <a:rPr lang="en-US" altLang="ja-JP" sz="2000" dirty="0">
-                <a:solidFill>
-                  <a:srgbClr val="008080"/>
-                </a:solidFill>
-                <a:ea typeface="ＭＳ ゴシック" panose="020B0609070205080204" pitchFamily="49" charset="-128"/>
-              </a:rPr>
-              <a:t>&lt;&lt;</a:t>
-            </a:r>
-            <a:r>
-              <a:rPr lang="ja-JP" altLang="en-US" sz="2000" dirty="0">
-                <a:solidFill>
-                  <a:srgbClr val="000000"/>
-                </a:solidFill>
-                <a:ea typeface="ＭＳ ゴシック" panose="020B0609070205080204" pitchFamily="49" charset="-128"/>
-              </a:rPr>
-              <a:t> </a:t>
-            </a:r>
-            <a:r>
-              <a:rPr lang="en-US" altLang="ja-JP" sz="2000" dirty="0">
-                <a:solidFill>
-                  <a:srgbClr val="000000"/>
-                </a:solidFill>
-                <a:ea typeface="ＭＳ ゴシック" panose="020B0609070205080204" pitchFamily="49" charset="-128"/>
-              </a:rPr>
-              <a:t>score</a:t>
-            </a:r>
-            <a:r>
-              <a:rPr lang="en-US" altLang="ja-JP" sz="2000" dirty="0">
-                <a:solidFill>
-                  <a:srgbClr val="008080"/>
-                </a:solidFill>
-                <a:ea typeface="ＭＳ ゴシック" panose="020B0609070205080204" pitchFamily="49" charset="-128"/>
-              </a:rPr>
-              <a:t>[</a:t>
-            </a:r>
-            <a:r>
-              <a:rPr lang="en-US" altLang="ja-JP" sz="2000" dirty="0">
-                <a:solidFill>
-                  <a:srgbClr val="A31515"/>
-                </a:solidFill>
-                <a:ea typeface="ＭＳ ゴシック" panose="020B0609070205080204" pitchFamily="49" charset="-128"/>
-              </a:rPr>
-              <a:t>“Bob”</a:t>
-            </a:r>
-            <a:r>
-              <a:rPr lang="en-US" altLang="ja-JP" sz="2000" dirty="0">
-                <a:solidFill>
-                  <a:srgbClr val="008080"/>
-                </a:solidFill>
-                <a:ea typeface="ＭＳ ゴシック" panose="020B0609070205080204" pitchFamily="49" charset="-128"/>
-              </a:rPr>
-              <a:t>]</a:t>
-            </a:r>
-            <a:r>
-              <a:rPr lang="en-US" altLang="ja-JP" sz="2000" dirty="0">
-                <a:solidFill>
-                  <a:srgbClr val="000000"/>
-                </a:solidFill>
-                <a:ea typeface="ＭＳ ゴシック" panose="020B0609070205080204" pitchFamily="49" charset="-128"/>
-              </a:rPr>
-              <a:t> </a:t>
-            </a:r>
-            <a:r>
-              <a:rPr lang="en-US" altLang="ja-JP" sz="2000" dirty="0">
-                <a:solidFill>
-                  <a:srgbClr val="008080"/>
-                </a:solidFill>
-                <a:ea typeface="ＭＳ ゴシック" panose="020B0609070205080204" pitchFamily="49" charset="-128"/>
-              </a:rPr>
-              <a:t>&lt;&lt;</a:t>
-            </a:r>
-            <a:r>
-              <a:rPr lang="en-US" altLang="ja-JP" sz="2000" dirty="0">
-                <a:solidFill>
-                  <a:srgbClr val="000000"/>
-                </a:solidFill>
-                <a:ea typeface="ＭＳ ゴシック" panose="020B0609070205080204" pitchFamily="49" charset="-128"/>
-              </a:rPr>
-              <a:t> </a:t>
-            </a:r>
-            <a:r>
-              <a:rPr lang="en-US" altLang="ja-JP" sz="2000" dirty="0">
-                <a:solidFill>
-                  <a:srgbClr val="A31515"/>
-                </a:solidFill>
-                <a:ea typeface="ＭＳ ゴシック" panose="020B0609070205080204" pitchFamily="49" charset="-128"/>
-              </a:rPr>
-              <a:t>“</a:t>
-            </a:r>
-            <a:r>
-              <a:rPr lang="ja-JP" altLang="en-US" sz="2000" dirty="0">
-                <a:solidFill>
-                  <a:srgbClr val="A31515"/>
-                </a:solidFill>
-                <a:latin typeface="+mn-ea"/>
-              </a:rPr>
-              <a:t>点</a:t>
-            </a:r>
-            <a:r>
-              <a:rPr lang="en-US" altLang="ja-JP" sz="2000" dirty="0">
-                <a:solidFill>
-                  <a:srgbClr val="A31515"/>
-                </a:solidFill>
-                <a:ea typeface="ＭＳ ゴシック" panose="020B0609070205080204" pitchFamily="49" charset="-128"/>
-              </a:rPr>
-              <a:t>”</a:t>
-            </a:r>
-            <a:r>
-              <a:rPr lang="ja-JP" altLang="en-US" sz="2000" dirty="0">
-                <a:solidFill>
-                  <a:srgbClr val="000000"/>
-                </a:solidFill>
-                <a:ea typeface="ＭＳ ゴシック" panose="020B0609070205080204" pitchFamily="49" charset="-128"/>
-              </a:rPr>
-              <a:t> </a:t>
-            </a:r>
-            <a:r>
-              <a:rPr lang="en-US" altLang="ja-JP" sz="2000" dirty="0">
-                <a:solidFill>
-                  <a:srgbClr val="008080"/>
-                </a:solidFill>
-                <a:ea typeface="ＭＳ ゴシック" panose="020B0609070205080204" pitchFamily="49" charset="-128"/>
-              </a:rPr>
-              <a:t>&lt;&lt;</a:t>
-            </a:r>
-            <a:r>
-              <a:rPr lang="ja-JP" altLang="en-US" sz="2000" dirty="0">
-                <a:solidFill>
-                  <a:srgbClr val="000000"/>
-                </a:solidFill>
-                <a:ea typeface="ＭＳ ゴシック" panose="020B0609070205080204" pitchFamily="49" charset="-128"/>
-              </a:rPr>
-              <a:t> </a:t>
-            </a:r>
-            <a:r>
-              <a:rPr lang="en-US" altLang="ja-JP" sz="2000" dirty="0" err="1">
-                <a:solidFill>
-                  <a:srgbClr val="000000"/>
-                </a:solidFill>
-                <a:ea typeface="ＭＳ ゴシック" panose="020B0609070205080204" pitchFamily="49" charset="-128"/>
-              </a:rPr>
-              <a:t>endl</a:t>
-            </a:r>
-            <a:r>
-              <a:rPr lang="en-US" altLang="ja-JP" sz="2000" dirty="0">
-                <a:solidFill>
-                  <a:srgbClr val="000000"/>
-                </a:solidFill>
-                <a:ea typeface="ＭＳ ゴシック" panose="020B0609070205080204" pitchFamily="49" charset="-128"/>
-              </a:rPr>
-              <a:t>;</a:t>
+              <a:t>   }</a:t>
             </a:r>
           </a:p>
         </p:txBody>
@@ -7239,7 +6346,7 @@
         </p:nvSpPr>
         <p:spPr>
           <a:xfrm>
-            <a:off x="614464" y="4786023"/>
+            <a:off x="666917" y="2374130"/>
             <a:ext cx="426396" cy="282102"/>
           </a:xfrm>
           <a:prstGeom prst="rightArrow">
@@ -7288,8 +6395,8 @@
         </p:nvSpPr>
         <p:spPr>
           <a:xfrm>
-            <a:off x="5662591" y="4127328"/>
-            <a:ext cx="5432898" cy="830997"/>
+            <a:off x="1808594" y="3717521"/>
+            <a:ext cx="8789586" cy="461665"/>
           </a:xfrm>
           <a:prstGeom prst="rect">
             <a:avLst/>
@@ -7315,7 +6422,7 @@
                   <a:srgbClr val="00B050"/>
                 </a:solidFill>
               </a:rPr>
-              <a:t>//John</a:t>
+              <a:t>//map</a:t>
             </a:r>
             <a:r>
               <a:rPr kumimoji="1" lang="ja-JP" altLang="en-US" sz="2400" dirty="0">
@@ -7323,23 +6430,155 @@
                   <a:srgbClr val="00B050"/>
                 </a:solidFill>
               </a:rPr>
-              <a:t>のキーがない場合誤動作する</a:t>
-            </a:r>
-            <a:endParaRPr kumimoji="1" lang="en-US" altLang="ja-JP" sz="2400" dirty="0">
-              <a:solidFill>
-                <a:srgbClr val="00B050"/>
-              </a:solidFill>
-            </a:endParaRPr>
-          </a:p>
-          <a:p>
-            <a:r>
-              <a:rPr kumimoji="1" lang="ja-JP" altLang="en-US" sz="2400" dirty="0">
-                <a:solidFill>
-                  <a:srgbClr val="00B050"/>
-                </a:solidFill>
-              </a:rPr>
-              <a:t>　　ため、キーの存在チェックを行う</a:t>
-            </a:r>
+              <a:t>クラスではキーが昇順ソートされていることが確認できる</a:t>
+            </a:r>
+          </a:p>
+        </p:txBody>
+      </p:sp>
+      <p:sp>
+        <p:nvSpPr>
+          <p:cNvPr id="7" name="矢印: 右 6">
+            <a:extLst>
+              <a:ext uri="{FF2B5EF4-FFF2-40B4-BE49-F238E27FC236}">
+                <a16:creationId xmlns:a16="http://schemas.microsoft.com/office/drawing/2014/main" id="{338EC4C9-E77B-46DF-976A-6B143A052D79}"/>
+              </a:ext>
+            </a:extLst>
+          </p:cNvPr>
+          <p:cNvSpPr/>
+          <p:nvPr/>
+        </p:nvSpPr>
+        <p:spPr>
+          <a:xfrm>
+            <a:off x="666917" y="2685954"/>
+            <a:ext cx="426396" cy="282102"/>
+          </a:xfrm>
+          <a:prstGeom prst="rightArrow">
+            <a:avLst/>
+          </a:prstGeom>
+          <a:solidFill>
+            <a:srgbClr val="FF0000"/>
+          </a:solidFill>
+        </p:spPr>
+        <p:style>
+          <a:lnRef idx="2">
+            <a:schemeClr val="accent1">
+              <a:shade val="15000"/>
+            </a:schemeClr>
+          </a:lnRef>
+          <a:fillRef idx="1">
+            <a:schemeClr val="accent1"/>
+          </a:fillRef>
+          <a:effectRef idx="0">
+            <a:schemeClr val="accent1"/>
+          </a:effectRef>
+          <a:fontRef idx="minor">
+            <a:schemeClr val="lt1"/>
+          </a:fontRef>
+        </p:style>
+        <p:txBody>
+          <a:bodyPr rtlCol="0" anchor="ctr"/>
+          <a:lstStyle/>
+          <a:p>
+            <a:pPr algn="ctr"/>
+            <a:endParaRPr kumimoji="1" lang="ja-JP" altLang="en-US"/>
+          </a:p>
+        </p:txBody>
+      </p:sp>
+      <p:sp>
+        <p:nvSpPr>
+          <p:cNvPr id="8" name="矢印: 右 7">
+            <a:extLst>
+              <a:ext uri="{FF2B5EF4-FFF2-40B4-BE49-F238E27FC236}">
+                <a16:creationId xmlns:a16="http://schemas.microsoft.com/office/drawing/2014/main" id="{F7FF0589-6059-45ED-AB65-509456BCE9D5}"/>
+              </a:ext>
+            </a:extLst>
+          </p:cNvPr>
+          <p:cNvSpPr/>
+          <p:nvPr/>
+        </p:nvSpPr>
+        <p:spPr>
+          <a:xfrm>
+            <a:off x="666917" y="3009965"/>
+            <a:ext cx="426396" cy="282102"/>
+          </a:xfrm>
+          <a:prstGeom prst="rightArrow">
+            <a:avLst/>
+          </a:prstGeom>
+          <a:solidFill>
+            <a:srgbClr val="FF0000"/>
+          </a:solidFill>
+        </p:spPr>
+        <p:style>
+          <a:lnRef idx="2">
+            <a:schemeClr val="accent1">
+              <a:shade val="15000"/>
+            </a:schemeClr>
+          </a:lnRef>
+          <a:fillRef idx="1">
+            <a:schemeClr val="accent1"/>
+          </a:fillRef>
+          <a:effectRef idx="0">
+            <a:schemeClr val="accent1"/>
+          </a:effectRef>
+          <a:fontRef idx="minor">
+            <a:schemeClr val="lt1"/>
+          </a:fontRef>
+        </p:style>
+        <p:txBody>
+          <a:bodyPr rtlCol="0" anchor="ctr"/>
+          <a:lstStyle/>
+          <a:p>
+            <a:pPr algn="ctr"/>
+            <a:endParaRPr kumimoji="1" lang="ja-JP" altLang="en-US"/>
+          </a:p>
+        </p:txBody>
+      </p:sp>
+      <p:sp>
+        <p:nvSpPr>
+          <p:cNvPr id="9" name="矢印: 右 8">
+            <a:extLst>
+              <a:ext uri="{FF2B5EF4-FFF2-40B4-BE49-F238E27FC236}">
+                <a16:creationId xmlns:a16="http://schemas.microsoft.com/office/drawing/2014/main" id="{10FD7298-DEFE-4614-89CB-3104A8A955BD}"/>
+              </a:ext>
+            </a:extLst>
+          </p:cNvPr>
+          <p:cNvSpPr/>
+          <p:nvPr/>
+        </p:nvSpPr>
+        <p:spPr>
+          <a:xfrm>
+            <a:off x="666917" y="3322447"/>
+            <a:ext cx="426396" cy="282102"/>
+          </a:xfrm>
+          <a:prstGeom prst="rightArrow">
+            <a:avLst/>
+          </a:prstGeom>
+          <a:solidFill>
+            <a:srgbClr val="FF0000"/>
+          </a:solidFill>
+        </p:spPr>
+        <p:style>
+          <a:lnRef idx="2">
+            <a:schemeClr val="accent1">
+              <a:shade val="15000"/>
+            </a:schemeClr>
+          </a:lnRef>
+          <a:fillRef idx="1">
+            <a:schemeClr val="accent1"/>
+          </a:fillRef>
+          <a:effectRef idx="0">
+            <a:schemeClr val="accent1"/>
+          </a:effectRef>
+          <a:fontRef idx="minor">
+            <a:schemeClr val="lt1"/>
+          </a:fontRef>
+        </p:style>
+        <p:txBody>
+          <a:bodyPr rtlCol="0" anchor="ctr"/>
+          <a:lstStyle/>
+          <a:p>
+            <a:pPr algn="ctr"/>
+            <a:endParaRPr kumimoji="1" lang="ja-JP" altLang="en-US"/>
           </a:p>
         </p:txBody>
       </p:sp>
@@ -7357,6 +6596,3949 @@
 </file>
 
 <file path=ppt/slides/slide12.xml><?xml version="1.0" encoding="utf-8"?>
+<p:sld xmlns:a="http://schemas.openxmlformats.org/drawingml/2006/main" xmlns:r="http://schemas.openxmlformats.org/officeDocument/2006/relationships" xmlns:p="http://schemas.openxmlformats.org/presentationml/2006/main">
+  <p:cSld>
+    <p:spTree>
+      <p:nvGrpSpPr>
+        <p:cNvPr id="1" name=""/>
+        <p:cNvGrpSpPr/>
+        <p:nvPr/>
+      </p:nvGrpSpPr>
+      <p:grpSpPr>
+        <a:xfrm>
+          <a:off x="0" y="0"/>
+          <a:ext cx="0" cy="0"/>
+          <a:chOff x="0" y="0"/>
+          <a:chExt cx="0" cy="0"/>
+        </a:xfrm>
+      </p:grpSpPr>
+      <p:sp>
+        <p:nvSpPr>
+          <p:cNvPr id="2" name="タイトル 1">
+            <a:extLst>
+              <a:ext uri="{FF2B5EF4-FFF2-40B4-BE49-F238E27FC236}">
+                <a16:creationId xmlns:a16="http://schemas.microsoft.com/office/drawing/2014/main" id="{F11F3668-F205-48C5-AC01-19611EFE561B}"/>
+              </a:ext>
+            </a:extLst>
+          </p:cNvPr>
+          <p:cNvSpPr>
+            <a:spLocks noGrp="1"/>
+          </p:cNvSpPr>
+          <p:nvPr>
+            <p:ph type="title"/>
+          </p:nvPr>
+        </p:nvSpPr>
+        <p:spPr/>
+        <p:txBody>
+          <a:bodyPr/>
+          <a:lstStyle/>
+          <a:p>
+            <a:r>
+              <a:rPr kumimoji="1" lang="en-US" altLang="ja-JP" dirty="0"/>
+              <a:t>map</a:t>
+            </a:r>
+            <a:r>
+              <a:rPr kumimoji="1" lang="ja-JP" altLang="en-US" dirty="0"/>
+              <a:t>クラス</a:t>
+            </a:r>
+          </a:p>
+        </p:txBody>
+      </p:sp>
+      <p:sp>
+        <p:nvSpPr>
+          <p:cNvPr id="3" name="コンテンツ プレースホルダー 2">
+            <a:extLst>
+              <a:ext uri="{FF2B5EF4-FFF2-40B4-BE49-F238E27FC236}">
+                <a16:creationId xmlns:a16="http://schemas.microsoft.com/office/drawing/2014/main" id="{64DBE417-57E9-44A6-BB52-B2F9986BB7B2}"/>
+              </a:ext>
+            </a:extLst>
+          </p:cNvPr>
+          <p:cNvSpPr>
+            <a:spLocks noGrp="1"/>
+          </p:cNvSpPr>
+          <p:nvPr>
+            <p:ph idx="1"/>
+          </p:nvPr>
+        </p:nvSpPr>
+        <p:spPr>
+          <a:xfrm>
+            <a:off x="838200" y="1162976"/>
+            <a:ext cx="10515600" cy="5193373"/>
+          </a:xfrm>
+        </p:spPr>
+        <p:txBody>
+          <a:bodyPr>
+            <a:normAutofit/>
+          </a:bodyPr>
+          <a:lstStyle/>
+          <a:p>
+            <a:pPr marL="0" indent="0">
+              <a:buNone/>
+            </a:pPr>
+            <a:r>
+              <a:rPr kumimoji="1" lang="en-US" altLang="ja-JP" dirty="0"/>
+              <a:t>                main.cpp</a:t>
+            </a:r>
+            <a:r>
+              <a:rPr kumimoji="1" lang="ja-JP" altLang="en-US" dirty="0"/>
+              <a:t>　</a:t>
+            </a:r>
+            <a:r>
+              <a:rPr kumimoji="1" lang="en-US" altLang="ja-JP" dirty="0"/>
+              <a:t>(Sample608)</a:t>
+            </a:r>
+            <a:br>
+              <a:rPr lang="en-US" altLang="ja-JP" dirty="0"/>
+            </a:br>
+            <a:endParaRPr lang="en-US" altLang="ja-JP" dirty="0"/>
+          </a:p>
+          <a:p>
+            <a:pPr marL="0" indent="0">
+              <a:buNone/>
+            </a:pPr>
+            <a:br>
+              <a:rPr lang="en-US" altLang="ja-JP" dirty="0"/>
+            </a:br>
+            <a:br>
+              <a:rPr lang="en-US" altLang="ja-JP" dirty="0"/>
+            </a:br>
+            <a:br>
+              <a:rPr lang="en-US" altLang="ja-JP" dirty="0"/>
+            </a:br>
+            <a:br>
+              <a:rPr lang="en-US" altLang="ja-JP" sz="2400" dirty="0"/>
+            </a:br>
+            <a:br>
+              <a:rPr lang="en-US" altLang="ja-JP" sz="2400" dirty="0"/>
+            </a:br>
+            <a:endParaRPr lang="en-US" altLang="ja-JP" sz="2400" dirty="0"/>
+          </a:p>
+          <a:p>
+            <a:pPr marL="0" indent="0">
+              <a:buNone/>
+            </a:pPr>
+            <a:br>
+              <a:rPr lang="en-US" altLang="ja-JP" sz="2400" dirty="0"/>
+            </a:br>
+            <a:endParaRPr lang="en-US" altLang="ja-JP" dirty="0">
+              <a:solidFill>
+                <a:srgbClr val="FF0000"/>
+              </a:solidFill>
+            </a:endParaRPr>
+          </a:p>
+        </p:txBody>
+      </p:sp>
+      <p:sp>
+        <p:nvSpPr>
+          <p:cNvPr id="5" name="テキスト ボックス 4">
+            <a:extLst>
+              <a:ext uri="{FF2B5EF4-FFF2-40B4-BE49-F238E27FC236}">
+                <a16:creationId xmlns:a16="http://schemas.microsoft.com/office/drawing/2014/main" id="{9E32883C-0E37-4F07-9861-27609819CE8C}"/>
+              </a:ext>
+            </a:extLst>
+          </p:cNvPr>
+          <p:cNvSpPr txBox="1"/>
+          <p:nvPr/>
+        </p:nvSpPr>
+        <p:spPr>
+          <a:xfrm>
+            <a:off x="859277" y="1097394"/>
+            <a:ext cx="10688220" cy="3785652"/>
+          </a:xfrm>
+          <a:prstGeom prst="rect">
+            <a:avLst/>
+          </a:prstGeom>
+          <a:noFill/>
+          <a:ln>
+            <a:solidFill>
+              <a:schemeClr val="tx1"/>
+            </a:solidFill>
+          </a:ln>
+        </p:spPr>
+        <p:txBody>
+          <a:bodyPr wrap="square" rtlCol="0">
+            <a:spAutoFit/>
+          </a:bodyPr>
+          <a:lstStyle/>
+          <a:p>
+            <a:br>
+              <a:rPr lang="en-US" altLang="ja-JP" sz="2000" dirty="0">
+                <a:solidFill>
+                  <a:srgbClr val="000000"/>
+                </a:solidFill>
+                <a:ea typeface="ＭＳ ゴシック" panose="020B0609070205080204" pitchFamily="49" charset="-128"/>
+              </a:rPr>
+            </a:br>
+            <a:br>
+              <a:rPr lang="en-US" altLang="ja-JP" sz="2000" dirty="0">
+                <a:solidFill>
+                  <a:srgbClr val="000000"/>
+                </a:solidFill>
+                <a:ea typeface="ＭＳ ゴシック" panose="020B0609070205080204" pitchFamily="49" charset="-128"/>
+              </a:rPr>
+            </a:br>
+            <a:r>
+              <a:rPr lang="en-US" altLang="ja-JP" sz="2000" dirty="0">
+                <a:solidFill>
+                  <a:srgbClr val="000000"/>
+                </a:solidFill>
+                <a:ea typeface="ＭＳ ゴシック" panose="020B0609070205080204" pitchFamily="49" charset="-128"/>
+              </a:rPr>
+              <a:t>	</a:t>
+            </a:r>
+            <a:r>
+              <a:rPr lang="en-US" altLang="ja-JP" sz="2000" dirty="0" err="1">
+                <a:ea typeface="ＭＳ ゴシック" panose="020B0609070205080204" pitchFamily="49" charset="-128"/>
+              </a:rPr>
+              <a:t>cout</a:t>
+            </a:r>
+            <a:r>
+              <a:rPr lang="en-US" altLang="ja-JP" sz="2000" dirty="0">
+                <a:ea typeface="ＭＳ ゴシック" panose="020B0609070205080204" pitchFamily="49" charset="-128"/>
+              </a:rPr>
+              <a:t> &lt;&lt; "Tom</a:t>
+            </a:r>
+            <a:r>
+              <a:rPr lang="ja-JP" altLang="en-US" sz="2000" dirty="0">
+                <a:latin typeface="+mn-ea"/>
+              </a:rPr>
+              <a:t>の点数は</a:t>
+            </a:r>
+            <a:r>
+              <a:rPr lang="en-US" altLang="ja-JP" sz="2000" dirty="0">
+                <a:ea typeface="ＭＳ ゴシック" panose="020B0609070205080204" pitchFamily="49" charset="-128"/>
+              </a:rPr>
+              <a:t>"</a:t>
+            </a:r>
+            <a:r>
+              <a:rPr lang="ja-JP" altLang="en-US" sz="2000" dirty="0">
+                <a:ea typeface="ＭＳ ゴシック" panose="020B0609070205080204" pitchFamily="49" charset="-128"/>
+              </a:rPr>
+              <a:t> </a:t>
+            </a:r>
+            <a:r>
+              <a:rPr lang="en-US" altLang="ja-JP" sz="2000" dirty="0">
+                <a:ea typeface="ＭＳ ゴシック" panose="020B0609070205080204" pitchFamily="49" charset="-128"/>
+              </a:rPr>
+              <a:t>&lt;&lt;</a:t>
+            </a:r>
+            <a:r>
+              <a:rPr lang="ja-JP" altLang="en-US" sz="2000" dirty="0">
+                <a:ea typeface="ＭＳ ゴシック" panose="020B0609070205080204" pitchFamily="49" charset="-128"/>
+              </a:rPr>
+              <a:t> </a:t>
+            </a:r>
+            <a:r>
+              <a:rPr lang="en-US" altLang="ja-JP" sz="2000" dirty="0">
+                <a:ea typeface="ＭＳ ゴシック" panose="020B0609070205080204" pitchFamily="49" charset="-128"/>
+              </a:rPr>
+              <a:t>score["Tom"] &lt;&lt; "</a:t>
+            </a:r>
+            <a:r>
+              <a:rPr lang="ja-JP" altLang="en-US" sz="2000" dirty="0">
+                <a:latin typeface="+mn-ea"/>
+              </a:rPr>
+              <a:t>点</a:t>
+            </a:r>
+            <a:r>
+              <a:rPr lang="en-US" altLang="ja-JP" sz="2000" dirty="0">
+                <a:ea typeface="ＭＳ ゴシック" panose="020B0609070205080204" pitchFamily="49" charset="-128"/>
+              </a:rPr>
+              <a:t>"</a:t>
+            </a:r>
+            <a:r>
+              <a:rPr lang="ja-JP" altLang="en-US" sz="2000" dirty="0">
+                <a:ea typeface="ＭＳ ゴシック" panose="020B0609070205080204" pitchFamily="49" charset="-128"/>
+              </a:rPr>
+              <a:t> </a:t>
+            </a:r>
+            <a:r>
+              <a:rPr lang="en-US" altLang="ja-JP" sz="2000" dirty="0">
+                <a:ea typeface="ＭＳ ゴシック" panose="020B0609070205080204" pitchFamily="49" charset="-128"/>
+              </a:rPr>
+              <a:t>&lt;&lt;</a:t>
+            </a:r>
+            <a:r>
+              <a:rPr lang="ja-JP" altLang="en-US" sz="2000" dirty="0">
+                <a:ea typeface="ＭＳ ゴシック" panose="020B0609070205080204" pitchFamily="49" charset="-128"/>
+              </a:rPr>
+              <a:t> </a:t>
+            </a:r>
+            <a:r>
+              <a:rPr lang="en-US" altLang="ja-JP" sz="2000" dirty="0" err="1">
+                <a:ea typeface="ＭＳ ゴシック" panose="020B0609070205080204" pitchFamily="49" charset="-128"/>
+              </a:rPr>
+              <a:t>endl</a:t>
+            </a:r>
+            <a:r>
+              <a:rPr lang="en-US" altLang="ja-JP" sz="2000" dirty="0">
+                <a:ea typeface="ＭＳ ゴシック" panose="020B0609070205080204" pitchFamily="49" charset="-128"/>
+              </a:rPr>
+              <a:t>;</a:t>
+            </a:r>
+          </a:p>
+          <a:p>
+            <a:r>
+              <a:rPr lang="en-US" altLang="ja-JP" sz="2000" dirty="0">
+                <a:ea typeface="ＭＳ ゴシック" panose="020B0609070205080204" pitchFamily="49" charset="-128"/>
+              </a:rPr>
+              <a:t>	</a:t>
+            </a:r>
+            <a:r>
+              <a:rPr lang="en-US" altLang="ja-JP" sz="2000" dirty="0" err="1">
+                <a:ea typeface="ＭＳ ゴシック" panose="020B0609070205080204" pitchFamily="49" charset="-128"/>
+              </a:rPr>
+              <a:t>cout</a:t>
+            </a:r>
+            <a:r>
+              <a:rPr lang="en-US" altLang="ja-JP" sz="2000" dirty="0">
+                <a:ea typeface="ＭＳ ゴシック" panose="020B0609070205080204" pitchFamily="49" charset="-128"/>
+              </a:rPr>
+              <a:t> &lt;&lt; “Bob</a:t>
+            </a:r>
+            <a:r>
+              <a:rPr lang="ja-JP" altLang="en-US" sz="2000" dirty="0">
+                <a:latin typeface="+mn-ea"/>
+              </a:rPr>
+              <a:t>の点数は</a:t>
+            </a:r>
+            <a:r>
+              <a:rPr lang="en-US" altLang="ja-JP" sz="2000" dirty="0">
+                <a:ea typeface="ＭＳ ゴシック" panose="020B0609070205080204" pitchFamily="49" charset="-128"/>
+              </a:rPr>
+              <a:t>”</a:t>
+            </a:r>
+            <a:r>
+              <a:rPr lang="ja-JP" altLang="en-US" sz="2000" dirty="0">
+                <a:ea typeface="ＭＳ ゴシック" panose="020B0609070205080204" pitchFamily="49" charset="-128"/>
+              </a:rPr>
+              <a:t> </a:t>
+            </a:r>
+            <a:r>
+              <a:rPr lang="en-US" altLang="ja-JP" sz="2000" dirty="0">
+                <a:ea typeface="ＭＳ ゴシック" panose="020B0609070205080204" pitchFamily="49" charset="-128"/>
+              </a:rPr>
+              <a:t>&lt;&lt;</a:t>
+            </a:r>
+            <a:r>
+              <a:rPr lang="ja-JP" altLang="en-US" sz="2000" dirty="0">
+                <a:ea typeface="ＭＳ ゴシック" panose="020B0609070205080204" pitchFamily="49" charset="-128"/>
+              </a:rPr>
+              <a:t> </a:t>
+            </a:r>
+            <a:r>
+              <a:rPr lang="en-US" altLang="ja-JP" sz="2000" dirty="0">
+                <a:ea typeface="ＭＳ ゴシック" panose="020B0609070205080204" pitchFamily="49" charset="-128"/>
+              </a:rPr>
+              <a:t>score[“Bob”] &lt;&lt; “</a:t>
+            </a:r>
+            <a:r>
+              <a:rPr lang="ja-JP" altLang="en-US" sz="2000" dirty="0">
+                <a:latin typeface="+mn-ea"/>
+              </a:rPr>
+              <a:t>点</a:t>
+            </a:r>
+            <a:r>
+              <a:rPr lang="en-US" altLang="ja-JP" sz="2000" dirty="0">
+                <a:ea typeface="ＭＳ ゴシック" panose="020B0609070205080204" pitchFamily="49" charset="-128"/>
+              </a:rPr>
+              <a:t>”</a:t>
+            </a:r>
+            <a:r>
+              <a:rPr lang="ja-JP" altLang="en-US" sz="2000" dirty="0">
+                <a:ea typeface="ＭＳ ゴシック" panose="020B0609070205080204" pitchFamily="49" charset="-128"/>
+              </a:rPr>
+              <a:t> </a:t>
+            </a:r>
+            <a:r>
+              <a:rPr lang="en-US" altLang="ja-JP" sz="2000" dirty="0">
+                <a:ea typeface="ＭＳ ゴシック" panose="020B0609070205080204" pitchFamily="49" charset="-128"/>
+              </a:rPr>
+              <a:t>&lt;&lt;</a:t>
+            </a:r>
+            <a:r>
+              <a:rPr lang="ja-JP" altLang="en-US" sz="2000" dirty="0">
+                <a:ea typeface="ＭＳ ゴシック" panose="020B0609070205080204" pitchFamily="49" charset="-128"/>
+              </a:rPr>
+              <a:t> </a:t>
+            </a:r>
+            <a:r>
+              <a:rPr lang="en-US" altLang="ja-JP" sz="2000" dirty="0" err="1">
+                <a:ea typeface="ＭＳ ゴシック" panose="020B0609070205080204" pitchFamily="49" charset="-128"/>
+              </a:rPr>
+              <a:t>endl</a:t>
+            </a:r>
+            <a:r>
+              <a:rPr lang="en-US" altLang="ja-JP" sz="2000" dirty="0">
+                <a:ea typeface="ＭＳ ゴシック" panose="020B0609070205080204" pitchFamily="49" charset="-128"/>
+              </a:rPr>
+              <a:t>;</a:t>
+            </a:r>
+            <a:br>
+              <a:rPr lang="en-US" altLang="ja-JP" sz="2000" dirty="0">
+                <a:ea typeface="ＭＳ ゴシック" panose="020B0609070205080204" pitchFamily="49" charset="-128"/>
+              </a:rPr>
+            </a:br>
+            <a:r>
+              <a:rPr lang="ja-JP" altLang="en-US" sz="2000" dirty="0">
+                <a:solidFill>
+                  <a:srgbClr val="00B050"/>
+                </a:solidFill>
+                <a:ea typeface="ＭＳ ゴシック" panose="020B0609070205080204" pitchFamily="49" charset="-128"/>
+              </a:rPr>
+              <a:t>   </a:t>
+            </a:r>
+            <a:r>
+              <a:rPr lang="en-US" altLang="ja-JP" sz="2000" dirty="0">
+                <a:solidFill>
+                  <a:srgbClr val="00B050"/>
+                </a:solidFill>
+                <a:ea typeface="ＭＳ ゴシック" panose="020B0609070205080204" pitchFamily="49" charset="-128"/>
+              </a:rPr>
+              <a:t>//for</a:t>
+            </a:r>
+            <a:r>
+              <a:rPr lang="ja-JP" altLang="en-US" sz="2000" dirty="0">
+                <a:solidFill>
+                  <a:srgbClr val="00B050"/>
+                </a:solidFill>
+                <a:ea typeface="ＭＳ ゴシック" panose="020B0609070205080204" pitchFamily="49" charset="-128"/>
+              </a:rPr>
+              <a:t> </a:t>
+            </a:r>
+            <a:r>
+              <a:rPr lang="en-US" altLang="ja-JP" sz="2000" dirty="0">
+                <a:solidFill>
+                  <a:srgbClr val="00B050"/>
+                </a:solidFill>
+                <a:ea typeface="ＭＳ ゴシック" panose="020B0609070205080204" pitchFamily="49" charset="-128"/>
+              </a:rPr>
+              <a:t>(auto</a:t>
+            </a:r>
+            <a:r>
+              <a:rPr lang="ja-JP" altLang="en-US" sz="2000" dirty="0">
+                <a:solidFill>
+                  <a:srgbClr val="00B050"/>
+                </a:solidFill>
+                <a:ea typeface="ＭＳ ゴシック" panose="020B0609070205080204" pitchFamily="49" charset="-128"/>
+              </a:rPr>
+              <a:t> </a:t>
+            </a:r>
+            <a:r>
+              <a:rPr lang="en-US" altLang="ja-JP" sz="2000" dirty="0">
+                <a:solidFill>
+                  <a:srgbClr val="00B050"/>
+                </a:solidFill>
+                <a:ea typeface="ＭＳ ゴシック" panose="020B0609070205080204" pitchFamily="49" charset="-128"/>
+              </a:rPr>
+              <a:t>it</a:t>
+            </a:r>
+            <a:r>
+              <a:rPr lang="ja-JP" altLang="en-US" sz="2000" dirty="0">
+                <a:solidFill>
+                  <a:srgbClr val="00B050"/>
+                </a:solidFill>
+                <a:ea typeface="ＭＳ ゴシック" panose="020B0609070205080204" pitchFamily="49" charset="-128"/>
+              </a:rPr>
+              <a:t> </a:t>
+            </a:r>
+            <a:r>
+              <a:rPr lang="en-US" altLang="ja-JP" sz="2000" dirty="0">
+                <a:solidFill>
+                  <a:srgbClr val="00B050"/>
+                </a:solidFill>
+                <a:ea typeface="ＭＳ ゴシック" panose="020B0609070205080204" pitchFamily="49" charset="-128"/>
+              </a:rPr>
+              <a:t>=</a:t>
+            </a:r>
+            <a:r>
+              <a:rPr lang="ja-JP" altLang="en-US" sz="2000" dirty="0">
+                <a:solidFill>
+                  <a:srgbClr val="00B050"/>
+                </a:solidFill>
+                <a:ea typeface="ＭＳ ゴシック" panose="020B0609070205080204" pitchFamily="49" charset="-128"/>
+              </a:rPr>
+              <a:t> </a:t>
+            </a:r>
+            <a:r>
+              <a:rPr lang="en-US" altLang="ja-JP" sz="2000" dirty="0" err="1">
+                <a:solidFill>
+                  <a:srgbClr val="00B050"/>
+                </a:solidFill>
+                <a:ea typeface="ＭＳ ゴシック" panose="020B0609070205080204" pitchFamily="49" charset="-128"/>
+              </a:rPr>
+              <a:t>score.begin</a:t>
+            </a:r>
+            <a:r>
+              <a:rPr lang="en-US" altLang="ja-JP" sz="2000" dirty="0">
+                <a:solidFill>
+                  <a:srgbClr val="00B050"/>
+                </a:solidFill>
+                <a:ea typeface="ＭＳ ゴシック" panose="020B0609070205080204" pitchFamily="49" charset="-128"/>
+              </a:rPr>
+              <a:t>();</a:t>
+            </a:r>
+            <a:r>
+              <a:rPr lang="ja-JP" altLang="en-US" sz="2000" dirty="0">
+                <a:solidFill>
+                  <a:srgbClr val="00B050"/>
+                </a:solidFill>
+                <a:ea typeface="ＭＳ ゴシック" panose="020B0609070205080204" pitchFamily="49" charset="-128"/>
+              </a:rPr>
+              <a:t> </a:t>
+            </a:r>
+            <a:r>
+              <a:rPr lang="en-US" altLang="ja-JP" sz="2000" dirty="0">
+                <a:solidFill>
+                  <a:srgbClr val="00B050"/>
+                </a:solidFill>
+                <a:ea typeface="ＭＳ ゴシック" panose="020B0609070205080204" pitchFamily="49" charset="-128"/>
+              </a:rPr>
+              <a:t>it</a:t>
+            </a:r>
+            <a:r>
+              <a:rPr lang="ja-JP" altLang="en-US" sz="2000" dirty="0">
+                <a:solidFill>
+                  <a:srgbClr val="00B050"/>
+                </a:solidFill>
+                <a:ea typeface="ＭＳ ゴシック" panose="020B0609070205080204" pitchFamily="49" charset="-128"/>
+              </a:rPr>
+              <a:t> </a:t>
+            </a:r>
+            <a:r>
+              <a:rPr lang="en-US" altLang="ja-JP" sz="2000" dirty="0">
+                <a:solidFill>
+                  <a:srgbClr val="00B050"/>
+                </a:solidFill>
+                <a:ea typeface="ＭＳ ゴシック" panose="020B0609070205080204" pitchFamily="49" charset="-128"/>
+              </a:rPr>
+              <a:t>!=</a:t>
+            </a:r>
+            <a:r>
+              <a:rPr lang="ja-JP" altLang="en-US" sz="2000" dirty="0">
+                <a:solidFill>
+                  <a:srgbClr val="00B050"/>
+                </a:solidFill>
+                <a:ea typeface="ＭＳ ゴシック" panose="020B0609070205080204" pitchFamily="49" charset="-128"/>
+              </a:rPr>
+              <a:t> </a:t>
+            </a:r>
+            <a:r>
+              <a:rPr lang="en-US" altLang="ja-JP" sz="2000" dirty="0" err="1">
+                <a:solidFill>
+                  <a:srgbClr val="00B050"/>
+                </a:solidFill>
+                <a:ea typeface="ＭＳ ゴシック" panose="020B0609070205080204" pitchFamily="49" charset="-128"/>
+              </a:rPr>
+              <a:t>score.end</a:t>
+            </a:r>
+            <a:r>
+              <a:rPr lang="en-US" altLang="ja-JP" sz="2000" dirty="0">
+                <a:solidFill>
+                  <a:srgbClr val="00B050"/>
+                </a:solidFill>
+                <a:ea typeface="ＭＳ ゴシック" panose="020B0609070205080204" pitchFamily="49" charset="-128"/>
+              </a:rPr>
+              <a:t>(); it++){</a:t>
+            </a:r>
+          </a:p>
+          <a:p>
+            <a:r>
+              <a:rPr lang="en-US" altLang="ja-JP" sz="2000" dirty="0">
+                <a:solidFill>
+                  <a:srgbClr val="00B050"/>
+                </a:solidFill>
+                <a:ea typeface="ＭＳ ゴシック" panose="020B0609070205080204" pitchFamily="49" charset="-128"/>
+              </a:rPr>
+              <a:t>   //    </a:t>
+            </a:r>
+            <a:r>
+              <a:rPr lang="en-US" altLang="ja-JP" sz="2000" dirty="0" err="1">
+                <a:solidFill>
+                  <a:srgbClr val="00B050"/>
+                </a:solidFill>
+                <a:ea typeface="ＭＳ ゴシック" panose="020B0609070205080204" pitchFamily="49" charset="-128"/>
+              </a:rPr>
+              <a:t>cout</a:t>
+            </a:r>
+            <a:r>
+              <a:rPr lang="en-US" altLang="ja-JP" sz="2000" dirty="0">
+                <a:solidFill>
+                  <a:srgbClr val="00B050"/>
+                </a:solidFill>
+                <a:ea typeface="ＭＳ ゴシック" panose="020B0609070205080204" pitchFamily="49" charset="-128"/>
+              </a:rPr>
+              <a:t> &lt;&lt; “Key:” &lt;&lt; it-&gt;first </a:t>
+            </a:r>
+            <a:br>
+              <a:rPr lang="en-US" altLang="ja-JP" sz="2000" dirty="0">
+                <a:solidFill>
+                  <a:srgbClr val="00B050"/>
+                </a:solidFill>
+                <a:ea typeface="ＭＳ ゴシック" panose="020B0609070205080204" pitchFamily="49" charset="-128"/>
+              </a:rPr>
+            </a:br>
+            <a:r>
+              <a:rPr lang="en-US" altLang="ja-JP" sz="2000" dirty="0">
+                <a:solidFill>
+                  <a:srgbClr val="00B050"/>
+                </a:solidFill>
+                <a:ea typeface="ＭＳ ゴシック" panose="020B0609070205080204" pitchFamily="49" charset="-128"/>
+              </a:rPr>
+              <a:t>   //         &lt;&lt; “ Value:” &lt;&lt; it-&gt;second &lt;&lt; </a:t>
+            </a:r>
+            <a:r>
+              <a:rPr lang="en-US" altLang="ja-JP" sz="2000" dirty="0" err="1">
+                <a:solidFill>
+                  <a:srgbClr val="00B050"/>
+                </a:solidFill>
+                <a:ea typeface="ＭＳ ゴシック" panose="020B0609070205080204" pitchFamily="49" charset="-128"/>
+              </a:rPr>
+              <a:t>endl</a:t>
+            </a:r>
+            <a:r>
+              <a:rPr lang="en-US" altLang="ja-JP" sz="2000" dirty="0">
+                <a:solidFill>
+                  <a:srgbClr val="00B050"/>
+                </a:solidFill>
+                <a:ea typeface="ＭＳ ゴシック" panose="020B0609070205080204" pitchFamily="49" charset="-128"/>
+              </a:rPr>
+              <a:t>;</a:t>
+            </a:r>
+            <a:br>
+              <a:rPr lang="en-US" altLang="ja-JP" sz="2000" dirty="0">
+                <a:solidFill>
+                  <a:srgbClr val="00B050"/>
+                </a:solidFill>
+                <a:ea typeface="ＭＳ ゴシック" panose="020B0609070205080204" pitchFamily="49" charset="-128"/>
+              </a:rPr>
+            </a:br>
+            <a:r>
+              <a:rPr lang="en-US" altLang="ja-JP" sz="2000" dirty="0">
+                <a:solidFill>
+                  <a:srgbClr val="00B050"/>
+                </a:solidFill>
+                <a:ea typeface="ＭＳ ゴシック" panose="020B0609070205080204" pitchFamily="49" charset="-128"/>
+              </a:rPr>
+              <a:t>   //}</a:t>
+            </a:r>
+            <a:br>
+              <a:rPr lang="en-US" altLang="ja-JP" sz="2000" dirty="0">
+                <a:solidFill>
+                  <a:srgbClr val="00B050"/>
+                </a:solidFill>
+                <a:ea typeface="ＭＳ ゴシック" panose="020B0609070205080204" pitchFamily="49" charset="-128"/>
+              </a:rPr>
+            </a:br>
+            <a:r>
+              <a:rPr lang="ja-JP" altLang="en-US" sz="2000" dirty="0">
+                <a:solidFill>
+                  <a:srgbClr val="000000"/>
+                </a:solidFill>
+                <a:ea typeface="ＭＳ ゴシック" panose="020B0609070205080204" pitchFamily="49" charset="-128"/>
+              </a:rPr>
+              <a:t>   </a:t>
+            </a:r>
+            <a:r>
+              <a:rPr lang="en-US" altLang="ja-JP" sz="2000" dirty="0">
+                <a:solidFill>
+                  <a:srgbClr val="000000"/>
+                </a:solidFill>
+                <a:ea typeface="ＭＳ ゴシック" panose="020B0609070205080204" pitchFamily="49" charset="-128"/>
+              </a:rPr>
+              <a:t>for</a:t>
+            </a:r>
+            <a:r>
+              <a:rPr lang="ja-JP" altLang="en-US" sz="2000" dirty="0">
+                <a:solidFill>
+                  <a:srgbClr val="000000"/>
+                </a:solidFill>
+                <a:ea typeface="ＭＳ ゴシック" panose="020B0609070205080204" pitchFamily="49" charset="-128"/>
+              </a:rPr>
+              <a:t> </a:t>
+            </a:r>
+            <a:r>
+              <a:rPr lang="en-US" altLang="ja-JP" sz="2000" dirty="0">
+                <a:solidFill>
+                  <a:srgbClr val="000000"/>
+                </a:solidFill>
+                <a:ea typeface="ＭＳ ゴシック" panose="020B0609070205080204" pitchFamily="49" charset="-128"/>
+              </a:rPr>
+              <a:t>(auto</a:t>
+            </a:r>
+            <a:r>
+              <a:rPr lang="ja-JP" altLang="en-US" sz="2000" dirty="0">
+                <a:solidFill>
+                  <a:srgbClr val="000000"/>
+                </a:solidFill>
+                <a:ea typeface="ＭＳ ゴシック" panose="020B0609070205080204" pitchFamily="49" charset="-128"/>
+              </a:rPr>
+              <a:t> </a:t>
+            </a:r>
+            <a:r>
+              <a:rPr lang="en-US" altLang="ja-JP" sz="2000" dirty="0">
+                <a:solidFill>
+                  <a:srgbClr val="000000"/>
+                </a:solidFill>
+                <a:ea typeface="ＭＳ ゴシック" panose="020B0609070205080204" pitchFamily="49" charset="-128"/>
+              </a:rPr>
+              <a:t>p</a:t>
+            </a:r>
+            <a:r>
+              <a:rPr lang="ja-JP" altLang="en-US" sz="2000" dirty="0">
+                <a:solidFill>
+                  <a:srgbClr val="000000"/>
+                </a:solidFill>
+                <a:ea typeface="ＭＳ ゴシック" panose="020B0609070205080204" pitchFamily="49" charset="-128"/>
+              </a:rPr>
+              <a:t> </a:t>
+            </a:r>
+            <a:r>
+              <a:rPr lang="en-US" altLang="ja-JP" sz="2000" dirty="0">
+                <a:solidFill>
+                  <a:srgbClr val="000000"/>
+                </a:solidFill>
+                <a:ea typeface="ＭＳ ゴシック" panose="020B0609070205080204" pitchFamily="49" charset="-128"/>
+              </a:rPr>
+              <a:t>:</a:t>
+            </a:r>
+            <a:r>
+              <a:rPr lang="ja-JP" altLang="en-US" sz="2000" dirty="0">
+                <a:solidFill>
+                  <a:srgbClr val="000000"/>
+                </a:solidFill>
+                <a:ea typeface="ＭＳ ゴシック" panose="020B0609070205080204" pitchFamily="49" charset="-128"/>
+              </a:rPr>
+              <a:t> </a:t>
+            </a:r>
+            <a:r>
+              <a:rPr lang="en-US" altLang="ja-JP" sz="2000" dirty="0">
+                <a:solidFill>
+                  <a:srgbClr val="000000"/>
+                </a:solidFill>
+                <a:ea typeface="ＭＳ ゴシック" panose="020B0609070205080204" pitchFamily="49" charset="-128"/>
+              </a:rPr>
+              <a:t>score){</a:t>
+            </a:r>
+          </a:p>
+          <a:p>
+            <a:r>
+              <a:rPr lang="en-US" altLang="ja-JP" sz="2000" dirty="0">
+                <a:solidFill>
+                  <a:srgbClr val="000000"/>
+                </a:solidFill>
+                <a:ea typeface="ＭＳ ゴシック" panose="020B0609070205080204" pitchFamily="49" charset="-128"/>
+              </a:rPr>
+              <a:t>       </a:t>
+            </a:r>
+            <a:r>
+              <a:rPr lang="en-US" altLang="ja-JP" sz="2000" dirty="0" err="1">
+                <a:solidFill>
+                  <a:srgbClr val="000000"/>
+                </a:solidFill>
+                <a:ea typeface="ＭＳ ゴシック" panose="020B0609070205080204" pitchFamily="49" charset="-128"/>
+              </a:rPr>
+              <a:t>cout</a:t>
+            </a:r>
+            <a:r>
+              <a:rPr lang="en-US" altLang="ja-JP" sz="2000" dirty="0">
+                <a:solidFill>
+                  <a:srgbClr val="000000"/>
+                </a:solidFill>
+                <a:ea typeface="ＭＳ ゴシック" panose="020B0609070205080204" pitchFamily="49" charset="-128"/>
+              </a:rPr>
+              <a:t> &lt;&lt; “Key:” &lt;&lt; </a:t>
+            </a:r>
+            <a:r>
+              <a:rPr lang="en-US" altLang="ja-JP" sz="2000" dirty="0" err="1">
+                <a:solidFill>
+                  <a:srgbClr val="FF0000"/>
+                </a:solidFill>
+                <a:ea typeface="ＭＳ ゴシック" panose="020B0609070205080204" pitchFamily="49" charset="-128"/>
+              </a:rPr>
+              <a:t>p.first</a:t>
+            </a:r>
+            <a:r>
+              <a:rPr lang="en-US" altLang="ja-JP" sz="2000" dirty="0">
+                <a:solidFill>
+                  <a:srgbClr val="FF0000"/>
+                </a:solidFill>
+                <a:ea typeface="ＭＳ ゴシック" panose="020B0609070205080204" pitchFamily="49" charset="-128"/>
+              </a:rPr>
+              <a:t> </a:t>
+            </a:r>
+            <a:br>
+              <a:rPr lang="en-US" altLang="ja-JP" sz="2000" dirty="0">
+                <a:solidFill>
+                  <a:srgbClr val="000000"/>
+                </a:solidFill>
+                <a:ea typeface="ＭＳ ゴシック" panose="020B0609070205080204" pitchFamily="49" charset="-128"/>
+              </a:rPr>
+            </a:br>
+            <a:r>
+              <a:rPr lang="en-US" altLang="ja-JP" sz="2000" dirty="0">
+                <a:solidFill>
+                  <a:srgbClr val="000000"/>
+                </a:solidFill>
+                <a:ea typeface="ＭＳ ゴシック" panose="020B0609070205080204" pitchFamily="49" charset="-128"/>
+              </a:rPr>
+              <a:t>            &lt;&lt; “ Value:” &lt;&lt; </a:t>
+            </a:r>
+            <a:r>
+              <a:rPr lang="en-US" altLang="ja-JP" sz="2000" dirty="0" err="1">
+                <a:solidFill>
+                  <a:srgbClr val="FF0000"/>
+                </a:solidFill>
+                <a:ea typeface="ＭＳ ゴシック" panose="020B0609070205080204" pitchFamily="49" charset="-128"/>
+              </a:rPr>
+              <a:t>p.second</a:t>
+            </a:r>
+            <a:r>
+              <a:rPr lang="en-US" altLang="ja-JP" sz="2000" dirty="0">
+                <a:solidFill>
+                  <a:srgbClr val="FF0000"/>
+                </a:solidFill>
+                <a:ea typeface="ＭＳ ゴシック" panose="020B0609070205080204" pitchFamily="49" charset="-128"/>
+              </a:rPr>
+              <a:t> </a:t>
+            </a:r>
+            <a:r>
+              <a:rPr lang="en-US" altLang="ja-JP" sz="2000" dirty="0">
+                <a:solidFill>
+                  <a:srgbClr val="000000"/>
+                </a:solidFill>
+                <a:ea typeface="ＭＳ ゴシック" panose="020B0609070205080204" pitchFamily="49" charset="-128"/>
+              </a:rPr>
+              <a:t>&lt;&lt; </a:t>
+            </a:r>
+            <a:r>
+              <a:rPr lang="en-US" altLang="ja-JP" sz="2000" dirty="0" err="1">
+                <a:solidFill>
+                  <a:srgbClr val="000000"/>
+                </a:solidFill>
+                <a:ea typeface="ＭＳ ゴシック" panose="020B0609070205080204" pitchFamily="49" charset="-128"/>
+              </a:rPr>
+              <a:t>endl</a:t>
+            </a:r>
+            <a:r>
+              <a:rPr lang="en-US" altLang="ja-JP" sz="2000" dirty="0">
+                <a:solidFill>
+                  <a:srgbClr val="000000"/>
+                </a:solidFill>
+                <a:ea typeface="ＭＳ ゴシック" panose="020B0609070205080204" pitchFamily="49" charset="-128"/>
+              </a:rPr>
+              <a:t>;</a:t>
+            </a:r>
+            <a:br>
+              <a:rPr lang="en-US" altLang="ja-JP" sz="2000" dirty="0">
+                <a:solidFill>
+                  <a:srgbClr val="000000"/>
+                </a:solidFill>
+                <a:ea typeface="ＭＳ ゴシック" panose="020B0609070205080204" pitchFamily="49" charset="-128"/>
+              </a:rPr>
+            </a:br>
+            <a:r>
+              <a:rPr lang="en-US" altLang="ja-JP" sz="2000" dirty="0">
+                <a:solidFill>
+                  <a:srgbClr val="000000"/>
+                </a:solidFill>
+                <a:ea typeface="ＭＳ ゴシック" panose="020B0609070205080204" pitchFamily="49" charset="-128"/>
+              </a:rPr>
+              <a:t>   }</a:t>
+            </a:r>
+          </a:p>
+        </p:txBody>
+      </p:sp>
+      <p:sp>
+        <p:nvSpPr>
+          <p:cNvPr id="4" name="矢印: 右 3">
+            <a:extLst>
+              <a:ext uri="{FF2B5EF4-FFF2-40B4-BE49-F238E27FC236}">
+                <a16:creationId xmlns:a16="http://schemas.microsoft.com/office/drawing/2014/main" id="{AD2EA0A1-88A0-8DB3-DAB4-EA7F57FB95DB}"/>
+              </a:ext>
+            </a:extLst>
+          </p:cNvPr>
+          <p:cNvSpPr/>
+          <p:nvPr/>
+        </p:nvSpPr>
+        <p:spPr>
+          <a:xfrm>
+            <a:off x="666917" y="3593328"/>
+            <a:ext cx="426396" cy="282102"/>
+          </a:xfrm>
+          <a:prstGeom prst="rightArrow">
+            <a:avLst/>
+          </a:prstGeom>
+          <a:solidFill>
+            <a:srgbClr val="FF0000"/>
+          </a:solidFill>
+        </p:spPr>
+        <p:style>
+          <a:lnRef idx="2">
+            <a:schemeClr val="accent1">
+              <a:shade val="15000"/>
+            </a:schemeClr>
+          </a:lnRef>
+          <a:fillRef idx="1">
+            <a:schemeClr val="accent1"/>
+          </a:fillRef>
+          <a:effectRef idx="0">
+            <a:schemeClr val="accent1"/>
+          </a:effectRef>
+          <a:fontRef idx="minor">
+            <a:schemeClr val="lt1"/>
+          </a:fontRef>
+        </p:style>
+        <p:txBody>
+          <a:bodyPr rtlCol="0" anchor="ctr"/>
+          <a:lstStyle/>
+          <a:p>
+            <a:pPr algn="ctr"/>
+            <a:endParaRPr kumimoji="1" lang="ja-JP" altLang="en-US"/>
+          </a:p>
+        </p:txBody>
+      </p:sp>
+      <p:sp>
+        <p:nvSpPr>
+          <p:cNvPr id="6" name="テキスト ボックス 5">
+            <a:extLst>
+              <a:ext uri="{FF2B5EF4-FFF2-40B4-BE49-F238E27FC236}">
+                <a16:creationId xmlns:a16="http://schemas.microsoft.com/office/drawing/2014/main" id="{B3E4DF59-D6A8-7B8F-A732-09B27B0CBEB3}"/>
+              </a:ext>
+            </a:extLst>
+          </p:cNvPr>
+          <p:cNvSpPr txBox="1"/>
+          <p:nvPr/>
+        </p:nvSpPr>
+        <p:spPr>
+          <a:xfrm>
+            <a:off x="3861512" y="4865003"/>
+            <a:ext cx="6429965" cy="461665"/>
+          </a:xfrm>
+          <a:prstGeom prst="rect">
+            <a:avLst/>
+          </a:prstGeom>
+          <a:solidFill>
+            <a:schemeClr val="bg1"/>
+          </a:solidFill>
+          <a:ln>
+            <a:solidFill>
+              <a:schemeClr val="tx1"/>
+            </a:solidFill>
+          </a:ln>
+        </p:spPr>
+        <p:txBody>
+          <a:bodyPr wrap="none" rtlCol="0">
+            <a:spAutoFit/>
+          </a:bodyPr>
+          <a:lstStyle/>
+          <a:p>
+            <a:r>
+              <a:rPr kumimoji="1" lang="en-US" altLang="ja-JP" sz="2400" dirty="0">
+                <a:solidFill>
+                  <a:srgbClr val="00B050"/>
+                </a:solidFill>
+              </a:rPr>
+              <a:t>//</a:t>
+            </a:r>
+            <a:r>
+              <a:rPr kumimoji="1" lang="ja-JP" altLang="en-US" sz="2400" dirty="0">
+                <a:solidFill>
+                  <a:srgbClr val="00B050"/>
+                </a:solidFill>
+              </a:rPr>
+              <a:t>イテレータのかわりに範囲</a:t>
+            </a:r>
+            <a:r>
+              <a:rPr kumimoji="1" lang="en-US" altLang="ja-JP" sz="2400" dirty="0">
+                <a:solidFill>
+                  <a:srgbClr val="00B050"/>
+                </a:solidFill>
+              </a:rPr>
+              <a:t>for</a:t>
+            </a:r>
+            <a:r>
+              <a:rPr kumimoji="1" lang="ja-JP" altLang="en-US" sz="2400" dirty="0">
+                <a:solidFill>
+                  <a:srgbClr val="00B050"/>
+                </a:solidFill>
+              </a:rPr>
+              <a:t>でも記述可能</a:t>
+            </a:r>
+          </a:p>
+        </p:txBody>
+      </p:sp>
+      <p:sp>
+        <p:nvSpPr>
+          <p:cNvPr id="7" name="矢印: 右 6">
+            <a:extLst>
+              <a:ext uri="{FF2B5EF4-FFF2-40B4-BE49-F238E27FC236}">
+                <a16:creationId xmlns:a16="http://schemas.microsoft.com/office/drawing/2014/main" id="{338EC4C9-E77B-46DF-976A-6B143A052D79}"/>
+              </a:ext>
+            </a:extLst>
+          </p:cNvPr>
+          <p:cNvSpPr/>
+          <p:nvPr/>
+        </p:nvSpPr>
+        <p:spPr>
+          <a:xfrm>
+            <a:off x="666917" y="3905152"/>
+            <a:ext cx="426396" cy="282102"/>
+          </a:xfrm>
+          <a:prstGeom prst="rightArrow">
+            <a:avLst/>
+          </a:prstGeom>
+          <a:solidFill>
+            <a:srgbClr val="FF0000"/>
+          </a:solidFill>
+        </p:spPr>
+        <p:style>
+          <a:lnRef idx="2">
+            <a:schemeClr val="accent1">
+              <a:shade val="15000"/>
+            </a:schemeClr>
+          </a:lnRef>
+          <a:fillRef idx="1">
+            <a:schemeClr val="accent1"/>
+          </a:fillRef>
+          <a:effectRef idx="0">
+            <a:schemeClr val="accent1"/>
+          </a:effectRef>
+          <a:fontRef idx="minor">
+            <a:schemeClr val="lt1"/>
+          </a:fontRef>
+        </p:style>
+        <p:txBody>
+          <a:bodyPr rtlCol="0" anchor="ctr"/>
+          <a:lstStyle/>
+          <a:p>
+            <a:pPr algn="ctr"/>
+            <a:endParaRPr kumimoji="1" lang="ja-JP" altLang="en-US"/>
+          </a:p>
+        </p:txBody>
+      </p:sp>
+      <p:sp>
+        <p:nvSpPr>
+          <p:cNvPr id="8" name="矢印: 右 7">
+            <a:extLst>
+              <a:ext uri="{FF2B5EF4-FFF2-40B4-BE49-F238E27FC236}">
+                <a16:creationId xmlns:a16="http://schemas.microsoft.com/office/drawing/2014/main" id="{F7FF0589-6059-45ED-AB65-509456BCE9D5}"/>
+              </a:ext>
+            </a:extLst>
+          </p:cNvPr>
+          <p:cNvSpPr/>
+          <p:nvPr/>
+        </p:nvSpPr>
+        <p:spPr>
+          <a:xfrm>
+            <a:off x="666917" y="4229163"/>
+            <a:ext cx="426396" cy="282102"/>
+          </a:xfrm>
+          <a:prstGeom prst="rightArrow">
+            <a:avLst/>
+          </a:prstGeom>
+          <a:solidFill>
+            <a:srgbClr val="FF0000"/>
+          </a:solidFill>
+        </p:spPr>
+        <p:style>
+          <a:lnRef idx="2">
+            <a:schemeClr val="accent1">
+              <a:shade val="15000"/>
+            </a:schemeClr>
+          </a:lnRef>
+          <a:fillRef idx="1">
+            <a:schemeClr val="accent1"/>
+          </a:fillRef>
+          <a:effectRef idx="0">
+            <a:schemeClr val="accent1"/>
+          </a:effectRef>
+          <a:fontRef idx="minor">
+            <a:schemeClr val="lt1"/>
+          </a:fontRef>
+        </p:style>
+        <p:txBody>
+          <a:bodyPr rtlCol="0" anchor="ctr"/>
+          <a:lstStyle/>
+          <a:p>
+            <a:pPr algn="ctr"/>
+            <a:endParaRPr kumimoji="1" lang="ja-JP" altLang="en-US"/>
+          </a:p>
+        </p:txBody>
+      </p:sp>
+      <p:sp>
+        <p:nvSpPr>
+          <p:cNvPr id="9" name="矢印: 右 8">
+            <a:extLst>
+              <a:ext uri="{FF2B5EF4-FFF2-40B4-BE49-F238E27FC236}">
+                <a16:creationId xmlns:a16="http://schemas.microsoft.com/office/drawing/2014/main" id="{10FD7298-DEFE-4614-89CB-3104A8A955BD}"/>
+              </a:ext>
+            </a:extLst>
+          </p:cNvPr>
+          <p:cNvSpPr/>
+          <p:nvPr/>
+        </p:nvSpPr>
+        <p:spPr>
+          <a:xfrm>
+            <a:off x="666917" y="4541645"/>
+            <a:ext cx="426396" cy="282102"/>
+          </a:xfrm>
+          <a:prstGeom prst="rightArrow">
+            <a:avLst/>
+          </a:prstGeom>
+          <a:solidFill>
+            <a:srgbClr val="FF0000"/>
+          </a:solidFill>
+        </p:spPr>
+        <p:style>
+          <a:lnRef idx="2">
+            <a:schemeClr val="accent1">
+              <a:shade val="15000"/>
+            </a:schemeClr>
+          </a:lnRef>
+          <a:fillRef idx="1">
+            <a:schemeClr val="accent1"/>
+          </a:fillRef>
+          <a:effectRef idx="0">
+            <a:schemeClr val="accent1"/>
+          </a:effectRef>
+          <a:fontRef idx="minor">
+            <a:schemeClr val="lt1"/>
+          </a:fontRef>
+        </p:style>
+        <p:txBody>
+          <a:bodyPr rtlCol="0" anchor="ctr"/>
+          <a:lstStyle/>
+          <a:p>
+            <a:pPr algn="ctr"/>
+            <a:endParaRPr kumimoji="1" lang="ja-JP" altLang="en-US"/>
+          </a:p>
+        </p:txBody>
+      </p:sp>
+    </p:spTree>
+    <p:extLst>
+      <p:ext uri="{BB962C8B-B14F-4D97-AF65-F5344CB8AC3E}">
+        <p14:creationId xmlns:p14="http://schemas.microsoft.com/office/powerpoint/2010/main" val="2522052101"/>
+      </p:ext>
+    </p:extLst>
+  </p:cSld>
+  <p:clrMapOvr>
+    <a:masterClrMapping/>
+  </p:clrMapOvr>
+</p:sld>
+</file>
+
+<file path=ppt/slides/slide13.xml><?xml version="1.0" encoding="utf-8"?>
+<p:sld xmlns:a="http://schemas.openxmlformats.org/drawingml/2006/main" xmlns:r="http://schemas.openxmlformats.org/officeDocument/2006/relationships" xmlns:p="http://schemas.openxmlformats.org/presentationml/2006/main">
+  <p:cSld>
+    <p:spTree>
+      <p:nvGrpSpPr>
+        <p:cNvPr id="1" name=""/>
+        <p:cNvGrpSpPr/>
+        <p:nvPr/>
+      </p:nvGrpSpPr>
+      <p:grpSpPr>
+        <a:xfrm>
+          <a:off x="0" y="0"/>
+          <a:ext cx="0" cy="0"/>
+          <a:chOff x="0" y="0"/>
+          <a:chExt cx="0" cy="0"/>
+        </a:xfrm>
+      </p:grpSpPr>
+      <p:sp>
+        <p:nvSpPr>
+          <p:cNvPr id="2" name="タイトル 1">
+            <a:extLst>
+              <a:ext uri="{FF2B5EF4-FFF2-40B4-BE49-F238E27FC236}">
+                <a16:creationId xmlns:a16="http://schemas.microsoft.com/office/drawing/2014/main" id="{F11F3668-F205-48C5-AC01-19611EFE561B}"/>
+              </a:ext>
+            </a:extLst>
+          </p:cNvPr>
+          <p:cNvSpPr>
+            <a:spLocks noGrp="1"/>
+          </p:cNvSpPr>
+          <p:nvPr>
+            <p:ph type="title"/>
+          </p:nvPr>
+        </p:nvSpPr>
+        <p:spPr/>
+        <p:txBody>
+          <a:bodyPr/>
+          <a:lstStyle/>
+          <a:p>
+            <a:r>
+              <a:rPr kumimoji="1" lang="en-US" altLang="ja-JP" dirty="0"/>
+              <a:t>map</a:t>
+            </a:r>
+            <a:r>
+              <a:rPr kumimoji="1" lang="ja-JP" altLang="en-US" dirty="0"/>
+              <a:t>クラス</a:t>
+            </a:r>
+          </a:p>
+        </p:txBody>
+      </p:sp>
+      <p:sp>
+        <p:nvSpPr>
+          <p:cNvPr id="3" name="コンテンツ プレースホルダー 2">
+            <a:extLst>
+              <a:ext uri="{FF2B5EF4-FFF2-40B4-BE49-F238E27FC236}">
+                <a16:creationId xmlns:a16="http://schemas.microsoft.com/office/drawing/2014/main" id="{64DBE417-57E9-44A6-BB52-B2F9986BB7B2}"/>
+              </a:ext>
+            </a:extLst>
+          </p:cNvPr>
+          <p:cNvSpPr>
+            <a:spLocks noGrp="1"/>
+          </p:cNvSpPr>
+          <p:nvPr>
+            <p:ph idx="1"/>
+          </p:nvPr>
+        </p:nvSpPr>
+        <p:spPr>
+          <a:xfrm>
+            <a:off x="838200" y="1162976"/>
+            <a:ext cx="10515600" cy="5193373"/>
+          </a:xfrm>
+        </p:spPr>
+        <p:txBody>
+          <a:bodyPr>
+            <a:normAutofit/>
+          </a:bodyPr>
+          <a:lstStyle/>
+          <a:p>
+            <a:pPr marL="0" indent="0">
+              <a:buNone/>
+            </a:pPr>
+            <a:r>
+              <a:rPr kumimoji="1" lang="en-US" altLang="ja-JP" dirty="0"/>
+              <a:t>                main.cpp</a:t>
+            </a:r>
+            <a:r>
+              <a:rPr kumimoji="1" lang="ja-JP" altLang="en-US" dirty="0"/>
+              <a:t>　</a:t>
+            </a:r>
+            <a:r>
+              <a:rPr kumimoji="1" lang="en-US" altLang="ja-JP" dirty="0"/>
+              <a:t>(Sample608)</a:t>
+            </a:r>
+            <a:br>
+              <a:rPr lang="en-US" altLang="ja-JP" dirty="0"/>
+            </a:br>
+            <a:endParaRPr lang="en-US" altLang="ja-JP" dirty="0"/>
+          </a:p>
+          <a:p>
+            <a:pPr marL="0" indent="0">
+              <a:buNone/>
+            </a:pPr>
+            <a:br>
+              <a:rPr lang="en-US" altLang="ja-JP" dirty="0"/>
+            </a:br>
+            <a:br>
+              <a:rPr lang="en-US" altLang="ja-JP" dirty="0"/>
+            </a:br>
+            <a:br>
+              <a:rPr lang="en-US" altLang="ja-JP" dirty="0"/>
+            </a:br>
+            <a:br>
+              <a:rPr lang="en-US" altLang="ja-JP" sz="2400" dirty="0"/>
+            </a:br>
+            <a:br>
+              <a:rPr lang="en-US" altLang="ja-JP" sz="2400" dirty="0"/>
+            </a:br>
+            <a:endParaRPr lang="en-US" altLang="ja-JP" sz="2400" dirty="0"/>
+          </a:p>
+          <a:p>
+            <a:pPr marL="0" indent="0">
+              <a:buNone/>
+            </a:pPr>
+            <a:br>
+              <a:rPr lang="en-US" altLang="ja-JP" sz="2400" dirty="0"/>
+            </a:br>
+            <a:endParaRPr lang="en-US" altLang="ja-JP" dirty="0">
+              <a:solidFill>
+                <a:srgbClr val="FF0000"/>
+              </a:solidFill>
+            </a:endParaRPr>
+          </a:p>
+        </p:txBody>
+      </p:sp>
+      <p:sp>
+        <p:nvSpPr>
+          <p:cNvPr id="5" name="テキスト ボックス 4">
+            <a:extLst>
+              <a:ext uri="{FF2B5EF4-FFF2-40B4-BE49-F238E27FC236}">
+                <a16:creationId xmlns:a16="http://schemas.microsoft.com/office/drawing/2014/main" id="{9E32883C-0E37-4F07-9861-27609819CE8C}"/>
+              </a:ext>
+            </a:extLst>
+          </p:cNvPr>
+          <p:cNvSpPr txBox="1"/>
+          <p:nvPr/>
+        </p:nvSpPr>
+        <p:spPr>
+          <a:xfrm>
+            <a:off x="859277" y="1097394"/>
+            <a:ext cx="10688220" cy="5016758"/>
+          </a:xfrm>
+          <a:prstGeom prst="rect">
+            <a:avLst/>
+          </a:prstGeom>
+          <a:noFill/>
+          <a:ln>
+            <a:solidFill>
+              <a:schemeClr val="tx1"/>
+            </a:solidFill>
+          </a:ln>
+        </p:spPr>
+        <p:txBody>
+          <a:bodyPr wrap="square" rtlCol="0">
+            <a:spAutoFit/>
+          </a:bodyPr>
+          <a:lstStyle/>
+          <a:p>
+            <a:br>
+              <a:rPr lang="en-US" altLang="ja-JP" sz="2000" dirty="0">
+                <a:solidFill>
+                  <a:srgbClr val="000000"/>
+                </a:solidFill>
+                <a:ea typeface="ＭＳ ゴシック" panose="020B0609070205080204" pitchFamily="49" charset="-128"/>
+              </a:rPr>
+            </a:br>
+            <a:br>
+              <a:rPr lang="en-US" altLang="ja-JP" sz="2000" dirty="0">
+                <a:solidFill>
+                  <a:srgbClr val="000000"/>
+                </a:solidFill>
+                <a:ea typeface="ＭＳ ゴシック" panose="020B0609070205080204" pitchFamily="49" charset="-128"/>
+              </a:rPr>
+            </a:br>
+            <a:r>
+              <a:rPr lang="en-US" altLang="ja-JP" sz="2000" dirty="0">
+                <a:solidFill>
+                  <a:srgbClr val="000000"/>
+                </a:solidFill>
+                <a:ea typeface="ＭＳ ゴシック" panose="020B0609070205080204" pitchFamily="49" charset="-128"/>
+              </a:rPr>
+              <a:t>	</a:t>
+            </a:r>
+            <a:r>
+              <a:rPr lang="en-US" altLang="ja-JP" sz="2000" dirty="0" err="1">
+                <a:ea typeface="ＭＳ ゴシック" panose="020B0609070205080204" pitchFamily="49" charset="-128"/>
+              </a:rPr>
+              <a:t>cout</a:t>
+            </a:r>
+            <a:r>
+              <a:rPr lang="en-US" altLang="ja-JP" sz="2000" dirty="0">
+                <a:ea typeface="ＭＳ ゴシック" panose="020B0609070205080204" pitchFamily="49" charset="-128"/>
+              </a:rPr>
+              <a:t> &lt;&lt; "Tom</a:t>
+            </a:r>
+            <a:r>
+              <a:rPr lang="ja-JP" altLang="en-US" sz="2000" dirty="0">
+                <a:latin typeface="+mn-ea"/>
+              </a:rPr>
+              <a:t>の点数は</a:t>
+            </a:r>
+            <a:r>
+              <a:rPr lang="en-US" altLang="ja-JP" sz="2000" dirty="0">
+                <a:ea typeface="ＭＳ ゴシック" panose="020B0609070205080204" pitchFamily="49" charset="-128"/>
+              </a:rPr>
+              <a:t>"</a:t>
+            </a:r>
+            <a:r>
+              <a:rPr lang="ja-JP" altLang="en-US" sz="2000" dirty="0">
+                <a:ea typeface="ＭＳ ゴシック" panose="020B0609070205080204" pitchFamily="49" charset="-128"/>
+              </a:rPr>
+              <a:t> </a:t>
+            </a:r>
+            <a:r>
+              <a:rPr lang="en-US" altLang="ja-JP" sz="2000" dirty="0">
+                <a:ea typeface="ＭＳ ゴシック" panose="020B0609070205080204" pitchFamily="49" charset="-128"/>
+              </a:rPr>
+              <a:t>&lt;&lt;</a:t>
+            </a:r>
+            <a:r>
+              <a:rPr lang="ja-JP" altLang="en-US" sz="2000" dirty="0">
+                <a:ea typeface="ＭＳ ゴシック" panose="020B0609070205080204" pitchFamily="49" charset="-128"/>
+              </a:rPr>
+              <a:t> </a:t>
+            </a:r>
+            <a:r>
+              <a:rPr lang="en-US" altLang="ja-JP" sz="2000" dirty="0">
+                <a:ea typeface="ＭＳ ゴシック" panose="020B0609070205080204" pitchFamily="49" charset="-128"/>
+              </a:rPr>
+              <a:t>score["Tom"] &lt;&lt; "</a:t>
+            </a:r>
+            <a:r>
+              <a:rPr lang="ja-JP" altLang="en-US" sz="2000" dirty="0">
+                <a:latin typeface="+mn-ea"/>
+              </a:rPr>
+              <a:t>点</a:t>
+            </a:r>
+            <a:r>
+              <a:rPr lang="en-US" altLang="ja-JP" sz="2000" dirty="0">
+                <a:ea typeface="ＭＳ ゴシック" panose="020B0609070205080204" pitchFamily="49" charset="-128"/>
+              </a:rPr>
+              <a:t>"</a:t>
+            </a:r>
+            <a:r>
+              <a:rPr lang="ja-JP" altLang="en-US" sz="2000" dirty="0">
+                <a:ea typeface="ＭＳ ゴシック" panose="020B0609070205080204" pitchFamily="49" charset="-128"/>
+              </a:rPr>
+              <a:t> </a:t>
+            </a:r>
+            <a:r>
+              <a:rPr lang="en-US" altLang="ja-JP" sz="2000" dirty="0">
+                <a:ea typeface="ＭＳ ゴシック" panose="020B0609070205080204" pitchFamily="49" charset="-128"/>
+              </a:rPr>
+              <a:t>&lt;&lt;</a:t>
+            </a:r>
+            <a:r>
+              <a:rPr lang="ja-JP" altLang="en-US" sz="2000" dirty="0">
+                <a:ea typeface="ＭＳ ゴシック" panose="020B0609070205080204" pitchFamily="49" charset="-128"/>
+              </a:rPr>
+              <a:t> </a:t>
+            </a:r>
+            <a:r>
+              <a:rPr lang="en-US" altLang="ja-JP" sz="2000" dirty="0" err="1">
+                <a:ea typeface="ＭＳ ゴシック" panose="020B0609070205080204" pitchFamily="49" charset="-128"/>
+              </a:rPr>
+              <a:t>endl</a:t>
+            </a:r>
+            <a:r>
+              <a:rPr lang="en-US" altLang="ja-JP" sz="2000" dirty="0">
+                <a:ea typeface="ＭＳ ゴシック" panose="020B0609070205080204" pitchFamily="49" charset="-128"/>
+              </a:rPr>
+              <a:t>;</a:t>
+            </a:r>
+          </a:p>
+          <a:p>
+            <a:r>
+              <a:rPr lang="en-US" altLang="ja-JP" sz="2000" dirty="0">
+                <a:ea typeface="ＭＳ ゴシック" panose="020B0609070205080204" pitchFamily="49" charset="-128"/>
+              </a:rPr>
+              <a:t>	</a:t>
+            </a:r>
+            <a:r>
+              <a:rPr lang="en-US" altLang="ja-JP" sz="2000" dirty="0" err="1">
+                <a:ea typeface="ＭＳ ゴシック" panose="020B0609070205080204" pitchFamily="49" charset="-128"/>
+              </a:rPr>
+              <a:t>cout</a:t>
+            </a:r>
+            <a:r>
+              <a:rPr lang="en-US" altLang="ja-JP" sz="2000" dirty="0">
+                <a:ea typeface="ＭＳ ゴシック" panose="020B0609070205080204" pitchFamily="49" charset="-128"/>
+              </a:rPr>
+              <a:t> &lt;&lt; “Bob</a:t>
+            </a:r>
+            <a:r>
+              <a:rPr lang="ja-JP" altLang="en-US" sz="2000" dirty="0">
+                <a:latin typeface="+mn-ea"/>
+              </a:rPr>
+              <a:t>の点数は</a:t>
+            </a:r>
+            <a:r>
+              <a:rPr lang="en-US" altLang="ja-JP" sz="2000" dirty="0">
+                <a:ea typeface="ＭＳ ゴシック" panose="020B0609070205080204" pitchFamily="49" charset="-128"/>
+              </a:rPr>
+              <a:t>”</a:t>
+            </a:r>
+            <a:r>
+              <a:rPr lang="ja-JP" altLang="en-US" sz="2000" dirty="0">
+                <a:ea typeface="ＭＳ ゴシック" panose="020B0609070205080204" pitchFamily="49" charset="-128"/>
+              </a:rPr>
+              <a:t> </a:t>
+            </a:r>
+            <a:r>
+              <a:rPr lang="en-US" altLang="ja-JP" sz="2000" dirty="0">
+                <a:ea typeface="ＭＳ ゴシック" panose="020B0609070205080204" pitchFamily="49" charset="-128"/>
+              </a:rPr>
+              <a:t>&lt;&lt;</a:t>
+            </a:r>
+            <a:r>
+              <a:rPr lang="ja-JP" altLang="en-US" sz="2000" dirty="0">
+                <a:ea typeface="ＭＳ ゴシック" panose="020B0609070205080204" pitchFamily="49" charset="-128"/>
+              </a:rPr>
+              <a:t> </a:t>
+            </a:r>
+            <a:r>
+              <a:rPr lang="en-US" altLang="ja-JP" sz="2000" dirty="0">
+                <a:ea typeface="ＭＳ ゴシック" panose="020B0609070205080204" pitchFamily="49" charset="-128"/>
+              </a:rPr>
+              <a:t>score[“Bob”] &lt;&lt; “</a:t>
+            </a:r>
+            <a:r>
+              <a:rPr lang="ja-JP" altLang="en-US" sz="2000" dirty="0">
+                <a:latin typeface="+mn-ea"/>
+              </a:rPr>
+              <a:t>点</a:t>
+            </a:r>
+            <a:r>
+              <a:rPr lang="en-US" altLang="ja-JP" sz="2000" dirty="0">
+                <a:ea typeface="ＭＳ ゴシック" panose="020B0609070205080204" pitchFamily="49" charset="-128"/>
+              </a:rPr>
+              <a:t>”</a:t>
+            </a:r>
+            <a:r>
+              <a:rPr lang="ja-JP" altLang="en-US" sz="2000" dirty="0">
+                <a:ea typeface="ＭＳ ゴシック" panose="020B0609070205080204" pitchFamily="49" charset="-128"/>
+              </a:rPr>
+              <a:t> </a:t>
+            </a:r>
+            <a:r>
+              <a:rPr lang="en-US" altLang="ja-JP" sz="2000" dirty="0">
+                <a:ea typeface="ＭＳ ゴシック" panose="020B0609070205080204" pitchFamily="49" charset="-128"/>
+              </a:rPr>
+              <a:t>&lt;&lt;</a:t>
+            </a:r>
+            <a:r>
+              <a:rPr lang="ja-JP" altLang="en-US" sz="2000" dirty="0">
+                <a:ea typeface="ＭＳ ゴシック" panose="020B0609070205080204" pitchFamily="49" charset="-128"/>
+              </a:rPr>
+              <a:t> </a:t>
+            </a:r>
+            <a:r>
+              <a:rPr lang="en-US" altLang="ja-JP" sz="2000" dirty="0" err="1">
+                <a:ea typeface="ＭＳ ゴシック" panose="020B0609070205080204" pitchFamily="49" charset="-128"/>
+              </a:rPr>
+              <a:t>endl</a:t>
+            </a:r>
+            <a:r>
+              <a:rPr lang="en-US" altLang="ja-JP" sz="2000" dirty="0">
+                <a:ea typeface="ＭＳ ゴシック" panose="020B0609070205080204" pitchFamily="49" charset="-128"/>
+              </a:rPr>
+              <a:t>;</a:t>
+            </a:r>
+            <a:br>
+              <a:rPr lang="en-US" altLang="ja-JP" sz="2000" dirty="0">
+                <a:ea typeface="ＭＳ ゴシック" panose="020B0609070205080204" pitchFamily="49" charset="-128"/>
+              </a:rPr>
+            </a:br>
+            <a:r>
+              <a:rPr lang="ja-JP" altLang="en-US" sz="2000" dirty="0">
+                <a:solidFill>
+                  <a:srgbClr val="00B050"/>
+                </a:solidFill>
+                <a:ea typeface="ＭＳ ゴシック" panose="020B0609070205080204" pitchFamily="49" charset="-128"/>
+              </a:rPr>
+              <a:t>   </a:t>
+            </a:r>
+            <a:r>
+              <a:rPr lang="en-US" altLang="ja-JP" sz="2000" dirty="0">
+                <a:solidFill>
+                  <a:srgbClr val="00B050"/>
+                </a:solidFill>
+                <a:ea typeface="ＭＳ ゴシック" panose="020B0609070205080204" pitchFamily="49" charset="-128"/>
+              </a:rPr>
+              <a:t>//for</a:t>
+            </a:r>
+            <a:r>
+              <a:rPr lang="ja-JP" altLang="en-US" sz="2000" dirty="0">
+                <a:solidFill>
+                  <a:srgbClr val="00B050"/>
+                </a:solidFill>
+                <a:ea typeface="ＭＳ ゴシック" panose="020B0609070205080204" pitchFamily="49" charset="-128"/>
+              </a:rPr>
+              <a:t> </a:t>
+            </a:r>
+            <a:r>
+              <a:rPr lang="en-US" altLang="ja-JP" sz="2000" dirty="0">
+                <a:solidFill>
+                  <a:srgbClr val="00B050"/>
+                </a:solidFill>
+                <a:ea typeface="ＭＳ ゴシック" panose="020B0609070205080204" pitchFamily="49" charset="-128"/>
+              </a:rPr>
+              <a:t>(auto</a:t>
+            </a:r>
+            <a:r>
+              <a:rPr lang="ja-JP" altLang="en-US" sz="2000" dirty="0">
+                <a:solidFill>
+                  <a:srgbClr val="00B050"/>
+                </a:solidFill>
+                <a:ea typeface="ＭＳ ゴシック" panose="020B0609070205080204" pitchFamily="49" charset="-128"/>
+              </a:rPr>
+              <a:t> </a:t>
+            </a:r>
+            <a:r>
+              <a:rPr lang="en-US" altLang="ja-JP" sz="2000" dirty="0">
+                <a:solidFill>
+                  <a:srgbClr val="00B050"/>
+                </a:solidFill>
+                <a:ea typeface="ＭＳ ゴシック" panose="020B0609070205080204" pitchFamily="49" charset="-128"/>
+              </a:rPr>
+              <a:t>it</a:t>
+            </a:r>
+            <a:r>
+              <a:rPr lang="ja-JP" altLang="en-US" sz="2000" dirty="0">
+                <a:solidFill>
+                  <a:srgbClr val="00B050"/>
+                </a:solidFill>
+                <a:ea typeface="ＭＳ ゴシック" panose="020B0609070205080204" pitchFamily="49" charset="-128"/>
+              </a:rPr>
+              <a:t> </a:t>
+            </a:r>
+            <a:r>
+              <a:rPr lang="en-US" altLang="ja-JP" sz="2000" dirty="0">
+                <a:solidFill>
+                  <a:srgbClr val="00B050"/>
+                </a:solidFill>
+                <a:ea typeface="ＭＳ ゴシック" panose="020B0609070205080204" pitchFamily="49" charset="-128"/>
+              </a:rPr>
+              <a:t>=</a:t>
+            </a:r>
+            <a:r>
+              <a:rPr lang="ja-JP" altLang="en-US" sz="2000" dirty="0">
+                <a:solidFill>
+                  <a:srgbClr val="00B050"/>
+                </a:solidFill>
+                <a:ea typeface="ＭＳ ゴシック" panose="020B0609070205080204" pitchFamily="49" charset="-128"/>
+              </a:rPr>
+              <a:t> </a:t>
+            </a:r>
+            <a:r>
+              <a:rPr lang="en-US" altLang="ja-JP" sz="2000" dirty="0" err="1">
+                <a:solidFill>
+                  <a:srgbClr val="00B050"/>
+                </a:solidFill>
+                <a:ea typeface="ＭＳ ゴシック" panose="020B0609070205080204" pitchFamily="49" charset="-128"/>
+              </a:rPr>
+              <a:t>score.begin</a:t>
+            </a:r>
+            <a:r>
+              <a:rPr lang="en-US" altLang="ja-JP" sz="2000" dirty="0">
+                <a:solidFill>
+                  <a:srgbClr val="00B050"/>
+                </a:solidFill>
+                <a:ea typeface="ＭＳ ゴシック" panose="020B0609070205080204" pitchFamily="49" charset="-128"/>
+              </a:rPr>
+              <a:t>();</a:t>
+            </a:r>
+            <a:r>
+              <a:rPr lang="ja-JP" altLang="en-US" sz="2000" dirty="0">
+                <a:solidFill>
+                  <a:srgbClr val="00B050"/>
+                </a:solidFill>
+                <a:ea typeface="ＭＳ ゴシック" panose="020B0609070205080204" pitchFamily="49" charset="-128"/>
+              </a:rPr>
+              <a:t> </a:t>
+            </a:r>
+            <a:r>
+              <a:rPr lang="en-US" altLang="ja-JP" sz="2000" dirty="0">
+                <a:solidFill>
+                  <a:srgbClr val="00B050"/>
+                </a:solidFill>
+                <a:ea typeface="ＭＳ ゴシック" panose="020B0609070205080204" pitchFamily="49" charset="-128"/>
+              </a:rPr>
+              <a:t>it</a:t>
+            </a:r>
+            <a:r>
+              <a:rPr lang="ja-JP" altLang="en-US" sz="2000" dirty="0">
+                <a:solidFill>
+                  <a:srgbClr val="00B050"/>
+                </a:solidFill>
+                <a:ea typeface="ＭＳ ゴシック" panose="020B0609070205080204" pitchFamily="49" charset="-128"/>
+              </a:rPr>
+              <a:t> </a:t>
+            </a:r>
+            <a:r>
+              <a:rPr lang="en-US" altLang="ja-JP" sz="2000" dirty="0">
+                <a:solidFill>
+                  <a:srgbClr val="00B050"/>
+                </a:solidFill>
+                <a:ea typeface="ＭＳ ゴシック" panose="020B0609070205080204" pitchFamily="49" charset="-128"/>
+              </a:rPr>
+              <a:t>!=</a:t>
+            </a:r>
+            <a:r>
+              <a:rPr lang="ja-JP" altLang="en-US" sz="2000" dirty="0">
+                <a:solidFill>
+                  <a:srgbClr val="00B050"/>
+                </a:solidFill>
+                <a:ea typeface="ＭＳ ゴシック" panose="020B0609070205080204" pitchFamily="49" charset="-128"/>
+              </a:rPr>
+              <a:t> </a:t>
+            </a:r>
+            <a:r>
+              <a:rPr lang="en-US" altLang="ja-JP" sz="2000" dirty="0" err="1">
+                <a:solidFill>
+                  <a:srgbClr val="00B050"/>
+                </a:solidFill>
+                <a:ea typeface="ＭＳ ゴシック" panose="020B0609070205080204" pitchFamily="49" charset="-128"/>
+              </a:rPr>
+              <a:t>score.end</a:t>
+            </a:r>
+            <a:r>
+              <a:rPr lang="en-US" altLang="ja-JP" sz="2000" dirty="0">
+                <a:solidFill>
+                  <a:srgbClr val="00B050"/>
+                </a:solidFill>
+                <a:ea typeface="ＭＳ ゴシック" panose="020B0609070205080204" pitchFamily="49" charset="-128"/>
+              </a:rPr>
+              <a:t>(); it++){</a:t>
+            </a:r>
+          </a:p>
+          <a:p>
+            <a:r>
+              <a:rPr lang="en-US" altLang="ja-JP" sz="2000" dirty="0">
+                <a:solidFill>
+                  <a:srgbClr val="00B050"/>
+                </a:solidFill>
+                <a:ea typeface="ＭＳ ゴシック" panose="020B0609070205080204" pitchFamily="49" charset="-128"/>
+              </a:rPr>
+              <a:t>   //    </a:t>
+            </a:r>
+            <a:r>
+              <a:rPr lang="en-US" altLang="ja-JP" sz="2000" dirty="0" err="1">
+                <a:solidFill>
+                  <a:srgbClr val="00B050"/>
+                </a:solidFill>
+                <a:ea typeface="ＭＳ ゴシック" panose="020B0609070205080204" pitchFamily="49" charset="-128"/>
+              </a:rPr>
+              <a:t>cout</a:t>
+            </a:r>
+            <a:r>
+              <a:rPr lang="en-US" altLang="ja-JP" sz="2000" dirty="0">
+                <a:solidFill>
+                  <a:srgbClr val="00B050"/>
+                </a:solidFill>
+                <a:ea typeface="ＭＳ ゴシック" panose="020B0609070205080204" pitchFamily="49" charset="-128"/>
+              </a:rPr>
+              <a:t> &lt;&lt; “Key:” &lt;&lt; it-&gt;first </a:t>
+            </a:r>
+            <a:br>
+              <a:rPr lang="en-US" altLang="ja-JP" sz="2000" dirty="0">
+                <a:solidFill>
+                  <a:srgbClr val="00B050"/>
+                </a:solidFill>
+                <a:ea typeface="ＭＳ ゴシック" panose="020B0609070205080204" pitchFamily="49" charset="-128"/>
+              </a:rPr>
+            </a:br>
+            <a:r>
+              <a:rPr lang="en-US" altLang="ja-JP" sz="2000" dirty="0">
+                <a:solidFill>
+                  <a:srgbClr val="00B050"/>
+                </a:solidFill>
+                <a:ea typeface="ＭＳ ゴシック" panose="020B0609070205080204" pitchFamily="49" charset="-128"/>
+              </a:rPr>
+              <a:t>   //         &lt;&lt; “ Value:” &lt;&lt; it-&gt;second &lt;&lt; </a:t>
+            </a:r>
+            <a:r>
+              <a:rPr lang="en-US" altLang="ja-JP" sz="2000" dirty="0" err="1">
+                <a:solidFill>
+                  <a:srgbClr val="00B050"/>
+                </a:solidFill>
+                <a:ea typeface="ＭＳ ゴシック" panose="020B0609070205080204" pitchFamily="49" charset="-128"/>
+              </a:rPr>
+              <a:t>endl</a:t>
+            </a:r>
+            <a:r>
+              <a:rPr lang="en-US" altLang="ja-JP" sz="2000" dirty="0">
+                <a:solidFill>
+                  <a:srgbClr val="00B050"/>
+                </a:solidFill>
+                <a:ea typeface="ＭＳ ゴシック" panose="020B0609070205080204" pitchFamily="49" charset="-128"/>
+              </a:rPr>
+              <a:t>;</a:t>
+            </a:r>
+            <a:br>
+              <a:rPr lang="en-US" altLang="ja-JP" sz="2000" dirty="0">
+                <a:solidFill>
+                  <a:srgbClr val="00B050"/>
+                </a:solidFill>
+                <a:ea typeface="ＭＳ ゴシック" panose="020B0609070205080204" pitchFamily="49" charset="-128"/>
+              </a:rPr>
+            </a:br>
+            <a:r>
+              <a:rPr lang="en-US" altLang="ja-JP" sz="2000" dirty="0">
+                <a:solidFill>
+                  <a:srgbClr val="00B050"/>
+                </a:solidFill>
+                <a:ea typeface="ＭＳ ゴシック" panose="020B0609070205080204" pitchFamily="49" charset="-128"/>
+              </a:rPr>
+              <a:t>   //}</a:t>
+            </a:r>
+            <a:br>
+              <a:rPr lang="en-US" altLang="ja-JP" sz="2000" dirty="0">
+                <a:solidFill>
+                  <a:srgbClr val="00B050"/>
+                </a:solidFill>
+                <a:ea typeface="ＭＳ ゴシック" panose="020B0609070205080204" pitchFamily="49" charset="-128"/>
+              </a:rPr>
+            </a:br>
+            <a:r>
+              <a:rPr lang="ja-JP" altLang="en-US" sz="2000" dirty="0">
+                <a:solidFill>
+                  <a:srgbClr val="000000"/>
+                </a:solidFill>
+                <a:ea typeface="ＭＳ ゴシック" panose="020B0609070205080204" pitchFamily="49" charset="-128"/>
+              </a:rPr>
+              <a:t>   </a:t>
+            </a:r>
+            <a:r>
+              <a:rPr lang="en-US" altLang="ja-JP" sz="2000" dirty="0">
+                <a:solidFill>
+                  <a:srgbClr val="00B050"/>
+                </a:solidFill>
+                <a:ea typeface="ＭＳ ゴシック" panose="020B0609070205080204" pitchFamily="49" charset="-128"/>
+              </a:rPr>
+              <a:t>//for</a:t>
+            </a:r>
+            <a:r>
+              <a:rPr lang="ja-JP" altLang="en-US" sz="2000" dirty="0">
+                <a:solidFill>
+                  <a:srgbClr val="00B050"/>
+                </a:solidFill>
+                <a:ea typeface="ＭＳ ゴシック" panose="020B0609070205080204" pitchFamily="49" charset="-128"/>
+              </a:rPr>
+              <a:t> </a:t>
+            </a:r>
+            <a:r>
+              <a:rPr lang="en-US" altLang="ja-JP" sz="2000" dirty="0">
+                <a:solidFill>
+                  <a:srgbClr val="00B050"/>
+                </a:solidFill>
+                <a:ea typeface="ＭＳ ゴシック" panose="020B0609070205080204" pitchFamily="49" charset="-128"/>
+              </a:rPr>
+              <a:t>(auto</a:t>
+            </a:r>
+            <a:r>
+              <a:rPr lang="ja-JP" altLang="en-US" sz="2000" dirty="0">
+                <a:solidFill>
+                  <a:srgbClr val="00B050"/>
+                </a:solidFill>
+                <a:ea typeface="ＭＳ ゴシック" panose="020B0609070205080204" pitchFamily="49" charset="-128"/>
+              </a:rPr>
+              <a:t> </a:t>
+            </a:r>
+            <a:r>
+              <a:rPr lang="en-US" altLang="ja-JP" sz="2000" dirty="0">
+                <a:solidFill>
+                  <a:srgbClr val="00B050"/>
+                </a:solidFill>
+                <a:ea typeface="ＭＳ ゴシック" panose="020B0609070205080204" pitchFamily="49" charset="-128"/>
+              </a:rPr>
+              <a:t>p</a:t>
+            </a:r>
+            <a:r>
+              <a:rPr lang="ja-JP" altLang="en-US" sz="2000" dirty="0">
+                <a:solidFill>
+                  <a:srgbClr val="00B050"/>
+                </a:solidFill>
+                <a:ea typeface="ＭＳ ゴシック" panose="020B0609070205080204" pitchFamily="49" charset="-128"/>
+              </a:rPr>
+              <a:t> </a:t>
+            </a:r>
+            <a:r>
+              <a:rPr lang="en-US" altLang="ja-JP" sz="2000" dirty="0">
+                <a:solidFill>
+                  <a:srgbClr val="00B050"/>
+                </a:solidFill>
+                <a:ea typeface="ＭＳ ゴシック" panose="020B0609070205080204" pitchFamily="49" charset="-128"/>
+              </a:rPr>
+              <a:t>:</a:t>
+            </a:r>
+            <a:r>
+              <a:rPr lang="ja-JP" altLang="en-US" sz="2000" dirty="0">
+                <a:solidFill>
+                  <a:srgbClr val="00B050"/>
+                </a:solidFill>
+                <a:ea typeface="ＭＳ ゴシック" panose="020B0609070205080204" pitchFamily="49" charset="-128"/>
+              </a:rPr>
+              <a:t> </a:t>
+            </a:r>
+            <a:r>
+              <a:rPr lang="en-US" altLang="ja-JP" sz="2000" dirty="0">
+                <a:solidFill>
+                  <a:srgbClr val="00B050"/>
+                </a:solidFill>
+                <a:ea typeface="ＭＳ ゴシック" panose="020B0609070205080204" pitchFamily="49" charset="-128"/>
+              </a:rPr>
+              <a:t>score){</a:t>
+            </a:r>
+          </a:p>
+          <a:p>
+            <a:r>
+              <a:rPr lang="en-US" altLang="ja-JP" sz="2000" dirty="0">
+                <a:solidFill>
+                  <a:srgbClr val="00B050"/>
+                </a:solidFill>
+                <a:ea typeface="ＭＳ ゴシック" panose="020B0609070205080204" pitchFamily="49" charset="-128"/>
+              </a:rPr>
+              <a:t>   //    </a:t>
+            </a:r>
+            <a:r>
+              <a:rPr lang="en-US" altLang="ja-JP" sz="2000" dirty="0" err="1">
+                <a:solidFill>
+                  <a:srgbClr val="00B050"/>
+                </a:solidFill>
+                <a:ea typeface="ＭＳ ゴシック" panose="020B0609070205080204" pitchFamily="49" charset="-128"/>
+              </a:rPr>
+              <a:t>cout</a:t>
+            </a:r>
+            <a:r>
+              <a:rPr lang="en-US" altLang="ja-JP" sz="2000" dirty="0">
+                <a:solidFill>
+                  <a:srgbClr val="00B050"/>
+                </a:solidFill>
+                <a:ea typeface="ＭＳ ゴシック" panose="020B0609070205080204" pitchFamily="49" charset="-128"/>
+              </a:rPr>
+              <a:t> &lt;&lt; “Key:” &lt;&lt; </a:t>
+            </a:r>
+            <a:r>
+              <a:rPr lang="en-US" altLang="ja-JP" sz="2000" dirty="0" err="1">
+                <a:solidFill>
+                  <a:srgbClr val="00B050"/>
+                </a:solidFill>
+                <a:ea typeface="ＭＳ ゴシック" panose="020B0609070205080204" pitchFamily="49" charset="-128"/>
+              </a:rPr>
+              <a:t>p.first</a:t>
+            </a:r>
+            <a:r>
+              <a:rPr lang="en-US" altLang="ja-JP" sz="2000" dirty="0">
+                <a:solidFill>
+                  <a:srgbClr val="00B050"/>
+                </a:solidFill>
+                <a:ea typeface="ＭＳ ゴシック" panose="020B0609070205080204" pitchFamily="49" charset="-128"/>
+              </a:rPr>
+              <a:t> </a:t>
+            </a:r>
+            <a:br>
+              <a:rPr lang="en-US" altLang="ja-JP" sz="2000" dirty="0">
+                <a:solidFill>
+                  <a:srgbClr val="00B050"/>
+                </a:solidFill>
+                <a:ea typeface="ＭＳ ゴシック" panose="020B0609070205080204" pitchFamily="49" charset="-128"/>
+              </a:rPr>
+            </a:br>
+            <a:r>
+              <a:rPr lang="en-US" altLang="ja-JP" sz="2000" dirty="0">
+                <a:solidFill>
+                  <a:srgbClr val="00B050"/>
+                </a:solidFill>
+                <a:ea typeface="ＭＳ ゴシック" panose="020B0609070205080204" pitchFamily="49" charset="-128"/>
+              </a:rPr>
+              <a:t>   //         &lt;&lt; “ Value:” &lt;&lt; </a:t>
+            </a:r>
+            <a:r>
+              <a:rPr lang="en-US" altLang="ja-JP" sz="2000" dirty="0" err="1">
+                <a:solidFill>
+                  <a:srgbClr val="00B050"/>
+                </a:solidFill>
+                <a:ea typeface="ＭＳ ゴシック" panose="020B0609070205080204" pitchFamily="49" charset="-128"/>
+              </a:rPr>
+              <a:t>p.second</a:t>
+            </a:r>
+            <a:r>
+              <a:rPr lang="en-US" altLang="ja-JP" sz="2000" dirty="0">
+                <a:solidFill>
+                  <a:srgbClr val="00B050"/>
+                </a:solidFill>
+                <a:ea typeface="ＭＳ ゴシック" panose="020B0609070205080204" pitchFamily="49" charset="-128"/>
+              </a:rPr>
+              <a:t> &lt;&lt; </a:t>
+            </a:r>
+            <a:r>
+              <a:rPr lang="en-US" altLang="ja-JP" sz="2000" dirty="0" err="1">
+                <a:solidFill>
+                  <a:srgbClr val="00B050"/>
+                </a:solidFill>
+                <a:ea typeface="ＭＳ ゴシック" panose="020B0609070205080204" pitchFamily="49" charset="-128"/>
+              </a:rPr>
+              <a:t>endl</a:t>
+            </a:r>
+            <a:r>
+              <a:rPr lang="en-US" altLang="ja-JP" sz="2000" dirty="0">
+                <a:solidFill>
+                  <a:srgbClr val="00B050"/>
+                </a:solidFill>
+                <a:ea typeface="ＭＳ ゴシック" panose="020B0609070205080204" pitchFamily="49" charset="-128"/>
+              </a:rPr>
+              <a:t>;</a:t>
+            </a:r>
+            <a:br>
+              <a:rPr lang="en-US" altLang="ja-JP" sz="2000" dirty="0">
+                <a:solidFill>
+                  <a:srgbClr val="00B050"/>
+                </a:solidFill>
+                <a:ea typeface="ＭＳ ゴシック" panose="020B0609070205080204" pitchFamily="49" charset="-128"/>
+              </a:rPr>
+            </a:br>
+            <a:r>
+              <a:rPr lang="en-US" altLang="ja-JP" sz="2000" dirty="0">
+                <a:solidFill>
+                  <a:srgbClr val="00B050"/>
+                </a:solidFill>
+                <a:ea typeface="ＭＳ ゴシック" panose="020B0609070205080204" pitchFamily="49" charset="-128"/>
+              </a:rPr>
+              <a:t>   //}</a:t>
+            </a:r>
+            <a:br>
+              <a:rPr lang="en-US" altLang="ja-JP" sz="2000" dirty="0">
+                <a:solidFill>
+                  <a:srgbClr val="00B050"/>
+                </a:solidFill>
+                <a:ea typeface="ＭＳ ゴシック" panose="020B0609070205080204" pitchFamily="49" charset="-128"/>
+              </a:rPr>
+            </a:br>
+            <a:r>
+              <a:rPr lang="ja-JP" altLang="en-US" sz="2000" dirty="0">
+                <a:solidFill>
+                  <a:srgbClr val="000000"/>
+                </a:solidFill>
+                <a:ea typeface="ＭＳ ゴシック" panose="020B0609070205080204" pitchFamily="49" charset="-128"/>
+              </a:rPr>
+              <a:t>   </a:t>
+            </a:r>
+            <a:r>
+              <a:rPr lang="en-US" altLang="ja-JP" sz="2000" dirty="0">
+                <a:solidFill>
+                  <a:srgbClr val="000000"/>
+                </a:solidFill>
+                <a:ea typeface="ＭＳ ゴシック" panose="020B0609070205080204" pitchFamily="49" charset="-128"/>
+              </a:rPr>
+              <a:t>for</a:t>
+            </a:r>
+            <a:r>
+              <a:rPr lang="ja-JP" altLang="en-US" sz="2000" dirty="0">
+                <a:solidFill>
+                  <a:srgbClr val="000000"/>
+                </a:solidFill>
+                <a:ea typeface="ＭＳ ゴシック" panose="020B0609070205080204" pitchFamily="49" charset="-128"/>
+              </a:rPr>
+              <a:t> </a:t>
+            </a:r>
+            <a:r>
+              <a:rPr lang="en-US" altLang="ja-JP" sz="2000" dirty="0">
+                <a:solidFill>
+                  <a:srgbClr val="000000"/>
+                </a:solidFill>
+                <a:ea typeface="ＭＳ ゴシック" panose="020B0609070205080204" pitchFamily="49" charset="-128"/>
+              </a:rPr>
+              <a:t>(const auto&amp;</a:t>
+            </a:r>
+            <a:r>
+              <a:rPr lang="ja-JP" altLang="en-US" sz="2000" dirty="0">
+                <a:solidFill>
+                  <a:srgbClr val="000000"/>
+                </a:solidFill>
+                <a:ea typeface="ＭＳ ゴシック" panose="020B0609070205080204" pitchFamily="49" charset="-128"/>
+              </a:rPr>
+              <a:t> </a:t>
+            </a:r>
+            <a:r>
+              <a:rPr lang="en-US" altLang="ja-JP" sz="2000" dirty="0">
+                <a:solidFill>
+                  <a:srgbClr val="000000"/>
+                </a:solidFill>
+                <a:ea typeface="ＭＳ ゴシック" panose="020B0609070205080204" pitchFamily="49" charset="-128"/>
+              </a:rPr>
+              <a:t>[key, value]</a:t>
+            </a:r>
+            <a:r>
+              <a:rPr lang="ja-JP" altLang="en-US" sz="2000" dirty="0">
+                <a:solidFill>
+                  <a:srgbClr val="000000"/>
+                </a:solidFill>
+                <a:ea typeface="ＭＳ ゴシック" panose="020B0609070205080204" pitchFamily="49" charset="-128"/>
+              </a:rPr>
+              <a:t> </a:t>
+            </a:r>
+            <a:r>
+              <a:rPr lang="en-US" altLang="ja-JP" sz="2000" dirty="0">
+                <a:solidFill>
+                  <a:srgbClr val="000000"/>
+                </a:solidFill>
+                <a:ea typeface="ＭＳ ゴシック" panose="020B0609070205080204" pitchFamily="49" charset="-128"/>
+              </a:rPr>
+              <a:t>:</a:t>
+            </a:r>
+            <a:r>
+              <a:rPr lang="ja-JP" altLang="en-US" sz="2000" dirty="0">
+                <a:solidFill>
+                  <a:srgbClr val="000000"/>
+                </a:solidFill>
+                <a:ea typeface="ＭＳ ゴシック" panose="020B0609070205080204" pitchFamily="49" charset="-128"/>
+              </a:rPr>
+              <a:t> </a:t>
+            </a:r>
+            <a:r>
+              <a:rPr lang="en-US" altLang="ja-JP" sz="2000" dirty="0">
+                <a:solidFill>
+                  <a:srgbClr val="000000"/>
+                </a:solidFill>
+                <a:ea typeface="ＭＳ ゴシック" panose="020B0609070205080204" pitchFamily="49" charset="-128"/>
+              </a:rPr>
+              <a:t>score){</a:t>
+            </a:r>
+          </a:p>
+          <a:p>
+            <a:r>
+              <a:rPr lang="en-US" altLang="ja-JP" sz="2000" dirty="0">
+                <a:solidFill>
+                  <a:srgbClr val="000000"/>
+                </a:solidFill>
+                <a:ea typeface="ＭＳ ゴシック" panose="020B0609070205080204" pitchFamily="49" charset="-128"/>
+              </a:rPr>
+              <a:t>       </a:t>
+            </a:r>
+            <a:r>
+              <a:rPr lang="en-US" altLang="ja-JP" sz="2000" dirty="0" err="1">
+                <a:solidFill>
+                  <a:srgbClr val="000000"/>
+                </a:solidFill>
+                <a:ea typeface="ＭＳ ゴシック" panose="020B0609070205080204" pitchFamily="49" charset="-128"/>
+              </a:rPr>
+              <a:t>cout</a:t>
+            </a:r>
+            <a:r>
+              <a:rPr lang="en-US" altLang="ja-JP" sz="2000" dirty="0">
+                <a:solidFill>
+                  <a:srgbClr val="000000"/>
+                </a:solidFill>
+                <a:ea typeface="ＭＳ ゴシック" panose="020B0609070205080204" pitchFamily="49" charset="-128"/>
+              </a:rPr>
+              <a:t> &lt;&lt; “Key:” &lt;&lt; </a:t>
+            </a:r>
+            <a:r>
+              <a:rPr lang="en-US" altLang="ja-JP" sz="2000" dirty="0">
+                <a:solidFill>
+                  <a:srgbClr val="FF0000"/>
+                </a:solidFill>
+                <a:ea typeface="ＭＳ ゴシック" panose="020B0609070205080204" pitchFamily="49" charset="-128"/>
+              </a:rPr>
+              <a:t>key </a:t>
+            </a:r>
+            <a:br>
+              <a:rPr lang="en-US" altLang="ja-JP" sz="2000" dirty="0">
+                <a:solidFill>
+                  <a:srgbClr val="000000"/>
+                </a:solidFill>
+                <a:ea typeface="ＭＳ ゴシック" panose="020B0609070205080204" pitchFamily="49" charset="-128"/>
+              </a:rPr>
+            </a:br>
+            <a:r>
+              <a:rPr lang="en-US" altLang="ja-JP" sz="2000" dirty="0">
+                <a:solidFill>
+                  <a:srgbClr val="000000"/>
+                </a:solidFill>
+                <a:ea typeface="ＭＳ ゴシック" panose="020B0609070205080204" pitchFamily="49" charset="-128"/>
+              </a:rPr>
+              <a:t>            &lt;&lt; “ Value:” &lt;&lt; </a:t>
+            </a:r>
+            <a:r>
+              <a:rPr lang="en-US" altLang="ja-JP" sz="2000" dirty="0">
+                <a:solidFill>
+                  <a:srgbClr val="FF0000"/>
+                </a:solidFill>
+                <a:ea typeface="ＭＳ ゴシック" panose="020B0609070205080204" pitchFamily="49" charset="-128"/>
+              </a:rPr>
+              <a:t>value </a:t>
+            </a:r>
+            <a:r>
+              <a:rPr lang="en-US" altLang="ja-JP" sz="2000" dirty="0">
+                <a:solidFill>
+                  <a:srgbClr val="000000"/>
+                </a:solidFill>
+                <a:ea typeface="ＭＳ ゴシック" panose="020B0609070205080204" pitchFamily="49" charset="-128"/>
+              </a:rPr>
+              <a:t>&lt;&lt; </a:t>
+            </a:r>
+            <a:r>
+              <a:rPr lang="en-US" altLang="ja-JP" sz="2000" dirty="0" err="1">
+                <a:solidFill>
+                  <a:srgbClr val="000000"/>
+                </a:solidFill>
+                <a:ea typeface="ＭＳ ゴシック" panose="020B0609070205080204" pitchFamily="49" charset="-128"/>
+              </a:rPr>
+              <a:t>endl</a:t>
+            </a:r>
+            <a:r>
+              <a:rPr lang="en-US" altLang="ja-JP" sz="2000" dirty="0">
+                <a:solidFill>
+                  <a:srgbClr val="000000"/>
+                </a:solidFill>
+                <a:ea typeface="ＭＳ ゴシック" panose="020B0609070205080204" pitchFamily="49" charset="-128"/>
+              </a:rPr>
+              <a:t>;</a:t>
+            </a:r>
+            <a:br>
+              <a:rPr lang="en-US" altLang="ja-JP" sz="2000" dirty="0">
+                <a:solidFill>
+                  <a:srgbClr val="000000"/>
+                </a:solidFill>
+                <a:ea typeface="ＭＳ ゴシック" panose="020B0609070205080204" pitchFamily="49" charset="-128"/>
+              </a:rPr>
+            </a:br>
+            <a:r>
+              <a:rPr lang="en-US" altLang="ja-JP" sz="2000" dirty="0">
+                <a:solidFill>
+                  <a:srgbClr val="000000"/>
+                </a:solidFill>
+                <a:ea typeface="ＭＳ ゴシック" panose="020B0609070205080204" pitchFamily="49" charset="-128"/>
+              </a:rPr>
+              <a:t>   }</a:t>
+            </a:r>
+          </a:p>
+        </p:txBody>
+      </p:sp>
+      <p:sp>
+        <p:nvSpPr>
+          <p:cNvPr id="4" name="矢印: 右 3">
+            <a:extLst>
+              <a:ext uri="{FF2B5EF4-FFF2-40B4-BE49-F238E27FC236}">
+                <a16:creationId xmlns:a16="http://schemas.microsoft.com/office/drawing/2014/main" id="{AD2EA0A1-88A0-8DB3-DAB4-EA7F57FB95DB}"/>
+              </a:ext>
+            </a:extLst>
+          </p:cNvPr>
+          <p:cNvSpPr/>
+          <p:nvPr/>
+        </p:nvSpPr>
+        <p:spPr>
+          <a:xfrm>
+            <a:off x="666917" y="4830455"/>
+            <a:ext cx="426396" cy="282102"/>
+          </a:xfrm>
+          <a:prstGeom prst="rightArrow">
+            <a:avLst/>
+          </a:prstGeom>
+          <a:solidFill>
+            <a:srgbClr val="FF0000"/>
+          </a:solidFill>
+        </p:spPr>
+        <p:style>
+          <a:lnRef idx="2">
+            <a:schemeClr val="accent1">
+              <a:shade val="15000"/>
+            </a:schemeClr>
+          </a:lnRef>
+          <a:fillRef idx="1">
+            <a:schemeClr val="accent1"/>
+          </a:fillRef>
+          <a:effectRef idx="0">
+            <a:schemeClr val="accent1"/>
+          </a:effectRef>
+          <a:fontRef idx="minor">
+            <a:schemeClr val="lt1"/>
+          </a:fontRef>
+        </p:style>
+        <p:txBody>
+          <a:bodyPr rtlCol="0" anchor="ctr"/>
+          <a:lstStyle/>
+          <a:p>
+            <a:pPr algn="ctr"/>
+            <a:endParaRPr kumimoji="1" lang="ja-JP" altLang="en-US"/>
+          </a:p>
+        </p:txBody>
+      </p:sp>
+      <p:sp>
+        <p:nvSpPr>
+          <p:cNvPr id="6" name="テキスト ボックス 5">
+            <a:extLst>
+              <a:ext uri="{FF2B5EF4-FFF2-40B4-BE49-F238E27FC236}">
+                <a16:creationId xmlns:a16="http://schemas.microsoft.com/office/drawing/2014/main" id="{B3E4DF59-D6A8-7B8F-A732-09B27B0CBEB3}"/>
+              </a:ext>
+            </a:extLst>
+          </p:cNvPr>
+          <p:cNvSpPr txBox="1"/>
+          <p:nvPr/>
+        </p:nvSpPr>
+        <p:spPr>
+          <a:xfrm>
+            <a:off x="5735135" y="3429000"/>
+            <a:ext cx="5990743" cy="1200329"/>
+          </a:xfrm>
+          <a:prstGeom prst="rect">
+            <a:avLst/>
+          </a:prstGeom>
+          <a:solidFill>
+            <a:schemeClr val="bg1"/>
+          </a:solidFill>
+          <a:ln>
+            <a:solidFill>
+              <a:schemeClr val="tx1"/>
+            </a:solidFill>
+          </a:ln>
+        </p:spPr>
+        <p:txBody>
+          <a:bodyPr wrap="none" rtlCol="0">
+            <a:spAutoFit/>
+          </a:bodyPr>
+          <a:lstStyle/>
+          <a:p>
+            <a:r>
+              <a:rPr kumimoji="1" lang="en-US" altLang="ja-JP" sz="2400" dirty="0">
+                <a:solidFill>
+                  <a:srgbClr val="00B050"/>
+                </a:solidFill>
+              </a:rPr>
+              <a:t>//C++17</a:t>
+            </a:r>
+            <a:r>
+              <a:rPr kumimoji="1" lang="ja-JP" altLang="en-US" sz="2400" dirty="0">
+                <a:solidFill>
+                  <a:srgbClr val="00B050"/>
+                </a:solidFill>
+              </a:rPr>
+              <a:t>からできるようになった記述方法</a:t>
+            </a:r>
+            <a:br>
+              <a:rPr kumimoji="1" lang="en-US" altLang="ja-JP" sz="2400" dirty="0">
+                <a:solidFill>
+                  <a:srgbClr val="00B050"/>
+                </a:solidFill>
+              </a:rPr>
+            </a:br>
+            <a:r>
+              <a:rPr kumimoji="1" lang="ja-JP" altLang="en-US" sz="2400" dirty="0">
+                <a:solidFill>
+                  <a:srgbClr val="00B050"/>
+                </a:solidFill>
+              </a:rPr>
+              <a:t>  </a:t>
+            </a:r>
+            <a:r>
+              <a:rPr kumimoji="1" lang="en-US" altLang="ja-JP" sz="2400" dirty="0">
+                <a:solidFill>
+                  <a:srgbClr val="00B050"/>
+                </a:solidFill>
+              </a:rPr>
+              <a:t>cl</a:t>
+            </a:r>
+            <a:r>
+              <a:rPr kumimoji="1" lang="ja-JP" altLang="en-US" sz="2400" dirty="0">
+                <a:solidFill>
+                  <a:srgbClr val="00B050"/>
+                </a:solidFill>
+              </a:rPr>
+              <a:t> </a:t>
+            </a:r>
+            <a:r>
+              <a:rPr kumimoji="1" lang="en-US" altLang="ja-JP" sz="2400" dirty="0">
+                <a:solidFill>
+                  <a:srgbClr val="00B050"/>
+                </a:solidFill>
+              </a:rPr>
+              <a:t>/</a:t>
+            </a:r>
+            <a:r>
+              <a:rPr kumimoji="1" lang="en-US" altLang="ja-JP" sz="2400" dirty="0" err="1">
+                <a:solidFill>
+                  <a:srgbClr val="00B050"/>
+                </a:solidFill>
+              </a:rPr>
+              <a:t>EHsc</a:t>
+            </a:r>
+            <a:r>
+              <a:rPr kumimoji="1" lang="ja-JP" altLang="en-US" sz="2400" dirty="0">
+                <a:solidFill>
+                  <a:srgbClr val="00B050"/>
+                </a:solidFill>
+              </a:rPr>
+              <a:t> </a:t>
+            </a:r>
+            <a:r>
+              <a:rPr kumimoji="1" lang="en-US" altLang="ja-JP" sz="2400" dirty="0">
+                <a:solidFill>
+                  <a:srgbClr val="FF0000"/>
+                </a:solidFill>
+              </a:rPr>
+              <a:t>/</a:t>
+            </a:r>
+            <a:r>
+              <a:rPr kumimoji="1" lang="en-US" altLang="ja-JP" sz="2400" dirty="0" err="1">
+                <a:solidFill>
+                  <a:srgbClr val="FF0000"/>
+                </a:solidFill>
+              </a:rPr>
+              <a:t>std:c</a:t>
+            </a:r>
+            <a:r>
+              <a:rPr kumimoji="1" lang="en-US" altLang="ja-JP" sz="2400" dirty="0">
+                <a:solidFill>
+                  <a:srgbClr val="FF0000"/>
+                </a:solidFill>
+              </a:rPr>
+              <a:t>++17</a:t>
+            </a:r>
+            <a:r>
+              <a:rPr kumimoji="1" lang="ja-JP" altLang="en-US" sz="2400" dirty="0">
+                <a:solidFill>
+                  <a:srgbClr val="00B050"/>
+                </a:solidFill>
+              </a:rPr>
+              <a:t> </a:t>
+            </a:r>
+            <a:r>
+              <a:rPr kumimoji="1" lang="en-US" altLang="ja-JP" sz="2400" dirty="0">
+                <a:solidFill>
+                  <a:srgbClr val="00B050"/>
+                </a:solidFill>
+              </a:rPr>
+              <a:t>main.cpp</a:t>
+            </a:r>
+            <a:br>
+              <a:rPr kumimoji="1" lang="en-US" altLang="ja-JP" sz="2400" dirty="0">
+                <a:solidFill>
+                  <a:srgbClr val="00B050"/>
+                </a:solidFill>
+              </a:rPr>
+            </a:br>
+            <a:r>
+              <a:rPr kumimoji="1" lang="ja-JP" altLang="en-US" sz="2400" dirty="0">
+                <a:solidFill>
+                  <a:srgbClr val="00B050"/>
+                </a:solidFill>
+              </a:rPr>
+              <a:t>　　でコンパイルが可能</a:t>
+            </a:r>
+          </a:p>
+        </p:txBody>
+      </p:sp>
+      <p:sp>
+        <p:nvSpPr>
+          <p:cNvPr id="7" name="矢印: 右 6">
+            <a:extLst>
+              <a:ext uri="{FF2B5EF4-FFF2-40B4-BE49-F238E27FC236}">
+                <a16:creationId xmlns:a16="http://schemas.microsoft.com/office/drawing/2014/main" id="{338EC4C9-E77B-46DF-976A-6B143A052D79}"/>
+              </a:ext>
+            </a:extLst>
+          </p:cNvPr>
+          <p:cNvSpPr/>
+          <p:nvPr/>
+        </p:nvSpPr>
+        <p:spPr>
+          <a:xfrm>
+            <a:off x="666917" y="5142279"/>
+            <a:ext cx="426396" cy="282102"/>
+          </a:xfrm>
+          <a:prstGeom prst="rightArrow">
+            <a:avLst/>
+          </a:prstGeom>
+          <a:solidFill>
+            <a:srgbClr val="FF0000"/>
+          </a:solidFill>
+        </p:spPr>
+        <p:style>
+          <a:lnRef idx="2">
+            <a:schemeClr val="accent1">
+              <a:shade val="15000"/>
+            </a:schemeClr>
+          </a:lnRef>
+          <a:fillRef idx="1">
+            <a:schemeClr val="accent1"/>
+          </a:fillRef>
+          <a:effectRef idx="0">
+            <a:schemeClr val="accent1"/>
+          </a:effectRef>
+          <a:fontRef idx="minor">
+            <a:schemeClr val="lt1"/>
+          </a:fontRef>
+        </p:style>
+        <p:txBody>
+          <a:bodyPr rtlCol="0" anchor="ctr"/>
+          <a:lstStyle/>
+          <a:p>
+            <a:pPr algn="ctr"/>
+            <a:endParaRPr kumimoji="1" lang="ja-JP" altLang="en-US"/>
+          </a:p>
+        </p:txBody>
+      </p:sp>
+      <p:sp>
+        <p:nvSpPr>
+          <p:cNvPr id="8" name="矢印: 右 7">
+            <a:extLst>
+              <a:ext uri="{FF2B5EF4-FFF2-40B4-BE49-F238E27FC236}">
+                <a16:creationId xmlns:a16="http://schemas.microsoft.com/office/drawing/2014/main" id="{F7FF0589-6059-45ED-AB65-509456BCE9D5}"/>
+              </a:ext>
+            </a:extLst>
+          </p:cNvPr>
+          <p:cNvSpPr/>
+          <p:nvPr/>
+        </p:nvSpPr>
+        <p:spPr>
+          <a:xfrm>
+            <a:off x="666917" y="5466290"/>
+            <a:ext cx="426396" cy="282102"/>
+          </a:xfrm>
+          <a:prstGeom prst="rightArrow">
+            <a:avLst/>
+          </a:prstGeom>
+          <a:solidFill>
+            <a:srgbClr val="FF0000"/>
+          </a:solidFill>
+        </p:spPr>
+        <p:style>
+          <a:lnRef idx="2">
+            <a:schemeClr val="accent1">
+              <a:shade val="15000"/>
+            </a:schemeClr>
+          </a:lnRef>
+          <a:fillRef idx="1">
+            <a:schemeClr val="accent1"/>
+          </a:fillRef>
+          <a:effectRef idx="0">
+            <a:schemeClr val="accent1"/>
+          </a:effectRef>
+          <a:fontRef idx="minor">
+            <a:schemeClr val="lt1"/>
+          </a:fontRef>
+        </p:style>
+        <p:txBody>
+          <a:bodyPr rtlCol="0" anchor="ctr"/>
+          <a:lstStyle/>
+          <a:p>
+            <a:pPr algn="ctr"/>
+            <a:endParaRPr kumimoji="1" lang="ja-JP" altLang="en-US"/>
+          </a:p>
+        </p:txBody>
+      </p:sp>
+      <p:sp>
+        <p:nvSpPr>
+          <p:cNvPr id="9" name="矢印: 右 8">
+            <a:extLst>
+              <a:ext uri="{FF2B5EF4-FFF2-40B4-BE49-F238E27FC236}">
+                <a16:creationId xmlns:a16="http://schemas.microsoft.com/office/drawing/2014/main" id="{10FD7298-DEFE-4614-89CB-3104A8A955BD}"/>
+              </a:ext>
+            </a:extLst>
+          </p:cNvPr>
+          <p:cNvSpPr/>
+          <p:nvPr/>
+        </p:nvSpPr>
+        <p:spPr>
+          <a:xfrm>
+            <a:off x="666917" y="5778772"/>
+            <a:ext cx="426396" cy="282102"/>
+          </a:xfrm>
+          <a:prstGeom prst="rightArrow">
+            <a:avLst/>
+          </a:prstGeom>
+          <a:solidFill>
+            <a:srgbClr val="FF0000"/>
+          </a:solidFill>
+        </p:spPr>
+        <p:style>
+          <a:lnRef idx="2">
+            <a:schemeClr val="accent1">
+              <a:shade val="15000"/>
+            </a:schemeClr>
+          </a:lnRef>
+          <a:fillRef idx="1">
+            <a:schemeClr val="accent1"/>
+          </a:fillRef>
+          <a:effectRef idx="0">
+            <a:schemeClr val="accent1"/>
+          </a:effectRef>
+          <a:fontRef idx="minor">
+            <a:schemeClr val="lt1"/>
+          </a:fontRef>
+        </p:style>
+        <p:txBody>
+          <a:bodyPr rtlCol="0" anchor="ctr"/>
+          <a:lstStyle/>
+          <a:p>
+            <a:pPr algn="ctr"/>
+            <a:endParaRPr kumimoji="1" lang="ja-JP" altLang="en-US"/>
+          </a:p>
+        </p:txBody>
+      </p:sp>
+    </p:spTree>
+    <p:extLst>
+      <p:ext uri="{BB962C8B-B14F-4D97-AF65-F5344CB8AC3E}">
+        <p14:creationId xmlns:p14="http://schemas.microsoft.com/office/powerpoint/2010/main" val="3358248320"/>
+      </p:ext>
+    </p:extLst>
+  </p:cSld>
+  <p:clrMapOvr>
+    <a:masterClrMapping/>
+  </p:clrMapOvr>
+</p:sld>
+</file>
+
+<file path=ppt/slides/slide14.xml><?xml version="1.0" encoding="utf-8"?>
+<p:sld xmlns:a="http://schemas.openxmlformats.org/drawingml/2006/main" xmlns:r="http://schemas.openxmlformats.org/officeDocument/2006/relationships" xmlns:p="http://schemas.openxmlformats.org/presentationml/2006/main">
+  <p:cSld>
+    <p:spTree>
+      <p:nvGrpSpPr>
+        <p:cNvPr id="1" name=""/>
+        <p:cNvGrpSpPr/>
+        <p:nvPr/>
+      </p:nvGrpSpPr>
+      <p:grpSpPr>
+        <a:xfrm>
+          <a:off x="0" y="0"/>
+          <a:ext cx="0" cy="0"/>
+          <a:chOff x="0" y="0"/>
+          <a:chExt cx="0" cy="0"/>
+        </a:xfrm>
+      </p:grpSpPr>
+      <p:sp>
+        <p:nvSpPr>
+          <p:cNvPr id="2" name="タイトル 1">
+            <a:extLst>
+              <a:ext uri="{FF2B5EF4-FFF2-40B4-BE49-F238E27FC236}">
+                <a16:creationId xmlns:a16="http://schemas.microsoft.com/office/drawing/2014/main" id="{F11F3668-F205-48C5-AC01-19611EFE561B}"/>
+              </a:ext>
+            </a:extLst>
+          </p:cNvPr>
+          <p:cNvSpPr>
+            <a:spLocks noGrp="1"/>
+          </p:cNvSpPr>
+          <p:nvPr>
+            <p:ph type="title"/>
+          </p:nvPr>
+        </p:nvSpPr>
+        <p:spPr/>
+        <p:txBody>
+          <a:bodyPr/>
+          <a:lstStyle/>
+          <a:p>
+            <a:r>
+              <a:rPr kumimoji="1" lang="en-US" altLang="ja-JP" dirty="0"/>
+              <a:t>map</a:t>
+            </a:r>
+            <a:r>
+              <a:rPr kumimoji="1" lang="ja-JP" altLang="en-US" dirty="0"/>
+              <a:t>クラス</a:t>
+            </a:r>
+          </a:p>
+        </p:txBody>
+      </p:sp>
+      <p:sp>
+        <p:nvSpPr>
+          <p:cNvPr id="3" name="コンテンツ プレースホルダー 2">
+            <a:extLst>
+              <a:ext uri="{FF2B5EF4-FFF2-40B4-BE49-F238E27FC236}">
+                <a16:creationId xmlns:a16="http://schemas.microsoft.com/office/drawing/2014/main" id="{64DBE417-57E9-44A6-BB52-B2F9986BB7B2}"/>
+              </a:ext>
+            </a:extLst>
+          </p:cNvPr>
+          <p:cNvSpPr>
+            <a:spLocks noGrp="1"/>
+          </p:cNvSpPr>
+          <p:nvPr>
+            <p:ph idx="1"/>
+          </p:nvPr>
+        </p:nvSpPr>
+        <p:spPr>
+          <a:xfrm>
+            <a:off x="838200" y="1162976"/>
+            <a:ext cx="10515600" cy="5193373"/>
+          </a:xfrm>
+        </p:spPr>
+        <p:txBody>
+          <a:bodyPr>
+            <a:normAutofit/>
+          </a:bodyPr>
+          <a:lstStyle/>
+          <a:p>
+            <a:pPr marL="0" indent="0">
+              <a:buNone/>
+            </a:pPr>
+            <a:r>
+              <a:rPr kumimoji="1" lang="en-US" altLang="ja-JP" dirty="0"/>
+              <a:t>                </a:t>
+            </a:r>
+            <a:br>
+              <a:rPr lang="en-US" altLang="ja-JP" dirty="0"/>
+            </a:br>
+            <a:br>
+              <a:rPr lang="en-US" altLang="ja-JP" dirty="0"/>
+            </a:br>
+            <a:br>
+              <a:rPr lang="en-US" altLang="ja-JP" dirty="0"/>
+            </a:br>
+            <a:br>
+              <a:rPr lang="en-US" altLang="ja-JP" sz="2400" dirty="0"/>
+            </a:br>
+            <a:br>
+              <a:rPr lang="en-US" altLang="ja-JP" sz="2400" dirty="0"/>
+            </a:br>
+            <a:endParaRPr lang="en-US" altLang="ja-JP" sz="2400" dirty="0"/>
+          </a:p>
+          <a:p>
+            <a:pPr marL="0" indent="0">
+              <a:buNone/>
+            </a:pPr>
+            <a:br>
+              <a:rPr lang="en-US" altLang="ja-JP" sz="2400" dirty="0"/>
+            </a:br>
+            <a:endParaRPr lang="en-US" altLang="ja-JP" dirty="0">
+              <a:solidFill>
+                <a:srgbClr val="FF0000"/>
+              </a:solidFill>
+            </a:endParaRPr>
+          </a:p>
+        </p:txBody>
+      </p:sp>
+      <p:sp>
+        <p:nvSpPr>
+          <p:cNvPr id="5" name="テキスト ボックス 4">
+            <a:extLst>
+              <a:ext uri="{FF2B5EF4-FFF2-40B4-BE49-F238E27FC236}">
+                <a16:creationId xmlns:a16="http://schemas.microsoft.com/office/drawing/2014/main" id="{9E32883C-0E37-4F07-9861-27609819CE8C}"/>
+              </a:ext>
+            </a:extLst>
+          </p:cNvPr>
+          <p:cNvSpPr txBox="1"/>
+          <p:nvPr/>
+        </p:nvSpPr>
+        <p:spPr>
+          <a:xfrm>
+            <a:off x="838200" y="1128173"/>
+            <a:ext cx="11134927" cy="5262979"/>
+          </a:xfrm>
+          <a:prstGeom prst="rect">
+            <a:avLst/>
+          </a:prstGeom>
+          <a:noFill/>
+          <a:ln>
+            <a:solidFill>
+              <a:schemeClr val="tx1"/>
+            </a:solidFill>
+          </a:ln>
+        </p:spPr>
+        <p:txBody>
+          <a:bodyPr wrap="square" rtlCol="0">
+            <a:spAutoFit/>
+          </a:bodyPr>
+          <a:lstStyle/>
+          <a:p>
+            <a:r>
+              <a:rPr lang="en-US" altLang="ja-JP" sz="2400" dirty="0">
+                <a:solidFill>
+                  <a:srgbClr val="808080"/>
+                </a:solidFill>
+                <a:ea typeface="ＭＳ ゴシック" panose="020B0609070205080204" pitchFamily="49" charset="-128"/>
+              </a:rPr>
+              <a:t>#include</a:t>
+            </a:r>
+            <a:r>
+              <a:rPr lang="en-US" altLang="ja-JP" sz="2400" dirty="0">
+                <a:solidFill>
+                  <a:srgbClr val="000000"/>
+                </a:solidFill>
+                <a:ea typeface="ＭＳ ゴシック" panose="020B0609070205080204" pitchFamily="49" charset="-128"/>
+              </a:rPr>
+              <a:t> </a:t>
+            </a:r>
+            <a:r>
+              <a:rPr lang="en-US" altLang="ja-JP" sz="2400" dirty="0">
+                <a:solidFill>
+                  <a:srgbClr val="A31515"/>
+                </a:solidFill>
+                <a:ea typeface="ＭＳ ゴシック" panose="020B0609070205080204" pitchFamily="49" charset="-128"/>
+              </a:rPr>
+              <a:t>&lt;iostream&gt;</a:t>
+            </a:r>
+            <a:endParaRPr lang="en-US" altLang="ja-JP" sz="2400" dirty="0">
+              <a:solidFill>
+                <a:srgbClr val="000000"/>
+              </a:solidFill>
+              <a:ea typeface="ＭＳ ゴシック" panose="020B0609070205080204" pitchFamily="49" charset="-128"/>
+            </a:endParaRPr>
+          </a:p>
+          <a:p>
+            <a:r>
+              <a:rPr lang="en-US" altLang="ja-JP" sz="2400" dirty="0">
+                <a:solidFill>
+                  <a:srgbClr val="808080"/>
+                </a:solidFill>
+                <a:ea typeface="ＭＳ ゴシック" panose="020B0609070205080204" pitchFamily="49" charset="-128"/>
+              </a:rPr>
+              <a:t>#include</a:t>
+            </a:r>
+            <a:r>
+              <a:rPr lang="en-US" altLang="ja-JP" sz="2400" dirty="0">
+                <a:solidFill>
+                  <a:srgbClr val="000000"/>
+                </a:solidFill>
+                <a:ea typeface="ＭＳ ゴシック" panose="020B0609070205080204" pitchFamily="49" charset="-128"/>
+              </a:rPr>
+              <a:t> </a:t>
+            </a:r>
+            <a:r>
+              <a:rPr lang="en-US" altLang="ja-JP" sz="2400" dirty="0">
+                <a:solidFill>
+                  <a:srgbClr val="A31515"/>
+                </a:solidFill>
+                <a:ea typeface="ＭＳ ゴシック" panose="020B0609070205080204" pitchFamily="49" charset="-128"/>
+              </a:rPr>
+              <a:t>&lt;string&gt;</a:t>
+            </a:r>
+            <a:endParaRPr lang="en-US" altLang="ja-JP" sz="2400" dirty="0">
+              <a:solidFill>
+                <a:srgbClr val="000000"/>
+              </a:solidFill>
+              <a:ea typeface="ＭＳ ゴシック" panose="020B0609070205080204" pitchFamily="49" charset="-128"/>
+            </a:endParaRPr>
+          </a:p>
+          <a:p>
+            <a:r>
+              <a:rPr lang="en-US" altLang="ja-JP" sz="2400" dirty="0">
+                <a:solidFill>
+                  <a:srgbClr val="808080"/>
+                </a:solidFill>
+                <a:ea typeface="ＭＳ ゴシック" panose="020B0609070205080204" pitchFamily="49" charset="-128"/>
+              </a:rPr>
+              <a:t>#include</a:t>
+            </a:r>
+            <a:r>
+              <a:rPr lang="en-US" altLang="ja-JP" sz="2400" dirty="0">
+                <a:solidFill>
+                  <a:srgbClr val="000000"/>
+                </a:solidFill>
+                <a:ea typeface="ＭＳ ゴシック" panose="020B0609070205080204" pitchFamily="49" charset="-128"/>
+              </a:rPr>
+              <a:t> </a:t>
+            </a:r>
+            <a:r>
+              <a:rPr lang="en-US" altLang="ja-JP" sz="2400" dirty="0">
+                <a:solidFill>
+                  <a:srgbClr val="A31515"/>
+                </a:solidFill>
+                <a:ea typeface="ＭＳ ゴシック" panose="020B0609070205080204" pitchFamily="49" charset="-128"/>
+              </a:rPr>
+              <a:t>&lt;map&gt;</a:t>
+            </a:r>
+            <a:endParaRPr lang="en-US" altLang="ja-JP" sz="2400" dirty="0">
+              <a:solidFill>
+                <a:srgbClr val="000000"/>
+              </a:solidFill>
+              <a:ea typeface="ＭＳ ゴシック" panose="020B0609070205080204" pitchFamily="49" charset="-128"/>
+            </a:endParaRPr>
+          </a:p>
+          <a:p>
+            <a:r>
+              <a:rPr lang="en-US" altLang="ja-JP" sz="2400" dirty="0">
+                <a:solidFill>
+                  <a:srgbClr val="0000FF"/>
+                </a:solidFill>
+                <a:ea typeface="ＭＳ ゴシック" panose="020B0609070205080204" pitchFamily="49" charset="-128"/>
+              </a:rPr>
+              <a:t>using</a:t>
+            </a:r>
+            <a:r>
+              <a:rPr lang="en-US" altLang="ja-JP" sz="2400" dirty="0">
+                <a:solidFill>
+                  <a:srgbClr val="000000"/>
+                </a:solidFill>
+                <a:ea typeface="ＭＳ ゴシック" panose="020B0609070205080204" pitchFamily="49" charset="-128"/>
+              </a:rPr>
+              <a:t> </a:t>
+            </a:r>
+            <a:r>
+              <a:rPr lang="en-US" altLang="ja-JP" sz="2400" dirty="0">
+                <a:solidFill>
+                  <a:srgbClr val="0000FF"/>
+                </a:solidFill>
+                <a:ea typeface="ＭＳ ゴシック" panose="020B0609070205080204" pitchFamily="49" charset="-128"/>
+              </a:rPr>
+              <a:t>namespace</a:t>
+            </a:r>
+            <a:r>
+              <a:rPr lang="en-US" altLang="ja-JP" sz="2400" dirty="0">
+                <a:solidFill>
+                  <a:srgbClr val="000000"/>
+                </a:solidFill>
+                <a:ea typeface="ＭＳ ゴシック" panose="020B0609070205080204" pitchFamily="49" charset="-128"/>
+              </a:rPr>
+              <a:t> std;</a:t>
+            </a:r>
+          </a:p>
+          <a:p>
+            <a:r>
+              <a:rPr lang="en-US" altLang="ja-JP" sz="2400" dirty="0">
+                <a:solidFill>
+                  <a:srgbClr val="0000FF"/>
+                </a:solidFill>
+                <a:ea typeface="ＭＳ ゴシック" panose="020B0609070205080204" pitchFamily="49" charset="-128"/>
+              </a:rPr>
+              <a:t>int</a:t>
+            </a:r>
+            <a:r>
+              <a:rPr lang="en-US" altLang="ja-JP" sz="2400" dirty="0">
+                <a:solidFill>
+                  <a:srgbClr val="000000"/>
+                </a:solidFill>
+                <a:ea typeface="ＭＳ ゴシック" panose="020B0609070205080204" pitchFamily="49" charset="-128"/>
+              </a:rPr>
+              <a:t> main() {</a:t>
+            </a:r>
+          </a:p>
+          <a:p>
+            <a:r>
+              <a:rPr lang="en-US" altLang="ja-JP" sz="2400" dirty="0">
+                <a:solidFill>
+                  <a:srgbClr val="2B91AF"/>
+                </a:solidFill>
+                <a:ea typeface="ＭＳ ゴシック" panose="020B0609070205080204" pitchFamily="49" charset="-128"/>
+              </a:rPr>
+              <a:t>	map </a:t>
+            </a:r>
+            <a:r>
+              <a:rPr lang="en-US" altLang="ja-JP" sz="2400" dirty="0">
+                <a:solidFill>
+                  <a:srgbClr val="000000"/>
+                </a:solidFill>
+                <a:ea typeface="ＭＳ ゴシック" panose="020B0609070205080204" pitchFamily="49" charset="-128"/>
+              </a:rPr>
+              <a:t>&lt;</a:t>
+            </a:r>
+            <a:r>
+              <a:rPr lang="en-US" altLang="ja-JP" sz="2400" dirty="0">
+                <a:solidFill>
+                  <a:srgbClr val="2B91AF"/>
+                </a:solidFill>
+                <a:ea typeface="ＭＳ ゴシック" panose="020B0609070205080204" pitchFamily="49" charset="-128"/>
+              </a:rPr>
+              <a:t>string</a:t>
+            </a:r>
+            <a:r>
+              <a:rPr lang="en-US" altLang="ja-JP" sz="2400" dirty="0">
+                <a:solidFill>
+                  <a:srgbClr val="000000"/>
+                </a:solidFill>
+                <a:ea typeface="ＭＳ ゴシック" panose="020B0609070205080204" pitchFamily="49" charset="-128"/>
+              </a:rPr>
+              <a:t>, </a:t>
+            </a:r>
+            <a:r>
+              <a:rPr lang="en-US" altLang="ja-JP" sz="2400" dirty="0">
+                <a:solidFill>
+                  <a:srgbClr val="0000FF"/>
+                </a:solidFill>
+                <a:ea typeface="ＭＳ ゴシック" panose="020B0609070205080204" pitchFamily="49" charset="-128"/>
+              </a:rPr>
+              <a:t>int</a:t>
+            </a:r>
+            <a:r>
+              <a:rPr lang="en-US" altLang="ja-JP" sz="2400" dirty="0">
+                <a:solidFill>
+                  <a:srgbClr val="000000"/>
+                </a:solidFill>
+                <a:ea typeface="ＭＳ ゴシック" panose="020B0609070205080204" pitchFamily="49" charset="-128"/>
+              </a:rPr>
+              <a:t>&gt; score;	</a:t>
+            </a:r>
+            <a:r>
+              <a:rPr lang="en-US" altLang="ja-JP" sz="2400" dirty="0">
+                <a:solidFill>
+                  <a:srgbClr val="00B050"/>
+                </a:solidFill>
+                <a:latin typeface="+mn-ea"/>
+              </a:rPr>
+              <a:t>//</a:t>
+            </a:r>
+            <a:r>
+              <a:rPr lang="ja-JP" altLang="en-US" sz="2400" dirty="0">
+                <a:solidFill>
+                  <a:srgbClr val="00B050"/>
+                </a:solidFill>
+                <a:latin typeface="+mn-ea"/>
+              </a:rPr>
+              <a:t>キーが</a:t>
+            </a:r>
+            <a:r>
+              <a:rPr lang="en-US" altLang="ja-JP" sz="2400" dirty="0">
+                <a:solidFill>
+                  <a:srgbClr val="00B050"/>
+                </a:solidFill>
+                <a:latin typeface="+mn-ea"/>
+              </a:rPr>
+              <a:t>string</a:t>
+            </a:r>
+            <a:r>
+              <a:rPr lang="ja-JP" altLang="en-US" sz="2400" dirty="0">
+                <a:solidFill>
+                  <a:srgbClr val="00B050"/>
+                </a:solidFill>
+                <a:latin typeface="+mn-ea"/>
+              </a:rPr>
+              <a:t>、値が</a:t>
+            </a:r>
+            <a:r>
+              <a:rPr lang="en-US" altLang="ja-JP" sz="2400" dirty="0">
+                <a:solidFill>
+                  <a:srgbClr val="00B050"/>
+                </a:solidFill>
+                <a:latin typeface="+mn-ea"/>
+              </a:rPr>
+              <a:t>int</a:t>
+            </a:r>
+            <a:r>
+              <a:rPr lang="ja-JP" altLang="en-US" sz="2400" dirty="0">
+                <a:solidFill>
+                  <a:srgbClr val="00B050"/>
+                </a:solidFill>
+                <a:latin typeface="+mn-ea"/>
+              </a:rPr>
+              <a:t>の</a:t>
+            </a:r>
+            <a:r>
+              <a:rPr lang="en-US" altLang="ja-JP" sz="2400" dirty="0">
+                <a:solidFill>
+                  <a:srgbClr val="00B050"/>
+                </a:solidFill>
+                <a:latin typeface="+mn-ea"/>
+              </a:rPr>
+              <a:t>map</a:t>
+            </a:r>
+            <a:r>
+              <a:rPr lang="ja-JP" altLang="en-US" sz="2400" dirty="0">
+                <a:solidFill>
+                  <a:srgbClr val="00B050"/>
+                </a:solidFill>
+                <a:latin typeface="+mn-ea"/>
+              </a:rPr>
+              <a:t>を宣言</a:t>
+            </a:r>
+            <a:endParaRPr lang="en-US" altLang="ja-JP" sz="2400" dirty="0">
+              <a:solidFill>
+                <a:srgbClr val="000000"/>
+              </a:solidFill>
+              <a:ea typeface="ＭＳ ゴシック" panose="020B0609070205080204" pitchFamily="49" charset="-128"/>
+            </a:endParaRPr>
+          </a:p>
+          <a:p>
+            <a:r>
+              <a:rPr lang="en-US" altLang="ja-JP" sz="2400" dirty="0">
+                <a:solidFill>
+                  <a:srgbClr val="000000"/>
+                </a:solidFill>
+                <a:ea typeface="ＭＳ ゴシック" panose="020B0609070205080204" pitchFamily="49" charset="-128"/>
+              </a:rPr>
+              <a:t>	score</a:t>
+            </a:r>
+            <a:r>
+              <a:rPr lang="en-US" altLang="ja-JP" sz="2400" dirty="0">
+                <a:solidFill>
+                  <a:srgbClr val="008080"/>
+                </a:solidFill>
+                <a:ea typeface="ＭＳ ゴシック" panose="020B0609070205080204" pitchFamily="49" charset="-128"/>
+              </a:rPr>
+              <a:t>[</a:t>
+            </a:r>
+            <a:r>
+              <a:rPr lang="en-US" altLang="ja-JP" sz="2400" dirty="0">
+                <a:solidFill>
+                  <a:srgbClr val="A31515"/>
+                </a:solidFill>
+                <a:ea typeface="ＭＳ ゴシック" panose="020B0609070205080204" pitchFamily="49" charset="-128"/>
+              </a:rPr>
+              <a:t>“Tom”</a:t>
+            </a:r>
+            <a:r>
+              <a:rPr lang="en-US" altLang="ja-JP" sz="2400" dirty="0">
+                <a:solidFill>
+                  <a:srgbClr val="008080"/>
+                </a:solidFill>
+                <a:ea typeface="ＭＳ ゴシック" panose="020B0609070205080204" pitchFamily="49" charset="-128"/>
+              </a:rPr>
+              <a:t>]</a:t>
+            </a:r>
+            <a:r>
+              <a:rPr lang="en-US" altLang="ja-JP" sz="2400" dirty="0">
+                <a:solidFill>
+                  <a:srgbClr val="000000"/>
+                </a:solidFill>
+                <a:ea typeface="ＭＳ ゴシック" panose="020B0609070205080204" pitchFamily="49" charset="-128"/>
+              </a:rPr>
+              <a:t> = 100; 			</a:t>
+            </a:r>
+            <a:r>
+              <a:rPr lang="en-US" altLang="ja-JP" sz="2400" dirty="0">
+                <a:solidFill>
+                  <a:srgbClr val="00B050"/>
+                </a:solidFill>
+                <a:latin typeface="+mn-ea"/>
+              </a:rPr>
+              <a:t>//</a:t>
+            </a:r>
+            <a:r>
+              <a:rPr lang="ja-JP" altLang="en-US" sz="2400" dirty="0">
+                <a:solidFill>
+                  <a:srgbClr val="00B050"/>
+                </a:solidFill>
+                <a:latin typeface="+mn-ea"/>
+              </a:rPr>
+              <a:t>キーが</a:t>
+            </a:r>
+            <a:r>
+              <a:rPr lang="en-US" altLang="ja-JP" sz="2400" dirty="0">
+                <a:solidFill>
+                  <a:srgbClr val="00B050"/>
+                </a:solidFill>
+                <a:latin typeface="+mn-ea"/>
+              </a:rPr>
+              <a:t>Tom</a:t>
+            </a:r>
+            <a:r>
+              <a:rPr lang="ja-JP" altLang="en-US" sz="2400" dirty="0">
+                <a:solidFill>
+                  <a:srgbClr val="00B050"/>
+                </a:solidFill>
+                <a:latin typeface="+mn-ea"/>
+              </a:rPr>
+              <a:t>、値が</a:t>
+            </a:r>
+            <a:r>
+              <a:rPr lang="en-US" altLang="ja-JP" sz="2400" dirty="0">
+                <a:solidFill>
+                  <a:srgbClr val="00B050"/>
+                </a:solidFill>
+                <a:latin typeface="+mn-ea"/>
+              </a:rPr>
+              <a:t>100</a:t>
+            </a:r>
+          </a:p>
+          <a:p>
+            <a:r>
+              <a:rPr lang="en-US" altLang="ja-JP" sz="2400" dirty="0">
+                <a:solidFill>
+                  <a:srgbClr val="000000"/>
+                </a:solidFill>
+                <a:ea typeface="ＭＳ ゴシック" panose="020B0609070205080204" pitchFamily="49" charset="-128"/>
+              </a:rPr>
+              <a:t>	score</a:t>
+            </a:r>
+            <a:r>
+              <a:rPr lang="en-US" altLang="ja-JP" sz="2400" dirty="0">
+                <a:solidFill>
+                  <a:srgbClr val="008080"/>
+                </a:solidFill>
+                <a:ea typeface="ＭＳ ゴシック" panose="020B0609070205080204" pitchFamily="49" charset="-128"/>
+              </a:rPr>
+              <a:t>[</a:t>
+            </a:r>
+            <a:r>
+              <a:rPr lang="en-US" altLang="ja-JP" sz="2400" dirty="0">
+                <a:solidFill>
+                  <a:srgbClr val="A31515"/>
+                </a:solidFill>
+                <a:ea typeface="ＭＳ ゴシック" panose="020B0609070205080204" pitchFamily="49" charset="-128"/>
+              </a:rPr>
+              <a:t>"Bob"</a:t>
+            </a:r>
+            <a:r>
+              <a:rPr lang="en-US" altLang="ja-JP" sz="2400" dirty="0">
+                <a:solidFill>
+                  <a:srgbClr val="008080"/>
+                </a:solidFill>
+                <a:ea typeface="ＭＳ ゴシック" panose="020B0609070205080204" pitchFamily="49" charset="-128"/>
+              </a:rPr>
+              <a:t>]</a:t>
+            </a:r>
+            <a:r>
+              <a:rPr lang="en-US" altLang="ja-JP" sz="2400" dirty="0">
+                <a:solidFill>
+                  <a:srgbClr val="000000"/>
+                </a:solidFill>
+                <a:ea typeface="ＭＳ ゴシック" panose="020B0609070205080204" pitchFamily="49" charset="-128"/>
+              </a:rPr>
+              <a:t> = 80;</a:t>
+            </a:r>
+          </a:p>
+          <a:p>
+            <a:r>
+              <a:rPr lang="en-US" altLang="ja-JP" sz="2400" dirty="0">
+                <a:solidFill>
+                  <a:srgbClr val="000000"/>
+                </a:solidFill>
+                <a:ea typeface="ＭＳ ゴシック" panose="020B0609070205080204" pitchFamily="49" charset="-128"/>
+              </a:rPr>
+              <a:t>	score</a:t>
+            </a:r>
+            <a:r>
+              <a:rPr lang="en-US" altLang="ja-JP" sz="2400" dirty="0">
+                <a:solidFill>
+                  <a:srgbClr val="008080"/>
+                </a:solidFill>
+                <a:ea typeface="ＭＳ ゴシック" panose="020B0609070205080204" pitchFamily="49" charset="-128"/>
+              </a:rPr>
+              <a:t>[</a:t>
+            </a:r>
+            <a:r>
+              <a:rPr lang="en-US" altLang="ja-JP" sz="2400" dirty="0">
+                <a:solidFill>
+                  <a:srgbClr val="A31515"/>
+                </a:solidFill>
+                <a:ea typeface="ＭＳ ゴシック" panose="020B0609070205080204" pitchFamily="49" charset="-128"/>
+              </a:rPr>
+              <a:t>"Mike"</a:t>
+            </a:r>
+            <a:r>
+              <a:rPr lang="en-US" altLang="ja-JP" sz="2400" dirty="0">
+                <a:solidFill>
+                  <a:srgbClr val="008080"/>
+                </a:solidFill>
+                <a:ea typeface="ＭＳ ゴシック" panose="020B0609070205080204" pitchFamily="49" charset="-128"/>
+              </a:rPr>
+              <a:t>]</a:t>
+            </a:r>
+            <a:r>
+              <a:rPr lang="en-US" altLang="ja-JP" sz="2400" dirty="0">
+                <a:solidFill>
+                  <a:srgbClr val="000000"/>
+                </a:solidFill>
+                <a:ea typeface="ＭＳ ゴシック" panose="020B0609070205080204" pitchFamily="49" charset="-128"/>
+              </a:rPr>
+              <a:t> = 76;</a:t>
+            </a:r>
+          </a:p>
+          <a:p>
+            <a:r>
+              <a:rPr lang="en-US" altLang="ja-JP" sz="2400" dirty="0">
+                <a:solidFill>
+                  <a:srgbClr val="000000"/>
+                </a:solidFill>
+                <a:ea typeface="ＭＳ ゴシック" panose="020B0609070205080204" pitchFamily="49" charset="-128"/>
+              </a:rPr>
+              <a:t>	</a:t>
+            </a:r>
+            <a:r>
+              <a:rPr lang="en-US" altLang="ja-JP" sz="2400" dirty="0" err="1">
+                <a:solidFill>
+                  <a:srgbClr val="000000"/>
+                </a:solidFill>
+                <a:ea typeface="ＭＳ ゴシック" panose="020B0609070205080204" pitchFamily="49" charset="-128"/>
+              </a:rPr>
+              <a:t>cout</a:t>
+            </a:r>
+            <a:r>
+              <a:rPr lang="en-US" altLang="ja-JP" sz="2400" dirty="0">
+                <a:solidFill>
+                  <a:srgbClr val="000000"/>
+                </a:solidFill>
+                <a:ea typeface="ＭＳ ゴシック" panose="020B0609070205080204" pitchFamily="49" charset="-128"/>
+              </a:rPr>
+              <a:t> </a:t>
+            </a:r>
+            <a:r>
+              <a:rPr lang="en-US" altLang="ja-JP" sz="2400" dirty="0">
+                <a:solidFill>
+                  <a:srgbClr val="008080"/>
+                </a:solidFill>
+                <a:ea typeface="ＭＳ ゴシック" panose="020B0609070205080204" pitchFamily="49" charset="-128"/>
+              </a:rPr>
+              <a:t>&lt;&lt;</a:t>
+            </a:r>
+            <a:r>
+              <a:rPr lang="en-US" altLang="ja-JP" sz="2400" dirty="0">
+                <a:solidFill>
+                  <a:srgbClr val="000000"/>
+                </a:solidFill>
+                <a:ea typeface="ＭＳ ゴシック" panose="020B0609070205080204" pitchFamily="49" charset="-128"/>
+              </a:rPr>
+              <a:t> </a:t>
+            </a:r>
+            <a:r>
+              <a:rPr lang="en-US" altLang="ja-JP" sz="2400" dirty="0">
+                <a:solidFill>
+                  <a:srgbClr val="A31515"/>
+                </a:solidFill>
+                <a:ea typeface="ＭＳ ゴシック" panose="020B0609070205080204" pitchFamily="49" charset="-128"/>
+              </a:rPr>
+              <a:t>"Tom</a:t>
+            </a:r>
+            <a:r>
+              <a:rPr lang="ja-JP" altLang="en-US" sz="2400" dirty="0">
+                <a:solidFill>
+                  <a:srgbClr val="A31515"/>
+                </a:solidFill>
+                <a:latin typeface="+mn-ea"/>
+              </a:rPr>
+              <a:t>の点数は</a:t>
+            </a:r>
+            <a:r>
+              <a:rPr lang="en-US" altLang="ja-JP" sz="2400" dirty="0">
+                <a:solidFill>
+                  <a:srgbClr val="A31515"/>
+                </a:solidFill>
+                <a:ea typeface="ＭＳ ゴシック" panose="020B0609070205080204" pitchFamily="49" charset="-128"/>
+              </a:rPr>
+              <a:t>"</a:t>
+            </a:r>
+            <a:r>
+              <a:rPr lang="ja-JP" altLang="en-US" sz="2400" dirty="0">
+                <a:solidFill>
+                  <a:srgbClr val="000000"/>
+                </a:solidFill>
+                <a:ea typeface="ＭＳ ゴシック" panose="020B0609070205080204" pitchFamily="49" charset="-128"/>
+              </a:rPr>
+              <a:t> </a:t>
+            </a:r>
+            <a:r>
+              <a:rPr lang="en-US" altLang="ja-JP" sz="2400" dirty="0">
+                <a:solidFill>
+                  <a:srgbClr val="008080"/>
+                </a:solidFill>
+                <a:ea typeface="ＭＳ ゴシック" panose="020B0609070205080204" pitchFamily="49" charset="-128"/>
+              </a:rPr>
+              <a:t>&lt;&lt;</a:t>
+            </a:r>
+            <a:r>
+              <a:rPr lang="ja-JP" altLang="en-US" sz="2400" dirty="0">
+                <a:solidFill>
+                  <a:srgbClr val="000000"/>
+                </a:solidFill>
+                <a:ea typeface="ＭＳ ゴシック" panose="020B0609070205080204" pitchFamily="49" charset="-128"/>
+              </a:rPr>
+              <a:t> </a:t>
+            </a:r>
+            <a:r>
+              <a:rPr lang="en-US" altLang="ja-JP" sz="2400" dirty="0">
+                <a:solidFill>
+                  <a:srgbClr val="000000"/>
+                </a:solidFill>
+                <a:ea typeface="ＭＳ ゴシック" panose="020B0609070205080204" pitchFamily="49" charset="-128"/>
+              </a:rPr>
+              <a:t>score</a:t>
+            </a:r>
+            <a:r>
+              <a:rPr lang="en-US" altLang="ja-JP" sz="2400" dirty="0">
+                <a:solidFill>
+                  <a:srgbClr val="008080"/>
+                </a:solidFill>
+                <a:ea typeface="ＭＳ ゴシック" panose="020B0609070205080204" pitchFamily="49" charset="-128"/>
+              </a:rPr>
+              <a:t>[</a:t>
+            </a:r>
+            <a:r>
+              <a:rPr lang="en-US" altLang="ja-JP" sz="2400" dirty="0">
+                <a:solidFill>
+                  <a:srgbClr val="A31515"/>
+                </a:solidFill>
+                <a:ea typeface="ＭＳ ゴシック" panose="020B0609070205080204" pitchFamily="49" charset="-128"/>
+              </a:rPr>
+              <a:t>"Tom"</a:t>
+            </a:r>
+            <a:r>
+              <a:rPr lang="en-US" altLang="ja-JP" sz="2400" dirty="0">
+                <a:solidFill>
+                  <a:srgbClr val="008080"/>
+                </a:solidFill>
+                <a:ea typeface="ＭＳ ゴシック" panose="020B0609070205080204" pitchFamily="49" charset="-128"/>
+              </a:rPr>
+              <a:t>]</a:t>
+            </a:r>
+            <a:r>
+              <a:rPr lang="en-US" altLang="ja-JP" sz="2400" dirty="0">
+                <a:solidFill>
+                  <a:srgbClr val="000000"/>
+                </a:solidFill>
+                <a:ea typeface="ＭＳ ゴシック" panose="020B0609070205080204" pitchFamily="49" charset="-128"/>
+              </a:rPr>
+              <a:t> </a:t>
+            </a:r>
+            <a:r>
+              <a:rPr lang="en-US" altLang="ja-JP" sz="2400" dirty="0">
+                <a:solidFill>
+                  <a:srgbClr val="008080"/>
+                </a:solidFill>
+                <a:ea typeface="ＭＳ ゴシック" panose="020B0609070205080204" pitchFamily="49" charset="-128"/>
+              </a:rPr>
+              <a:t>&lt;&lt;</a:t>
+            </a:r>
+            <a:r>
+              <a:rPr lang="en-US" altLang="ja-JP" sz="2400" dirty="0">
+                <a:solidFill>
+                  <a:srgbClr val="000000"/>
+                </a:solidFill>
+                <a:ea typeface="ＭＳ ゴシック" panose="020B0609070205080204" pitchFamily="49" charset="-128"/>
+              </a:rPr>
+              <a:t> </a:t>
+            </a:r>
+            <a:r>
+              <a:rPr lang="en-US" altLang="ja-JP" sz="2400" dirty="0">
+                <a:solidFill>
+                  <a:srgbClr val="A31515"/>
+                </a:solidFill>
+                <a:ea typeface="ＭＳ ゴシック" panose="020B0609070205080204" pitchFamily="49" charset="-128"/>
+              </a:rPr>
+              <a:t>"</a:t>
+            </a:r>
+            <a:r>
+              <a:rPr lang="ja-JP" altLang="en-US" sz="2400" dirty="0">
+                <a:solidFill>
+                  <a:srgbClr val="A31515"/>
+                </a:solidFill>
+                <a:latin typeface="+mn-ea"/>
+              </a:rPr>
+              <a:t>点</a:t>
+            </a:r>
+            <a:r>
+              <a:rPr lang="en-US" altLang="ja-JP" sz="2400" dirty="0">
+                <a:solidFill>
+                  <a:srgbClr val="A31515"/>
+                </a:solidFill>
+                <a:ea typeface="ＭＳ ゴシック" panose="020B0609070205080204" pitchFamily="49" charset="-128"/>
+              </a:rPr>
+              <a:t>"</a:t>
+            </a:r>
+            <a:r>
+              <a:rPr lang="ja-JP" altLang="en-US" sz="2400" dirty="0">
+                <a:solidFill>
+                  <a:srgbClr val="000000"/>
+                </a:solidFill>
+                <a:ea typeface="ＭＳ ゴシック" panose="020B0609070205080204" pitchFamily="49" charset="-128"/>
+              </a:rPr>
+              <a:t> </a:t>
+            </a:r>
+            <a:r>
+              <a:rPr lang="en-US" altLang="ja-JP" sz="2400" dirty="0">
+                <a:solidFill>
+                  <a:srgbClr val="008080"/>
+                </a:solidFill>
+                <a:ea typeface="ＭＳ ゴシック" panose="020B0609070205080204" pitchFamily="49" charset="-128"/>
+              </a:rPr>
+              <a:t>&lt;&lt;</a:t>
+            </a:r>
+            <a:r>
+              <a:rPr lang="ja-JP" altLang="en-US" sz="2400" dirty="0">
+                <a:solidFill>
+                  <a:srgbClr val="000000"/>
+                </a:solidFill>
+                <a:ea typeface="ＭＳ ゴシック" panose="020B0609070205080204" pitchFamily="49" charset="-128"/>
+              </a:rPr>
+              <a:t> </a:t>
+            </a:r>
+            <a:r>
+              <a:rPr lang="en-US" altLang="ja-JP" sz="2400" dirty="0" err="1">
+                <a:solidFill>
+                  <a:srgbClr val="000000"/>
+                </a:solidFill>
+                <a:ea typeface="ＭＳ ゴシック" panose="020B0609070205080204" pitchFamily="49" charset="-128"/>
+              </a:rPr>
+              <a:t>endl</a:t>
+            </a:r>
+            <a:r>
+              <a:rPr lang="en-US" altLang="ja-JP" sz="2400" dirty="0">
+                <a:solidFill>
+                  <a:srgbClr val="000000"/>
+                </a:solidFill>
+                <a:ea typeface="ＭＳ ゴシック" panose="020B0609070205080204" pitchFamily="49" charset="-128"/>
+              </a:rPr>
+              <a:t>;</a:t>
+            </a:r>
+          </a:p>
+          <a:p>
+            <a:r>
+              <a:rPr lang="en-US" altLang="ja-JP" sz="2400" dirty="0">
+                <a:solidFill>
+                  <a:srgbClr val="000000"/>
+                </a:solidFill>
+                <a:ea typeface="ＭＳ ゴシック" panose="020B0609070205080204" pitchFamily="49" charset="-128"/>
+              </a:rPr>
+              <a:t>	</a:t>
+            </a:r>
+            <a:r>
+              <a:rPr lang="en-US" altLang="ja-JP" sz="2400" dirty="0" err="1">
+                <a:solidFill>
+                  <a:srgbClr val="000000"/>
+                </a:solidFill>
+                <a:ea typeface="ＭＳ ゴシック" panose="020B0609070205080204" pitchFamily="49" charset="-128"/>
+              </a:rPr>
+              <a:t>cout</a:t>
+            </a:r>
+            <a:r>
+              <a:rPr lang="en-US" altLang="ja-JP" sz="2400" dirty="0">
+                <a:solidFill>
+                  <a:srgbClr val="000000"/>
+                </a:solidFill>
+                <a:ea typeface="ＭＳ ゴシック" panose="020B0609070205080204" pitchFamily="49" charset="-128"/>
+              </a:rPr>
+              <a:t> </a:t>
+            </a:r>
+            <a:r>
+              <a:rPr lang="en-US" altLang="ja-JP" sz="2400" dirty="0">
+                <a:solidFill>
+                  <a:srgbClr val="008080"/>
+                </a:solidFill>
+                <a:ea typeface="ＭＳ ゴシック" panose="020B0609070205080204" pitchFamily="49" charset="-128"/>
+              </a:rPr>
+              <a:t>&lt;&lt;</a:t>
+            </a:r>
+            <a:r>
+              <a:rPr lang="en-US" altLang="ja-JP" sz="2400" dirty="0">
+                <a:solidFill>
+                  <a:srgbClr val="000000"/>
+                </a:solidFill>
+                <a:ea typeface="ＭＳ ゴシック" panose="020B0609070205080204" pitchFamily="49" charset="-128"/>
+              </a:rPr>
+              <a:t> </a:t>
+            </a:r>
+            <a:r>
+              <a:rPr lang="en-US" altLang="ja-JP" sz="2400" dirty="0">
+                <a:solidFill>
+                  <a:srgbClr val="A31515"/>
+                </a:solidFill>
+                <a:ea typeface="ＭＳ ゴシック" panose="020B0609070205080204" pitchFamily="49" charset="-128"/>
+              </a:rPr>
+              <a:t>"Bob</a:t>
+            </a:r>
+            <a:r>
+              <a:rPr lang="ja-JP" altLang="en-US" sz="2400" dirty="0">
+                <a:solidFill>
+                  <a:srgbClr val="A31515"/>
+                </a:solidFill>
+                <a:latin typeface="+mn-ea"/>
+              </a:rPr>
+              <a:t>の点数は</a:t>
+            </a:r>
+            <a:r>
+              <a:rPr lang="en-US" altLang="ja-JP" sz="2400" dirty="0">
+                <a:solidFill>
+                  <a:srgbClr val="A31515"/>
+                </a:solidFill>
+                <a:ea typeface="ＭＳ ゴシック" panose="020B0609070205080204" pitchFamily="49" charset="-128"/>
+              </a:rPr>
+              <a:t>"</a:t>
+            </a:r>
+            <a:r>
+              <a:rPr lang="ja-JP" altLang="en-US" sz="2400" dirty="0">
+                <a:solidFill>
+                  <a:srgbClr val="000000"/>
+                </a:solidFill>
+                <a:ea typeface="ＭＳ ゴシック" panose="020B0609070205080204" pitchFamily="49" charset="-128"/>
+              </a:rPr>
+              <a:t> </a:t>
+            </a:r>
+            <a:r>
+              <a:rPr lang="en-US" altLang="ja-JP" sz="2400" dirty="0">
+                <a:solidFill>
+                  <a:srgbClr val="008080"/>
+                </a:solidFill>
+                <a:ea typeface="ＭＳ ゴシック" panose="020B0609070205080204" pitchFamily="49" charset="-128"/>
+              </a:rPr>
+              <a:t>&lt;&lt;</a:t>
+            </a:r>
+            <a:r>
+              <a:rPr lang="ja-JP" altLang="en-US" sz="2400" dirty="0">
+                <a:solidFill>
+                  <a:srgbClr val="000000"/>
+                </a:solidFill>
+                <a:ea typeface="ＭＳ ゴシック" panose="020B0609070205080204" pitchFamily="49" charset="-128"/>
+              </a:rPr>
+              <a:t> </a:t>
+            </a:r>
+            <a:r>
+              <a:rPr lang="en-US" altLang="ja-JP" sz="2400" dirty="0">
+                <a:solidFill>
+                  <a:srgbClr val="000000"/>
+                </a:solidFill>
+                <a:ea typeface="ＭＳ ゴシック" panose="020B0609070205080204" pitchFamily="49" charset="-128"/>
+              </a:rPr>
+              <a:t>score</a:t>
+            </a:r>
+            <a:r>
+              <a:rPr lang="en-US" altLang="ja-JP" sz="2400" dirty="0">
+                <a:solidFill>
+                  <a:srgbClr val="008080"/>
+                </a:solidFill>
+                <a:ea typeface="ＭＳ ゴシック" panose="020B0609070205080204" pitchFamily="49" charset="-128"/>
+              </a:rPr>
+              <a:t>[</a:t>
+            </a:r>
+            <a:r>
+              <a:rPr lang="en-US" altLang="ja-JP" sz="2400" dirty="0">
+                <a:solidFill>
+                  <a:srgbClr val="A31515"/>
+                </a:solidFill>
+                <a:ea typeface="ＭＳ ゴシック" panose="020B0609070205080204" pitchFamily="49" charset="-128"/>
+              </a:rPr>
+              <a:t>"Bob"</a:t>
+            </a:r>
+            <a:r>
+              <a:rPr lang="en-US" altLang="ja-JP" sz="2400" dirty="0">
+                <a:solidFill>
+                  <a:srgbClr val="008080"/>
+                </a:solidFill>
+                <a:ea typeface="ＭＳ ゴシック" panose="020B0609070205080204" pitchFamily="49" charset="-128"/>
+              </a:rPr>
+              <a:t>]</a:t>
+            </a:r>
+            <a:r>
+              <a:rPr lang="en-US" altLang="ja-JP" sz="2400" dirty="0">
+                <a:solidFill>
+                  <a:srgbClr val="000000"/>
+                </a:solidFill>
+                <a:ea typeface="ＭＳ ゴシック" panose="020B0609070205080204" pitchFamily="49" charset="-128"/>
+              </a:rPr>
+              <a:t> </a:t>
+            </a:r>
+            <a:r>
+              <a:rPr lang="en-US" altLang="ja-JP" sz="2400" dirty="0">
+                <a:solidFill>
+                  <a:srgbClr val="008080"/>
+                </a:solidFill>
+                <a:ea typeface="ＭＳ ゴシック" panose="020B0609070205080204" pitchFamily="49" charset="-128"/>
+              </a:rPr>
+              <a:t>&lt;&lt;</a:t>
+            </a:r>
+            <a:r>
+              <a:rPr lang="en-US" altLang="ja-JP" sz="2400" dirty="0">
+                <a:solidFill>
+                  <a:srgbClr val="000000"/>
+                </a:solidFill>
+                <a:ea typeface="ＭＳ ゴシック" panose="020B0609070205080204" pitchFamily="49" charset="-128"/>
+              </a:rPr>
+              <a:t> </a:t>
+            </a:r>
+            <a:r>
+              <a:rPr lang="en-US" altLang="ja-JP" sz="2400" dirty="0">
+                <a:solidFill>
+                  <a:srgbClr val="A31515"/>
+                </a:solidFill>
+                <a:ea typeface="ＭＳ ゴシック" panose="020B0609070205080204" pitchFamily="49" charset="-128"/>
+              </a:rPr>
+              <a:t>"</a:t>
+            </a:r>
+            <a:r>
+              <a:rPr lang="ja-JP" altLang="en-US" sz="2400" dirty="0">
+                <a:solidFill>
+                  <a:srgbClr val="A31515"/>
+                </a:solidFill>
+                <a:latin typeface="+mn-ea"/>
+              </a:rPr>
+              <a:t>点</a:t>
+            </a:r>
+            <a:r>
+              <a:rPr lang="en-US" altLang="ja-JP" sz="2400" dirty="0">
+                <a:solidFill>
+                  <a:srgbClr val="A31515"/>
+                </a:solidFill>
+                <a:ea typeface="ＭＳ ゴシック" panose="020B0609070205080204" pitchFamily="49" charset="-128"/>
+              </a:rPr>
+              <a:t>"</a:t>
+            </a:r>
+            <a:r>
+              <a:rPr lang="ja-JP" altLang="en-US" sz="2400" dirty="0">
+                <a:solidFill>
+                  <a:srgbClr val="000000"/>
+                </a:solidFill>
+                <a:ea typeface="ＭＳ ゴシック" panose="020B0609070205080204" pitchFamily="49" charset="-128"/>
+              </a:rPr>
+              <a:t> </a:t>
+            </a:r>
+            <a:r>
+              <a:rPr lang="en-US" altLang="ja-JP" sz="2400" dirty="0">
+                <a:solidFill>
+                  <a:srgbClr val="008080"/>
+                </a:solidFill>
+                <a:ea typeface="ＭＳ ゴシック" panose="020B0609070205080204" pitchFamily="49" charset="-128"/>
+              </a:rPr>
+              <a:t>&lt;&lt;</a:t>
+            </a:r>
+            <a:r>
+              <a:rPr lang="ja-JP" altLang="en-US" sz="2400" dirty="0">
+                <a:solidFill>
+                  <a:srgbClr val="000000"/>
+                </a:solidFill>
+                <a:ea typeface="ＭＳ ゴシック" panose="020B0609070205080204" pitchFamily="49" charset="-128"/>
+              </a:rPr>
+              <a:t> </a:t>
+            </a:r>
+            <a:r>
+              <a:rPr lang="en-US" altLang="ja-JP" sz="2400" dirty="0" err="1">
+                <a:solidFill>
+                  <a:srgbClr val="000000"/>
+                </a:solidFill>
+                <a:ea typeface="ＭＳ ゴシック" panose="020B0609070205080204" pitchFamily="49" charset="-128"/>
+              </a:rPr>
+              <a:t>endl</a:t>
+            </a:r>
+            <a:r>
+              <a:rPr lang="en-US" altLang="ja-JP" sz="2400" dirty="0">
+                <a:solidFill>
+                  <a:srgbClr val="000000"/>
+                </a:solidFill>
+                <a:ea typeface="ＭＳ ゴシック" panose="020B0609070205080204" pitchFamily="49" charset="-128"/>
+              </a:rPr>
+              <a:t>;</a:t>
+            </a:r>
+          </a:p>
+          <a:p>
+            <a:r>
+              <a:rPr lang="en-US" altLang="ja-JP" sz="2400" dirty="0">
+                <a:solidFill>
+                  <a:srgbClr val="000000"/>
+                </a:solidFill>
+                <a:ea typeface="ＭＳ ゴシック" panose="020B0609070205080204" pitchFamily="49" charset="-128"/>
+              </a:rPr>
+              <a:t>	</a:t>
+            </a:r>
+            <a:r>
+              <a:rPr lang="en-US" altLang="ja-JP" sz="2400" dirty="0" err="1">
+                <a:solidFill>
+                  <a:srgbClr val="000000"/>
+                </a:solidFill>
+                <a:ea typeface="ＭＳ ゴシック" panose="020B0609070205080204" pitchFamily="49" charset="-128"/>
+              </a:rPr>
+              <a:t>cout</a:t>
+            </a:r>
+            <a:r>
+              <a:rPr lang="en-US" altLang="ja-JP" sz="2400" dirty="0">
+                <a:solidFill>
+                  <a:srgbClr val="000000"/>
+                </a:solidFill>
+                <a:ea typeface="ＭＳ ゴシック" panose="020B0609070205080204" pitchFamily="49" charset="-128"/>
+              </a:rPr>
+              <a:t> </a:t>
+            </a:r>
+            <a:r>
+              <a:rPr lang="en-US" altLang="ja-JP" sz="2400" dirty="0">
+                <a:solidFill>
+                  <a:srgbClr val="008080"/>
+                </a:solidFill>
+                <a:ea typeface="ＭＳ ゴシック" panose="020B0609070205080204" pitchFamily="49" charset="-128"/>
+              </a:rPr>
+              <a:t>&lt;&lt;</a:t>
+            </a:r>
+            <a:r>
+              <a:rPr lang="en-US" altLang="ja-JP" sz="2400" dirty="0">
+                <a:solidFill>
+                  <a:srgbClr val="000000"/>
+                </a:solidFill>
+                <a:ea typeface="ＭＳ ゴシック" panose="020B0609070205080204" pitchFamily="49" charset="-128"/>
+              </a:rPr>
+              <a:t> </a:t>
+            </a:r>
+            <a:r>
+              <a:rPr lang="en-US" altLang="ja-JP" sz="2400" dirty="0">
+                <a:solidFill>
+                  <a:srgbClr val="A31515"/>
+                </a:solidFill>
+                <a:ea typeface="ＭＳ ゴシック" panose="020B0609070205080204" pitchFamily="49" charset="-128"/>
+              </a:rPr>
+              <a:t>"Mike</a:t>
+            </a:r>
+            <a:r>
+              <a:rPr lang="ja-JP" altLang="en-US" sz="2400" dirty="0">
+                <a:solidFill>
+                  <a:srgbClr val="A31515"/>
+                </a:solidFill>
+                <a:latin typeface="+mn-ea"/>
+              </a:rPr>
+              <a:t>の点数は</a:t>
+            </a:r>
+            <a:r>
+              <a:rPr lang="en-US" altLang="ja-JP" sz="2400" dirty="0">
+                <a:solidFill>
+                  <a:srgbClr val="A31515"/>
+                </a:solidFill>
+                <a:ea typeface="ＭＳ ゴシック" panose="020B0609070205080204" pitchFamily="49" charset="-128"/>
+              </a:rPr>
+              <a:t>"</a:t>
+            </a:r>
+            <a:r>
+              <a:rPr lang="ja-JP" altLang="en-US" sz="2400" dirty="0">
+                <a:solidFill>
+                  <a:srgbClr val="000000"/>
+                </a:solidFill>
+                <a:ea typeface="ＭＳ ゴシック" panose="020B0609070205080204" pitchFamily="49" charset="-128"/>
+              </a:rPr>
+              <a:t> </a:t>
+            </a:r>
+            <a:r>
+              <a:rPr lang="en-US" altLang="ja-JP" sz="2400" dirty="0">
+                <a:solidFill>
+                  <a:srgbClr val="008080"/>
+                </a:solidFill>
+                <a:ea typeface="ＭＳ ゴシック" panose="020B0609070205080204" pitchFamily="49" charset="-128"/>
+              </a:rPr>
+              <a:t>&lt;&lt;</a:t>
+            </a:r>
+            <a:r>
+              <a:rPr lang="ja-JP" altLang="en-US" sz="2400" dirty="0">
+                <a:solidFill>
+                  <a:srgbClr val="000000"/>
+                </a:solidFill>
+                <a:ea typeface="ＭＳ ゴシック" panose="020B0609070205080204" pitchFamily="49" charset="-128"/>
+              </a:rPr>
+              <a:t> </a:t>
+            </a:r>
+            <a:r>
+              <a:rPr lang="en-US" altLang="ja-JP" sz="2400" dirty="0">
+                <a:solidFill>
+                  <a:srgbClr val="000000"/>
+                </a:solidFill>
+                <a:ea typeface="ＭＳ ゴシック" panose="020B0609070205080204" pitchFamily="49" charset="-128"/>
+              </a:rPr>
+              <a:t>score</a:t>
+            </a:r>
+            <a:r>
+              <a:rPr lang="en-US" altLang="ja-JP" sz="2400" dirty="0">
+                <a:solidFill>
+                  <a:srgbClr val="008080"/>
+                </a:solidFill>
+                <a:ea typeface="ＭＳ ゴシック" panose="020B0609070205080204" pitchFamily="49" charset="-128"/>
+              </a:rPr>
+              <a:t>[</a:t>
+            </a:r>
+            <a:r>
+              <a:rPr lang="en-US" altLang="ja-JP" sz="2400" dirty="0">
+                <a:solidFill>
+                  <a:srgbClr val="A31515"/>
+                </a:solidFill>
+                <a:ea typeface="ＭＳ ゴシック" panose="020B0609070205080204" pitchFamily="49" charset="-128"/>
+              </a:rPr>
+              <a:t>"Mike"</a:t>
+            </a:r>
+            <a:r>
+              <a:rPr lang="en-US" altLang="ja-JP" sz="2400" dirty="0">
+                <a:solidFill>
+                  <a:srgbClr val="008080"/>
+                </a:solidFill>
+                <a:ea typeface="ＭＳ ゴシック" panose="020B0609070205080204" pitchFamily="49" charset="-128"/>
+              </a:rPr>
+              <a:t>]</a:t>
+            </a:r>
+            <a:r>
+              <a:rPr lang="en-US" altLang="ja-JP" sz="2400" dirty="0">
+                <a:solidFill>
+                  <a:srgbClr val="000000"/>
+                </a:solidFill>
+                <a:ea typeface="ＭＳ ゴシック" panose="020B0609070205080204" pitchFamily="49" charset="-128"/>
+              </a:rPr>
+              <a:t> </a:t>
+            </a:r>
+            <a:r>
+              <a:rPr lang="en-US" altLang="ja-JP" sz="2400" dirty="0">
+                <a:solidFill>
+                  <a:srgbClr val="008080"/>
+                </a:solidFill>
+                <a:ea typeface="ＭＳ ゴシック" panose="020B0609070205080204" pitchFamily="49" charset="-128"/>
+              </a:rPr>
+              <a:t>&lt;&lt;</a:t>
+            </a:r>
+            <a:r>
+              <a:rPr lang="en-US" altLang="ja-JP" sz="2400" dirty="0">
+                <a:solidFill>
+                  <a:srgbClr val="000000"/>
+                </a:solidFill>
+                <a:ea typeface="ＭＳ ゴシック" panose="020B0609070205080204" pitchFamily="49" charset="-128"/>
+              </a:rPr>
+              <a:t> </a:t>
+            </a:r>
+            <a:r>
+              <a:rPr lang="en-US" altLang="ja-JP" sz="2400" dirty="0">
+                <a:solidFill>
+                  <a:srgbClr val="A31515"/>
+                </a:solidFill>
+                <a:ea typeface="ＭＳ ゴシック" panose="020B0609070205080204" pitchFamily="49" charset="-128"/>
+              </a:rPr>
+              <a:t>"</a:t>
+            </a:r>
+            <a:r>
+              <a:rPr lang="ja-JP" altLang="en-US" sz="2400" dirty="0">
+                <a:solidFill>
+                  <a:srgbClr val="A31515"/>
+                </a:solidFill>
+                <a:latin typeface="+mn-ea"/>
+              </a:rPr>
+              <a:t>点</a:t>
+            </a:r>
+            <a:r>
+              <a:rPr lang="en-US" altLang="ja-JP" sz="2400" dirty="0">
+                <a:solidFill>
+                  <a:srgbClr val="A31515"/>
+                </a:solidFill>
+                <a:ea typeface="ＭＳ ゴシック" panose="020B0609070205080204" pitchFamily="49" charset="-128"/>
+              </a:rPr>
+              <a:t>"</a:t>
+            </a:r>
+            <a:r>
+              <a:rPr lang="ja-JP" altLang="en-US" sz="2400" dirty="0">
+                <a:solidFill>
+                  <a:srgbClr val="000000"/>
+                </a:solidFill>
+                <a:ea typeface="ＭＳ ゴシック" panose="020B0609070205080204" pitchFamily="49" charset="-128"/>
+              </a:rPr>
+              <a:t> </a:t>
+            </a:r>
+            <a:r>
+              <a:rPr lang="en-US" altLang="ja-JP" sz="2400" dirty="0">
+                <a:solidFill>
+                  <a:srgbClr val="008080"/>
+                </a:solidFill>
+                <a:ea typeface="ＭＳ ゴシック" panose="020B0609070205080204" pitchFamily="49" charset="-128"/>
+              </a:rPr>
+              <a:t>&lt;&lt;</a:t>
+            </a:r>
+            <a:r>
+              <a:rPr lang="ja-JP" altLang="en-US" sz="2400" dirty="0">
+                <a:solidFill>
+                  <a:srgbClr val="000000"/>
+                </a:solidFill>
+                <a:ea typeface="ＭＳ ゴシック" panose="020B0609070205080204" pitchFamily="49" charset="-128"/>
+              </a:rPr>
+              <a:t> </a:t>
+            </a:r>
+            <a:r>
+              <a:rPr lang="en-US" altLang="ja-JP" sz="2400" dirty="0" err="1">
+                <a:solidFill>
+                  <a:srgbClr val="000000"/>
+                </a:solidFill>
+                <a:ea typeface="ＭＳ ゴシック" panose="020B0609070205080204" pitchFamily="49" charset="-128"/>
+              </a:rPr>
+              <a:t>endl</a:t>
+            </a:r>
+            <a:r>
+              <a:rPr lang="en-US" altLang="ja-JP" sz="2400" dirty="0">
+                <a:solidFill>
+                  <a:srgbClr val="000000"/>
+                </a:solidFill>
+                <a:ea typeface="ＭＳ ゴシック" panose="020B0609070205080204" pitchFamily="49" charset="-128"/>
+              </a:rPr>
+              <a:t>;</a:t>
+            </a:r>
+          </a:p>
+          <a:p>
+            <a:r>
+              <a:rPr lang="en-US" altLang="ja-JP" sz="2400" dirty="0">
+                <a:solidFill>
+                  <a:srgbClr val="0000FF"/>
+                </a:solidFill>
+                <a:ea typeface="ＭＳ ゴシック" panose="020B0609070205080204" pitchFamily="49" charset="-128"/>
+              </a:rPr>
+              <a:t>	return</a:t>
+            </a:r>
+            <a:r>
+              <a:rPr lang="en-US" altLang="ja-JP" sz="2400" dirty="0">
+                <a:solidFill>
+                  <a:srgbClr val="000000"/>
+                </a:solidFill>
+                <a:ea typeface="ＭＳ ゴシック" panose="020B0609070205080204" pitchFamily="49" charset="-128"/>
+              </a:rPr>
+              <a:t> 0;</a:t>
+            </a:r>
+          </a:p>
+          <a:p>
+            <a:r>
+              <a:rPr lang="en-US" altLang="ja-JP" sz="2400" dirty="0">
+                <a:solidFill>
+                  <a:srgbClr val="000000"/>
+                </a:solidFill>
+                <a:ea typeface="ＭＳ ゴシック" panose="020B0609070205080204" pitchFamily="49" charset="-128"/>
+              </a:rPr>
+              <a:t>}</a:t>
+            </a:r>
+            <a:endParaRPr kumimoji="1" lang="ja-JP" altLang="en-US" sz="9600" dirty="0"/>
+          </a:p>
+        </p:txBody>
+      </p:sp>
+    </p:spTree>
+    <p:extLst>
+      <p:ext uri="{BB962C8B-B14F-4D97-AF65-F5344CB8AC3E}">
+        <p14:creationId xmlns:p14="http://schemas.microsoft.com/office/powerpoint/2010/main" val="121643851"/>
+      </p:ext>
+    </p:extLst>
+  </p:cSld>
+  <p:clrMapOvr>
+    <a:masterClrMapping/>
+  </p:clrMapOvr>
+</p:sld>
+</file>
+
+<file path=ppt/slides/slide15.xml><?xml version="1.0" encoding="utf-8"?>
 <p:sld xmlns:a="http://schemas.openxmlformats.org/drawingml/2006/main" xmlns:r="http://schemas.openxmlformats.org/officeDocument/2006/relationships" xmlns:p="http://schemas.openxmlformats.org/presentationml/2006/main">
   <p:cSld>
     <p:spTree>

--- a/授業資料/講義資料：Mapクラス.pptx
+++ b/授業資料/講義資料：Mapクラス.pptx
@@ -5608,7 +5608,7 @@
         <p:spPr>
           <a:xfrm>
             <a:off x="1635340" y="4929609"/>
-            <a:ext cx="4509568" cy="830997"/>
+            <a:ext cx="4612160" cy="830997"/>
           </a:xfrm>
           <a:prstGeom prst="rect">
             <a:avLst/>
@@ -5634,7 +5634,7 @@
                   <a:srgbClr val="00B050"/>
                 </a:solidFill>
               </a:rPr>
-              <a:t>//emplace</a:t>
+              <a:t>emplace</a:t>
             </a:r>
             <a:r>
               <a:rPr kumimoji="1" lang="ja-JP" altLang="en-US" sz="2400" dirty="0">
@@ -5657,7 +5657,7 @@
                   <a:srgbClr val="00B050"/>
                 </a:solidFill>
               </a:rPr>
-              <a:t>　　この場合はペアの定義は不要</a:t>
+              <a:t>　→この場合はペアの定義は不要</a:t>
             </a:r>
           </a:p>
         </p:txBody>
@@ -6396,7 +6396,7 @@
         <p:spPr>
           <a:xfrm>
             <a:off x="1808594" y="3717521"/>
-            <a:ext cx="8789586" cy="461665"/>
+            <a:ext cx="8408071" cy="1200329"/>
           </a:xfrm>
           <a:prstGeom prst="rect">
             <a:avLst/>
@@ -6417,12 +6417,34 @@
           <a:lstStyle/>
           <a:p>
             <a:r>
+              <a:rPr kumimoji="1" lang="ja-JP" altLang="en-US" sz="2400" dirty="0">
+                <a:solidFill>
+                  <a:srgbClr val="00B050"/>
+                </a:solidFill>
+              </a:rPr>
+              <a:t>実行すると、キーが昇順ソートされていることがわかる</a:t>
+            </a:r>
+            <a:br>
               <a:rPr kumimoji="1" lang="en-US" altLang="ja-JP" sz="2400" dirty="0">
                 <a:solidFill>
                   <a:srgbClr val="00B050"/>
                 </a:solidFill>
               </a:rPr>
-              <a:t>//map</a:t>
+            </a:br>
+            <a:br>
+              <a:rPr kumimoji="1" lang="en-US" altLang="ja-JP" sz="2400" dirty="0">
+                <a:solidFill>
+                  <a:srgbClr val="00B050"/>
+                </a:solidFill>
+              </a:rPr>
+            </a:br>
+            <a:r>
+              <a:rPr kumimoji="1" lang="en-US" altLang="ja-JP" sz="2400" dirty="0">
+                <a:solidFill>
+                  <a:srgbClr val="00B050"/>
+                </a:solidFill>
+              </a:rPr>
+              <a:t>map</a:t>
             </a:r>
             <a:r>
               <a:rPr kumimoji="1" lang="ja-JP" altLang="en-US" sz="2400" dirty="0">
@@ -7513,7 +7535,7 @@
         <p:spPr>
           <a:xfrm>
             <a:off x="3861512" y="4865003"/>
-            <a:ext cx="6429965" cy="461665"/>
+            <a:ext cx="6048451" cy="461665"/>
           </a:xfrm>
           <a:prstGeom prst="rect">
             <a:avLst/>
@@ -7533,14 +7555,6 @@
           </a:bodyPr>
           <a:lstStyle/>
           <a:p>
-            <a:r>
-              <a:rPr kumimoji="1" lang="en-US" altLang="ja-JP" sz="2400" dirty="0">
-                <a:solidFill>
-                  <a:srgbClr val="00B050"/>
-                </a:solidFill>
-              </a:rPr>
-              <a:t>//</a:t>
-            </a:r>
             <a:r>
               <a:rPr kumimoji="1" lang="ja-JP" altLang="en-US" sz="2400" dirty="0">
                 <a:solidFill>
@@ -8626,7 +8640,7 @@
             <a:r>
               <a:rPr lang="en-US" altLang="ja-JP" sz="2000" dirty="0">
                 <a:solidFill>
-                  <a:srgbClr val="000000"/>
+                  <a:srgbClr val="FF0000"/>
                 </a:solidFill>
                 <a:ea typeface="ＭＳ ゴシック" panose="020B0609070205080204" pitchFamily="49" charset="-128"/>
               </a:rPr>
@@ -8635,7 +8649,7 @@
             <a:r>
               <a:rPr lang="ja-JP" altLang="en-US" sz="2000" dirty="0">
                 <a:solidFill>
-                  <a:srgbClr val="000000"/>
+                  <a:srgbClr val="FF0000"/>
                 </a:solidFill>
                 <a:ea typeface="ＭＳ ゴシック" panose="020B0609070205080204" pitchFamily="49" charset="-128"/>
               </a:rPr>
@@ -8842,7 +8856,7 @@
         </p:nvSpPr>
         <p:spPr>
           <a:xfrm>
-            <a:off x="5735135" y="3429000"/>
+            <a:off x="2807109" y="3273358"/>
             <a:ext cx="5990743" cy="1200329"/>
           </a:xfrm>
           <a:prstGeom prst="rect">
@@ -8869,7 +8883,7 @@
                   <a:srgbClr val="00B050"/>
                 </a:solidFill>
               </a:rPr>
-              <a:t>//C++17</a:t>
+              <a:t>C++17</a:t>
             </a:r>
             <a:r>
               <a:rPr kumimoji="1" lang="ja-JP" altLang="en-US" sz="2400" dirty="0">
@@ -8897,79 +8911,79 @@
             <a:r>
               <a:rPr kumimoji="1" lang="en-US" altLang="ja-JP" sz="2400" dirty="0">
                 <a:solidFill>
+                  <a:srgbClr val="0070C0"/>
+                </a:solidFill>
+              </a:rPr>
+              <a:t>cl</a:t>
+            </a:r>
+            <a:r>
+              <a:rPr kumimoji="1" lang="ja-JP" altLang="en-US" sz="2400" dirty="0">
+                <a:solidFill>
+                  <a:srgbClr val="0070C0"/>
+                </a:solidFill>
+              </a:rPr>
+              <a:t> </a:t>
+            </a:r>
+            <a:r>
+              <a:rPr kumimoji="1" lang="en-US" altLang="ja-JP" sz="2400" dirty="0">
+                <a:solidFill>
+                  <a:srgbClr val="0070C0"/>
+                </a:solidFill>
+              </a:rPr>
+              <a:t>/</a:t>
+            </a:r>
+            <a:r>
+              <a:rPr kumimoji="1" lang="en-US" altLang="ja-JP" sz="2400" dirty="0" err="1">
+                <a:solidFill>
+                  <a:srgbClr val="0070C0"/>
+                </a:solidFill>
+              </a:rPr>
+              <a:t>EHsc</a:t>
+            </a:r>
+            <a:r>
+              <a:rPr kumimoji="1" lang="ja-JP" altLang="en-US" sz="2400" dirty="0">
+                <a:solidFill>
+                  <a:srgbClr val="0070C0"/>
+                </a:solidFill>
+              </a:rPr>
+              <a:t> </a:t>
+            </a:r>
+            <a:r>
+              <a:rPr kumimoji="1" lang="en-US" altLang="ja-JP" sz="2400" dirty="0">
+                <a:solidFill>
+                  <a:srgbClr val="FF0000"/>
+                </a:solidFill>
+              </a:rPr>
+              <a:t>/</a:t>
+            </a:r>
+            <a:r>
+              <a:rPr kumimoji="1" lang="en-US" altLang="ja-JP" sz="2400" dirty="0" err="1">
+                <a:solidFill>
+                  <a:srgbClr val="FF0000"/>
+                </a:solidFill>
+              </a:rPr>
+              <a:t>std:c</a:t>
+            </a:r>
+            <a:r>
+              <a:rPr kumimoji="1" lang="en-US" altLang="ja-JP" sz="2400" dirty="0">
+                <a:solidFill>
+                  <a:srgbClr val="FF0000"/>
+                </a:solidFill>
+              </a:rPr>
+              <a:t>++17</a:t>
+            </a:r>
+            <a:r>
+              <a:rPr kumimoji="1" lang="ja-JP" altLang="en-US" sz="2400" dirty="0">
+                <a:solidFill>
                   <a:srgbClr val="00B050"/>
                 </a:solidFill>
               </a:rPr>
-              <a:t>cl</a:t>
-            </a:r>
-            <a:r>
-              <a:rPr kumimoji="1" lang="ja-JP" altLang="en-US" sz="2400" dirty="0">
-                <a:solidFill>
-                  <a:srgbClr val="00B050"/>
-                </a:solidFill>
-              </a:rPr>
               <a:t> </a:t>
             </a:r>
             <a:r>
               <a:rPr kumimoji="1" lang="en-US" altLang="ja-JP" sz="2400" dirty="0">
                 <a:solidFill>
-                  <a:srgbClr val="00B050"/>
-                </a:solidFill>
-              </a:rPr>
-              <a:t>/</a:t>
-            </a:r>
-            <a:r>
-              <a:rPr kumimoji="1" lang="en-US" altLang="ja-JP" sz="2400" dirty="0" err="1">
-                <a:solidFill>
-                  <a:srgbClr val="00B050"/>
-                </a:solidFill>
-              </a:rPr>
-              <a:t>EHsc</a:t>
-            </a:r>
-            <a:r>
-              <a:rPr kumimoji="1" lang="ja-JP" altLang="en-US" sz="2400" dirty="0">
-                <a:solidFill>
-                  <a:srgbClr val="00B050"/>
-                </a:solidFill>
-              </a:rPr>
-              <a:t> </a:t>
-            </a:r>
-            <a:r>
-              <a:rPr kumimoji="1" lang="en-US" altLang="ja-JP" sz="2400" dirty="0">
-                <a:solidFill>
-                  <a:srgbClr val="FF0000"/>
-                </a:solidFill>
-              </a:rPr>
-              <a:t>/</a:t>
-            </a:r>
-            <a:r>
-              <a:rPr kumimoji="1" lang="en-US" altLang="ja-JP" sz="2400" dirty="0" err="1">
-                <a:solidFill>
-                  <a:srgbClr val="FF0000"/>
-                </a:solidFill>
-              </a:rPr>
-              <a:t>std:c</a:t>
-            </a:r>
-            <a:r>
-              <a:rPr kumimoji="1" lang="en-US" altLang="ja-JP" sz="2400" dirty="0">
-                <a:solidFill>
-                  <a:srgbClr val="FF0000"/>
-                </a:solidFill>
-              </a:rPr>
-              <a:t>++17</a:t>
-            </a:r>
-            <a:r>
-              <a:rPr kumimoji="1" lang="ja-JP" altLang="en-US" sz="2400" dirty="0">
-                <a:solidFill>
-                  <a:srgbClr val="00B050"/>
-                </a:solidFill>
-              </a:rPr>
-              <a:t> </a:t>
-            </a:r>
-            <a:r>
-              <a:rPr kumimoji="1" lang="en-US" altLang="ja-JP" sz="2400" dirty="0">
-                <a:solidFill>
-                  <a:srgbClr val="00B050"/>
+                  <a:srgbClr val="0070C0"/>
                 </a:solidFill>
               </a:rPr>
               <a:t>main.cpp</a:t>
@@ -8987,7 +9001,7 @@
                   <a:srgbClr val="00B050"/>
                 </a:solidFill>
               </a:rPr>
-              <a:t>　　でコンパイルが可能</a:t>
+              <a:t>でコンパイルが可能</a:t>
             </a:r>
           </a:p>
         </p:txBody>
@@ -9283,7 +9297,7 @@
         <p:spPr>
           <a:xfrm>
             <a:off x="838200" y="1128173"/>
-            <a:ext cx="11134927" cy="5262979"/>
+            <a:ext cx="11134927" cy="4647426"/>
           </a:xfrm>
           <a:prstGeom prst="rect">
             <a:avLst/>
@@ -9302,1226 +9316,528 @@
           <a:lstStyle/>
           <a:p>
             <a:r>
+              <a:rPr lang="en-US" altLang="ja-JP" sz="3200" dirty="0">
+                <a:ea typeface="ＭＳ ゴシック" panose="020B0609070205080204" pitchFamily="49" charset="-128"/>
+              </a:rPr>
+              <a:t>【map</a:t>
+            </a:r>
+            <a:r>
+              <a:rPr lang="ja-JP" altLang="en-US" sz="3200" dirty="0">
+                <a:ea typeface="ＭＳ ゴシック" panose="020B0609070205080204" pitchFamily="49" charset="-128"/>
+              </a:rPr>
+              <a:t>クラスの例</a:t>
+            </a:r>
+            <a:r>
+              <a:rPr lang="en-US" altLang="ja-JP" sz="3200" dirty="0">
+                <a:ea typeface="ＭＳ ゴシック" panose="020B0609070205080204" pitchFamily="49" charset="-128"/>
+              </a:rPr>
+              <a:t>】</a:t>
+            </a:r>
+            <a:br>
               <a:rPr lang="en-US" altLang="ja-JP" sz="2400" dirty="0">
-                <a:solidFill>
-                  <a:srgbClr val="808080"/>
-                </a:solidFill>
-                <a:ea typeface="ＭＳ ゴシック" panose="020B0609070205080204" pitchFamily="49" charset="-128"/>
-              </a:rPr>
-              <a:t>#include</a:t>
-            </a:r>
+                <a:ea typeface="ＭＳ ゴシック" panose="020B0609070205080204" pitchFamily="49" charset="-128"/>
+              </a:rPr>
+            </a:br>
             <a:r>
               <a:rPr lang="en-US" altLang="ja-JP" sz="2400" dirty="0">
-                <a:solidFill>
-                  <a:srgbClr val="000000"/>
-                </a:solidFill>
-                <a:ea typeface="ＭＳ ゴシック" panose="020B0609070205080204" pitchFamily="49" charset="-128"/>
-              </a:rPr>
-              <a:t> </a:t>
+                <a:ea typeface="ＭＳ ゴシック" panose="020B0609070205080204" pitchFamily="49" charset="-128"/>
+              </a:rPr>
+              <a:t>map&lt;</a:t>
             </a:r>
             <a:r>
               <a:rPr lang="en-US" altLang="ja-JP" sz="2400" dirty="0">
                 <a:solidFill>
-                  <a:srgbClr val="A31515"/>
-                </a:solidFill>
-                <a:ea typeface="ＭＳ ゴシック" panose="020B0609070205080204" pitchFamily="49" charset="-128"/>
-              </a:rPr>
-              <a:t>&lt;iostream&gt;</a:t>
-            </a:r>
-            <a:endParaRPr lang="en-US" altLang="ja-JP" sz="2400" dirty="0">
+                  <a:schemeClr val="accent2">
+                    <a:lumMod val="75000"/>
+                  </a:schemeClr>
+                </a:solidFill>
+                <a:ea typeface="ＭＳ ゴシック" panose="020B0609070205080204" pitchFamily="49" charset="-128"/>
+              </a:rPr>
+              <a:t>string</a:t>
+            </a:r>
+            <a:r>
+              <a:rPr lang="en-US" altLang="ja-JP" sz="2400" dirty="0">
+                <a:ea typeface="ＭＳ ゴシック" panose="020B0609070205080204" pitchFamily="49" charset="-128"/>
+              </a:rPr>
+              <a:t>, </a:t>
+            </a:r>
+            <a:r>
+              <a:rPr lang="en-US" altLang="ja-JP" sz="2400" dirty="0">
+                <a:solidFill>
+                  <a:srgbClr val="00B050"/>
+                </a:solidFill>
+                <a:ea typeface="ＭＳ ゴシック" panose="020B0609070205080204" pitchFamily="49" charset="-128"/>
+              </a:rPr>
+              <a:t>string</a:t>
+            </a:r>
+            <a:r>
+              <a:rPr lang="en-US" altLang="ja-JP" sz="2400" dirty="0">
+                <a:ea typeface="ＭＳ ゴシック" panose="020B0609070205080204" pitchFamily="49" charset="-128"/>
+              </a:rPr>
+              <a:t>&gt; </a:t>
+            </a:r>
+            <a:br>
+              <a:rPr lang="en-US" altLang="ja-JP" sz="2400" dirty="0">
+                <a:ea typeface="ＭＳ ゴシック" panose="020B0609070205080204" pitchFamily="49" charset="-128"/>
+              </a:rPr>
+            </a:br>
+            <a:r>
+              <a:rPr lang="en-US" altLang="ja-JP" sz="2400" dirty="0">
+                <a:ea typeface="ＭＳ ゴシック" panose="020B0609070205080204" pitchFamily="49" charset="-128"/>
+              </a:rPr>
+              <a:t>    email{ {“</a:t>
+            </a:r>
+            <a:r>
+              <a:rPr lang="en-US" altLang="ja-JP" sz="2400" dirty="0">
+                <a:solidFill>
+                  <a:schemeClr val="accent2">
+                    <a:lumMod val="75000"/>
+                  </a:schemeClr>
+                </a:solidFill>
+                <a:ea typeface="ＭＳ ゴシック" panose="020B0609070205080204" pitchFamily="49" charset="-128"/>
+              </a:rPr>
+              <a:t>kd1234567@st.kobedenshi.ac.jp</a:t>
+            </a:r>
+            <a:r>
+              <a:rPr lang="en-US" altLang="ja-JP" sz="2400" dirty="0">
+                <a:ea typeface="ＭＳ ゴシック" panose="020B0609070205080204" pitchFamily="49" charset="-128"/>
+              </a:rPr>
+              <a:t>”,”</a:t>
+            </a:r>
+            <a:r>
+              <a:rPr lang="ja-JP" altLang="en-US" sz="2400" dirty="0">
+                <a:solidFill>
+                  <a:srgbClr val="00B050"/>
+                </a:solidFill>
+                <a:ea typeface="ＭＳ ゴシック" panose="020B0609070205080204" pitchFamily="49" charset="-128"/>
+              </a:rPr>
+              <a:t>青木一郎</a:t>
+            </a:r>
+            <a:r>
+              <a:rPr lang="en-US" altLang="ja-JP" sz="2400" dirty="0">
+                <a:ea typeface="ＭＳ ゴシック" panose="020B0609070205080204" pitchFamily="49" charset="-128"/>
+              </a:rPr>
+              <a:t>”},</a:t>
+            </a:r>
+            <a:br>
+              <a:rPr lang="en-US" altLang="ja-JP" sz="2400" dirty="0">
+                <a:ea typeface="ＭＳ ゴシック" panose="020B0609070205080204" pitchFamily="49" charset="-128"/>
+              </a:rPr>
+            </a:br>
+            <a:r>
+              <a:rPr lang="en-US" altLang="ja-JP" sz="2400" dirty="0">
+                <a:ea typeface="ＭＳ ゴシック" panose="020B0609070205080204" pitchFamily="49" charset="-128"/>
+              </a:rPr>
+              <a:t>           {“</a:t>
+            </a:r>
+            <a:r>
+              <a:rPr lang="en-US" altLang="ja-JP" sz="2400" dirty="0">
+                <a:solidFill>
+                  <a:schemeClr val="accent2">
+                    <a:lumMod val="75000"/>
+                  </a:schemeClr>
+                </a:solidFill>
+                <a:ea typeface="ＭＳ ゴシック" panose="020B0609070205080204" pitchFamily="49" charset="-128"/>
+              </a:rPr>
+              <a:t>kd2345678@st.kobedenshi.ac.jp</a:t>
+            </a:r>
+            <a:r>
+              <a:rPr lang="en-US" altLang="ja-JP" sz="2400" dirty="0">
+                <a:ea typeface="ＭＳ ゴシック" panose="020B0609070205080204" pitchFamily="49" charset="-128"/>
+              </a:rPr>
+              <a:t>”,”</a:t>
+            </a:r>
+            <a:r>
+              <a:rPr lang="ja-JP" altLang="en-US" sz="2400" dirty="0">
+                <a:solidFill>
+                  <a:srgbClr val="00B050"/>
+                </a:solidFill>
+                <a:ea typeface="ＭＳ ゴシック" panose="020B0609070205080204" pitchFamily="49" charset="-128"/>
+              </a:rPr>
+              <a:t>赤城次郎</a:t>
+            </a:r>
+            <a:r>
+              <a:rPr lang="en-US" altLang="ja-JP" sz="2400" dirty="0">
+                <a:ea typeface="ＭＳ ゴシック" panose="020B0609070205080204" pitchFamily="49" charset="-128"/>
+              </a:rPr>
+              <a:t>”},          </a:t>
+            </a:r>
+            <a:br>
+              <a:rPr lang="en-US" altLang="ja-JP" sz="2400" dirty="0">
+                <a:ea typeface="ＭＳ ゴシック" panose="020B0609070205080204" pitchFamily="49" charset="-128"/>
+              </a:rPr>
+            </a:br>
+            <a:r>
+              <a:rPr lang="en-US" altLang="ja-JP" sz="2400" dirty="0">
+                <a:ea typeface="ＭＳ ゴシック" panose="020B0609070205080204" pitchFamily="49" charset="-128"/>
+              </a:rPr>
+              <a:t>           {“</a:t>
+            </a:r>
+            <a:r>
+              <a:rPr lang="en-US" altLang="ja-JP" sz="2400" dirty="0">
+                <a:solidFill>
+                  <a:schemeClr val="accent2">
+                    <a:lumMod val="75000"/>
+                  </a:schemeClr>
+                </a:solidFill>
+                <a:ea typeface="ＭＳ ゴシック" panose="020B0609070205080204" pitchFamily="49" charset="-128"/>
+              </a:rPr>
+              <a:t>kd3456789@st.kobedenshi.ac.jp</a:t>
+            </a:r>
+            <a:r>
+              <a:rPr lang="en-US" altLang="ja-JP" sz="2400" dirty="0">
+                <a:ea typeface="ＭＳ ゴシック" panose="020B0609070205080204" pitchFamily="49" charset="-128"/>
+              </a:rPr>
+              <a:t>”,”</a:t>
+            </a:r>
+            <a:r>
+              <a:rPr lang="ja-JP" altLang="en-US" sz="2400" dirty="0">
+                <a:solidFill>
+                  <a:srgbClr val="00B050"/>
+                </a:solidFill>
+                <a:ea typeface="ＭＳ ゴシック" panose="020B0609070205080204" pitchFamily="49" charset="-128"/>
+              </a:rPr>
+              <a:t>緑川三郎</a:t>
+            </a:r>
+            <a:r>
+              <a:rPr lang="en-US" altLang="ja-JP" sz="2400" dirty="0">
+                <a:ea typeface="ＭＳ ゴシック" panose="020B0609070205080204" pitchFamily="49" charset="-128"/>
+              </a:rPr>
+              <a:t>”} };</a:t>
+            </a:r>
+            <a:br>
+              <a:rPr lang="en-US" altLang="ja-JP" sz="2400" dirty="0">
+                <a:ea typeface="ＭＳ ゴシック" panose="020B0609070205080204" pitchFamily="49" charset="-128"/>
+              </a:rPr>
+            </a:br>
+            <a:r>
+              <a:rPr lang="en-US" altLang="ja-JP" sz="2400" dirty="0">
+                <a:ea typeface="ＭＳ ゴシック" panose="020B0609070205080204" pitchFamily="49" charset="-128"/>
+              </a:rPr>
+              <a:t>//</a:t>
+            </a:r>
+            <a:r>
+              <a:rPr lang="ja-JP" altLang="en-US" sz="2400" dirty="0">
+                <a:ea typeface="ＭＳ ゴシック" panose="020B0609070205080204" pitchFamily="49" charset="-128"/>
+              </a:rPr>
+              <a:t>メールアドレスと氏名の対応表</a:t>
+            </a:r>
+            <a:br>
+              <a:rPr lang="en-US" altLang="ja-JP" sz="2400" dirty="0">
+                <a:ea typeface="ＭＳ ゴシック" panose="020B0609070205080204" pitchFamily="49" charset="-128"/>
+              </a:rPr>
+            </a:br>
+            <a:br>
+              <a:rPr lang="en-US" altLang="ja-JP" sz="2400" dirty="0">
+                <a:ea typeface="ＭＳ ゴシック" panose="020B0609070205080204" pitchFamily="49" charset="-128"/>
+              </a:rPr>
+            </a:br>
+            <a:r>
+              <a:rPr lang="en-US" altLang="ja-JP" sz="2400" dirty="0">
+                <a:ea typeface="ＭＳ ゴシック" panose="020B0609070205080204" pitchFamily="49" charset="-128"/>
+              </a:rPr>
+              <a:t>map&lt;</a:t>
+            </a:r>
+            <a:r>
+              <a:rPr lang="en-US" altLang="ja-JP" sz="2400" dirty="0">
+                <a:solidFill>
+                  <a:srgbClr val="FF0000"/>
+                </a:solidFill>
+                <a:ea typeface="ＭＳ ゴシック" panose="020B0609070205080204" pitchFamily="49" charset="-128"/>
+              </a:rPr>
+              <a:t>int</a:t>
+            </a:r>
+            <a:r>
+              <a:rPr lang="en-US" altLang="ja-JP" sz="2400" dirty="0">
+                <a:ea typeface="ＭＳ ゴシック" panose="020B0609070205080204" pitchFamily="49" charset="-128"/>
+              </a:rPr>
+              <a:t>, </a:t>
+            </a:r>
+            <a:r>
+              <a:rPr lang="en-US" altLang="ja-JP" sz="2400" dirty="0">
+                <a:solidFill>
+                  <a:srgbClr val="00B0F0"/>
+                </a:solidFill>
+                <a:ea typeface="ＭＳ ゴシック" panose="020B0609070205080204" pitchFamily="49" charset="-128"/>
+              </a:rPr>
+              <a:t>double</a:t>
+            </a:r>
+            <a:r>
+              <a:rPr lang="en-US" altLang="ja-JP" sz="2400" dirty="0">
+                <a:ea typeface="ＭＳ ゴシック" panose="020B0609070205080204" pitchFamily="49" charset="-128"/>
+              </a:rPr>
+              <a:t>&gt;</a:t>
+            </a:r>
+            <a:br>
+              <a:rPr lang="en-US" altLang="ja-JP" sz="2400" dirty="0">
+                <a:ea typeface="ＭＳ ゴシック" panose="020B0609070205080204" pitchFamily="49" charset="-128"/>
+              </a:rPr>
+            </a:br>
+            <a:r>
+              <a:rPr lang="en-US" altLang="ja-JP" sz="2400" dirty="0">
+                <a:ea typeface="ＭＳ ゴシック" panose="020B0609070205080204" pitchFamily="49" charset="-128"/>
+              </a:rPr>
+              <a:t>    root{ { </a:t>
+            </a:r>
+            <a:r>
+              <a:rPr lang="en-US" altLang="ja-JP" sz="2400" dirty="0">
+                <a:solidFill>
+                  <a:srgbClr val="FF0000"/>
+                </a:solidFill>
+                <a:ea typeface="ＭＳ ゴシック" panose="020B0609070205080204" pitchFamily="49" charset="-128"/>
+              </a:rPr>
+              <a:t>1</a:t>
+            </a:r>
+            <a:r>
+              <a:rPr lang="en-US" altLang="ja-JP" sz="2400" dirty="0">
+                <a:ea typeface="ＭＳ ゴシック" panose="020B0609070205080204" pitchFamily="49" charset="-128"/>
+              </a:rPr>
+              <a:t>, </a:t>
+            </a:r>
+            <a:r>
+              <a:rPr lang="en-US" altLang="ja-JP" sz="2400" dirty="0">
+                <a:solidFill>
+                  <a:srgbClr val="00B0F0"/>
+                </a:solidFill>
+                <a:ea typeface="ＭＳ ゴシック" panose="020B0609070205080204" pitchFamily="49" charset="-128"/>
+              </a:rPr>
+              <a:t>1.0000000 </a:t>
+            </a:r>
+            <a:r>
+              <a:rPr lang="en-US" altLang="ja-JP" sz="2400" dirty="0">
+                <a:ea typeface="ＭＳ ゴシック" panose="020B0609070205080204" pitchFamily="49" charset="-128"/>
+              </a:rPr>
+              <a:t>}, { </a:t>
+            </a:r>
+            <a:r>
+              <a:rPr lang="en-US" altLang="ja-JP" sz="2400" dirty="0">
+                <a:solidFill>
+                  <a:srgbClr val="FF0000"/>
+                </a:solidFill>
+                <a:ea typeface="ＭＳ ゴシック" panose="020B0609070205080204" pitchFamily="49" charset="-128"/>
+              </a:rPr>
+              <a:t>2</a:t>
+            </a:r>
+            <a:r>
+              <a:rPr lang="en-US" altLang="ja-JP" sz="2400" dirty="0">
+                <a:ea typeface="ＭＳ ゴシック" panose="020B0609070205080204" pitchFamily="49" charset="-128"/>
+              </a:rPr>
+              <a:t>, </a:t>
+            </a:r>
+            <a:r>
+              <a:rPr lang="en-US" altLang="ja-JP" sz="2400" dirty="0">
+                <a:solidFill>
+                  <a:srgbClr val="00B0F0"/>
+                </a:solidFill>
+                <a:ea typeface="ＭＳ ゴシック" panose="020B0609070205080204" pitchFamily="49" charset="-128"/>
+              </a:rPr>
+              <a:t>1.1421356</a:t>
+            </a:r>
+            <a:r>
+              <a:rPr lang="en-US" altLang="ja-JP" sz="2400" dirty="0">
+                <a:ea typeface="ＭＳ ゴシック" panose="020B0609070205080204" pitchFamily="49" charset="-128"/>
+              </a:rPr>
+              <a:t> },</a:t>
+            </a:r>
+            <a:br>
+              <a:rPr lang="en-US" altLang="ja-JP" sz="2400" dirty="0">
+                <a:ea typeface="ＭＳ ゴシック" panose="020B0609070205080204" pitchFamily="49" charset="-128"/>
+              </a:rPr>
+            </a:br>
+            <a:r>
+              <a:rPr lang="en-US" altLang="ja-JP" sz="2400" dirty="0">
+                <a:ea typeface="ＭＳ ゴシック" panose="020B0609070205080204" pitchFamily="49" charset="-128"/>
+              </a:rPr>
+              <a:t>          { </a:t>
+            </a:r>
+            <a:r>
+              <a:rPr lang="en-US" altLang="ja-JP" sz="2400" dirty="0">
+                <a:solidFill>
+                  <a:srgbClr val="FF0000"/>
+                </a:solidFill>
+                <a:ea typeface="ＭＳ ゴシック" panose="020B0609070205080204" pitchFamily="49" charset="-128"/>
+              </a:rPr>
+              <a:t>3</a:t>
+            </a:r>
+            <a:r>
+              <a:rPr lang="en-US" altLang="ja-JP" sz="2400" dirty="0">
+                <a:ea typeface="ＭＳ ゴシック" panose="020B0609070205080204" pitchFamily="49" charset="-128"/>
+              </a:rPr>
+              <a:t>, </a:t>
+            </a:r>
+            <a:r>
+              <a:rPr lang="en-US" altLang="ja-JP" sz="2400" dirty="0">
+                <a:solidFill>
+                  <a:srgbClr val="00B0F0"/>
+                </a:solidFill>
+                <a:ea typeface="ＭＳ ゴシック" panose="020B0609070205080204" pitchFamily="49" charset="-128"/>
+              </a:rPr>
+              <a:t>1.7320504 </a:t>
+            </a:r>
+            <a:r>
+              <a:rPr lang="en-US" altLang="ja-JP" sz="2400" dirty="0">
+                <a:ea typeface="ＭＳ ゴシック" panose="020B0609070205080204" pitchFamily="49" charset="-128"/>
+              </a:rPr>
+              <a:t>}, { </a:t>
+            </a:r>
+            <a:r>
+              <a:rPr lang="en-US" altLang="ja-JP" sz="2400" dirty="0">
+                <a:solidFill>
+                  <a:srgbClr val="FF0000"/>
+                </a:solidFill>
+                <a:ea typeface="ＭＳ ゴシック" panose="020B0609070205080204" pitchFamily="49" charset="-128"/>
+              </a:rPr>
+              <a:t>4</a:t>
+            </a:r>
+            <a:r>
+              <a:rPr lang="en-US" altLang="ja-JP" sz="2400" dirty="0">
+                <a:ea typeface="ＭＳ ゴシック" panose="020B0609070205080204" pitchFamily="49" charset="-128"/>
+              </a:rPr>
+              <a:t>, </a:t>
+            </a:r>
+            <a:r>
+              <a:rPr lang="en-US" altLang="ja-JP" sz="2400" dirty="0">
+                <a:solidFill>
+                  <a:srgbClr val="00B0F0"/>
+                </a:solidFill>
+                <a:ea typeface="ＭＳ ゴシック" panose="020B0609070205080204" pitchFamily="49" charset="-128"/>
+              </a:rPr>
+              <a:t>2.0000000</a:t>
+            </a:r>
+            <a:r>
+              <a:rPr lang="en-US" altLang="ja-JP" sz="2400" dirty="0">
+                <a:ea typeface="ＭＳ ゴシック" panose="020B0609070205080204" pitchFamily="49" charset="-128"/>
+              </a:rPr>
+              <a:t> },</a:t>
+            </a:r>
+            <a:br>
+              <a:rPr lang="en-US" altLang="ja-JP" sz="2400" dirty="0">
+                <a:ea typeface="ＭＳ ゴシック" panose="020B0609070205080204" pitchFamily="49" charset="-128"/>
+              </a:rPr>
+            </a:br>
+            <a:r>
+              <a:rPr lang="en-US" altLang="ja-JP" sz="2400" dirty="0">
+                <a:ea typeface="ＭＳ ゴシック" panose="020B0609070205080204" pitchFamily="49" charset="-128"/>
+              </a:rPr>
+              <a:t>          { </a:t>
+            </a:r>
+            <a:r>
+              <a:rPr lang="en-US" altLang="ja-JP" sz="2400" dirty="0">
+                <a:solidFill>
+                  <a:srgbClr val="FF0000"/>
+                </a:solidFill>
+                <a:ea typeface="ＭＳ ゴシック" panose="020B0609070205080204" pitchFamily="49" charset="-128"/>
+              </a:rPr>
+              <a:t>5</a:t>
+            </a:r>
+            <a:r>
+              <a:rPr lang="en-US" altLang="ja-JP" sz="2400" dirty="0">
+                <a:ea typeface="ＭＳ ゴシック" panose="020B0609070205080204" pitchFamily="49" charset="-128"/>
+              </a:rPr>
+              <a:t>, </a:t>
+            </a:r>
+            <a:r>
+              <a:rPr lang="en-US" altLang="ja-JP" sz="2400" dirty="0">
+                <a:solidFill>
+                  <a:srgbClr val="00B0F0"/>
+                </a:solidFill>
+                <a:ea typeface="ＭＳ ゴシック" panose="020B0609070205080204" pitchFamily="49" charset="-128"/>
+              </a:rPr>
+              <a:t>2.2360679 </a:t>
+            </a:r>
+            <a:r>
+              <a:rPr lang="en-US" altLang="ja-JP" sz="2400" dirty="0">
+                <a:ea typeface="ＭＳ ゴシック" panose="020B0609070205080204" pitchFamily="49" charset="-128"/>
+              </a:rPr>
+              <a:t>} };</a:t>
+            </a:r>
+            <a:br>
+              <a:rPr lang="en-US" altLang="ja-JP" sz="2400" dirty="0">
+                <a:ea typeface="ＭＳ ゴシック" panose="020B0609070205080204" pitchFamily="49" charset="-128"/>
+              </a:rPr>
+            </a:br>
+            <a:r>
+              <a:rPr lang="en-US" altLang="ja-JP" sz="2400" dirty="0">
+                <a:ea typeface="ＭＳ ゴシック" panose="020B0609070205080204" pitchFamily="49" charset="-128"/>
+              </a:rPr>
+              <a:t>//</a:t>
+            </a:r>
+            <a:r>
+              <a:rPr lang="ja-JP" altLang="en-US" sz="2400" dirty="0">
+                <a:ea typeface="ＭＳ ゴシック" panose="020B0609070205080204" pitchFamily="49" charset="-128"/>
+              </a:rPr>
+              <a:t>自然数と平方根の対応表</a:t>
+            </a:r>
+            <a:endParaRPr kumimoji="1" lang="ja-JP" altLang="en-US" sz="9600" dirty="0"/>
+          </a:p>
+        </p:txBody>
+      </p:sp>
+      <p:sp>
+        <p:nvSpPr>
+          <p:cNvPr id="4" name="テキスト ボックス 3">
+            <a:extLst>
+              <a:ext uri="{FF2B5EF4-FFF2-40B4-BE49-F238E27FC236}">
+                <a16:creationId xmlns:a16="http://schemas.microsoft.com/office/drawing/2014/main" id="{604F37C2-548E-3B3A-FDD0-5364F7017A1D}"/>
+              </a:ext>
+            </a:extLst>
+          </p:cNvPr>
+          <p:cNvSpPr txBox="1"/>
+          <p:nvPr/>
+        </p:nvSpPr>
+        <p:spPr>
+          <a:xfrm>
+            <a:off x="5905440" y="5525352"/>
+            <a:ext cx="6067687" cy="830997"/>
+          </a:xfrm>
+          <a:prstGeom prst="rect">
+            <a:avLst/>
+          </a:prstGeom>
+          <a:solidFill>
+            <a:schemeClr val="bg1"/>
+          </a:solidFill>
+          <a:ln>
+            <a:solidFill>
+              <a:schemeClr val="tx1"/>
+            </a:solidFill>
+          </a:ln>
+        </p:spPr>
+        <p:txBody>
+          <a:bodyPr wrap="none" rtlCol="0">
+            <a:spAutoFit/>
+          </a:bodyPr>
+          <a:lstStyle/>
+          <a:p>
+            <a:r>
+              <a:rPr kumimoji="1" lang="ja-JP" altLang="en-US" sz="2400" dirty="0">
+                <a:solidFill>
+                  <a:srgbClr val="00B050"/>
+                </a:solidFill>
+              </a:rPr>
+              <a:t>何かのペアをデータとして利用したいときに</a:t>
+            </a:r>
+            <a:endParaRPr kumimoji="1" lang="en-US" altLang="ja-JP" sz="2400" dirty="0">
               <a:solidFill>
-                <a:srgbClr val="000000"/>
+                <a:srgbClr val="00B050"/>
               </a:solidFill>
-              <a:ea typeface="ＭＳ ゴシック" panose="020B0609070205080204" pitchFamily="49" charset="-128"/>
             </a:endParaRPr>
           </a:p>
           <a:p>
             <a:r>
-              <a:rPr lang="en-US" altLang="ja-JP" sz="2400" dirty="0">
-                <a:solidFill>
-                  <a:srgbClr val="808080"/>
-                </a:solidFill>
-                <a:ea typeface="ＭＳ ゴシック" panose="020B0609070205080204" pitchFamily="49" charset="-128"/>
-              </a:rPr>
-              <a:t>#include</a:t>
-            </a:r>
-            <a:r>
-              <a:rPr lang="en-US" altLang="ja-JP" sz="2400" dirty="0">
-                <a:solidFill>
-                  <a:srgbClr val="000000"/>
-                </a:solidFill>
-                <a:ea typeface="ＭＳ ゴシック" panose="020B0609070205080204" pitchFamily="49" charset="-128"/>
-              </a:rPr>
-              <a:t> </a:t>
-            </a:r>
-            <a:r>
-              <a:rPr lang="en-US" altLang="ja-JP" sz="2400" dirty="0">
-                <a:solidFill>
-                  <a:srgbClr val="A31515"/>
-                </a:solidFill>
-                <a:ea typeface="ＭＳ ゴシック" panose="020B0609070205080204" pitchFamily="49" charset="-128"/>
-              </a:rPr>
-              <a:t>&lt;string&gt;</a:t>
-            </a:r>
-            <a:endParaRPr lang="en-US" altLang="ja-JP" sz="2400" dirty="0">
-              <a:solidFill>
-                <a:srgbClr val="000000"/>
-              </a:solidFill>
-              <a:ea typeface="ＭＳ ゴシック" panose="020B0609070205080204" pitchFamily="49" charset="-128"/>
-            </a:endParaRPr>
-          </a:p>
-          <a:p>
-            <a:r>
-              <a:rPr lang="en-US" altLang="ja-JP" sz="2400" dirty="0">
-                <a:solidFill>
-                  <a:srgbClr val="808080"/>
-                </a:solidFill>
-                <a:ea typeface="ＭＳ ゴシック" panose="020B0609070205080204" pitchFamily="49" charset="-128"/>
-              </a:rPr>
-              <a:t>#include</a:t>
-            </a:r>
-            <a:r>
-              <a:rPr lang="en-US" altLang="ja-JP" sz="2400" dirty="0">
-                <a:solidFill>
-                  <a:srgbClr val="000000"/>
-                </a:solidFill>
-                <a:ea typeface="ＭＳ ゴシック" panose="020B0609070205080204" pitchFamily="49" charset="-128"/>
-              </a:rPr>
-              <a:t> </a:t>
-            </a:r>
-            <a:r>
-              <a:rPr lang="en-US" altLang="ja-JP" sz="2400" dirty="0">
-                <a:solidFill>
-                  <a:srgbClr val="A31515"/>
-                </a:solidFill>
-                <a:ea typeface="ＭＳ ゴシック" panose="020B0609070205080204" pitchFamily="49" charset="-128"/>
-              </a:rPr>
-              <a:t>&lt;map&gt;</a:t>
-            </a:r>
-            <a:endParaRPr lang="en-US" altLang="ja-JP" sz="2400" dirty="0">
-              <a:solidFill>
-                <a:srgbClr val="000000"/>
-              </a:solidFill>
-              <a:ea typeface="ＭＳ ゴシック" panose="020B0609070205080204" pitchFamily="49" charset="-128"/>
-            </a:endParaRPr>
-          </a:p>
-          <a:p>
-            <a:r>
-              <a:rPr lang="en-US" altLang="ja-JP" sz="2400" dirty="0">
-                <a:solidFill>
-                  <a:srgbClr val="0000FF"/>
-                </a:solidFill>
-                <a:ea typeface="ＭＳ ゴシック" panose="020B0609070205080204" pitchFamily="49" charset="-128"/>
-              </a:rPr>
-              <a:t>using</a:t>
-            </a:r>
-            <a:r>
-              <a:rPr lang="en-US" altLang="ja-JP" sz="2400" dirty="0">
-                <a:solidFill>
-                  <a:srgbClr val="000000"/>
-                </a:solidFill>
-                <a:ea typeface="ＭＳ ゴシック" panose="020B0609070205080204" pitchFamily="49" charset="-128"/>
-              </a:rPr>
-              <a:t> </a:t>
-            </a:r>
-            <a:r>
-              <a:rPr lang="en-US" altLang="ja-JP" sz="2400" dirty="0">
-                <a:solidFill>
-                  <a:srgbClr val="0000FF"/>
-                </a:solidFill>
-                <a:ea typeface="ＭＳ ゴシック" panose="020B0609070205080204" pitchFamily="49" charset="-128"/>
-              </a:rPr>
-              <a:t>namespace</a:t>
-            </a:r>
-            <a:r>
-              <a:rPr lang="en-US" altLang="ja-JP" sz="2400" dirty="0">
-                <a:solidFill>
-                  <a:srgbClr val="000000"/>
-                </a:solidFill>
-                <a:ea typeface="ＭＳ ゴシック" panose="020B0609070205080204" pitchFamily="49" charset="-128"/>
-              </a:rPr>
-              <a:t> std;</a:t>
-            </a:r>
-          </a:p>
-          <a:p>
-            <a:r>
-              <a:rPr lang="en-US" altLang="ja-JP" sz="2400" dirty="0">
-                <a:solidFill>
-                  <a:srgbClr val="0000FF"/>
-                </a:solidFill>
-                <a:ea typeface="ＭＳ ゴシック" panose="020B0609070205080204" pitchFamily="49" charset="-128"/>
-              </a:rPr>
-              <a:t>int</a:t>
-            </a:r>
-            <a:r>
-              <a:rPr lang="en-US" altLang="ja-JP" sz="2400" dirty="0">
-                <a:solidFill>
-                  <a:srgbClr val="000000"/>
-                </a:solidFill>
-                <a:ea typeface="ＭＳ ゴシック" panose="020B0609070205080204" pitchFamily="49" charset="-128"/>
-              </a:rPr>
-              <a:t> main() {</a:t>
-            </a:r>
-          </a:p>
-          <a:p>
-            <a:r>
-              <a:rPr lang="en-US" altLang="ja-JP" sz="2400" dirty="0">
-                <a:solidFill>
-                  <a:srgbClr val="2B91AF"/>
-                </a:solidFill>
-                <a:ea typeface="ＭＳ ゴシック" panose="020B0609070205080204" pitchFamily="49" charset="-128"/>
-              </a:rPr>
-              <a:t>	map </a:t>
-            </a:r>
-            <a:r>
-              <a:rPr lang="en-US" altLang="ja-JP" sz="2400" dirty="0">
-                <a:solidFill>
-                  <a:srgbClr val="000000"/>
-                </a:solidFill>
-                <a:ea typeface="ＭＳ ゴシック" panose="020B0609070205080204" pitchFamily="49" charset="-128"/>
-              </a:rPr>
-              <a:t>&lt;</a:t>
-            </a:r>
-            <a:r>
-              <a:rPr lang="en-US" altLang="ja-JP" sz="2400" dirty="0">
-                <a:solidFill>
-                  <a:srgbClr val="2B91AF"/>
-                </a:solidFill>
-                <a:ea typeface="ＭＳ ゴシック" panose="020B0609070205080204" pitchFamily="49" charset="-128"/>
-              </a:rPr>
-              <a:t>string</a:t>
-            </a:r>
-            <a:r>
-              <a:rPr lang="en-US" altLang="ja-JP" sz="2400" dirty="0">
-                <a:solidFill>
-                  <a:srgbClr val="000000"/>
-                </a:solidFill>
-                <a:ea typeface="ＭＳ ゴシック" panose="020B0609070205080204" pitchFamily="49" charset="-128"/>
-              </a:rPr>
-              <a:t>, </a:t>
-            </a:r>
-            <a:r>
-              <a:rPr lang="en-US" altLang="ja-JP" sz="2400" dirty="0">
-                <a:solidFill>
-                  <a:srgbClr val="0000FF"/>
-                </a:solidFill>
-                <a:ea typeface="ＭＳ ゴシック" panose="020B0609070205080204" pitchFamily="49" charset="-128"/>
-              </a:rPr>
-              <a:t>int</a:t>
-            </a:r>
-            <a:r>
-              <a:rPr lang="en-US" altLang="ja-JP" sz="2400" dirty="0">
-                <a:solidFill>
-                  <a:srgbClr val="000000"/>
-                </a:solidFill>
-                <a:ea typeface="ＭＳ ゴシック" panose="020B0609070205080204" pitchFamily="49" charset="-128"/>
-              </a:rPr>
-              <a:t>&gt; score;	</a:t>
-            </a:r>
-            <a:r>
-              <a:rPr lang="en-US" altLang="ja-JP" sz="2400" dirty="0">
+              <a:rPr kumimoji="1" lang="en-US" altLang="ja-JP" sz="2400" dirty="0">
                 <a:solidFill>
                   <a:srgbClr val="00B050"/>
                 </a:solidFill>
-                <a:latin typeface="+mn-ea"/>
-              </a:rPr>
-              <a:t>//</a:t>
-            </a:r>
-            <a:r>
-              <a:rPr lang="ja-JP" altLang="en-US" sz="2400" dirty="0">
+              </a:rPr>
+              <a:t>map</a:t>
+            </a:r>
+            <a:r>
+              <a:rPr kumimoji="1" lang="ja-JP" altLang="en-US" sz="2400" dirty="0">
                 <a:solidFill>
                   <a:srgbClr val="00B050"/>
                 </a:solidFill>
-                <a:latin typeface="+mn-ea"/>
-              </a:rPr>
-              <a:t>キーが</a:t>
-            </a:r>
-            <a:r>
-              <a:rPr lang="en-US" altLang="ja-JP" sz="2400" dirty="0">
-                <a:solidFill>
-                  <a:srgbClr val="00B050"/>
-                </a:solidFill>
-                <a:latin typeface="+mn-ea"/>
-              </a:rPr>
-              <a:t>string</a:t>
-            </a:r>
-            <a:r>
-              <a:rPr lang="ja-JP" altLang="en-US" sz="2400" dirty="0">
-                <a:solidFill>
-                  <a:srgbClr val="00B050"/>
-                </a:solidFill>
-                <a:latin typeface="+mn-ea"/>
-              </a:rPr>
-              <a:t>、値が</a:t>
-            </a:r>
-            <a:r>
-              <a:rPr lang="en-US" altLang="ja-JP" sz="2400" dirty="0">
-                <a:solidFill>
-                  <a:srgbClr val="00B050"/>
-                </a:solidFill>
-                <a:latin typeface="+mn-ea"/>
-              </a:rPr>
-              <a:t>int</a:t>
-            </a:r>
-            <a:r>
-              <a:rPr lang="ja-JP" altLang="en-US" sz="2400" dirty="0">
-                <a:solidFill>
-                  <a:srgbClr val="00B050"/>
-                </a:solidFill>
-                <a:latin typeface="+mn-ea"/>
-              </a:rPr>
-              <a:t>の</a:t>
-            </a:r>
-            <a:r>
-              <a:rPr lang="en-US" altLang="ja-JP" sz="2400" dirty="0">
-                <a:solidFill>
-                  <a:srgbClr val="00B050"/>
-                </a:solidFill>
-                <a:latin typeface="+mn-ea"/>
-              </a:rPr>
-              <a:t>map</a:t>
-            </a:r>
-            <a:r>
-              <a:rPr lang="ja-JP" altLang="en-US" sz="2400" dirty="0">
-                <a:solidFill>
-                  <a:srgbClr val="00B050"/>
-                </a:solidFill>
-                <a:latin typeface="+mn-ea"/>
-              </a:rPr>
-              <a:t>を宣言</a:t>
-            </a:r>
-            <a:endParaRPr lang="en-US" altLang="ja-JP" sz="2400" dirty="0">
-              <a:solidFill>
-                <a:srgbClr val="000000"/>
-              </a:solidFill>
-              <a:ea typeface="ＭＳ ゴシック" panose="020B0609070205080204" pitchFamily="49" charset="-128"/>
-            </a:endParaRPr>
-          </a:p>
-          <a:p>
-            <a:r>
-              <a:rPr lang="en-US" altLang="ja-JP" sz="2400" dirty="0">
-                <a:solidFill>
-                  <a:srgbClr val="000000"/>
-                </a:solidFill>
-                <a:ea typeface="ＭＳ ゴシック" panose="020B0609070205080204" pitchFamily="49" charset="-128"/>
-              </a:rPr>
-              <a:t>	score</a:t>
-            </a:r>
-            <a:r>
-              <a:rPr lang="en-US" altLang="ja-JP" sz="2400" dirty="0">
-                <a:solidFill>
-                  <a:srgbClr val="008080"/>
-                </a:solidFill>
-                <a:ea typeface="ＭＳ ゴシック" panose="020B0609070205080204" pitchFamily="49" charset="-128"/>
-              </a:rPr>
-              <a:t>[</a:t>
-            </a:r>
-            <a:r>
-              <a:rPr lang="en-US" altLang="ja-JP" sz="2400" dirty="0">
-                <a:solidFill>
-                  <a:srgbClr val="A31515"/>
-                </a:solidFill>
-                <a:ea typeface="ＭＳ ゴシック" panose="020B0609070205080204" pitchFamily="49" charset="-128"/>
-              </a:rPr>
-              <a:t>“Tom”</a:t>
-            </a:r>
-            <a:r>
-              <a:rPr lang="en-US" altLang="ja-JP" sz="2400" dirty="0">
-                <a:solidFill>
-                  <a:srgbClr val="008080"/>
-                </a:solidFill>
-                <a:ea typeface="ＭＳ ゴシック" panose="020B0609070205080204" pitchFamily="49" charset="-128"/>
-              </a:rPr>
-              <a:t>]</a:t>
-            </a:r>
-            <a:r>
-              <a:rPr lang="en-US" altLang="ja-JP" sz="2400" dirty="0">
-                <a:solidFill>
-                  <a:srgbClr val="000000"/>
-                </a:solidFill>
-                <a:ea typeface="ＭＳ ゴシック" panose="020B0609070205080204" pitchFamily="49" charset="-128"/>
-              </a:rPr>
-              <a:t> = 100; 			</a:t>
-            </a:r>
-            <a:r>
-              <a:rPr lang="en-US" altLang="ja-JP" sz="2400" dirty="0">
-                <a:solidFill>
-                  <a:srgbClr val="00B050"/>
-                </a:solidFill>
-                <a:latin typeface="+mn-ea"/>
-              </a:rPr>
-              <a:t>//</a:t>
-            </a:r>
-            <a:r>
-              <a:rPr lang="ja-JP" altLang="en-US" sz="2400" dirty="0">
-                <a:solidFill>
-                  <a:srgbClr val="00B050"/>
-                </a:solidFill>
-                <a:latin typeface="+mn-ea"/>
-              </a:rPr>
-              <a:t>キーが</a:t>
-            </a:r>
-            <a:r>
-              <a:rPr lang="en-US" altLang="ja-JP" sz="2400" dirty="0">
-                <a:solidFill>
-                  <a:srgbClr val="00B050"/>
-                </a:solidFill>
-                <a:latin typeface="+mn-ea"/>
-              </a:rPr>
-              <a:t>Tom</a:t>
-            </a:r>
-            <a:r>
-              <a:rPr lang="ja-JP" altLang="en-US" sz="2400" dirty="0">
-                <a:solidFill>
-                  <a:srgbClr val="00B050"/>
-                </a:solidFill>
-                <a:latin typeface="+mn-ea"/>
-              </a:rPr>
-              <a:t>、値が</a:t>
-            </a:r>
-            <a:r>
-              <a:rPr lang="en-US" altLang="ja-JP" sz="2400" dirty="0">
-                <a:solidFill>
-                  <a:srgbClr val="00B050"/>
-                </a:solidFill>
-                <a:latin typeface="+mn-ea"/>
-              </a:rPr>
-              <a:t>100</a:t>
-            </a:r>
-          </a:p>
-          <a:p>
-            <a:r>
-              <a:rPr lang="en-US" altLang="ja-JP" sz="2400" dirty="0">
-                <a:solidFill>
-                  <a:srgbClr val="000000"/>
-                </a:solidFill>
-                <a:ea typeface="ＭＳ ゴシック" panose="020B0609070205080204" pitchFamily="49" charset="-128"/>
-              </a:rPr>
-              <a:t>	score</a:t>
-            </a:r>
-            <a:r>
-              <a:rPr lang="en-US" altLang="ja-JP" sz="2400" dirty="0">
-                <a:solidFill>
-                  <a:srgbClr val="008080"/>
-                </a:solidFill>
-                <a:ea typeface="ＭＳ ゴシック" panose="020B0609070205080204" pitchFamily="49" charset="-128"/>
-              </a:rPr>
-              <a:t>[</a:t>
-            </a:r>
-            <a:r>
-              <a:rPr lang="en-US" altLang="ja-JP" sz="2400" dirty="0">
-                <a:solidFill>
-                  <a:srgbClr val="A31515"/>
-                </a:solidFill>
-                <a:ea typeface="ＭＳ ゴシック" panose="020B0609070205080204" pitchFamily="49" charset="-128"/>
-              </a:rPr>
-              <a:t>"Bob"</a:t>
-            </a:r>
-            <a:r>
-              <a:rPr lang="en-US" altLang="ja-JP" sz="2400" dirty="0">
-                <a:solidFill>
-                  <a:srgbClr val="008080"/>
-                </a:solidFill>
-                <a:ea typeface="ＭＳ ゴシック" panose="020B0609070205080204" pitchFamily="49" charset="-128"/>
-              </a:rPr>
-              <a:t>]</a:t>
-            </a:r>
-            <a:r>
-              <a:rPr lang="en-US" altLang="ja-JP" sz="2400" dirty="0">
-                <a:solidFill>
-                  <a:srgbClr val="000000"/>
-                </a:solidFill>
-                <a:ea typeface="ＭＳ ゴシック" panose="020B0609070205080204" pitchFamily="49" charset="-128"/>
-              </a:rPr>
-              <a:t> = 80;</a:t>
-            </a:r>
-          </a:p>
-          <a:p>
-            <a:r>
-              <a:rPr lang="en-US" altLang="ja-JP" sz="2400" dirty="0">
-                <a:solidFill>
-                  <a:srgbClr val="000000"/>
-                </a:solidFill>
-                <a:ea typeface="ＭＳ ゴシック" panose="020B0609070205080204" pitchFamily="49" charset="-128"/>
-              </a:rPr>
-              <a:t>	score</a:t>
-            </a:r>
-            <a:r>
-              <a:rPr lang="en-US" altLang="ja-JP" sz="2400" dirty="0">
-                <a:solidFill>
-                  <a:srgbClr val="008080"/>
-                </a:solidFill>
-                <a:ea typeface="ＭＳ ゴシック" panose="020B0609070205080204" pitchFamily="49" charset="-128"/>
-              </a:rPr>
-              <a:t>[</a:t>
-            </a:r>
-            <a:r>
-              <a:rPr lang="en-US" altLang="ja-JP" sz="2400" dirty="0">
-                <a:solidFill>
-                  <a:srgbClr val="A31515"/>
-                </a:solidFill>
-                <a:ea typeface="ＭＳ ゴシック" panose="020B0609070205080204" pitchFamily="49" charset="-128"/>
-              </a:rPr>
-              <a:t>"Mike"</a:t>
-            </a:r>
-            <a:r>
-              <a:rPr lang="en-US" altLang="ja-JP" sz="2400" dirty="0">
-                <a:solidFill>
-                  <a:srgbClr val="008080"/>
-                </a:solidFill>
-                <a:ea typeface="ＭＳ ゴシック" panose="020B0609070205080204" pitchFamily="49" charset="-128"/>
-              </a:rPr>
-              <a:t>]</a:t>
-            </a:r>
-            <a:r>
-              <a:rPr lang="en-US" altLang="ja-JP" sz="2400" dirty="0">
-                <a:solidFill>
-                  <a:srgbClr val="000000"/>
-                </a:solidFill>
-                <a:ea typeface="ＭＳ ゴシック" panose="020B0609070205080204" pitchFamily="49" charset="-128"/>
-              </a:rPr>
-              <a:t> = 76;</a:t>
-            </a:r>
-          </a:p>
-          <a:p>
-            <a:r>
-              <a:rPr lang="en-US" altLang="ja-JP" sz="2400" dirty="0">
-                <a:solidFill>
-                  <a:srgbClr val="000000"/>
-                </a:solidFill>
-                <a:ea typeface="ＭＳ ゴシック" panose="020B0609070205080204" pitchFamily="49" charset="-128"/>
-              </a:rPr>
-              <a:t>	</a:t>
-            </a:r>
-            <a:r>
-              <a:rPr lang="en-US" altLang="ja-JP" sz="2400" dirty="0" err="1">
-                <a:solidFill>
-                  <a:srgbClr val="000000"/>
-                </a:solidFill>
-                <a:ea typeface="ＭＳ ゴシック" panose="020B0609070205080204" pitchFamily="49" charset="-128"/>
-              </a:rPr>
-              <a:t>cout</a:t>
-            </a:r>
-            <a:r>
-              <a:rPr lang="en-US" altLang="ja-JP" sz="2400" dirty="0">
-                <a:solidFill>
-                  <a:srgbClr val="000000"/>
-                </a:solidFill>
-                <a:ea typeface="ＭＳ ゴシック" panose="020B0609070205080204" pitchFamily="49" charset="-128"/>
-              </a:rPr>
-              <a:t> </a:t>
-            </a:r>
-            <a:r>
-              <a:rPr lang="en-US" altLang="ja-JP" sz="2400" dirty="0">
-                <a:solidFill>
-                  <a:srgbClr val="008080"/>
-                </a:solidFill>
-                <a:ea typeface="ＭＳ ゴシック" panose="020B0609070205080204" pitchFamily="49" charset="-128"/>
-              </a:rPr>
-              <a:t>&lt;&lt;</a:t>
-            </a:r>
-            <a:r>
-              <a:rPr lang="en-US" altLang="ja-JP" sz="2400" dirty="0">
-                <a:solidFill>
-                  <a:srgbClr val="000000"/>
-                </a:solidFill>
-                <a:ea typeface="ＭＳ ゴシック" panose="020B0609070205080204" pitchFamily="49" charset="-128"/>
-              </a:rPr>
-              <a:t> </a:t>
-            </a:r>
-            <a:r>
-              <a:rPr lang="en-US" altLang="ja-JP" sz="2400" dirty="0">
-                <a:solidFill>
-                  <a:srgbClr val="A31515"/>
-                </a:solidFill>
-                <a:ea typeface="ＭＳ ゴシック" panose="020B0609070205080204" pitchFamily="49" charset="-128"/>
-              </a:rPr>
-              <a:t>"Tom</a:t>
-            </a:r>
-            <a:r>
-              <a:rPr lang="ja-JP" altLang="en-US" sz="2400" dirty="0">
-                <a:solidFill>
-                  <a:srgbClr val="A31515"/>
-                </a:solidFill>
-                <a:latin typeface="+mn-ea"/>
-              </a:rPr>
-              <a:t>の点数は</a:t>
-            </a:r>
-            <a:r>
-              <a:rPr lang="en-US" altLang="ja-JP" sz="2400" dirty="0">
-                <a:solidFill>
-                  <a:srgbClr val="A31515"/>
-                </a:solidFill>
-                <a:ea typeface="ＭＳ ゴシック" panose="020B0609070205080204" pitchFamily="49" charset="-128"/>
-              </a:rPr>
-              <a:t>"</a:t>
-            </a:r>
-            <a:r>
-              <a:rPr lang="ja-JP" altLang="en-US" sz="2400" dirty="0">
-                <a:solidFill>
-                  <a:srgbClr val="000000"/>
-                </a:solidFill>
-                <a:ea typeface="ＭＳ ゴシック" panose="020B0609070205080204" pitchFamily="49" charset="-128"/>
-              </a:rPr>
-              <a:t> </a:t>
-            </a:r>
-            <a:r>
-              <a:rPr lang="en-US" altLang="ja-JP" sz="2400" dirty="0">
-                <a:solidFill>
-                  <a:srgbClr val="008080"/>
-                </a:solidFill>
-                <a:ea typeface="ＭＳ ゴシック" panose="020B0609070205080204" pitchFamily="49" charset="-128"/>
-              </a:rPr>
-              <a:t>&lt;&lt;</a:t>
-            </a:r>
-            <a:r>
-              <a:rPr lang="ja-JP" altLang="en-US" sz="2400" dirty="0">
-                <a:solidFill>
-                  <a:srgbClr val="000000"/>
-                </a:solidFill>
-                <a:ea typeface="ＭＳ ゴシック" panose="020B0609070205080204" pitchFamily="49" charset="-128"/>
-              </a:rPr>
-              <a:t> </a:t>
-            </a:r>
-            <a:r>
-              <a:rPr lang="en-US" altLang="ja-JP" sz="2400" dirty="0">
-                <a:solidFill>
-                  <a:srgbClr val="000000"/>
-                </a:solidFill>
-                <a:ea typeface="ＭＳ ゴシック" panose="020B0609070205080204" pitchFamily="49" charset="-128"/>
-              </a:rPr>
-              <a:t>score</a:t>
-            </a:r>
-            <a:r>
-              <a:rPr lang="en-US" altLang="ja-JP" sz="2400" dirty="0">
-                <a:solidFill>
-                  <a:srgbClr val="008080"/>
-                </a:solidFill>
-                <a:ea typeface="ＭＳ ゴシック" panose="020B0609070205080204" pitchFamily="49" charset="-128"/>
-              </a:rPr>
-              <a:t>[</a:t>
-            </a:r>
-            <a:r>
-              <a:rPr lang="en-US" altLang="ja-JP" sz="2400" dirty="0">
-                <a:solidFill>
-                  <a:srgbClr val="A31515"/>
-                </a:solidFill>
-                <a:ea typeface="ＭＳ ゴシック" panose="020B0609070205080204" pitchFamily="49" charset="-128"/>
-              </a:rPr>
-              <a:t>"Tom"</a:t>
-            </a:r>
-            <a:r>
-              <a:rPr lang="en-US" altLang="ja-JP" sz="2400" dirty="0">
-                <a:solidFill>
-                  <a:srgbClr val="008080"/>
-                </a:solidFill>
-                <a:ea typeface="ＭＳ ゴシック" panose="020B0609070205080204" pitchFamily="49" charset="-128"/>
-              </a:rPr>
-              <a:t>]</a:t>
-            </a:r>
-            <a:r>
-              <a:rPr lang="en-US" altLang="ja-JP" sz="2400" dirty="0">
-                <a:solidFill>
-                  <a:srgbClr val="000000"/>
-                </a:solidFill>
-                <a:ea typeface="ＭＳ ゴシック" panose="020B0609070205080204" pitchFamily="49" charset="-128"/>
-              </a:rPr>
-              <a:t> </a:t>
-            </a:r>
-            <a:r>
-              <a:rPr lang="en-US" altLang="ja-JP" sz="2400" dirty="0">
-                <a:solidFill>
-                  <a:srgbClr val="008080"/>
-                </a:solidFill>
-                <a:ea typeface="ＭＳ ゴシック" panose="020B0609070205080204" pitchFamily="49" charset="-128"/>
-              </a:rPr>
-              <a:t>&lt;&lt;</a:t>
-            </a:r>
-            <a:r>
-              <a:rPr lang="en-US" altLang="ja-JP" sz="2400" dirty="0">
-                <a:solidFill>
-                  <a:srgbClr val="000000"/>
-                </a:solidFill>
-                <a:ea typeface="ＭＳ ゴシック" panose="020B0609070205080204" pitchFamily="49" charset="-128"/>
-              </a:rPr>
-              <a:t> </a:t>
-            </a:r>
-            <a:r>
-              <a:rPr lang="en-US" altLang="ja-JP" sz="2400" dirty="0">
-                <a:solidFill>
-                  <a:srgbClr val="A31515"/>
-                </a:solidFill>
-                <a:ea typeface="ＭＳ ゴシック" panose="020B0609070205080204" pitchFamily="49" charset="-128"/>
-              </a:rPr>
-              <a:t>"</a:t>
-            </a:r>
-            <a:r>
-              <a:rPr lang="ja-JP" altLang="en-US" sz="2400" dirty="0">
-                <a:solidFill>
-                  <a:srgbClr val="A31515"/>
-                </a:solidFill>
-                <a:latin typeface="+mn-ea"/>
-              </a:rPr>
-              <a:t>点</a:t>
-            </a:r>
-            <a:r>
-              <a:rPr lang="en-US" altLang="ja-JP" sz="2400" dirty="0">
-                <a:solidFill>
-                  <a:srgbClr val="A31515"/>
-                </a:solidFill>
-                <a:ea typeface="ＭＳ ゴシック" panose="020B0609070205080204" pitchFamily="49" charset="-128"/>
-              </a:rPr>
-              <a:t>"</a:t>
-            </a:r>
-            <a:r>
-              <a:rPr lang="ja-JP" altLang="en-US" sz="2400" dirty="0">
-                <a:solidFill>
-                  <a:srgbClr val="000000"/>
-                </a:solidFill>
-                <a:ea typeface="ＭＳ ゴシック" panose="020B0609070205080204" pitchFamily="49" charset="-128"/>
-              </a:rPr>
-              <a:t> </a:t>
-            </a:r>
-            <a:r>
-              <a:rPr lang="en-US" altLang="ja-JP" sz="2400" dirty="0">
-                <a:solidFill>
-                  <a:srgbClr val="008080"/>
-                </a:solidFill>
-                <a:ea typeface="ＭＳ ゴシック" panose="020B0609070205080204" pitchFamily="49" charset="-128"/>
-              </a:rPr>
-              <a:t>&lt;&lt;</a:t>
-            </a:r>
-            <a:r>
-              <a:rPr lang="ja-JP" altLang="en-US" sz="2400" dirty="0">
-                <a:solidFill>
-                  <a:srgbClr val="000000"/>
-                </a:solidFill>
-                <a:ea typeface="ＭＳ ゴシック" panose="020B0609070205080204" pitchFamily="49" charset="-128"/>
-              </a:rPr>
-              <a:t> </a:t>
-            </a:r>
-            <a:r>
-              <a:rPr lang="en-US" altLang="ja-JP" sz="2400" dirty="0" err="1">
-                <a:solidFill>
-                  <a:srgbClr val="000000"/>
-                </a:solidFill>
-                <a:ea typeface="ＭＳ ゴシック" panose="020B0609070205080204" pitchFamily="49" charset="-128"/>
-              </a:rPr>
-              <a:t>endl</a:t>
-            </a:r>
-            <a:r>
-              <a:rPr lang="en-US" altLang="ja-JP" sz="2400" dirty="0">
-                <a:solidFill>
-                  <a:srgbClr val="000000"/>
-                </a:solidFill>
-                <a:ea typeface="ＭＳ ゴシック" panose="020B0609070205080204" pitchFamily="49" charset="-128"/>
-              </a:rPr>
-              <a:t>;</a:t>
-            </a:r>
-          </a:p>
-          <a:p>
-            <a:r>
-              <a:rPr lang="en-US" altLang="ja-JP" sz="2400" dirty="0">
-                <a:solidFill>
-                  <a:srgbClr val="000000"/>
-                </a:solidFill>
-                <a:ea typeface="ＭＳ ゴシック" panose="020B0609070205080204" pitchFamily="49" charset="-128"/>
-              </a:rPr>
-              <a:t>	</a:t>
-            </a:r>
-            <a:r>
-              <a:rPr lang="en-US" altLang="ja-JP" sz="2400" dirty="0" err="1">
-                <a:solidFill>
-                  <a:srgbClr val="000000"/>
-                </a:solidFill>
-                <a:ea typeface="ＭＳ ゴシック" panose="020B0609070205080204" pitchFamily="49" charset="-128"/>
-              </a:rPr>
-              <a:t>cout</a:t>
-            </a:r>
-            <a:r>
-              <a:rPr lang="en-US" altLang="ja-JP" sz="2400" dirty="0">
-                <a:solidFill>
-                  <a:srgbClr val="000000"/>
-                </a:solidFill>
-                <a:ea typeface="ＭＳ ゴシック" panose="020B0609070205080204" pitchFamily="49" charset="-128"/>
-              </a:rPr>
-              <a:t> </a:t>
-            </a:r>
-            <a:r>
-              <a:rPr lang="en-US" altLang="ja-JP" sz="2400" dirty="0">
-                <a:solidFill>
-                  <a:srgbClr val="008080"/>
-                </a:solidFill>
-                <a:ea typeface="ＭＳ ゴシック" panose="020B0609070205080204" pitchFamily="49" charset="-128"/>
-              </a:rPr>
-              <a:t>&lt;&lt;</a:t>
-            </a:r>
-            <a:r>
-              <a:rPr lang="en-US" altLang="ja-JP" sz="2400" dirty="0">
-                <a:solidFill>
-                  <a:srgbClr val="000000"/>
-                </a:solidFill>
-                <a:ea typeface="ＭＳ ゴシック" panose="020B0609070205080204" pitchFamily="49" charset="-128"/>
-              </a:rPr>
-              <a:t> </a:t>
-            </a:r>
-            <a:r>
-              <a:rPr lang="en-US" altLang="ja-JP" sz="2400" dirty="0">
-                <a:solidFill>
-                  <a:srgbClr val="A31515"/>
-                </a:solidFill>
-                <a:ea typeface="ＭＳ ゴシック" panose="020B0609070205080204" pitchFamily="49" charset="-128"/>
-              </a:rPr>
-              <a:t>"Bob</a:t>
-            </a:r>
-            <a:r>
-              <a:rPr lang="ja-JP" altLang="en-US" sz="2400" dirty="0">
-                <a:solidFill>
-                  <a:srgbClr val="A31515"/>
-                </a:solidFill>
-                <a:latin typeface="+mn-ea"/>
-              </a:rPr>
-              <a:t>の点数は</a:t>
-            </a:r>
-            <a:r>
-              <a:rPr lang="en-US" altLang="ja-JP" sz="2400" dirty="0">
-                <a:solidFill>
-                  <a:srgbClr val="A31515"/>
-                </a:solidFill>
-                <a:ea typeface="ＭＳ ゴシック" panose="020B0609070205080204" pitchFamily="49" charset="-128"/>
-              </a:rPr>
-              <a:t>"</a:t>
-            </a:r>
-            <a:r>
-              <a:rPr lang="ja-JP" altLang="en-US" sz="2400" dirty="0">
-                <a:solidFill>
-                  <a:srgbClr val="000000"/>
-                </a:solidFill>
-                <a:ea typeface="ＭＳ ゴシック" panose="020B0609070205080204" pitchFamily="49" charset="-128"/>
-              </a:rPr>
-              <a:t> </a:t>
-            </a:r>
-            <a:r>
-              <a:rPr lang="en-US" altLang="ja-JP" sz="2400" dirty="0">
-                <a:solidFill>
-                  <a:srgbClr val="008080"/>
-                </a:solidFill>
-                <a:ea typeface="ＭＳ ゴシック" panose="020B0609070205080204" pitchFamily="49" charset="-128"/>
-              </a:rPr>
-              <a:t>&lt;&lt;</a:t>
-            </a:r>
-            <a:r>
-              <a:rPr lang="ja-JP" altLang="en-US" sz="2400" dirty="0">
-                <a:solidFill>
-                  <a:srgbClr val="000000"/>
-                </a:solidFill>
-                <a:ea typeface="ＭＳ ゴシック" panose="020B0609070205080204" pitchFamily="49" charset="-128"/>
-              </a:rPr>
-              <a:t> </a:t>
-            </a:r>
-            <a:r>
-              <a:rPr lang="en-US" altLang="ja-JP" sz="2400" dirty="0">
-                <a:solidFill>
-                  <a:srgbClr val="000000"/>
-                </a:solidFill>
-                <a:ea typeface="ＭＳ ゴシック" panose="020B0609070205080204" pitchFamily="49" charset="-128"/>
-              </a:rPr>
-              <a:t>score</a:t>
-            </a:r>
-            <a:r>
-              <a:rPr lang="en-US" altLang="ja-JP" sz="2400" dirty="0">
-                <a:solidFill>
-                  <a:srgbClr val="008080"/>
-                </a:solidFill>
-                <a:ea typeface="ＭＳ ゴシック" panose="020B0609070205080204" pitchFamily="49" charset="-128"/>
-              </a:rPr>
-              <a:t>[</a:t>
-            </a:r>
-            <a:r>
-              <a:rPr lang="en-US" altLang="ja-JP" sz="2400" dirty="0">
-                <a:solidFill>
-                  <a:srgbClr val="A31515"/>
-                </a:solidFill>
-                <a:ea typeface="ＭＳ ゴシック" panose="020B0609070205080204" pitchFamily="49" charset="-128"/>
-              </a:rPr>
-              <a:t>"Bob"</a:t>
-            </a:r>
-            <a:r>
-              <a:rPr lang="en-US" altLang="ja-JP" sz="2400" dirty="0">
-                <a:solidFill>
-                  <a:srgbClr val="008080"/>
-                </a:solidFill>
-                <a:ea typeface="ＭＳ ゴシック" panose="020B0609070205080204" pitchFamily="49" charset="-128"/>
-              </a:rPr>
-              <a:t>]</a:t>
-            </a:r>
-            <a:r>
-              <a:rPr lang="en-US" altLang="ja-JP" sz="2400" dirty="0">
-                <a:solidFill>
-                  <a:srgbClr val="000000"/>
-                </a:solidFill>
-                <a:ea typeface="ＭＳ ゴシック" panose="020B0609070205080204" pitchFamily="49" charset="-128"/>
-              </a:rPr>
-              <a:t> </a:t>
-            </a:r>
-            <a:r>
-              <a:rPr lang="en-US" altLang="ja-JP" sz="2400" dirty="0">
-                <a:solidFill>
-                  <a:srgbClr val="008080"/>
-                </a:solidFill>
-                <a:ea typeface="ＭＳ ゴシック" panose="020B0609070205080204" pitchFamily="49" charset="-128"/>
-              </a:rPr>
-              <a:t>&lt;&lt;</a:t>
-            </a:r>
-            <a:r>
-              <a:rPr lang="en-US" altLang="ja-JP" sz="2400" dirty="0">
-                <a:solidFill>
-                  <a:srgbClr val="000000"/>
-                </a:solidFill>
-                <a:ea typeface="ＭＳ ゴシック" panose="020B0609070205080204" pitchFamily="49" charset="-128"/>
-              </a:rPr>
-              <a:t> </a:t>
-            </a:r>
-            <a:r>
-              <a:rPr lang="en-US" altLang="ja-JP" sz="2400" dirty="0">
-                <a:solidFill>
-                  <a:srgbClr val="A31515"/>
-                </a:solidFill>
-                <a:ea typeface="ＭＳ ゴシック" panose="020B0609070205080204" pitchFamily="49" charset="-128"/>
-              </a:rPr>
-              <a:t>"</a:t>
-            </a:r>
-            <a:r>
-              <a:rPr lang="ja-JP" altLang="en-US" sz="2400" dirty="0">
-                <a:solidFill>
-                  <a:srgbClr val="A31515"/>
-                </a:solidFill>
-                <a:latin typeface="+mn-ea"/>
-              </a:rPr>
-              <a:t>点</a:t>
-            </a:r>
-            <a:r>
-              <a:rPr lang="en-US" altLang="ja-JP" sz="2400" dirty="0">
-                <a:solidFill>
-                  <a:srgbClr val="A31515"/>
-                </a:solidFill>
-                <a:ea typeface="ＭＳ ゴシック" panose="020B0609070205080204" pitchFamily="49" charset="-128"/>
-              </a:rPr>
-              <a:t>"</a:t>
-            </a:r>
-            <a:r>
-              <a:rPr lang="ja-JP" altLang="en-US" sz="2400" dirty="0">
-                <a:solidFill>
-                  <a:srgbClr val="000000"/>
-                </a:solidFill>
-                <a:ea typeface="ＭＳ ゴシック" panose="020B0609070205080204" pitchFamily="49" charset="-128"/>
-              </a:rPr>
-              <a:t> </a:t>
-            </a:r>
-            <a:r>
-              <a:rPr lang="en-US" altLang="ja-JP" sz="2400" dirty="0">
-                <a:solidFill>
-                  <a:srgbClr val="008080"/>
-                </a:solidFill>
-                <a:ea typeface="ＭＳ ゴシック" panose="020B0609070205080204" pitchFamily="49" charset="-128"/>
-              </a:rPr>
-              <a:t>&lt;&lt;</a:t>
-            </a:r>
-            <a:r>
-              <a:rPr lang="ja-JP" altLang="en-US" sz="2400" dirty="0">
-                <a:solidFill>
-                  <a:srgbClr val="000000"/>
-                </a:solidFill>
-                <a:ea typeface="ＭＳ ゴシック" panose="020B0609070205080204" pitchFamily="49" charset="-128"/>
-              </a:rPr>
-              <a:t> </a:t>
-            </a:r>
-            <a:r>
-              <a:rPr lang="en-US" altLang="ja-JP" sz="2400" dirty="0" err="1">
-                <a:solidFill>
-                  <a:srgbClr val="000000"/>
-                </a:solidFill>
-                <a:ea typeface="ＭＳ ゴシック" panose="020B0609070205080204" pitchFamily="49" charset="-128"/>
-              </a:rPr>
-              <a:t>endl</a:t>
-            </a:r>
-            <a:r>
-              <a:rPr lang="en-US" altLang="ja-JP" sz="2400" dirty="0">
-                <a:solidFill>
-                  <a:srgbClr val="000000"/>
-                </a:solidFill>
-                <a:ea typeface="ＭＳ ゴシック" panose="020B0609070205080204" pitchFamily="49" charset="-128"/>
-              </a:rPr>
-              <a:t>;</a:t>
-            </a:r>
-          </a:p>
-          <a:p>
-            <a:r>
-              <a:rPr lang="en-US" altLang="ja-JP" sz="2400" dirty="0">
-                <a:solidFill>
-                  <a:srgbClr val="000000"/>
-                </a:solidFill>
-                <a:ea typeface="ＭＳ ゴシック" panose="020B0609070205080204" pitchFamily="49" charset="-128"/>
-              </a:rPr>
-              <a:t>	</a:t>
-            </a:r>
-            <a:r>
-              <a:rPr lang="en-US" altLang="ja-JP" sz="2400" dirty="0" err="1">
-                <a:solidFill>
-                  <a:srgbClr val="000000"/>
-                </a:solidFill>
-                <a:ea typeface="ＭＳ ゴシック" panose="020B0609070205080204" pitchFamily="49" charset="-128"/>
-              </a:rPr>
-              <a:t>cout</a:t>
-            </a:r>
-            <a:r>
-              <a:rPr lang="en-US" altLang="ja-JP" sz="2400" dirty="0">
-                <a:solidFill>
-                  <a:srgbClr val="000000"/>
-                </a:solidFill>
-                <a:ea typeface="ＭＳ ゴシック" panose="020B0609070205080204" pitchFamily="49" charset="-128"/>
-              </a:rPr>
-              <a:t> </a:t>
-            </a:r>
-            <a:r>
-              <a:rPr lang="en-US" altLang="ja-JP" sz="2400" dirty="0">
-                <a:solidFill>
-                  <a:srgbClr val="008080"/>
-                </a:solidFill>
-                <a:ea typeface="ＭＳ ゴシック" panose="020B0609070205080204" pitchFamily="49" charset="-128"/>
-              </a:rPr>
-              <a:t>&lt;&lt;</a:t>
-            </a:r>
-            <a:r>
-              <a:rPr lang="en-US" altLang="ja-JP" sz="2400" dirty="0">
-                <a:solidFill>
-                  <a:srgbClr val="000000"/>
-                </a:solidFill>
-                <a:ea typeface="ＭＳ ゴシック" panose="020B0609070205080204" pitchFamily="49" charset="-128"/>
-              </a:rPr>
-              <a:t> </a:t>
-            </a:r>
-            <a:r>
-              <a:rPr lang="en-US" altLang="ja-JP" sz="2400" dirty="0">
-                <a:solidFill>
-                  <a:srgbClr val="A31515"/>
-                </a:solidFill>
-                <a:ea typeface="ＭＳ ゴシック" panose="020B0609070205080204" pitchFamily="49" charset="-128"/>
-              </a:rPr>
-              <a:t>"Mike</a:t>
-            </a:r>
-            <a:r>
-              <a:rPr lang="ja-JP" altLang="en-US" sz="2400" dirty="0">
-                <a:solidFill>
-                  <a:srgbClr val="A31515"/>
-                </a:solidFill>
-                <a:latin typeface="+mn-ea"/>
-              </a:rPr>
-              <a:t>の点数は</a:t>
-            </a:r>
-            <a:r>
-              <a:rPr lang="en-US" altLang="ja-JP" sz="2400" dirty="0">
-                <a:solidFill>
-                  <a:srgbClr val="A31515"/>
-                </a:solidFill>
-                <a:ea typeface="ＭＳ ゴシック" panose="020B0609070205080204" pitchFamily="49" charset="-128"/>
-              </a:rPr>
-              <a:t>"</a:t>
-            </a:r>
-            <a:r>
-              <a:rPr lang="ja-JP" altLang="en-US" sz="2400" dirty="0">
-                <a:solidFill>
-                  <a:srgbClr val="000000"/>
-                </a:solidFill>
-                <a:ea typeface="ＭＳ ゴシック" panose="020B0609070205080204" pitchFamily="49" charset="-128"/>
-              </a:rPr>
-              <a:t> </a:t>
-            </a:r>
-            <a:r>
-              <a:rPr lang="en-US" altLang="ja-JP" sz="2400" dirty="0">
-                <a:solidFill>
-                  <a:srgbClr val="008080"/>
-                </a:solidFill>
-                <a:ea typeface="ＭＳ ゴシック" panose="020B0609070205080204" pitchFamily="49" charset="-128"/>
-              </a:rPr>
-              <a:t>&lt;&lt;</a:t>
-            </a:r>
-            <a:r>
-              <a:rPr lang="ja-JP" altLang="en-US" sz="2400" dirty="0">
-                <a:solidFill>
-                  <a:srgbClr val="000000"/>
-                </a:solidFill>
-                <a:ea typeface="ＭＳ ゴシック" panose="020B0609070205080204" pitchFamily="49" charset="-128"/>
-              </a:rPr>
-              <a:t> </a:t>
-            </a:r>
-            <a:r>
-              <a:rPr lang="en-US" altLang="ja-JP" sz="2400" dirty="0">
-                <a:solidFill>
-                  <a:srgbClr val="000000"/>
-                </a:solidFill>
-                <a:ea typeface="ＭＳ ゴシック" panose="020B0609070205080204" pitchFamily="49" charset="-128"/>
-              </a:rPr>
-              <a:t>score</a:t>
-            </a:r>
-            <a:r>
-              <a:rPr lang="en-US" altLang="ja-JP" sz="2400" dirty="0">
-                <a:solidFill>
-                  <a:srgbClr val="008080"/>
-                </a:solidFill>
-                <a:ea typeface="ＭＳ ゴシック" panose="020B0609070205080204" pitchFamily="49" charset="-128"/>
-              </a:rPr>
-              <a:t>[</a:t>
-            </a:r>
-            <a:r>
-              <a:rPr lang="en-US" altLang="ja-JP" sz="2400" dirty="0">
-                <a:solidFill>
-                  <a:srgbClr val="A31515"/>
-                </a:solidFill>
-                <a:ea typeface="ＭＳ ゴシック" panose="020B0609070205080204" pitchFamily="49" charset="-128"/>
-              </a:rPr>
-              <a:t>"Mike"</a:t>
-            </a:r>
-            <a:r>
-              <a:rPr lang="en-US" altLang="ja-JP" sz="2400" dirty="0">
-                <a:solidFill>
-                  <a:srgbClr val="008080"/>
-                </a:solidFill>
-                <a:ea typeface="ＭＳ ゴシック" panose="020B0609070205080204" pitchFamily="49" charset="-128"/>
-              </a:rPr>
-              <a:t>]</a:t>
-            </a:r>
-            <a:r>
-              <a:rPr lang="en-US" altLang="ja-JP" sz="2400" dirty="0">
-                <a:solidFill>
-                  <a:srgbClr val="000000"/>
-                </a:solidFill>
-                <a:ea typeface="ＭＳ ゴシック" panose="020B0609070205080204" pitchFamily="49" charset="-128"/>
-              </a:rPr>
-              <a:t> </a:t>
-            </a:r>
-            <a:r>
-              <a:rPr lang="en-US" altLang="ja-JP" sz="2400" dirty="0">
-                <a:solidFill>
-                  <a:srgbClr val="008080"/>
-                </a:solidFill>
-                <a:ea typeface="ＭＳ ゴシック" panose="020B0609070205080204" pitchFamily="49" charset="-128"/>
-              </a:rPr>
-              <a:t>&lt;&lt;</a:t>
-            </a:r>
-            <a:r>
-              <a:rPr lang="en-US" altLang="ja-JP" sz="2400" dirty="0">
-                <a:solidFill>
-                  <a:srgbClr val="000000"/>
-                </a:solidFill>
-                <a:ea typeface="ＭＳ ゴシック" panose="020B0609070205080204" pitchFamily="49" charset="-128"/>
-              </a:rPr>
-              <a:t> </a:t>
-            </a:r>
-            <a:r>
-              <a:rPr lang="en-US" altLang="ja-JP" sz="2400" dirty="0">
-                <a:solidFill>
-                  <a:srgbClr val="A31515"/>
-                </a:solidFill>
-                <a:ea typeface="ＭＳ ゴシック" panose="020B0609070205080204" pitchFamily="49" charset="-128"/>
-              </a:rPr>
-              <a:t>"</a:t>
-            </a:r>
-            <a:r>
-              <a:rPr lang="ja-JP" altLang="en-US" sz="2400" dirty="0">
-                <a:solidFill>
-                  <a:srgbClr val="A31515"/>
-                </a:solidFill>
-                <a:latin typeface="+mn-ea"/>
-              </a:rPr>
-              <a:t>点</a:t>
-            </a:r>
-            <a:r>
-              <a:rPr lang="en-US" altLang="ja-JP" sz="2400" dirty="0">
-                <a:solidFill>
-                  <a:srgbClr val="A31515"/>
-                </a:solidFill>
-                <a:ea typeface="ＭＳ ゴシック" panose="020B0609070205080204" pitchFamily="49" charset="-128"/>
-              </a:rPr>
-              <a:t>"</a:t>
-            </a:r>
-            <a:r>
-              <a:rPr lang="ja-JP" altLang="en-US" sz="2400" dirty="0">
-                <a:solidFill>
-                  <a:srgbClr val="000000"/>
-                </a:solidFill>
-                <a:ea typeface="ＭＳ ゴシック" panose="020B0609070205080204" pitchFamily="49" charset="-128"/>
-              </a:rPr>
-              <a:t> </a:t>
-            </a:r>
-            <a:r>
-              <a:rPr lang="en-US" altLang="ja-JP" sz="2400" dirty="0">
-                <a:solidFill>
-                  <a:srgbClr val="008080"/>
-                </a:solidFill>
-                <a:ea typeface="ＭＳ ゴシック" panose="020B0609070205080204" pitchFamily="49" charset="-128"/>
-              </a:rPr>
-              <a:t>&lt;&lt;</a:t>
-            </a:r>
-            <a:r>
-              <a:rPr lang="ja-JP" altLang="en-US" sz="2400" dirty="0">
-                <a:solidFill>
-                  <a:srgbClr val="000000"/>
-                </a:solidFill>
-                <a:ea typeface="ＭＳ ゴシック" panose="020B0609070205080204" pitchFamily="49" charset="-128"/>
-              </a:rPr>
-              <a:t> </a:t>
-            </a:r>
-            <a:r>
-              <a:rPr lang="en-US" altLang="ja-JP" sz="2400" dirty="0" err="1">
-                <a:solidFill>
-                  <a:srgbClr val="000000"/>
-                </a:solidFill>
-                <a:ea typeface="ＭＳ ゴシック" panose="020B0609070205080204" pitchFamily="49" charset="-128"/>
-              </a:rPr>
-              <a:t>endl</a:t>
-            </a:r>
-            <a:r>
-              <a:rPr lang="en-US" altLang="ja-JP" sz="2400" dirty="0">
-                <a:solidFill>
-                  <a:srgbClr val="000000"/>
-                </a:solidFill>
-                <a:ea typeface="ＭＳ ゴシック" panose="020B0609070205080204" pitchFamily="49" charset="-128"/>
-              </a:rPr>
-              <a:t>;</a:t>
-            </a:r>
-          </a:p>
-          <a:p>
-            <a:r>
-              <a:rPr lang="en-US" altLang="ja-JP" sz="2400" dirty="0">
-                <a:solidFill>
-                  <a:srgbClr val="0000FF"/>
-                </a:solidFill>
-                <a:ea typeface="ＭＳ ゴシック" panose="020B0609070205080204" pitchFamily="49" charset="-128"/>
-              </a:rPr>
-              <a:t>	return</a:t>
-            </a:r>
-            <a:r>
-              <a:rPr lang="en-US" altLang="ja-JP" sz="2400" dirty="0">
-                <a:solidFill>
-                  <a:srgbClr val="000000"/>
-                </a:solidFill>
-                <a:ea typeface="ＭＳ ゴシック" panose="020B0609070205080204" pitchFamily="49" charset="-128"/>
-              </a:rPr>
-              <a:t> 0;</a:t>
-            </a:r>
-          </a:p>
-          <a:p>
-            <a:r>
-              <a:rPr lang="en-US" altLang="ja-JP" sz="2400" dirty="0">
-                <a:solidFill>
-                  <a:srgbClr val="000000"/>
-                </a:solidFill>
-                <a:ea typeface="ＭＳ ゴシック" panose="020B0609070205080204" pitchFamily="49" charset="-128"/>
-              </a:rPr>
-              <a:t>}</a:t>
-            </a:r>
-            <a:endParaRPr kumimoji="1" lang="ja-JP" altLang="en-US" sz="9600" dirty="0"/>
+              </a:rPr>
+              <a:t>クラスは適している</a:t>
+            </a:r>
           </a:p>
         </p:txBody>
       </p:sp>
@@ -10751,7 +10067,14 @@
             </a:r>
             <a:r>
               <a:rPr lang="ja-JP" altLang="en-US" dirty="0"/>
-              <a:t>内部のデータは、キーの値によって昇順でソートされている</a:t>
+              <a:t>内部のデータは、キーの値によって昇順でソート</a:t>
+            </a:r>
+            <a:br>
+              <a:rPr lang="en-US" altLang="ja-JP" dirty="0"/>
+            </a:br>
+            <a:r>
+              <a:rPr lang="ja-JP" altLang="en-US" dirty="0"/>
+              <a:t>されている</a:t>
             </a:r>
             <a:endParaRPr lang="en-US" altLang="ja-JP" dirty="0"/>
           </a:p>
@@ -17224,12 +16547,20 @@
           <a:lstStyle/>
           <a:p>
             <a:r>
-              <a:rPr kumimoji="1" lang="en-US" altLang="ja-JP" sz="2400" dirty="0">
+              <a:rPr kumimoji="1" lang="ja-JP" altLang="en-US" sz="2400" dirty="0">
                 <a:solidFill>
                   <a:srgbClr val="00B050"/>
                 </a:solidFill>
               </a:rPr>
-              <a:t>//</a:t>
+              <a:t>ペアを定義（</a:t>
+            </a:r>
+            <a:r>
+              <a:rPr kumimoji="1" lang="en-US" altLang="ja-JP" sz="2400" dirty="0" err="1">
+                <a:solidFill>
+                  <a:srgbClr val="00B050"/>
+                </a:solidFill>
+              </a:rPr>
+              <a:t>make_pair</a:t>
             </a:r>
             <a:r>
               <a:rPr kumimoji="1" lang="ja-JP" altLang="en-US" sz="2400" dirty="0">
@@ -17237,7 +16568,7 @@
                   <a:srgbClr val="00B050"/>
                 </a:solidFill>
               </a:rPr>
-              <a:t>ペアを定義して挿入</a:t>
+              <a:t>）して挿入</a:t>
             </a:r>
             <a:br>
               <a:rPr kumimoji="1" lang="en-US" altLang="ja-JP" sz="2400" dirty="0">
@@ -20766,7 +20097,7 @@
         <p:spPr>
           <a:xfrm>
             <a:off x="3065306" y="5265197"/>
-            <a:ext cx="5737468" cy="830997"/>
+            <a:ext cx="5355953" cy="830997"/>
           </a:xfrm>
           <a:prstGeom prst="rect">
             <a:avLst/>
@@ -20787,14 +20118,6 @@
           <a:lstStyle/>
           <a:p>
             <a:r>
-              <a:rPr kumimoji="1" lang="en-US" altLang="ja-JP" sz="2400" dirty="0">
-                <a:solidFill>
-                  <a:srgbClr val="00B050"/>
-                </a:solidFill>
-              </a:rPr>
-              <a:t>//</a:t>
-            </a:r>
-            <a:r>
               <a:rPr kumimoji="1" lang="ja-JP" altLang="en-US" sz="2400" dirty="0">
                 <a:solidFill>
                   <a:srgbClr val="00B050"/>
@@ -20833,14 +20156,6 @@
             </a:endParaRPr>
           </a:p>
           <a:p>
-            <a:r>
-              <a:rPr kumimoji="1" lang="en-US" altLang="ja-JP" sz="2400" dirty="0">
-                <a:solidFill>
-                  <a:srgbClr val="00B050"/>
-                </a:solidFill>
-              </a:rPr>
-              <a:t>  </a:t>
-            </a:r>
             <a:r>
               <a:rPr kumimoji="1" lang="ja-JP" altLang="en-US" sz="2400" dirty="0">
                 <a:solidFill>

--- a/授業資料/講義資料：Mapクラス.pptx
+++ b/授業資料/講義資料：Mapクラス.pptx
@@ -19,7 +19,8 @@
     <p:sldId id="392" r:id="rId13"/>
     <p:sldId id="393" r:id="rId14"/>
     <p:sldId id="394" r:id="rId15"/>
-    <p:sldId id="349" r:id="rId16"/>
+    <p:sldId id="395" r:id="rId16"/>
+    <p:sldId id="349" r:id="rId17"/>
   </p:sldIdLst>
   <p:sldSz cx="12192000" cy="6858000"/>
   <p:notesSz cx="6858000" cy="9144000"/>
@@ -257,7 +258,7 @@
           <a:p>
             <a:fld id="{5B96D3F8-CD2E-4A0D-AC38-517181EABB18}" type="datetimeFigureOut">
               <a:rPr kumimoji="1" lang="ja-JP" altLang="en-US" smtClean="0"/>
-              <a:t>2024/10/23</a:t>
+              <a:t>2024/10/24</a:t>
             </a:fld>
             <a:endParaRPr kumimoji="1" lang="ja-JP" altLang="en-US"/>
           </a:p>
@@ -459,7 +460,7 @@
           <a:p>
             <a:fld id="{5B96D3F8-CD2E-4A0D-AC38-517181EABB18}" type="datetimeFigureOut">
               <a:rPr kumimoji="1" lang="ja-JP" altLang="en-US" smtClean="0"/>
-              <a:t>2024/10/23</a:t>
+              <a:t>2024/10/24</a:t>
             </a:fld>
             <a:endParaRPr kumimoji="1" lang="ja-JP" altLang="en-US"/>
           </a:p>
@@ -671,7 +672,7 @@
           <a:p>
             <a:fld id="{5B96D3F8-CD2E-4A0D-AC38-517181EABB18}" type="datetimeFigureOut">
               <a:rPr kumimoji="1" lang="ja-JP" altLang="en-US" smtClean="0"/>
-              <a:t>2024/10/23</a:t>
+              <a:t>2024/10/24</a:t>
             </a:fld>
             <a:endParaRPr kumimoji="1" lang="ja-JP" altLang="en-US"/>
           </a:p>
@@ -873,7 +874,7 @@
           <a:p>
             <a:fld id="{5B96D3F8-CD2E-4A0D-AC38-517181EABB18}" type="datetimeFigureOut">
               <a:rPr kumimoji="1" lang="ja-JP" altLang="en-US" smtClean="0"/>
-              <a:t>2024/10/23</a:t>
+              <a:t>2024/10/24</a:t>
             </a:fld>
             <a:endParaRPr kumimoji="1" lang="ja-JP" altLang="en-US"/>
           </a:p>
@@ -1119,7 +1120,7 @@
           <a:p>
             <a:fld id="{5B96D3F8-CD2E-4A0D-AC38-517181EABB18}" type="datetimeFigureOut">
               <a:rPr kumimoji="1" lang="ja-JP" altLang="en-US" smtClean="0"/>
-              <a:t>2024/10/23</a:t>
+              <a:t>2024/10/24</a:t>
             </a:fld>
             <a:endParaRPr kumimoji="1" lang="ja-JP" altLang="en-US"/>
           </a:p>
@@ -1415,7 +1416,7 @@
           <a:p>
             <a:fld id="{5B96D3F8-CD2E-4A0D-AC38-517181EABB18}" type="datetimeFigureOut">
               <a:rPr kumimoji="1" lang="ja-JP" altLang="en-US" smtClean="0"/>
-              <a:t>2024/10/23</a:t>
+              <a:t>2024/10/24</a:t>
             </a:fld>
             <a:endParaRPr kumimoji="1" lang="ja-JP" altLang="en-US"/>
           </a:p>
@@ -1846,7 +1847,7 @@
           <a:p>
             <a:fld id="{5B96D3F8-CD2E-4A0D-AC38-517181EABB18}" type="datetimeFigureOut">
               <a:rPr kumimoji="1" lang="ja-JP" altLang="en-US" smtClean="0"/>
-              <a:t>2024/10/23</a:t>
+              <a:t>2024/10/24</a:t>
             </a:fld>
             <a:endParaRPr kumimoji="1" lang="ja-JP" altLang="en-US"/>
           </a:p>
@@ -1964,7 +1965,7 @@
           <a:p>
             <a:fld id="{5B96D3F8-CD2E-4A0D-AC38-517181EABB18}" type="datetimeFigureOut">
               <a:rPr kumimoji="1" lang="ja-JP" altLang="en-US" smtClean="0"/>
-              <a:t>2024/10/23</a:t>
+              <a:t>2024/10/24</a:t>
             </a:fld>
             <a:endParaRPr kumimoji="1" lang="ja-JP" altLang="en-US"/>
           </a:p>
@@ -2059,7 +2060,7 @@
           <a:p>
             <a:fld id="{5B96D3F8-CD2E-4A0D-AC38-517181EABB18}" type="datetimeFigureOut">
               <a:rPr kumimoji="1" lang="ja-JP" altLang="en-US" smtClean="0"/>
-              <a:t>2024/10/23</a:t>
+              <a:t>2024/10/24</a:t>
             </a:fld>
             <a:endParaRPr kumimoji="1" lang="ja-JP" altLang="en-US"/>
           </a:p>
@@ -2368,7 +2369,7 @@
           <a:p>
             <a:fld id="{5B96D3F8-CD2E-4A0D-AC38-517181EABB18}" type="datetimeFigureOut">
               <a:rPr kumimoji="1" lang="ja-JP" altLang="en-US" smtClean="0"/>
-              <a:t>2024/10/23</a:t>
+              <a:t>2024/10/24</a:t>
             </a:fld>
             <a:endParaRPr kumimoji="1" lang="ja-JP" altLang="en-US"/>
           </a:p>
@@ -2625,7 +2626,7 @@
           <a:p>
             <a:fld id="{5B96D3F8-CD2E-4A0D-AC38-517181EABB18}" type="datetimeFigureOut">
               <a:rPr kumimoji="1" lang="ja-JP" altLang="en-US" smtClean="0"/>
-              <a:t>2024/10/23</a:t>
+              <a:t>2024/10/24</a:t>
             </a:fld>
             <a:endParaRPr kumimoji="1" lang="ja-JP" altLang="en-US"/>
           </a:p>
@@ -2870,7 +2871,7 @@
           <a:p>
             <a:fld id="{5B96D3F8-CD2E-4A0D-AC38-517181EABB18}" type="datetimeFigureOut">
               <a:rPr kumimoji="1" lang="ja-JP" altLang="en-US" smtClean="0"/>
-              <a:t>2024/10/23</a:t>
+              <a:t>2024/10/24</a:t>
             </a:fld>
             <a:endParaRPr kumimoji="1" lang="ja-JP" altLang="en-US"/>
           </a:p>
@@ -6248,7 +6249,7 @@
                 </a:solidFill>
                 <a:ea typeface="ＭＳ ゴシック" panose="020B0609070205080204" pitchFamily="49" charset="-128"/>
               </a:rPr>
-              <a:t> &lt;&lt; “Key:” &lt;&lt; </a:t>
+              <a:t> &lt;&lt; “Key:”    &lt;&lt; </a:t>
             </a:r>
             <a:r>
               <a:rPr lang="en-US" altLang="ja-JP" sz="2000" dirty="0">
@@ -7369,7 +7370,25 @@
                 </a:solidFill>
                 <a:ea typeface="ＭＳ ゴシック" panose="020B0609070205080204" pitchFamily="49" charset="-128"/>
               </a:rPr>
-              <a:t> &lt;&lt; “Key:” &lt;&lt; </a:t>
+              <a:t> &lt;&lt; “Key:” </a:t>
+            </a:r>
+            <a:r>
+              <a:rPr lang="ja-JP" altLang="en-US" sz="2000" dirty="0">
+                <a:solidFill>
+                  <a:srgbClr val="000000"/>
+                </a:solidFill>
+                <a:ea typeface="ＭＳ ゴシック" panose="020B0609070205080204" pitchFamily="49" charset="-128"/>
+              </a:rPr>
+              <a:t>   </a:t>
+            </a:r>
+            <a:r>
+              <a:rPr lang="en-US" altLang="ja-JP" sz="2000" dirty="0">
+                <a:solidFill>
+                  <a:srgbClr val="000000"/>
+                </a:solidFill>
+                <a:ea typeface="ＭＳ ゴシック" panose="020B0609070205080204" pitchFamily="49" charset="-128"/>
+              </a:rPr>
+              <a:t>&lt;&lt; </a:t>
             </a:r>
             <a:r>
               <a:rPr lang="en-US" altLang="ja-JP" sz="2000" dirty="0" err="1">
@@ -8878,19 +8897,11 @@
           <a:lstStyle/>
           <a:p>
             <a:r>
-              <a:rPr kumimoji="1" lang="en-US" altLang="ja-JP" sz="2400" dirty="0">
-                <a:solidFill>
-                  <a:srgbClr val="00B050"/>
-                </a:solidFill>
-              </a:rPr>
+              <a:rPr kumimoji="1" lang="en-US" altLang="ja-JP" sz="2400" dirty="0"/>
               <a:t>C++17</a:t>
             </a:r>
             <a:r>
-              <a:rPr kumimoji="1" lang="ja-JP" altLang="en-US" sz="2400" dirty="0">
-                <a:solidFill>
-                  <a:srgbClr val="00B050"/>
-                </a:solidFill>
-              </a:rPr>
+              <a:rPr kumimoji="1" lang="ja-JP" altLang="en-US" sz="2400" dirty="0"/>
               <a:t>からできるようになった記述方法</a:t>
             </a:r>
             <a:br>
@@ -8996,11 +9007,7 @@
               </a:rPr>
             </a:br>
             <a:r>
-              <a:rPr kumimoji="1" lang="ja-JP" altLang="en-US" sz="2400" dirty="0">
-                <a:solidFill>
-                  <a:srgbClr val="00B050"/>
-                </a:solidFill>
-              </a:rPr>
+              <a:rPr kumimoji="1" lang="ja-JP" altLang="en-US" sz="2400" dirty="0"/>
               <a:t>でコンパイルが可能</a:t>
             </a:r>
           </a:p>
@@ -9855,6 +9862,731 @@
 </file>
 
 <file path=ppt/slides/slide15.xml><?xml version="1.0" encoding="utf-8"?>
+<p:sld xmlns:a="http://schemas.openxmlformats.org/drawingml/2006/main" xmlns:r="http://schemas.openxmlformats.org/officeDocument/2006/relationships" xmlns:p="http://schemas.openxmlformats.org/presentationml/2006/main">
+  <p:cSld>
+    <p:spTree>
+      <p:nvGrpSpPr>
+        <p:cNvPr id="1" name=""/>
+        <p:cNvGrpSpPr/>
+        <p:nvPr/>
+      </p:nvGrpSpPr>
+      <p:grpSpPr>
+        <a:xfrm>
+          <a:off x="0" y="0"/>
+          <a:ext cx="0" cy="0"/>
+          <a:chOff x="0" y="0"/>
+          <a:chExt cx="0" cy="0"/>
+        </a:xfrm>
+      </p:grpSpPr>
+      <p:sp>
+        <p:nvSpPr>
+          <p:cNvPr id="2" name="タイトル 1">
+            <a:extLst>
+              <a:ext uri="{FF2B5EF4-FFF2-40B4-BE49-F238E27FC236}">
+                <a16:creationId xmlns:a16="http://schemas.microsoft.com/office/drawing/2014/main" id="{F11F3668-F205-48C5-AC01-19611EFE561B}"/>
+              </a:ext>
+            </a:extLst>
+          </p:cNvPr>
+          <p:cNvSpPr>
+            <a:spLocks noGrp="1"/>
+          </p:cNvSpPr>
+          <p:nvPr>
+            <p:ph type="title"/>
+          </p:nvPr>
+        </p:nvSpPr>
+        <p:spPr/>
+        <p:txBody>
+          <a:bodyPr/>
+          <a:lstStyle/>
+          <a:p>
+            <a:r>
+              <a:rPr kumimoji="1" lang="en-US" altLang="ja-JP" dirty="0"/>
+              <a:t>map</a:t>
+            </a:r>
+            <a:r>
+              <a:rPr kumimoji="1" lang="ja-JP" altLang="en-US" dirty="0"/>
+              <a:t>クラス</a:t>
+            </a:r>
+          </a:p>
+        </p:txBody>
+      </p:sp>
+      <p:sp>
+        <p:nvSpPr>
+          <p:cNvPr id="3" name="コンテンツ プレースホルダー 2">
+            <a:extLst>
+              <a:ext uri="{FF2B5EF4-FFF2-40B4-BE49-F238E27FC236}">
+                <a16:creationId xmlns:a16="http://schemas.microsoft.com/office/drawing/2014/main" id="{64DBE417-57E9-44A6-BB52-B2F9986BB7B2}"/>
+              </a:ext>
+            </a:extLst>
+          </p:cNvPr>
+          <p:cNvSpPr>
+            <a:spLocks noGrp="1"/>
+          </p:cNvSpPr>
+          <p:nvPr>
+            <p:ph idx="1"/>
+          </p:nvPr>
+        </p:nvSpPr>
+        <p:spPr>
+          <a:xfrm>
+            <a:off x="838200" y="1162976"/>
+            <a:ext cx="10515600" cy="5193373"/>
+          </a:xfrm>
+        </p:spPr>
+        <p:txBody>
+          <a:bodyPr>
+            <a:normAutofit/>
+          </a:bodyPr>
+          <a:lstStyle/>
+          <a:p>
+            <a:pPr marL="0" indent="0">
+              <a:buNone/>
+            </a:pPr>
+            <a:r>
+              <a:rPr kumimoji="1" lang="en-US" altLang="ja-JP" dirty="0"/>
+              <a:t>                </a:t>
+            </a:r>
+            <a:br>
+              <a:rPr lang="en-US" altLang="ja-JP" dirty="0"/>
+            </a:br>
+            <a:br>
+              <a:rPr lang="en-US" altLang="ja-JP" dirty="0"/>
+            </a:br>
+            <a:br>
+              <a:rPr lang="en-US" altLang="ja-JP" dirty="0"/>
+            </a:br>
+            <a:br>
+              <a:rPr lang="en-US" altLang="ja-JP" sz="2400" dirty="0"/>
+            </a:br>
+            <a:br>
+              <a:rPr lang="en-US" altLang="ja-JP" sz="2400" dirty="0"/>
+            </a:br>
+            <a:endParaRPr lang="en-US" altLang="ja-JP" sz="2400" dirty="0"/>
+          </a:p>
+          <a:p>
+            <a:pPr marL="0" indent="0">
+              <a:buNone/>
+            </a:pPr>
+            <a:br>
+              <a:rPr lang="en-US" altLang="ja-JP" sz="2400" dirty="0"/>
+            </a:br>
+            <a:endParaRPr lang="en-US" altLang="ja-JP" dirty="0">
+              <a:solidFill>
+                <a:srgbClr val="FF0000"/>
+              </a:solidFill>
+            </a:endParaRPr>
+          </a:p>
+        </p:txBody>
+      </p:sp>
+      <p:sp>
+        <p:nvSpPr>
+          <p:cNvPr id="5" name="テキスト ボックス 4">
+            <a:extLst>
+              <a:ext uri="{FF2B5EF4-FFF2-40B4-BE49-F238E27FC236}">
+                <a16:creationId xmlns:a16="http://schemas.microsoft.com/office/drawing/2014/main" id="{9E32883C-0E37-4F07-9861-27609819CE8C}"/>
+              </a:ext>
+            </a:extLst>
+          </p:cNvPr>
+          <p:cNvSpPr txBox="1"/>
+          <p:nvPr/>
+        </p:nvSpPr>
+        <p:spPr>
+          <a:xfrm>
+            <a:off x="838200" y="1128173"/>
+            <a:ext cx="11134927" cy="3908762"/>
+          </a:xfrm>
+          <a:prstGeom prst="rect">
+            <a:avLst/>
+          </a:prstGeom>
+          <a:noFill/>
+          <a:ln>
+            <a:solidFill>
+              <a:schemeClr val="tx1"/>
+            </a:solidFill>
+          </a:ln>
+        </p:spPr>
+        <p:txBody>
+          <a:bodyPr wrap="square" rtlCol="0">
+            <a:spAutoFit/>
+          </a:bodyPr>
+          <a:lstStyle/>
+          <a:p>
+            <a:r>
+              <a:rPr lang="en-US" altLang="ja-JP" sz="3200" dirty="0">
+                <a:ea typeface="ＭＳ ゴシック" panose="020B0609070205080204" pitchFamily="49" charset="-128"/>
+              </a:rPr>
+              <a:t>【map</a:t>
+            </a:r>
+            <a:r>
+              <a:rPr lang="ja-JP" altLang="en-US" sz="3200" dirty="0">
+                <a:ea typeface="ＭＳ ゴシック" panose="020B0609070205080204" pitchFamily="49" charset="-128"/>
+              </a:rPr>
+              <a:t>クラスの例</a:t>
+            </a:r>
+            <a:r>
+              <a:rPr lang="en-US" altLang="ja-JP" sz="3200" dirty="0">
+                <a:ea typeface="ＭＳ ゴシック" panose="020B0609070205080204" pitchFamily="49" charset="-128"/>
+              </a:rPr>
+              <a:t>】</a:t>
+            </a:r>
+            <a:br>
+              <a:rPr lang="en-US" altLang="ja-JP" sz="2400" dirty="0">
+                <a:ea typeface="ＭＳ ゴシック" panose="020B0609070205080204" pitchFamily="49" charset="-128"/>
+              </a:rPr>
+            </a:br>
+            <a:r>
+              <a:rPr lang="en-US" altLang="ja-JP" sz="2400" dirty="0">
+                <a:ea typeface="ＭＳ ゴシック" panose="020B0609070205080204" pitchFamily="49" charset="-128"/>
+              </a:rPr>
+              <a:t>map&lt;</a:t>
+            </a:r>
+            <a:r>
+              <a:rPr lang="en-US" altLang="ja-JP" sz="2400" dirty="0">
+                <a:solidFill>
+                  <a:srgbClr val="FF0000"/>
+                </a:solidFill>
+                <a:ea typeface="ＭＳ ゴシック" panose="020B0609070205080204" pitchFamily="49" charset="-128"/>
+              </a:rPr>
+              <a:t>int</a:t>
+            </a:r>
+            <a:r>
+              <a:rPr lang="en-US" altLang="ja-JP" sz="2400" dirty="0">
+                <a:ea typeface="ＭＳ ゴシック" panose="020B0609070205080204" pitchFamily="49" charset="-128"/>
+              </a:rPr>
+              <a:t>, map&lt;</a:t>
+            </a:r>
+            <a:r>
+              <a:rPr lang="en-US" altLang="ja-JP" sz="2400" dirty="0">
+                <a:solidFill>
+                  <a:schemeClr val="accent2">
+                    <a:lumMod val="75000"/>
+                  </a:schemeClr>
+                </a:solidFill>
+                <a:ea typeface="ＭＳ ゴシック" panose="020B0609070205080204" pitchFamily="49" charset="-128"/>
+              </a:rPr>
+              <a:t>string</a:t>
+            </a:r>
+            <a:r>
+              <a:rPr lang="en-US" altLang="ja-JP" sz="2400" dirty="0">
+                <a:ea typeface="ＭＳ ゴシック" panose="020B0609070205080204" pitchFamily="49" charset="-128"/>
+              </a:rPr>
+              <a:t>, </a:t>
+            </a:r>
+            <a:r>
+              <a:rPr lang="en-US" altLang="ja-JP" sz="2400" dirty="0">
+                <a:solidFill>
+                  <a:srgbClr val="FF0000"/>
+                </a:solidFill>
+                <a:ea typeface="ＭＳ ゴシック" panose="020B0609070205080204" pitchFamily="49" charset="-128"/>
+              </a:rPr>
+              <a:t>int</a:t>
+            </a:r>
+            <a:r>
+              <a:rPr lang="en-US" altLang="ja-JP" sz="2400" dirty="0">
+                <a:ea typeface="ＭＳ ゴシック" panose="020B0609070205080204" pitchFamily="49" charset="-128"/>
+              </a:rPr>
+              <a:t>&gt;&gt; </a:t>
+            </a:r>
+            <a:br>
+              <a:rPr lang="en-US" altLang="ja-JP" sz="2400" dirty="0">
+                <a:ea typeface="ＭＳ ゴシック" panose="020B0609070205080204" pitchFamily="49" charset="-128"/>
+              </a:rPr>
+            </a:br>
+            <a:r>
+              <a:rPr lang="en-US" altLang="ja-JP" sz="2400" dirty="0">
+                <a:ea typeface="ＭＳ ゴシック" panose="020B0609070205080204" pitchFamily="49" charset="-128"/>
+              </a:rPr>
+              <a:t>    </a:t>
+            </a:r>
+            <a:r>
+              <a:rPr lang="en-US" altLang="ja-JP" sz="2400" dirty="0" err="1">
+                <a:ea typeface="ＭＳ ゴシック" panose="020B0609070205080204" pitchFamily="49" charset="-128"/>
+              </a:rPr>
+              <a:t>tMap</a:t>
+            </a:r>
+            <a:r>
+              <a:rPr lang="en-US" altLang="ja-JP" sz="2400" dirty="0">
+                <a:ea typeface="ＭＳ ゴシック" panose="020B0609070205080204" pitchFamily="49" charset="-128"/>
+              </a:rPr>
+              <a:t>{ { </a:t>
+            </a:r>
+            <a:r>
+              <a:rPr lang="en-US" altLang="ja-JP" sz="2400" dirty="0">
+                <a:solidFill>
+                  <a:srgbClr val="FF0000"/>
+                </a:solidFill>
+                <a:ea typeface="ＭＳ ゴシック" panose="020B0609070205080204" pitchFamily="49" charset="-128"/>
+              </a:rPr>
+              <a:t>1</a:t>
+            </a:r>
+            <a:r>
+              <a:rPr lang="en-US" altLang="ja-JP" sz="2400" dirty="0">
+                <a:ea typeface="ＭＳ ゴシック" panose="020B0609070205080204" pitchFamily="49" charset="-128"/>
+              </a:rPr>
+              <a:t>, { {“</a:t>
+            </a:r>
+            <a:r>
+              <a:rPr lang="en-US" altLang="ja-JP" sz="2400" dirty="0" err="1">
+                <a:solidFill>
+                  <a:schemeClr val="accent2">
+                    <a:lumMod val="75000"/>
+                  </a:schemeClr>
+                </a:solidFill>
+                <a:ea typeface="ＭＳ ゴシック" panose="020B0609070205080204" pitchFamily="49" charset="-128"/>
+              </a:rPr>
+              <a:t>abc</a:t>
+            </a:r>
+            <a:r>
+              <a:rPr lang="en-US" altLang="ja-JP" sz="2400" dirty="0">
+                <a:ea typeface="ＭＳ ゴシック" panose="020B0609070205080204" pitchFamily="49" charset="-128"/>
+              </a:rPr>
+              <a:t>", </a:t>
+            </a:r>
+            <a:r>
+              <a:rPr lang="en-US" altLang="ja-JP" sz="2400" dirty="0">
+                <a:solidFill>
+                  <a:srgbClr val="FF0000"/>
+                </a:solidFill>
+                <a:ea typeface="ＭＳ ゴシック" panose="020B0609070205080204" pitchFamily="49" charset="-128"/>
+              </a:rPr>
+              <a:t>3</a:t>
+            </a:r>
+            <a:r>
+              <a:rPr lang="en-US" altLang="ja-JP" sz="2400" dirty="0">
+                <a:ea typeface="ＭＳ ゴシック" panose="020B0609070205080204" pitchFamily="49" charset="-128"/>
+              </a:rPr>
+              <a:t>} } }, { </a:t>
+            </a:r>
+            <a:r>
+              <a:rPr lang="en-US" altLang="ja-JP" sz="2400" dirty="0">
+                <a:solidFill>
+                  <a:srgbClr val="FF0000"/>
+                </a:solidFill>
+                <a:ea typeface="ＭＳ ゴシック" panose="020B0609070205080204" pitchFamily="49" charset="-128"/>
+              </a:rPr>
+              <a:t>2</a:t>
+            </a:r>
+            <a:r>
+              <a:rPr lang="en-US" altLang="ja-JP" sz="2400" dirty="0">
+                <a:ea typeface="ＭＳ ゴシック" panose="020B0609070205080204" pitchFamily="49" charset="-128"/>
+              </a:rPr>
+              <a:t>, { {“</a:t>
+            </a:r>
+            <a:r>
+              <a:rPr lang="en-US" altLang="ja-JP" sz="2400" dirty="0" err="1">
+                <a:solidFill>
+                  <a:schemeClr val="accent2">
+                    <a:lumMod val="75000"/>
+                  </a:schemeClr>
+                </a:solidFill>
+                <a:ea typeface="ＭＳ ゴシック" panose="020B0609070205080204" pitchFamily="49" charset="-128"/>
+              </a:rPr>
+              <a:t>abc</a:t>
+            </a:r>
+            <a:r>
+              <a:rPr lang="en-US" altLang="ja-JP" sz="2400" dirty="0">
+                <a:ea typeface="ＭＳ ゴシック" panose="020B0609070205080204" pitchFamily="49" charset="-128"/>
+              </a:rPr>
+              <a:t>", </a:t>
+            </a:r>
+            <a:r>
+              <a:rPr lang="en-US" altLang="ja-JP" sz="2400" dirty="0">
+                <a:solidFill>
+                  <a:srgbClr val="FF0000"/>
+                </a:solidFill>
+                <a:ea typeface="ＭＳ ゴシック" panose="020B0609070205080204" pitchFamily="49" charset="-128"/>
+              </a:rPr>
+              <a:t>1</a:t>
+            </a:r>
+            <a:r>
+              <a:rPr lang="en-US" altLang="ja-JP" sz="2400" dirty="0">
+                <a:ea typeface="ＭＳ ゴシック" panose="020B0609070205080204" pitchFamily="49" charset="-128"/>
+              </a:rPr>
+              <a:t>} } },</a:t>
+            </a:r>
+          </a:p>
+          <a:p>
+            <a:r>
+              <a:rPr lang="en-US" altLang="ja-JP" sz="2400" dirty="0">
+                <a:ea typeface="ＭＳ ゴシック" panose="020B0609070205080204" pitchFamily="49" charset="-128"/>
+              </a:rPr>
+              <a:t>          { </a:t>
+            </a:r>
+            <a:r>
+              <a:rPr lang="en-US" altLang="ja-JP" sz="2400" dirty="0">
+                <a:solidFill>
+                  <a:srgbClr val="FF0000"/>
+                </a:solidFill>
+                <a:ea typeface="ＭＳ ゴシック" panose="020B0609070205080204" pitchFamily="49" charset="-128"/>
+              </a:rPr>
+              <a:t>3</a:t>
+            </a:r>
+            <a:r>
+              <a:rPr lang="en-US" altLang="ja-JP" sz="2400" dirty="0">
+                <a:ea typeface="ＭＳ ゴシック" panose="020B0609070205080204" pitchFamily="49" charset="-128"/>
+              </a:rPr>
+              <a:t>, { {“</a:t>
+            </a:r>
+            <a:r>
+              <a:rPr lang="en-US" altLang="ja-JP" sz="2400" dirty="0">
+                <a:solidFill>
+                  <a:schemeClr val="accent2">
+                    <a:lumMod val="75000"/>
+                  </a:schemeClr>
+                </a:solidFill>
+                <a:ea typeface="ＭＳ ゴシック" panose="020B0609070205080204" pitchFamily="49" charset="-128"/>
+              </a:rPr>
+              <a:t>def</a:t>
+            </a:r>
+            <a:r>
+              <a:rPr lang="en-US" altLang="ja-JP" sz="2400" dirty="0">
+                <a:ea typeface="ＭＳ ゴシック" panose="020B0609070205080204" pitchFamily="49" charset="-128"/>
+              </a:rPr>
+              <a:t>”, </a:t>
+            </a:r>
+            <a:r>
+              <a:rPr lang="en-US" altLang="ja-JP" sz="2400" dirty="0">
+                <a:solidFill>
+                  <a:srgbClr val="FF0000"/>
+                </a:solidFill>
+                <a:ea typeface="ＭＳ ゴシック" panose="020B0609070205080204" pitchFamily="49" charset="-128"/>
+              </a:rPr>
+              <a:t>9</a:t>
+            </a:r>
+            <a:r>
+              <a:rPr lang="en-US" altLang="ja-JP" sz="2400" dirty="0">
+                <a:ea typeface="ＭＳ ゴシック" panose="020B0609070205080204" pitchFamily="49" charset="-128"/>
+              </a:rPr>
+              <a:t>} } }, { </a:t>
+            </a:r>
+            <a:r>
+              <a:rPr lang="en-US" altLang="ja-JP" sz="2400" dirty="0">
+                <a:solidFill>
+                  <a:srgbClr val="FF0000"/>
+                </a:solidFill>
+                <a:ea typeface="ＭＳ ゴシック" panose="020B0609070205080204" pitchFamily="49" charset="-128"/>
+              </a:rPr>
+              <a:t>4</a:t>
+            </a:r>
+            <a:r>
+              <a:rPr lang="en-US" altLang="ja-JP" sz="2400" dirty="0">
+                <a:ea typeface="ＭＳ ゴシック" panose="020B0609070205080204" pitchFamily="49" charset="-128"/>
+              </a:rPr>
+              <a:t>, { {“</a:t>
+            </a:r>
+            <a:r>
+              <a:rPr lang="en-US" altLang="ja-JP" sz="2400" dirty="0">
+                <a:solidFill>
+                  <a:schemeClr val="accent2">
+                    <a:lumMod val="75000"/>
+                  </a:schemeClr>
+                </a:solidFill>
+                <a:ea typeface="ＭＳ ゴシック" panose="020B0609070205080204" pitchFamily="49" charset="-128"/>
+              </a:rPr>
+              <a:t>def</a:t>
+            </a:r>
+            <a:r>
+              <a:rPr lang="en-US" altLang="ja-JP" sz="2400" dirty="0">
+                <a:ea typeface="ＭＳ ゴシック" panose="020B0609070205080204" pitchFamily="49" charset="-128"/>
+              </a:rPr>
+              <a:t>”, </a:t>
+            </a:r>
+            <a:r>
+              <a:rPr lang="en-US" altLang="ja-JP" sz="2400" dirty="0">
+                <a:solidFill>
+                  <a:srgbClr val="FF0000"/>
+                </a:solidFill>
+                <a:ea typeface="ＭＳ ゴシック" panose="020B0609070205080204" pitchFamily="49" charset="-128"/>
+              </a:rPr>
+              <a:t>7</a:t>
+            </a:r>
+            <a:r>
+              <a:rPr lang="en-US" altLang="ja-JP" sz="2400" dirty="0">
+                <a:ea typeface="ＭＳ ゴシック" panose="020B0609070205080204" pitchFamily="49" charset="-128"/>
+              </a:rPr>
+              <a:t>} } }</a:t>
+            </a:r>
+          </a:p>
+          <a:p>
+            <a:r>
+              <a:rPr lang="en-US" altLang="ja-JP" sz="2400" dirty="0">
+                <a:ea typeface="ＭＳ ゴシック" panose="020B0609070205080204" pitchFamily="49" charset="-128"/>
+              </a:rPr>
+              <a:t>    };</a:t>
+            </a:r>
+          </a:p>
+          <a:p>
+            <a:r>
+              <a:rPr lang="en-US" altLang="ja-JP" sz="2400" dirty="0">
+                <a:ea typeface="ＭＳ ゴシック" panose="020B0609070205080204" pitchFamily="49" charset="-128"/>
+              </a:rPr>
+              <a:t>    </a:t>
+            </a:r>
+            <a:r>
+              <a:rPr lang="en-US" altLang="ja-JP" sz="2400" dirty="0" err="1">
+                <a:ea typeface="ＭＳ ゴシック" panose="020B0609070205080204" pitchFamily="49" charset="-128"/>
+              </a:rPr>
+              <a:t>cout</a:t>
+            </a:r>
+            <a:r>
+              <a:rPr lang="en-US" altLang="ja-JP" sz="2400" dirty="0">
+                <a:ea typeface="ＭＳ ゴシック" panose="020B0609070205080204" pitchFamily="49" charset="-128"/>
+              </a:rPr>
+              <a:t> &lt;&lt; </a:t>
+            </a:r>
+            <a:r>
+              <a:rPr lang="en-US" altLang="ja-JP" sz="2400" dirty="0" err="1">
+                <a:ea typeface="ＭＳ ゴシック" panose="020B0609070205080204" pitchFamily="49" charset="-128"/>
+              </a:rPr>
+              <a:t>tMap</a:t>
+            </a:r>
+            <a:r>
+              <a:rPr lang="en-US" altLang="ja-JP" sz="2400" dirty="0">
+                <a:ea typeface="ＭＳ ゴシック" panose="020B0609070205080204" pitchFamily="49" charset="-128"/>
+              </a:rPr>
+              <a:t>[1]["</a:t>
+            </a:r>
+            <a:r>
+              <a:rPr lang="en-US" altLang="ja-JP" sz="2400" dirty="0" err="1">
+                <a:ea typeface="ＭＳ ゴシック" panose="020B0609070205080204" pitchFamily="49" charset="-128"/>
+              </a:rPr>
+              <a:t>abc</a:t>
+            </a:r>
+            <a:r>
+              <a:rPr lang="en-US" altLang="ja-JP" sz="2400" dirty="0">
+                <a:ea typeface="ＭＳ ゴシック" panose="020B0609070205080204" pitchFamily="49" charset="-128"/>
+              </a:rPr>
+              <a:t>"] &lt;&lt; </a:t>
+            </a:r>
+            <a:r>
+              <a:rPr lang="en-US" altLang="ja-JP" sz="2400" dirty="0" err="1">
+                <a:ea typeface="ＭＳ ゴシック" panose="020B0609070205080204" pitchFamily="49" charset="-128"/>
+              </a:rPr>
+              <a:t>endl</a:t>
+            </a:r>
+            <a:r>
+              <a:rPr lang="en-US" altLang="ja-JP" sz="2400" dirty="0">
+                <a:ea typeface="ＭＳ ゴシック" panose="020B0609070205080204" pitchFamily="49" charset="-128"/>
+              </a:rPr>
+              <a:t>;</a:t>
+            </a:r>
+            <a:r>
+              <a:rPr lang="en-US" altLang="ja-JP" sz="2400" dirty="0">
+                <a:solidFill>
+                  <a:srgbClr val="00B050"/>
+                </a:solidFill>
+                <a:ea typeface="ＭＳ ゴシック" panose="020B0609070205080204" pitchFamily="49" charset="-128"/>
+              </a:rPr>
+              <a:t>// 3</a:t>
+            </a:r>
+          </a:p>
+          <a:p>
+            <a:r>
+              <a:rPr lang="en-US" altLang="ja-JP" sz="2400" dirty="0">
+                <a:ea typeface="ＭＳ ゴシック" panose="020B0609070205080204" pitchFamily="49" charset="-128"/>
+              </a:rPr>
+              <a:t>    </a:t>
+            </a:r>
+            <a:r>
+              <a:rPr lang="en-US" altLang="ja-JP" sz="2400" dirty="0" err="1">
+                <a:ea typeface="ＭＳ ゴシック" panose="020B0609070205080204" pitchFamily="49" charset="-128"/>
+              </a:rPr>
+              <a:t>cout</a:t>
+            </a:r>
+            <a:r>
+              <a:rPr lang="en-US" altLang="ja-JP" sz="2400" dirty="0">
+                <a:ea typeface="ＭＳ ゴシック" panose="020B0609070205080204" pitchFamily="49" charset="-128"/>
+              </a:rPr>
+              <a:t> &lt;&lt; </a:t>
+            </a:r>
+            <a:r>
+              <a:rPr lang="en-US" altLang="ja-JP" sz="2400" dirty="0" err="1">
+                <a:ea typeface="ＭＳ ゴシック" panose="020B0609070205080204" pitchFamily="49" charset="-128"/>
+              </a:rPr>
+              <a:t>tMap</a:t>
+            </a:r>
+            <a:r>
+              <a:rPr lang="en-US" altLang="ja-JP" sz="2400" dirty="0">
+                <a:ea typeface="ＭＳ ゴシック" panose="020B0609070205080204" pitchFamily="49" charset="-128"/>
+              </a:rPr>
+              <a:t>[2][“</a:t>
+            </a:r>
+            <a:r>
+              <a:rPr lang="en-US" altLang="ja-JP" sz="2400" dirty="0" err="1">
+                <a:ea typeface="ＭＳ ゴシック" panose="020B0609070205080204" pitchFamily="49" charset="-128"/>
+              </a:rPr>
+              <a:t>abc</a:t>
+            </a:r>
+            <a:r>
+              <a:rPr lang="en-US" altLang="ja-JP" sz="2400" dirty="0">
+                <a:ea typeface="ＭＳ ゴシック" panose="020B0609070205080204" pitchFamily="49" charset="-128"/>
+              </a:rPr>
+              <a:t>"] &lt;&lt; </a:t>
+            </a:r>
+            <a:r>
+              <a:rPr lang="en-US" altLang="ja-JP" sz="2400" dirty="0" err="1">
+                <a:ea typeface="ＭＳ ゴシック" panose="020B0609070205080204" pitchFamily="49" charset="-128"/>
+              </a:rPr>
+              <a:t>endl</a:t>
+            </a:r>
+            <a:r>
+              <a:rPr lang="en-US" altLang="ja-JP" sz="2400" dirty="0">
+                <a:ea typeface="ＭＳ ゴシック" panose="020B0609070205080204" pitchFamily="49" charset="-128"/>
+              </a:rPr>
+              <a:t>;</a:t>
+            </a:r>
+            <a:r>
+              <a:rPr lang="en-US" altLang="ja-JP" sz="2400" dirty="0">
+                <a:solidFill>
+                  <a:srgbClr val="00B050"/>
+                </a:solidFill>
+                <a:ea typeface="ＭＳ ゴシック" panose="020B0609070205080204" pitchFamily="49" charset="-128"/>
+              </a:rPr>
+              <a:t>// 1</a:t>
+            </a:r>
+          </a:p>
+          <a:p>
+            <a:r>
+              <a:rPr lang="en-US" altLang="ja-JP" sz="2400" dirty="0">
+                <a:ea typeface="ＭＳ ゴシック" panose="020B0609070205080204" pitchFamily="49" charset="-128"/>
+              </a:rPr>
+              <a:t>    </a:t>
+            </a:r>
+            <a:r>
+              <a:rPr lang="en-US" altLang="ja-JP" sz="2400" dirty="0" err="1">
+                <a:ea typeface="ＭＳ ゴシック" panose="020B0609070205080204" pitchFamily="49" charset="-128"/>
+              </a:rPr>
+              <a:t>cout</a:t>
+            </a:r>
+            <a:r>
+              <a:rPr lang="en-US" altLang="ja-JP" sz="2400" dirty="0">
+                <a:ea typeface="ＭＳ ゴシック" panose="020B0609070205080204" pitchFamily="49" charset="-128"/>
+              </a:rPr>
+              <a:t> &lt;&lt; </a:t>
+            </a:r>
+            <a:r>
+              <a:rPr lang="en-US" altLang="ja-JP" sz="2400" dirty="0" err="1">
+                <a:ea typeface="ＭＳ ゴシック" panose="020B0609070205080204" pitchFamily="49" charset="-128"/>
+              </a:rPr>
+              <a:t>tMap</a:t>
+            </a:r>
+            <a:r>
+              <a:rPr lang="en-US" altLang="ja-JP" sz="2400" dirty="0">
+                <a:ea typeface="ＭＳ ゴシック" panose="020B0609070205080204" pitchFamily="49" charset="-128"/>
+              </a:rPr>
+              <a:t>[3][“def"] &lt;&lt; </a:t>
+            </a:r>
+            <a:r>
+              <a:rPr lang="en-US" altLang="ja-JP" sz="2400" dirty="0" err="1">
+                <a:ea typeface="ＭＳ ゴシック" panose="020B0609070205080204" pitchFamily="49" charset="-128"/>
+              </a:rPr>
+              <a:t>endl</a:t>
+            </a:r>
+            <a:r>
+              <a:rPr lang="en-US" altLang="ja-JP" sz="2400" dirty="0">
+                <a:ea typeface="ＭＳ ゴシック" panose="020B0609070205080204" pitchFamily="49" charset="-128"/>
+              </a:rPr>
+              <a:t>;</a:t>
+            </a:r>
+            <a:r>
+              <a:rPr lang="en-US" altLang="ja-JP" sz="2400" dirty="0">
+                <a:solidFill>
+                  <a:srgbClr val="00B050"/>
+                </a:solidFill>
+                <a:ea typeface="ＭＳ ゴシック" panose="020B0609070205080204" pitchFamily="49" charset="-128"/>
+              </a:rPr>
+              <a:t>// 9</a:t>
+            </a:r>
+          </a:p>
+          <a:p>
+            <a:r>
+              <a:rPr lang="en-US" altLang="ja-JP" sz="2400" dirty="0">
+                <a:ea typeface="ＭＳ ゴシック" panose="020B0609070205080204" pitchFamily="49" charset="-128"/>
+              </a:rPr>
+              <a:t>    </a:t>
+            </a:r>
+            <a:r>
+              <a:rPr lang="en-US" altLang="ja-JP" sz="2400" dirty="0" err="1">
+                <a:ea typeface="ＭＳ ゴシック" panose="020B0609070205080204" pitchFamily="49" charset="-128"/>
+              </a:rPr>
+              <a:t>cout</a:t>
+            </a:r>
+            <a:r>
+              <a:rPr lang="en-US" altLang="ja-JP" sz="2400" dirty="0">
+                <a:ea typeface="ＭＳ ゴシック" panose="020B0609070205080204" pitchFamily="49" charset="-128"/>
+              </a:rPr>
+              <a:t> &lt;&lt; </a:t>
+            </a:r>
+            <a:r>
+              <a:rPr lang="en-US" altLang="ja-JP" sz="2400" dirty="0" err="1">
+                <a:ea typeface="ＭＳ ゴシック" panose="020B0609070205080204" pitchFamily="49" charset="-128"/>
+              </a:rPr>
+              <a:t>tMap</a:t>
+            </a:r>
+            <a:r>
+              <a:rPr lang="en-US" altLang="ja-JP" sz="2400" dirty="0">
+                <a:ea typeface="ＭＳ ゴシック" panose="020B0609070205080204" pitchFamily="49" charset="-128"/>
+              </a:rPr>
+              <a:t>[4][“def"] &lt;&lt; </a:t>
+            </a:r>
+            <a:r>
+              <a:rPr lang="en-US" altLang="ja-JP" sz="2400" dirty="0" err="1">
+                <a:ea typeface="ＭＳ ゴシック" panose="020B0609070205080204" pitchFamily="49" charset="-128"/>
+              </a:rPr>
+              <a:t>endl</a:t>
+            </a:r>
+            <a:r>
+              <a:rPr lang="en-US" altLang="ja-JP" sz="2400" dirty="0">
+                <a:ea typeface="ＭＳ ゴシック" panose="020B0609070205080204" pitchFamily="49" charset="-128"/>
+              </a:rPr>
+              <a:t>;</a:t>
+            </a:r>
+            <a:r>
+              <a:rPr lang="en-US" altLang="ja-JP" sz="2400" dirty="0">
+                <a:solidFill>
+                  <a:srgbClr val="00B050"/>
+                </a:solidFill>
+                <a:ea typeface="ＭＳ ゴシック" panose="020B0609070205080204" pitchFamily="49" charset="-128"/>
+              </a:rPr>
+              <a:t>// 7</a:t>
+            </a:r>
+            <a:r>
+              <a:rPr lang="en-US" altLang="ja-JP" sz="2400" dirty="0">
+                <a:ea typeface="ＭＳ ゴシック" panose="020B0609070205080204" pitchFamily="49" charset="-128"/>
+              </a:rPr>
+              <a:t>    }</a:t>
+            </a:r>
+          </a:p>
+          <a:p>
+            <a:r>
+              <a:rPr lang="en-US" altLang="ja-JP" sz="2400" dirty="0">
+                <a:ea typeface="ＭＳ ゴシック" panose="020B0609070205080204" pitchFamily="49" charset="-128"/>
+              </a:rPr>
+              <a:t>//Map</a:t>
+            </a:r>
+            <a:r>
+              <a:rPr lang="ja-JP" altLang="en-US" sz="2400" dirty="0">
+                <a:ea typeface="ＭＳ ゴシック" panose="020B0609070205080204" pitchFamily="49" charset="-128"/>
+              </a:rPr>
+              <a:t>の二次元配列</a:t>
+            </a:r>
+            <a:endParaRPr kumimoji="1" lang="ja-JP" altLang="en-US" sz="9600" dirty="0"/>
+          </a:p>
+        </p:txBody>
+      </p:sp>
+    </p:spTree>
+    <p:extLst>
+      <p:ext uri="{BB962C8B-B14F-4D97-AF65-F5344CB8AC3E}">
+        <p14:creationId xmlns:p14="http://schemas.microsoft.com/office/powerpoint/2010/main" val="3394626763"/>
+      </p:ext>
+    </p:extLst>
+  </p:cSld>
+  <p:clrMapOvr>
+    <a:masterClrMapping/>
+  </p:clrMapOvr>
+</p:sld>
+</file>
+
+<file path=ppt/slides/slide16.xml><?xml version="1.0" encoding="utf-8"?>
 <p:sld xmlns:a="http://schemas.openxmlformats.org/drawingml/2006/main" xmlns:r="http://schemas.openxmlformats.org/officeDocument/2006/relationships" xmlns:p="http://schemas.openxmlformats.org/presentationml/2006/main">
   <p:cSld>
     <p:spTree>
